--- a/EyeBallMaze_Presentation.pptx
+++ b/EyeBallMaze_Presentation.pptx
@@ -6,6 +6,48 @@
   </p:sldMasterIdLst>
   <p:sldIdLst>
     <p:sldId id="256" r:id="rId2"/>
+    <p:sldId id="257" r:id="rId3"/>
+    <p:sldId id="258" r:id="rId4"/>
+    <p:sldId id="261" r:id="rId5"/>
+    <p:sldId id="259" r:id="rId6"/>
+    <p:sldId id="260" r:id="rId7"/>
+    <p:sldId id="262" r:id="rId8"/>
+    <p:sldId id="263" r:id="rId9"/>
+    <p:sldId id="264" r:id="rId10"/>
+    <p:sldId id="265" r:id="rId11"/>
+    <p:sldId id="266" r:id="rId12"/>
+    <p:sldId id="267" r:id="rId13"/>
+    <p:sldId id="268" r:id="rId14"/>
+    <p:sldId id="269" r:id="rId15"/>
+    <p:sldId id="270" r:id="rId16"/>
+    <p:sldId id="271" r:id="rId17"/>
+    <p:sldId id="272" r:id="rId18"/>
+    <p:sldId id="273" r:id="rId19"/>
+    <p:sldId id="274" r:id="rId20"/>
+    <p:sldId id="275" r:id="rId21"/>
+    <p:sldId id="276" r:id="rId22"/>
+    <p:sldId id="277" r:id="rId23"/>
+    <p:sldId id="278" r:id="rId24"/>
+    <p:sldId id="279" r:id="rId25"/>
+    <p:sldId id="280" r:id="rId26"/>
+    <p:sldId id="281" r:id="rId27"/>
+    <p:sldId id="282" r:id="rId28"/>
+    <p:sldId id="283" r:id="rId29"/>
+    <p:sldId id="284" r:id="rId30"/>
+    <p:sldId id="285" r:id="rId31"/>
+    <p:sldId id="286" r:id="rId32"/>
+    <p:sldId id="287" r:id="rId33"/>
+    <p:sldId id="290" r:id="rId34"/>
+    <p:sldId id="288" r:id="rId35"/>
+    <p:sldId id="289" r:id="rId36"/>
+    <p:sldId id="291" r:id="rId37"/>
+    <p:sldId id="292" r:id="rId38"/>
+    <p:sldId id="293" r:id="rId39"/>
+    <p:sldId id="294" r:id="rId40"/>
+    <p:sldId id="295" r:id="rId41"/>
+    <p:sldId id="296" r:id="rId42"/>
+    <p:sldId id="297" r:id="rId43"/>
+    <p:sldId id="298" r:id="rId44"/>
   </p:sldIdLst>
   <p:sldSz cx="12192000" cy="6858000"/>
   <p:notesSz cx="6858000" cy="9144000"/>
@@ -104,7 +146,576 @@
       </a:defRPr>
     </a:lvl9pPr>
   </p:defaultTextStyle>
+  <p:extLst>
+    <p:ext uri="{EFAFB233-063F-42B5-8137-9DF3F51BA10A}">
+      <p15:sldGuideLst xmlns:p15="http://schemas.microsoft.com/office/powerpoint/2012/main"/>
+    </p:ext>
+  </p:extLst>
 </p:presentation>
+</file>
+
+<file path=ppt/revisionInfo.xml><?xml version="1.0" encoding="utf-8"?>
+<p1510:revInfo xmlns:a="http://schemas.openxmlformats.org/drawingml/2006/main" xmlns:r="http://schemas.openxmlformats.org/officeDocument/2006/relationships" xmlns:p1510="http://schemas.microsoft.com/office/powerpoint/2015/10/main">
+  <p1510:revLst>
+    <p1510:client id="{17278916-E72B-4872-93EE-1C900CBE26A1}" v="75" dt="2023-04-01T06:25:00.090"/>
+  </p1510:revLst>
+</p1510:revInfo>
+</file>
+
+<file path=ppt/changesInfos/changesInfo1.xml><?xml version="1.0" encoding="utf-8"?>
+<pc:chgInfo xmlns:a="http://schemas.openxmlformats.org/drawingml/2006/main" xmlns:r="http://schemas.openxmlformats.org/officeDocument/2006/relationships" xmlns:ac="http://schemas.microsoft.com/office/drawing/2013/main/command" xmlns:pc="http://schemas.microsoft.com/office/powerpoint/2013/main/command">
+  <pc:docChgLst>
+    <pc:chgData name="Keagan Erasmus [kje0074]" userId="a17ad552-1b44-4ef3-aea9-8f0ee0ef8fa2" providerId="ADAL" clId="{17278916-E72B-4872-93EE-1C900CBE26A1}"/>
+    <pc:docChg chg="modSld">
+      <pc:chgData name="Keagan Erasmus [kje0074]" userId="a17ad552-1b44-4ef3-aea9-8f0ee0ef8fa2" providerId="ADAL" clId="{17278916-E72B-4872-93EE-1C900CBE26A1}" dt="2023-04-01T06:25:00.090" v="67"/>
+      <pc:docMkLst>
+        <pc:docMk/>
+      </pc:docMkLst>
+      <pc:sldChg chg="addSp delSp modSp">
+        <pc:chgData name="Keagan Erasmus [kje0074]" userId="a17ad552-1b44-4ef3-aea9-8f0ee0ef8fa2" providerId="ADAL" clId="{17278916-E72B-4872-93EE-1C900CBE26A1}" dt="2023-04-01T04:37:03.411" v="17"/>
+        <pc:sldMkLst>
+          <pc:docMk/>
+          <pc:sldMk cId="611020165" sldId="258"/>
+        </pc:sldMkLst>
+        <pc:spChg chg="mod">
+          <ac:chgData name="Keagan Erasmus [kje0074]" userId="a17ad552-1b44-4ef3-aea9-8f0ee0ef8fa2" providerId="ADAL" clId="{17278916-E72B-4872-93EE-1C900CBE26A1}" dt="2023-04-01T04:37:03.411" v="17"/>
+          <ac:spMkLst>
+            <pc:docMk/>
+            <pc:sldMk cId="611020165" sldId="258"/>
+            <ac:spMk id="3" creationId="{ECE75D48-5CD1-7635-8DB3-2107FBC6069C}"/>
+          </ac:spMkLst>
+        </pc:spChg>
+        <pc:spChg chg="add del">
+          <ac:chgData name="Keagan Erasmus [kje0074]" userId="a17ad552-1b44-4ef3-aea9-8f0ee0ef8fa2" providerId="ADAL" clId="{17278916-E72B-4872-93EE-1C900CBE26A1}" dt="2023-04-01T04:31:35.764" v="1"/>
+          <ac:spMkLst>
+            <pc:docMk/>
+            <pc:sldMk cId="611020165" sldId="258"/>
+            <ac:spMk id="4" creationId="{D36F7689-02A6-17DC-0CE9-F8A2CB1FC74F}"/>
+          </ac:spMkLst>
+        </pc:spChg>
+        <pc:spChg chg="add del">
+          <ac:chgData name="Keagan Erasmus [kje0074]" userId="a17ad552-1b44-4ef3-aea9-8f0ee0ef8fa2" providerId="ADAL" clId="{17278916-E72B-4872-93EE-1C900CBE26A1}" dt="2023-04-01T04:31:45.698" v="7"/>
+          <ac:spMkLst>
+            <pc:docMk/>
+            <pc:sldMk cId="611020165" sldId="258"/>
+            <ac:spMk id="5" creationId="{B58ECD57-A093-C6EA-5400-6B0AD66A27A6}"/>
+          </ac:spMkLst>
+        </pc:spChg>
+        <pc:spChg chg="add del">
+          <ac:chgData name="Keagan Erasmus [kje0074]" userId="a17ad552-1b44-4ef3-aea9-8f0ee0ef8fa2" providerId="ADAL" clId="{17278916-E72B-4872-93EE-1C900CBE26A1}" dt="2023-04-01T04:32:01.043" v="10"/>
+          <ac:spMkLst>
+            <pc:docMk/>
+            <pc:sldMk cId="611020165" sldId="258"/>
+            <ac:spMk id="6" creationId="{92432B39-933F-5EF9-3D7D-7D2150ECD313}"/>
+          </ac:spMkLst>
+        </pc:spChg>
+        <pc:spChg chg="add del">
+          <ac:chgData name="Keagan Erasmus [kje0074]" userId="a17ad552-1b44-4ef3-aea9-8f0ee0ef8fa2" providerId="ADAL" clId="{17278916-E72B-4872-93EE-1C900CBE26A1}" dt="2023-04-01T04:32:12.451" v="13"/>
+          <ac:spMkLst>
+            <pc:docMk/>
+            <pc:sldMk cId="611020165" sldId="258"/>
+            <ac:spMk id="7" creationId="{60401196-6BCC-D1B2-FA0B-0D66B9091614}"/>
+          </ac:spMkLst>
+        </pc:spChg>
+        <pc:spChg chg="add del">
+          <ac:chgData name="Keagan Erasmus [kje0074]" userId="a17ad552-1b44-4ef3-aea9-8f0ee0ef8fa2" providerId="ADAL" clId="{17278916-E72B-4872-93EE-1C900CBE26A1}" dt="2023-04-01T04:37:03.406" v="16"/>
+          <ac:spMkLst>
+            <pc:docMk/>
+            <pc:sldMk cId="611020165" sldId="258"/>
+            <ac:spMk id="8" creationId="{568CD772-506B-8132-CC51-407AF7424299}"/>
+          </ac:spMkLst>
+        </pc:spChg>
+      </pc:sldChg>
+      <pc:sldChg chg="addSp modSp">
+        <pc:chgData name="Keagan Erasmus [kje0074]" userId="a17ad552-1b44-4ef3-aea9-8f0ee0ef8fa2" providerId="ADAL" clId="{17278916-E72B-4872-93EE-1C900CBE26A1}" dt="2023-04-01T04:37:46.400" v="18"/>
+        <pc:sldMkLst>
+          <pc:docMk/>
+          <pc:sldMk cId="2942037434" sldId="261"/>
+        </pc:sldMkLst>
+        <pc:picChg chg="add mod">
+          <ac:chgData name="Keagan Erasmus [kje0074]" userId="a17ad552-1b44-4ef3-aea9-8f0ee0ef8fa2" providerId="ADAL" clId="{17278916-E72B-4872-93EE-1C900CBE26A1}" dt="2023-04-01T04:37:46.400" v="18"/>
+          <ac:picMkLst>
+            <pc:docMk/>
+            <pc:sldMk cId="2942037434" sldId="261"/>
+            <ac:picMk id="6" creationId="{09C1FC3B-2983-EF67-8501-3607ECD751C5}"/>
+          </ac:picMkLst>
+        </pc:picChg>
+        <pc:picChg chg="add mod">
+          <ac:chgData name="Keagan Erasmus [kje0074]" userId="a17ad552-1b44-4ef3-aea9-8f0ee0ef8fa2" providerId="ADAL" clId="{17278916-E72B-4872-93EE-1C900CBE26A1}" dt="2023-04-01T04:37:46.400" v="18"/>
+          <ac:picMkLst>
+            <pc:docMk/>
+            <pc:sldMk cId="2942037434" sldId="261"/>
+            <ac:picMk id="7" creationId="{BB6E2359-4A57-4F44-5E68-EFF2DD66943E}"/>
+          </ac:picMkLst>
+        </pc:picChg>
+      </pc:sldChg>
+      <pc:sldChg chg="addSp delSp modSp">
+        <pc:chgData name="Keagan Erasmus [kje0074]" userId="a17ad552-1b44-4ef3-aea9-8f0ee0ef8fa2" providerId="ADAL" clId="{17278916-E72B-4872-93EE-1C900CBE26A1}" dt="2023-04-01T04:42:58.966" v="22"/>
+        <pc:sldMkLst>
+          <pc:docMk/>
+          <pc:sldMk cId="190525116" sldId="262"/>
+        </pc:sldMkLst>
+        <pc:spChg chg="add del mod">
+          <ac:chgData name="Keagan Erasmus [kje0074]" userId="a17ad552-1b44-4ef3-aea9-8f0ee0ef8fa2" providerId="ADAL" clId="{17278916-E72B-4872-93EE-1C900CBE26A1}" dt="2023-04-01T04:41:47.088" v="21"/>
+          <ac:spMkLst>
+            <pc:docMk/>
+            <pc:sldMk cId="190525116" sldId="262"/>
+            <ac:spMk id="2" creationId="{871C7227-2896-D1CF-855A-CA00A3FBA8BC}"/>
+          </ac:spMkLst>
+        </pc:spChg>
+        <pc:spChg chg="add del mod">
+          <ac:chgData name="Keagan Erasmus [kje0074]" userId="a17ad552-1b44-4ef3-aea9-8f0ee0ef8fa2" providerId="ADAL" clId="{17278916-E72B-4872-93EE-1C900CBE26A1}" dt="2023-04-01T04:41:47.083" v="20"/>
+          <ac:spMkLst>
+            <pc:docMk/>
+            <pc:sldMk cId="190525116" sldId="262"/>
+            <ac:spMk id="4" creationId="{B0E7719E-5D8C-EC8B-ED63-E8BA24FCC7FC}"/>
+          </ac:spMkLst>
+        </pc:spChg>
+        <pc:picChg chg="add mod">
+          <ac:chgData name="Keagan Erasmus [kje0074]" userId="a17ad552-1b44-4ef3-aea9-8f0ee0ef8fa2" providerId="ADAL" clId="{17278916-E72B-4872-93EE-1C900CBE26A1}" dt="2023-04-01T04:42:58.966" v="22"/>
+          <ac:picMkLst>
+            <pc:docMk/>
+            <pc:sldMk cId="190525116" sldId="262"/>
+            <ac:picMk id="5" creationId="{600A5EC7-1235-A25D-60B3-E6C82E2F229B}"/>
+          </ac:picMkLst>
+        </pc:picChg>
+        <pc:picChg chg="add mod">
+          <ac:chgData name="Keagan Erasmus [kje0074]" userId="a17ad552-1b44-4ef3-aea9-8f0ee0ef8fa2" providerId="ADAL" clId="{17278916-E72B-4872-93EE-1C900CBE26A1}" dt="2023-04-01T04:42:58.966" v="22"/>
+          <ac:picMkLst>
+            <pc:docMk/>
+            <pc:sldMk cId="190525116" sldId="262"/>
+            <ac:picMk id="6" creationId="{BE1D7A08-5E3B-71CE-9719-9FA3771779FF}"/>
+          </ac:picMkLst>
+        </pc:picChg>
+      </pc:sldChg>
+      <pc:sldChg chg="addSp delSp modSp">
+        <pc:chgData name="Keagan Erasmus [kje0074]" userId="a17ad552-1b44-4ef3-aea9-8f0ee0ef8fa2" providerId="ADAL" clId="{17278916-E72B-4872-93EE-1C900CBE26A1}" dt="2023-04-01T04:47:31.061" v="25"/>
+        <pc:sldMkLst>
+          <pc:docMk/>
+          <pc:sldMk cId="618831073" sldId="263"/>
+        </pc:sldMkLst>
+        <pc:spChg chg="add del mod">
+          <ac:chgData name="Keagan Erasmus [kje0074]" userId="a17ad552-1b44-4ef3-aea9-8f0ee0ef8fa2" providerId="ADAL" clId="{17278916-E72B-4872-93EE-1C900CBE26A1}" dt="2023-04-01T04:47:31.061" v="25"/>
+          <ac:spMkLst>
+            <pc:docMk/>
+            <pc:sldMk cId="618831073" sldId="263"/>
+            <ac:spMk id="2" creationId="{A2C3D79F-1DC2-1CBA-D128-DD0A4BF02770}"/>
+          </ac:spMkLst>
+        </pc:spChg>
+        <pc:spChg chg="add del mod">
+          <ac:chgData name="Keagan Erasmus [kje0074]" userId="a17ad552-1b44-4ef3-aea9-8f0ee0ef8fa2" providerId="ADAL" clId="{17278916-E72B-4872-93EE-1C900CBE26A1}" dt="2023-04-01T04:47:31.057" v="24"/>
+          <ac:spMkLst>
+            <pc:docMk/>
+            <pc:sldMk cId="618831073" sldId="263"/>
+            <ac:spMk id="4" creationId="{E3751965-3458-573C-BC54-10F79E8EC6D8}"/>
+          </ac:spMkLst>
+        </pc:spChg>
+      </pc:sldChg>
+      <pc:sldChg chg="addSp delSp modSp">
+        <pc:chgData name="Keagan Erasmus [kje0074]" userId="a17ad552-1b44-4ef3-aea9-8f0ee0ef8fa2" providerId="ADAL" clId="{17278916-E72B-4872-93EE-1C900CBE26A1}" dt="2023-04-01T04:55:07.826" v="29"/>
+        <pc:sldMkLst>
+          <pc:docMk/>
+          <pc:sldMk cId="3797046698" sldId="264"/>
+        </pc:sldMkLst>
+        <pc:spChg chg="add del mod">
+          <ac:chgData name="Keagan Erasmus [kje0074]" userId="a17ad552-1b44-4ef3-aea9-8f0ee0ef8fa2" providerId="ADAL" clId="{17278916-E72B-4872-93EE-1C900CBE26A1}" dt="2023-04-01T04:54:08.900" v="28"/>
+          <ac:spMkLst>
+            <pc:docMk/>
+            <pc:sldMk cId="3797046698" sldId="264"/>
+            <ac:spMk id="2" creationId="{701D15D4-1FC5-C5E3-91FD-1FA818A387C3}"/>
+          </ac:spMkLst>
+        </pc:spChg>
+        <pc:spChg chg="del">
+          <ac:chgData name="Keagan Erasmus [kje0074]" userId="a17ad552-1b44-4ef3-aea9-8f0ee0ef8fa2" providerId="ADAL" clId="{17278916-E72B-4872-93EE-1C900CBE26A1}" dt="2023-04-01T04:55:07.826" v="29"/>
+          <ac:spMkLst>
+            <pc:docMk/>
+            <pc:sldMk cId="3797046698" sldId="264"/>
+            <ac:spMk id="3" creationId="{982C549D-07A4-19C3-0285-E3DA38D21FE8}"/>
+          </ac:spMkLst>
+        </pc:spChg>
+        <pc:spChg chg="add del mod">
+          <ac:chgData name="Keagan Erasmus [kje0074]" userId="a17ad552-1b44-4ef3-aea9-8f0ee0ef8fa2" providerId="ADAL" clId="{17278916-E72B-4872-93EE-1C900CBE26A1}" dt="2023-04-01T04:54:08.895" v="27"/>
+          <ac:spMkLst>
+            <pc:docMk/>
+            <pc:sldMk cId="3797046698" sldId="264"/>
+            <ac:spMk id="4" creationId="{761FB06A-5E9F-819A-8308-DE48B1582134}"/>
+          </ac:spMkLst>
+        </pc:spChg>
+        <pc:picChg chg="add mod">
+          <ac:chgData name="Keagan Erasmus [kje0074]" userId="a17ad552-1b44-4ef3-aea9-8f0ee0ef8fa2" providerId="ADAL" clId="{17278916-E72B-4872-93EE-1C900CBE26A1}" dt="2023-04-01T04:55:07.826" v="29"/>
+          <ac:picMkLst>
+            <pc:docMk/>
+            <pc:sldMk cId="3797046698" sldId="264"/>
+            <ac:picMk id="5" creationId="{13DAF090-99A8-238A-9FD4-535FA2BD34B9}"/>
+          </ac:picMkLst>
+        </pc:picChg>
+      </pc:sldChg>
+      <pc:sldChg chg="addSp delSp modSp">
+        <pc:chgData name="Keagan Erasmus [kje0074]" userId="a17ad552-1b44-4ef3-aea9-8f0ee0ef8fa2" providerId="ADAL" clId="{17278916-E72B-4872-93EE-1C900CBE26A1}" dt="2023-04-01T04:59:46.967" v="34"/>
+        <pc:sldMkLst>
+          <pc:docMk/>
+          <pc:sldMk cId="686812950" sldId="265"/>
+        </pc:sldMkLst>
+        <pc:spChg chg="mod">
+          <ac:chgData name="Keagan Erasmus [kje0074]" userId="a17ad552-1b44-4ef3-aea9-8f0ee0ef8fa2" providerId="ADAL" clId="{17278916-E72B-4872-93EE-1C900CBE26A1}" dt="2023-04-01T04:59:46.967" v="34"/>
+          <ac:spMkLst>
+            <pc:docMk/>
+            <pc:sldMk cId="686812950" sldId="265"/>
+            <ac:spMk id="3" creationId="{B8096876-B126-71D4-7A70-D676769A590F}"/>
+          </ac:spMkLst>
+        </pc:spChg>
+        <pc:spChg chg="add del">
+          <ac:chgData name="Keagan Erasmus [kje0074]" userId="a17ad552-1b44-4ef3-aea9-8f0ee0ef8fa2" providerId="ADAL" clId="{17278916-E72B-4872-93EE-1C900CBE26A1}" dt="2023-04-01T04:59:46.934" v="33"/>
+          <ac:spMkLst>
+            <pc:docMk/>
+            <pc:sldMk cId="686812950" sldId="265"/>
+            <ac:spMk id="4" creationId="{87056617-317D-0BB0-6F27-5E6032D32721}"/>
+          </ac:spMkLst>
+        </pc:spChg>
+      </pc:sldChg>
+      <pc:sldChg chg="addSp delSp modSp">
+        <pc:chgData name="Keagan Erasmus [kje0074]" userId="a17ad552-1b44-4ef3-aea9-8f0ee0ef8fa2" providerId="ADAL" clId="{17278916-E72B-4872-93EE-1C900CBE26A1}" dt="2023-04-01T05:02:03.970" v="35"/>
+        <pc:sldMkLst>
+          <pc:docMk/>
+          <pc:sldMk cId="1769763954" sldId="268"/>
+        </pc:sldMkLst>
+        <pc:spChg chg="del">
+          <ac:chgData name="Keagan Erasmus [kje0074]" userId="a17ad552-1b44-4ef3-aea9-8f0ee0ef8fa2" providerId="ADAL" clId="{17278916-E72B-4872-93EE-1C900CBE26A1}" dt="2023-04-01T05:02:03.970" v="35"/>
+          <ac:spMkLst>
+            <pc:docMk/>
+            <pc:sldMk cId="1769763954" sldId="268"/>
+            <ac:spMk id="3" creationId="{07D68268-A8AE-00C7-22F7-57720B6FFEAC}"/>
+          </ac:spMkLst>
+        </pc:spChg>
+        <pc:picChg chg="add mod">
+          <ac:chgData name="Keagan Erasmus [kje0074]" userId="a17ad552-1b44-4ef3-aea9-8f0ee0ef8fa2" providerId="ADAL" clId="{17278916-E72B-4872-93EE-1C900CBE26A1}" dt="2023-04-01T05:02:03.970" v="35"/>
+          <ac:picMkLst>
+            <pc:docMk/>
+            <pc:sldMk cId="1769763954" sldId="268"/>
+            <ac:picMk id="4" creationId="{BA297184-8D2A-CA32-2EC9-35AD26797261}"/>
+          </ac:picMkLst>
+        </pc:picChg>
+      </pc:sldChg>
+      <pc:sldChg chg="addSp delSp modSp">
+        <pc:chgData name="Keagan Erasmus [kje0074]" userId="a17ad552-1b44-4ef3-aea9-8f0ee0ef8fa2" providerId="ADAL" clId="{17278916-E72B-4872-93EE-1C900CBE26A1}" dt="2023-04-01T05:04:24.735" v="36"/>
+        <pc:sldMkLst>
+          <pc:docMk/>
+          <pc:sldMk cId="1650573631" sldId="269"/>
+        </pc:sldMkLst>
+        <pc:spChg chg="del">
+          <ac:chgData name="Keagan Erasmus [kje0074]" userId="a17ad552-1b44-4ef3-aea9-8f0ee0ef8fa2" providerId="ADAL" clId="{17278916-E72B-4872-93EE-1C900CBE26A1}" dt="2023-04-01T05:04:24.735" v="36"/>
+          <ac:spMkLst>
+            <pc:docMk/>
+            <pc:sldMk cId="1650573631" sldId="269"/>
+            <ac:spMk id="3" creationId="{CBEDA3CF-62D6-23BE-40B5-2383668EF0DA}"/>
+          </ac:spMkLst>
+        </pc:spChg>
+        <pc:picChg chg="add mod">
+          <ac:chgData name="Keagan Erasmus [kje0074]" userId="a17ad552-1b44-4ef3-aea9-8f0ee0ef8fa2" providerId="ADAL" clId="{17278916-E72B-4872-93EE-1C900CBE26A1}" dt="2023-04-01T05:04:24.735" v="36"/>
+          <ac:picMkLst>
+            <pc:docMk/>
+            <pc:sldMk cId="1650573631" sldId="269"/>
+            <ac:picMk id="4" creationId="{78A8DCEB-762C-A7F1-0799-84B41D03A089}"/>
+          </ac:picMkLst>
+        </pc:picChg>
+      </pc:sldChg>
+      <pc:sldChg chg="addSp delSp modSp">
+        <pc:chgData name="Keagan Erasmus [kje0074]" userId="a17ad552-1b44-4ef3-aea9-8f0ee0ef8fa2" providerId="ADAL" clId="{17278916-E72B-4872-93EE-1C900CBE26A1}" dt="2023-04-01T05:06:14.033" v="39"/>
+        <pc:sldMkLst>
+          <pc:docMk/>
+          <pc:sldMk cId="3694396411" sldId="270"/>
+        </pc:sldMkLst>
+        <pc:spChg chg="add del mod">
+          <ac:chgData name="Keagan Erasmus [kje0074]" userId="a17ad552-1b44-4ef3-aea9-8f0ee0ef8fa2" providerId="ADAL" clId="{17278916-E72B-4872-93EE-1C900CBE26A1}" dt="2023-04-01T05:06:14.033" v="39"/>
+          <ac:spMkLst>
+            <pc:docMk/>
+            <pc:sldMk cId="3694396411" sldId="270"/>
+            <ac:spMk id="3" creationId="{CABEFC7D-3B71-B944-D64B-C07C8F08E522}"/>
+          </ac:spMkLst>
+        </pc:spChg>
+        <pc:spChg chg="add del mod">
+          <ac:chgData name="Keagan Erasmus [kje0074]" userId="a17ad552-1b44-4ef3-aea9-8f0ee0ef8fa2" providerId="ADAL" clId="{17278916-E72B-4872-93EE-1C900CBE26A1}" dt="2023-04-01T05:06:14.029" v="38"/>
+          <ac:spMkLst>
+            <pc:docMk/>
+            <pc:sldMk cId="3694396411" sldId="270"/>
+            <ac:spMk id="4" creationId="{D49A3FEA-237C-A2D7-75D3-C97E8B90C945}"/>
+          </ac:spMkLst>
+        </pc:spChg>
+      </pc:sldChg>
+      <pc:sldChg chg="addSp delSp modSp">
+        <pc:chgData name="Keagan Erasmus [kje0074]" userId="a17ad552-1b44-4ef3-aea9-8f0ee0ef8fa2" providerId="ADAL" clId="{17278916-E72B-4872-93EE-1C900CBE26A1}" dt="2023-04-01T05:50:41.376" v="57" actId="20578"/>
+        <pc:sldMkLst>
+          <pc:docMk/>
+          <pc:sldMk cId="1755810356" sldId="277"/>
+        </pc:sldMkLst>
+        <pc:spChg chg="mod">
+          <ac:chgData name="Keagan Erasmus [kje0074]" userId="a17ad552-1b44-4ef3-aea9-8f0ee0ef8fa2" providerId="ADAL" clId="{17278916-E72B-4872-93EE-1C900CBE26A1}" dt="2023-04-01T05:50:41.376" v="57" actId="20578"/>
+          <ac:spMkLst>
+            <pc:docMk/>
+            <pc:sldMk cId="1755810356" sldId="277"/>
+            <ac:spMk id="3" creationId="{B9EF7BBC-1C94-43DE-3A82-C7C05205C9AE}"/>
+          </ac:spMkLst>
+        </pc:spChg>
+        <pc:spChg chg="add del">
+          <ac:chgData name="Keagan Erasmus [kje0074]" userId="a17ad552-1b44-4ef3-aea9-8f0ee0ef8fa2" providerId="ADAL" clId="{17278916-E72B-4872-93EE-1C900CBE26A1}" dt="2023-04-01T05:40:29.582" v="41"/>
+          <ac:spMkLst>
+            <pc:docMk/>
+            <pc:sldMk cId="1755810356" sldId="277"/>
+            <ac:spMk id="4" creationId="{11A3F389-81FD-D965-2355-217493A2AFDE}"/>
+          </ac:spMkLst>
+        </pc:spChg>
+        <pc:spChg chg="add del">
+          <ac:chgData name="Keagan Erasmus [kje0074]" userId="a17ad552-1b44-4ef3-aea9-8f0ee0ef8fa2" providerId="ADAL" clId="{17278916-E72B-4872-93EE-1C900CBE26A1}" dt="2023-04-01T05:40:37.637" v="44"/>
+          <ac:spMkLst>
+            <pc:docMk/>
+            <pc:sldMk cId="1755810356" sldId="277"/>
+            <ac:spMk id="5" creationId="{861A8704-0732-1F96-49F7-9CF5AAC6EF34}"/>
+          </ac:spMkLst>
+        </pc:spChg>
+        <pc:spChg chg="add del">
+          <ac:chgData name="Keagan Erasmus [kje0074]" userId="a17ad552-1b44-4ef3-aea9-8f0ee0ef8fa2" providerId="ADAL" clId="{17278916-E72B-4872-93EE-1C900CBE26A1}" dt="2023-04-01T05:41:23.846" v="47"/>
+          <ac:spMkLst>
+            <pc:docMk/>
+            <pc:sldMk cId="1755810356" sldId="277"/>
+            <ac:spMk id="6" creationId="{5BCF1AD4-B70E-3174-92ED-5A1C28FC65E4}"/>
+          </ac:spMkLst>
+        </pc:spChg>
+        <pc:spChg chg="add del">
+          <ac:chgData name="Keagan Erasmus [kje0074]" userId="a17ad552-1b44-4ef3-aea9-8f0ee0ef8fa2" providerId="ADAL" clId="{17278916-E72B-4872-93EE-1C900CBE26A1}" dt="2023-04-01T05:41:33.590" v="50"/>
+          <ac:spMkLst>
+            <pc:docMk/>
+            <pc:sldMk cId="1755810356" sldId="277"/>
+            <ac:spMk id="7" creationId="{A4969E3F-A986-9A5C-2C4D-302301D2C635}"/>
+          </ac:spMkLst>
+        </pc:spChg>
+        <pc:spChg chg="add del">
+          <ac:chgData name="Keagan Erasmus [kje0074]" userId="a17ad552-1b44-4ef3-aea9-8f0ee0ef8fa2" providerId="ADAL" clId="{17278916-E72B-4872-93EE-1C900CBE26A1}" dt="2023-04-01T05:41:41.790" v="53"/>
+          <ac:spMkLst>
+            <pc:docMk/>
+            <pc:sldMk cId="1755810356" sldId="277"/>
+            <ac:spMk id="8" creationId="{5572161E-60F2-F147-AF13-DA1485A555F4}"/>
+          </ac:spMkLst>
+        </pc:spChg>
+      </pc:sldChg>
+      <pc:sldChg chg="addSp modSp">
+        <pc:chgData name="Keagan Erasmus [kje0074]" userId="a17ad552-1b44-4ef3-aea9-8f0ee0ef8fa2" providerId="ADAL" clId="{17278916-E72B-4872-93EE-1C900CBE26A1}" dt="2023-04-01T05:45:05.929" v="55"/>
+        <pc:sldMkLst>
+          <pc:docMk/>
+          <pc:sldMk cId="613419367" sldId="279"/>
+        </pc:sldMkLst>
+        <pc:picChg chg="add mod">
+          <ac:chgData name="Keagan Erasmus [kje0074]" userId="a17ad552-1b44-4ef3-aea9-8f0ee0ef8fa2" providerId="ADAL" clId="{17278916-E72B-4872-93EE-1C900CBE26A1}" dt="2023-04-01T05:45:05.929" v="55"/>
+          <ac:picMkLst>
+            <pc:docMk/>
+            <pc:sldMk cId="613419367" sldId="279"/>
+            <ac:picMk id="4" creationId="{69086761-9C13-61EC-2475-18099FDA368A}"/>
+          </ac:picMkLst>
+        </pc:picChg>
+        <pc:picChg chg="add mod">
+          <ac:chgData name="Keagan Erasmus [kje0074]" userId="a17ad552-1b44-4ef3-aea9-8f0ee0ef8fa2" providerId="ADAL" clId="{17278916-E72B-4872-93EE-1C900CBE26A1}" dt="2023-04-01T05:45:05.929" v="55"/>
+          <ac:picMkLst>
+            <pc:docMk/>
+            <pc:sldMk cId="613419367" sldId="279"/>
+            <ac:picMk id="5" creationId="{2D292BE1-D25F-12D9-20BD-6A361391BF0E}"/>
+          </ac:picMkLst>
+        </pc:picChg>
+        <pc:picChg chg="add mod">
+          <ac:chgData name="Keagan Erasmus [kje0074]" userId="a17ad552-1b44-4ef3-aea9-8f0ee0ef8fa2" providerId="ADAL" clId="{17278916-E72B-4872-93EE-1C900CBE26A1}" dt="2023-04-01T05:45:05.929" v="55"/>
+          <ac:picMkLst>
+            <pc:docMk/>
+            <pc:sldMk cId="613419367" sldId="279"/>
+            <ac:picMk id="6" creationId="{9108B265-AA38-BDA8-2A52-958A6F55D61C}"/>
+          </ac:picMkLst>
+        </pc:picChg>
+        <pc:picChg chg="add mod">
+          <ac:chgData name="Keagan Erasmus [kje0074]" userId="a17ad552-1b44-4ef3-aea9-8f0ee0ef8fa2" providerId="ADAL" clId="{17278916-E72B-4872-93EE-1C900CBE26A1}" dt="2023-04-01T05:45:05.929" v="55"/>
+          <ac:picMkLst>
+            <pc:docMk/>
+            <pc:sldMk cId="613419367" sldId="279"/>
+            <ac:picMk id="7" creationId="{E55A5F08-1524-9878-E1C9-0AF234AA7246}"/>
+          </ac:picMkLst>
+        </pc:picChg>
+      </pc:sldChg>
+      <pc:sldChg chg="addSp modSp">
+        <pc:chgData name="Keagan Erasmus [kje0074]" userId="a17ad552-1b44-4ef3-aea9-8f0ee0ef8fa2" providerId="ADAL" clId="{17278916-E72B-4872-93EE-1C900CBE26A1}" dt="2023-04-01T05:50:13.911" v="56"/>
+        <pc:sldMkLst>
+          <pc:docMk/>
+          <pc:sldMk cId="1337394221" sldId="281"/>
+        </pc:sldMkLst>
+        <pc:picChg chg="add mod">
+          <ac:chgData name="Keagan Erasmus [kje0074]" userId="a17ad552-1b44-4ef3-aea9-8f0ee0ef8fa2" providerId="ADAL" clId="{17278916-E72B-4872-93EE-1C900CBE26A1}" dt="2023-04-01T05:50:13.911" v="56"/>
+          <ac:picMkLst>
+            <pc:docMk/>
+            <pc:sldMk cId="1337394221" sldId="281"/>
+            <ac:picMk id="4" creationId="{4E5EDD4B-64A9-DFA2-9F73-A6591F348217}"/>
+          </ac:picMkLst>
+        </pc:picChg>
+        <pc:picChg chg="add mod">
+          <ac:chgData name="Keagan Erasmus [kje0074]" userId="a17ad552-1b44-4ef3-aea9-8f0ee0ef8fa2" providerId="ADAL" clId="{17278916-E72B-4872-93EE-1C900CBE26A1}" dt="2023-04-01T05:50:13.911" v="56"/>
+          <ac:picMkLst>
+            <pc:docMk/>
+            <pc:sldMk cId="1337394221" sldId="281"/>
+            <ac:picMk id="5" creationId="{A00F5DC9-2595-20FD-779A-304732C0DEF6}"/>
+          </ac:picMkLst>
+        </pc:picChg>
+      </pc:sldChg>
+      <pc:sldChg chg="addSp delSp modSp">
+        <pc:chgData name="Keagan Erasmus [kje0074]" userId="a17ad552-1b44-4ef3-aea9-8f0ee0ef8fa2" providerId="ADAL" clId="{17278916-E72B-4872-93EE-1C900CBE26A1}" dt="2023-04-01T05:53:03.715" v="58"/>
+        <pc:sldMkLst>
+          <pc:docMk/>
+          <pc:sldMk cId="593154966" sldId="284"/>
+        </pc:sldMkLst>
+        <pc:spChg chg="del">
+          <ac:chgData name="Keagan Erasmus [kje0074]" userId="a17ad552-1b44-4ef3-aea9-8f0ee0ef8fa2" providerId="ADAL" clId="{17278916-E72B-4872-93EE-1C900CBE26A1}" dt="2023-04-01T05:53:03.715" v="58"/>
+          <ac:spMkLst>
+            <pc:docMk/>
+            <pc:sldMk cId="593154966" sldId="284"/>
+            <ac:spMk id="3" creationId="{C840947C-9BB7-05A8-2B51-0B2DE87348C7}"/>
+          </ac:spMkLst>
+        </pc:spChg>
+        <pc:picChg chg="add mod">
+          <ac:chgData name="Keagan Erasmus [kje0074]" userId="a17ad552-1b44-4ef3-aea9-8f0ee0ef8fa2" providerId="ADAL" clId="{17278916-E72B-4872-93EE-1C900CBE26A1}" dt="2023-04-01T05:53:03.715" v="58"/>
+          <ac:picMkLst>
+            <pc:docMk/>
+            <pc:sldMk cId="593154966" sldId="284"/>
+            <ac:picMk id="4" creationId="{EBED7718-D2D5-79B7-BA3B-000F9BAF5865}"/>
+          </ac:picMkLst>
+        </pc:picChg>
+      </pc:sldChg>
+      <pc:sldChg chg="addSp modSp">
+        <pc:chgData name="Keagan Erasmus [kje0074]" userId="a17ad552-1b44-4ef3-aea9-8f0ee0ef8fa2" providerId="ADAL" clId="{17278916-E72B-4872-93EE-1C900CBE26A1}" dt="2023-04-01T06:17:29.836" v="59"/>
+        <pc:sldMkLst>
+          <pc:docMk/>
+          <pc:sldMk cId="2197261846" sldId="291"/>
+        </pc:sldMkLst>
+        <pc:picChg chg="add mod">
+          <ac:chgData name="Keagan Erasmus [kje0074]" userId="a17ad552-1b44-4ef3-aea9-8f0ee0ef8fa2" providerId="ADAL" clId="{17278916-E72B-4872-93EE-1C900CBE26A1}" dt="2023-04-01T06:17:29.836" v="59"/>
+          <ac:picMkLst>
+            <pc:docMk/>
+            <pc:sldMk cId="2197261846" sldId="291"/>
+            <ac:picMk id="4" creationId="{9753F701-A5F2-29B9-7610-FB72E0AE8E50}"/>
+          </ac:picMkLst>
+        </pc:picChg>
+        <pc:picChg chg="add mod">
+          <ac:chgData name="Keagan Erasmus [kje0074]" userId="a17ad552-1b44-4ef3-aea9-8f0ee0ef8fa2" providerId="ADAL" clId="{17278916-E72B-4872-93EE-1C900CBE26A1}" dt="2023-04-01T06:17:29.836" v="59"/>
+          <ac:picMkLst>
+            <pc:docMk/>
+            <pc:sldMk cId="2197261846" sldId="291"/>
+            <ac:picMk id="5" creationId="{2AC6623B-BC1C-5C06-A053-D0D1AC60DA97}"/>
+          </ac:picMkLst>
+        </pc:picChg>
+      </pc:sldChg>
+      <pc:sldChg chg="addSp modSp">
+        <pc:chgData name="Keagan Erasmus [kje0074]" userId="a17ad552-1b44-4ef3-aea9-8f0ee0ef8fa2" providerId="ADAL" clId="{17278916-E72B-4872-93EE-1C900CBE26A1}" dt="2023-04-01T06:18:41.962" v="60"/>
+        <pc:sldMkLst>
+          <pc:docMk/>
+          <pc:sldMk cId="1867848270" sldId="292"/>
+        </pc:sldMkLst>
+        <pc:picChg chg="add mod">
+          <ac:chgData name="Keagan Erasmus [kje0074]" userId="a17ad552-1b44-4ef3-aea9-8f0ee0ef8fa2" providerId="ADAL" clId="{17278916-E72B-4872-93EE-1C900CBE26A1}" dt="2023-04-01T06:18:41.962" v="60"/>
+          <ac:picMkLst>
+            <pc:docMk/>
+            <pc:sldMk cId="1867848270" sldId="292"/>
+            <ac:picMk id="6" creationId="{51146C75-4033-9E7C-DF72-BC889B49EB49}"/>
+          </ac:picMkLst>
+        </pc:picChg>
+      </pc:sldChg>
+      <pc:sldChg chg="addSp modSp">
+        <pc:chgData name="Keagan Erasmus [kje0074]" userId="a17ad552-1b44-4ef3-aea9-8f0ee0ef8fa2" providerId="ADAL" clId="{17278916-E72B-4872-93EE-1C900CBE26A1}" dt="2023-04-01T06:21:07.403" v="61"/>
+        <pc:sldMkLst>
+          <pc:docMk/>
+          <pc:sldMk cId="4190438080" sldId="294"/>
+        </pc:sldMkLst>
+        <pc:picChg chg="add mod">
+          <ac:chgData name="Keagan Erasmus [kje0074]" userId="a17ad552-1b44-4ef3-aea9-8f0ee0ef8fa2" providerId="ADAL" clId="{17278916-E72B-4872-93EE-1C900CBE26A1}" dt="2023-04-01T06:21:07.403" v="61"/>
+          <ac:picMkLst>
+            <pc:docMk/>
+            <pc:sldMk cId="4190438080" sldId="294"/>
+            <ac:picMk id="4" creationId="{9FFCBA2F-7C97-0B7B-1D38-B41F684775A0}"/>
+          </ac:picMkLst>
+        </pc:picChg>
+        <pc:picChg chg="add mod">
+          <ac:chgData name="Keagan Erasmus [kje0074]" userId="a17ad552-1b44-4ef3-aea9-8f0ee0ef8fa2" providerId="ADAL" clId="{17278916-E72B-4872-93EE-1C900CBE26A1}" dt="2023-04-01T06:21:07.403" v="61"/>
+          <ac:picMkLst>
+            <pc:docMk/>
+            <pc:sldMk cId="4190438080" sldId="294"/>
+            <ac:picMk id="5" creationId="{67F79E68-84D2-7764-CEE9-73DC6E49F87B}"/>
+          </ac:picMkLst>
+        </pc:picChg>
+        <pc:picChg chg="add mod">
+          <ac:chgData name="Keagan Erasmus [kje0074]" userId="a17ad552-1b44-4ef3-aea9-8f0ee0ef8fa2" providerId="ADAL" clId="{17278916-E72B-4872-93EE-1C900CBE26A1}" dt="2023-04-01T06:21:07.403" v="61"/>
+          <ac:picMkLst>
+            <pc:docMk/>
+            <pc:sldMk cId="4190438080" sldId="294"/>
+            <ac:picMk id="6" creationId="{A5E476E7-454F-B170-AD0A-1F7B5AFA1109}"/>
+          </ac:picMkLst>
+        </pc:picChg>
+      </pc:sldChg>
+      <pc:sldChg chg="addSp delSp modSp">
+        <pc:chgData name="Keagan Erasmus [kje0074]" userId="a17ad552-1b44-4ef3-aea9-8f0ee0ef8fa2" providerId="ADAL" clId="{17278916-E72B-4872-93EE-1C900CBE26A1}" dt="2023-04-01T06:24:45.205" v="66"/>
+        <pc:sldMkLst>
+          <pc:docMk/>
+          <pc:sldMk cId="4221535148" sldId="297"/>
+        </pc:sldMkLst>
+        <pc:spChg chg="del">
+          <ac:chgData name="Keagan Erasmus [kje0074]" userId="a17ad552-1b44-4ef3-aea9-8f0ee0ef8fa2" providerId="ADAL" clId="{17278916-E72B-4872-93EE-1C900CBE26A1}" dt="2023-04-01T06:23:56.049" v="62"/>
+          <ac:spMkLst>
+            <pc:docMk/>
+            <pc:sldMk cId="4221535148" sldId="297"/>
+            <ac:spMk id="3" creationId="{DC9A9219-74DC-FD02-3450-743B8B77FEB9}"/>
+          </ac:spMkLst>
+        </pc:spChg>
+        <pc:picChg chg="add mod">
+          <ac:chgData name="Keagan Erasmus [kje0074]" userId="a17ad552-1b44-4ef3-aea9-8f0ee0ef8fa2" providerId="ADAL" clId="{17278916-E72B-4872-93EE-1C900CBE26A1}" dt="2023-04-01T06:23:56.049" v="62"/>
+          <ac:picMkLst>
+            <pc:docMk/>
+            <pc:sldMk cId="4221535148" sldId="297"/>
+            <ac:picMk id="4" creationId="{B767F064-AF63-E7BB-DF24-2EE39759AB47}"/>
+          </ac:picMkLst>
+        </pc:picChg>
+        <pc:picChg chg="add del mod">
+          <ac:chgData name="Keagan Erasmus [kje0074]" userId="a17ad552-1b44-4ef3-aea9-8f0ee0ef8fa2" providerId="ADAL" clId="{17278916-E72B-4872-93EE-1C900CBE26A1}" dt="2023-04-01T06:23:59.696" v="64"/>
+          <ac:picMkLst>
+            <pc:docMk/>
+            <pc:sldMk cId="4221535148" sldId="297"/>
+            <ac:picMk id="5" creationId="{E3551530-6AA6-3892-1771-327EAEFC7BFD}"/>
+          </ac:picMkLst>
+        </pc:picChg>
+        <pc:picChg chg="add mod">
+          <ac:chgData name="Keagan Erasmus [kje0074]" userId="a17ad552-1b44-4ef3-aea9-8f0ee0ef8fa2" providerId="ADAL" clId="{17278916-E72B-4872-93EE-1C900CBE26A1}" dt="2023-04-01T06:24:45.205" v="66"/>
+          <ac:picMkLst>
+            <pc:docMk/>
+            <pc:sldMk cId="4221535148" sldId="297"/>
+            <ac:picMk id="8" creationId="{88191C4F-D78D-F417-CDF7-A77E4B4E4798}"/>
+          </ac:picMkLst>
+        </pc:picChg>
+      </pc:sldChg>
+      <pc:sldChg chg="addSp delSp modSp">
+        <pc:chgData name="Keagan Erasmus [kje0074]" userId="a17ad552-1b44-4ef3-aea9-8f0ee0ef8fa2" providerId="ADAL" clId="{17278916-E72B-4872-93EE-1C900CBE26A1}" dt="2023-04-01T06:25:00.090" v="67"/>
+        <pc:sldMkLst>
+          <pc:docMk/>
+          <pc:sldMk cId="1750075042" sldId="298"/>
+        </pc:sldMkLst>
+        <pc:spChg chg="del">
+          <ac:chgData name="Keagan Erasmus [kje0074]" userId="a17ad552-1b44-4ef3-aea9-8f0ee0ef8fa2" providerId="ADAL" clId="{17278916-E72B-4872-93EE-1C900CBE26A1}" dt="2023-04-01T06:25:00.090" v="67"/>
+          <ac:spMkLst>
+            <pc:docMk/>
+            <pc:sldMk cId="1750075042" sldId="298"/>
+            <ac:spMk id="3" creationId="{42377AFB-EA19-2533-837B-6D0342E50894}"/>
+          </ac:spMkLst>
+        </pc:spChg>
+        <pc:picChg chg="add mod">
+          <ac:chgData name="Keagan Erasmus [kje0074]" userId="a17ad552-1b44-4ef3-aea9-8f0ee0ef8fa2" providerId="ADAL" clId="{17278916-E72B-4872-93EE-1C900CBE26A1}" dt="2023-04-01T06:25:00.090" v="67"/>
+          <ac:picMkLst>
+            <pc:docMk/>
+            <pc:sldMk cId="1750075042" sldId="298"/>
+            <ac:picMk id="4" creationId="{A9846960-797F-40CD-BEBB-65114E057AE8}"/>
+          </ac:picMkLst>
+        </pc:picChg>
+      </pc:sldChg>
+    </pc:docChg>
+  </pc:docChgLst>
+</pc:chgInfo>
 </file>
 
 <file path=ppt/slideLayouts/slideLayout1.xml><?xml version="1.0" encoding="utf-8"?>
@@ -256,7 +867,7 @@
           <a:p>
             <a:fld id="{87218020-2E69-483A-B9EB-EDB4F9C55C3F}" type="datetimeFigureOut">
               <a:rPr lang="en-NZ" smtClean="0"/>
-              <a:t>30/03/2023</a:t>
+              <a:t>1/04/2023</a:t>
             </a:fld>
             <a:endParaRPr lang="en-NZ"/>
           </a:p>
@@ -456,7 +1067,7 @@
           <a:p>
             <a:fld id="{87218020-2E69-483A-B9EB-EDB4F9C55C3F}" type="datetimeFigureOut">
               <a:rPr lang="en-NZ" smtClean="0"/>
-              <a:t>30/03/2023</a:t>
+              <a:t>1/04/2023</a:t>
             </a:fld>
             <a:endParaRPr lang="en-NZ"/>
           </a:p>
@@ -666,7 +1277,7 @@
           <a:p>
             <a:fld id="{87218020-2E69-483A-B9EB-EDB4F9C55C3F}" type="datetimeFigureOut">
               <a:rPr lang="en-NZ" smtClean="0"/>
-              <a:t>30/03/2023</a:t>
+              <a:t>1/04/2023</a:t>
             </a:fld>
             <a:endParaRPr lang="en-NZ"/>
           </a:p>
@@ -866,7 +1477,7 @@
           <a:p>
             <a:fld id="{87218020-2E69-483A-B9EB-EDB4F9C55C3F}" type="datetimeFigureOut">
               <a:rPr lang="en-NZ" smtClean="0"/>
-              <a:t>30/03/2023</a:t>
+              <a:t>1/04/2023</a:t>
             </a:fld>
             <a:endParaRPr lang="en-NZ"/>
           </a:p>
@@ -1142,7 +1753,7 @@
           <a:p>
             <a:fld id="{87218020-2E69-483A-B9EB-EDB4F9C55C3F}" type="datetimeFigureOut">
               <a:rPr lang="en-NZ" smtClean="0"/>
-              <a:t>30/03/2023</a:t>
+              <a:t>1/04/2023</a:t>
             </a:fld>
             <a:endParaRPr lang="en-NZ"/>
           </a:p>
@@ -1410,7 +2021,7 @@
           <a:p>
             <a:fld id="{87218020-2E69-483A-B9EB-EDB4F9C55C3F}" type="datetimeFigureOut">
               <a:rPr lang="en-NZ" smtClean="0"/>
-              <a:t>30/03/2023</a:t>
+              <a:t>1/04/2023</a:t>
             </a:fld>
             <a:endParaRPr lang="en-NZ"/>
           </a:p>
@@ -1825,7 +2436,7 @@
           <a:p>
             <a:fld id="{87218020-2E69-483A-B9EB-EDB4F9C55C3F}" type="datetimeFigureOut">
               <a:rPr lang="en-NZ" smtClean="0"/>
-              <a:t>30/03/2023</a:t>
+              <a:t>1/04/2023</a:t>
             </a:fld>
             <a:endParaRPr lang="en-NZ"/>
           </a:p>
@@ -1967,7 +2578,7 @@
           <a:p>
             <a:fld id="{87218020-2E69-483A-B9EB-EDB4F9C55C3F}" type="datetimeFigureOut">
               <a:rPr lang="en-NZ" smtClean="0"/>
-              <a:t>30/03/2023</a:t>
+              <a:t>1/04/2023</a:t>
             </a:fld>
             <a:endParaRPr lang="en-NZ"/>
           </a:p>
@@ -2080,7 +2691,7 @@
           <a:p>
             <a:fld id="{87218020-2E69-483A-B9EB-EDB4F9C55C3F}" type="datetimeFigureOut">
               <a:rPr lang="en-NZ" smtClean="0"/>
-              <a:t>30/03/2023</a:t>
+              <a:t>1/04/2023</a:t>
             </a:fld>
             <a:endParaRPr lang="en-NZ"/>
           </a:p>
@@ -2393,7 +3004,7 @@
           <a:p>
             <a:fld id="{87218020-2E69-483A-B9EB-EDB4F9C55C3F}" type="datetimeFigureOut">
               <a:rPr lang="en-NZ" smtClean="0"/>
-              <a:t>30/03/2023</a:t>
+              <a:t>1/04/2023</a:t>
             </a:fld>
             <a:endParaRPr lang="en-NZ"/>
           </a:p>
@@ -2682,7 +3293,7 @@
           <a:p>
             <a:fld id="{87218020-2E69-483A-B9EB-EDB4F9C55C3F}" type="datetimeFigureOut">
               <a:rPr lang="en-NZ" smtClean="0"/>
-              <a:t>30/03/2023</a:t>
+              <a:t>1/04/2023</a:t>
             </a:fld>
             <a:endParaRPr lang="en-NZ"/>
           </a:p>
@@ -2925,7 +3536,7 @@
           <a:p>
             <a:fld id="{87218020-2E69-483A-B9EB-EDB4F9C55C3F}" type="datetimeFigureOut">
               <a:rPr lang="en-NZ" smtClean="0"/>
-              <a:t>30/03/2023</a:t>
+              <a:t>1/04/2023</a:t>
             </a:fld>
             <a:endParaRPr lang="en-NZ"/>
           </a:p>
@@ -3363,7 +3974,10 @@
           <a:bodyPr/>
           <a:lstStyle/>
           <a:p>
-            <a:endParaRPr lang="en-NZ"/>
+            <a:r>
+              <a:rPr lang="en-NZ" dirty="0"/>
+              <a:t>Eyeball Maze</a:t>
+            </a:r>
           </a:p>
         </p:txBody>
       </p:sp>
@@ -3388,7 +4002,10 @@
           <a:bodyPr/>
           <a:lstStyle/>
           <a:p>
-            <a:endParaRPr lang="en-NZ"/>
+            <a:r>
+              <a:rPr lang="en-NZ" dirty="0"/>
+              <a:t>Keagan Erasmus</a:t>
+            </a:r>
           </a:p>
         </p:txBody>
       </p:sp>
@@ -3396,6 +4013,5302 @@
     <p:extLst>
       <p:ext uri="{BB962C8B-B14F-4D97-AF65-F5344CB8AC3E}">
         <p14:creationId xmlns:p14="http://schemas.microsoft.com/office/powerpoint/2010/main" val="1110169906"/>
+      </p:ext>
+    </p:extLst>
+  </p:cSld>
+  <p:clrMapOvr>
+    <a:masterClrMapping/>
+  </p:clrMapOvr>
+</p:sld>
+</file>
+
+<file path=ppt/slides/slide10.xml><?xml version="1.0" encoding="utf-8"?>
+<p:sld xmlns:a="http://schemas.openxmlformats.org/drawingml/2006/main" xmlns:r="http://schemas.openxmlformats.org/officeDocument/2006/relationships" xmlns:p="http://schemas.openxmlformats.org/presentationml/2006/main">
+  <p:cSld>
+    <p:spTree>
+      <p:nvGrpSpPr>
+        <p:cNvPr id="1" name=""/>
+        <p:cNvGrpSpPr/>
+        <p:nvPr/>
+      </p:nvGrpSpPr>
+      <p:grpSpPr>
+        <a:xfrm>
+          <a:off x="0" y="0"/>
+          <a:ext cx="0" cy="0"/>
+          <a:chOff x="0" y="0"/>
+          <a:chExt cx="0" cy="0"/>
+        </a:xfrm>
+      </p:grpSpPr>
+      <p:sp>
+        <p:nvSpPr>
+          <p:cNvPr id="2" name="Title 1">
+            <a:extLst>
+              <a:ext uri="{FF2B5EF4-FFF2-40B4-BE49-F238E27FC236}">
+                <a16:creationId xmlns:a16="http://schemas.microsoft.com/office/drawing/2014/main" id="{253A8ACB-E22E-F90A-6125-811C0101BFBD}"/>
+              </a:ext>
+            </a:extLst>
+          </p:cNvPr>
+          <p:cNvSpPr>
+            <a:spLocks noGrp="1"/>
+          </p:cNvSpPr>
+          <p:nvPr>
+            <p:ph type="title"/>
+          </p:nvPr>
+        </p:nvSpPr>
+        <p:spPr/>
+        <p:txBody>
+          <a:bodyPr/>
+          <a:lstStyle/>
+          <a:p>
+            <a:r>
+              <a:rPr lang="en-NZ" dirty="0" err="1"/>
+              <a:t>TestLevelHoldsGoals</a:t>
+            </a:r>
+            <a:endParaRPr lang="en-NZ" dirty="0"/>
+          </a:p>
+        </p:txBody>
+      </p:sp>
+      <p:sp>
+        <p:nvSpPr>
+          <p:cNvPr id="3" name="Content Placeholder 2">
+            <a:extLst>
+              <a:ext uri="{FF2B5EF4-FFF2-40B4-BE49-F238E27FC236}">
+                <a16:creationId xmlns:a16="http://schemas.microsoft.com/office/drawing/2014/main" id="{B8096876-B126-71D4-7A70-D676769A590F}"/>
+              </a:ext>
+            </a:extLst>
+          </p:cNvPr>
+          <p:cNvSpPr>
+            <a:spLocks noGrp="1"/>
+          </p:cNvSpPr>
+          <p:nvPr>
+            <p:ph idx="1"/>
+          </p:nvPr>
+        </p:nvSpPr>
+        <p:spPr/>
+        <p:txBody>
+          <a:bodyPr/>
+          <a:lstStyle/>
+          <a:p>
+            <a:pPr>
+              <a:buFont typeface="Wingdings" panose="05000000000000000000" pitchFamily="2" charset="2"/>
+              <a:buChar char="ü"/>
+            </a:pPr>
+            <a:r>
+              <a:rPr lang="en-NZ" dirty="0"/>
+              <a:t>testAddingOneGoalIncreasesGoalCountTo1</a:t>
+            </a:r>
+          </a:p>
+          <a:p>
+            <a:pPr>
+              <a:buFont typeface="Wingdings" panose="05000000000000000000" pitchFamily="2" charset="2"/>
+              <a:buChar char="ü"/>
+            </a:pPr>
+            <a:r>
+              <a:rPr lang="en-NZ" dirty="0" err="1"/>
+              <a:t>testAddingOneGoalputsGoalAtExpectedPosition</a:t>
+            </a:r>
+            <a:endParaRPr lang="en-NZ" dirty="0"/>
+          </a:p>
+          <a:p>
+            <a:pPr>
+              <a:buFont typeface="Wingdings" panose="05000000000000000000" pitchFamily="2" charset="2"/>
+              <a:buChar char="ü"/>
+            </a:pPr>
+            <a:r>
+              <a:rPr lang="en-NZ" dirty="0"/>
+              <a:t>testAddingTwoGoalIncreasesGoalCountTo2</a:t>
+            </a:r>
+          </a:p>
+          <a:p>
+            <a:pPr>
+              <a:buFont typeface="Wingdings" panose="05000000000000000000" pitchFamily="2" charset="2"/>
+              <a:buChar char="ü"/>
+            </a:pPr>
+            <a:r>
+              <a:rPr lang="en-NZ" dirty="0" err="1"/>
+              <a:t>testAddingTwoGoalsPutsGoalsAtExpectedPositions</a:t>
+            </a:r>
+            <a:endParaRPr lang="en-NZ" dirty="0"/>
+          </a:p>
+          <a:p>
+            <a:pPr>
+              <a:buFont typeface="Wingdings" panose="05000000000000000000" pitchFamily="2" charset="2"/>
+              <a:buChar char="ü"/>
+            </a:pPr>
+            <a:r>
+              <a:rPr lang="en-NZ" dirty="0"/>
+              <a:t>testNewGamehas0CompletedGoals</a:t>
+            </a:r>
+          </a:p>
+          <a:p>
+            <a:pPr>
+              <a:buFont typeface="Wingdings" panose="05000000000000000000" pitchFamily="2" charset="2"/>
+              <a:buChar char="ü"/>
+            </a:pPr>
+            <a:r>
+              <a:rPr lang="en-NZ" dirty="0" err="1"/>
+              <a:t>testAddingGoalOutsideLevelHeightThrowsRangeException</a:t>
+            </a:r>
+            <a:endParaRPr lang="en-NZ" dirty="0"/>
+          </a:p>
+          <a:p>
+            <a:pPr>
+              <a:buFont typeface="Wingdings" panose="05000000000000000000" pitchFamily="2" charset="2"/>
+              <a:buChar char="ü"/>
+            </a:pPr>
+            <a:r>
+              <a:rPr lang="en-NZ" dirty="0" err="1"/>
+              <a:t>testAddingGoalsOutsideLevelWidthThrowsRangeException</a:t>
+            </a:r>
+            <a:endParaRPr lang="en-NZ" dirty="0"/>
+          </a:p>
+        </p:txBody>
+      </p:sp>
+    </p:spTree>
+    <p:extLst>
+      <p:ext uri="{BB962C8B-B14F-4D97-AF65-F5344CB8AC3E}">
+        <p14:creationId xmlns:p14="http://schemas.microsoft.com/office/powerpoint/2010/main" val="686812950"/>
+      </p:ext>
+    </p:extLst>
+  </p:cSld>
+  <p:clrMapOvr>
+    <a:masterClrMapping/>
+  </p:clrMapOvr>
+</p:sld>
+</file>
+
+<file path=ppt/slides/slide11.xml><?xml version="1.0" encoding="utf-8"?>
+<p:sld xmlns:a="http://schemas.openxmlformats.org/drawingml/2006/main" xmlns:r="http://schemas.openxmlformats.org/officeDocument/2006/relationships" xmlns:p="http://schemas.openxmlformats.org/presentationml/2006/main">
+  <p:cSld>
+    <p:spTree>
+      <p:nvGrpSpPr>
+        <p:cNvPr id="1" name=""/>
+        <p:cNvGrpSpPr/>
+        <p:nvPr/>
+      </p:nvGrpSpPr>
+      <p:grpSpPr>
+        <a:xfrm>
+          <a:off x="0" y="0"/>
+          <a:ext cx="0" cy="0"/>
+          <a:chOff x="0" y="0"/>
+          <a:chExt cx="0" cy="0"/>
+        </a:xfrm>
+      </p:grpSpPr>
+      <p:sp>
+        <p:nvSpPr>
+          <p:cNvPr id="2" name="Title 1">
+            <a:extLst>
+              <a:ext uri="{FF2B5EF4-FFF2-40B4-BE49-F238E27FC236}">
+                <a16:creationId xmlns:a16="http://schemas.microsoft.com/office/drawing/2014/main" id="{50F0B345-E47C-E9DF-3798-40728D7CFB78}"/>
+              </a:ext>
+            </a:extLst>
+          </p:cNvPr>
+          <p:cNvSpPr>
+            <a:spLocks noGrp="1"/>
+          </p:cNvSpPr>
+          <p:nvPr>
+            <p:ph type="title"/>
+          </p:nvPr>
+        </p:nvSpPr>
+        <p:spPr/>
+        <p:txBody>
+          <a:bodyPr/>
+          <a:lstStyle/>
+          <a:p>
+            <a:r>
+              <a:rPr lang="en-NZ" dirty="0"/>
+              <a:t>testAddingOneGoalIncreasesGoalCountTo1</a:t>
+            </a:r>
+            <a:br>
+              <a:rPr lang="en-NZ" dirty="0"/>
+            </a:br>
+            <a:r>
+              <a:rPr lang="en-NZ" dirty="0"/>
+              <a:t>testAddingTwoGoalIncreasesGoalCountTo2</a:t>
+            </a:r>
+          </a:p>
+        </p:txBody>
+      </p:sp>
+      <p:pic>
+        <p:nvPicPr>
+          <p:cNvPr id="9" name="Content Placeholder 8">
+            <a:extLst>
+              <a:ext uri="{FF2B5EF4-FFF2-40B4-BE49-F238E27FC236}">
+                <a16:creationId xmlns:a16="http://schemas.microsoft.com/office/drawing/2014/main" id="{D6F20D4A-CE5B-3C05-8E03-770E520B82A6}"/>
+              </a:ext>
+            </a:extLst>
+          </p:cNvPr>
+          <p:cNvPicPr>
+            <a:picLocks noGrp="1" noChangeAspect="1"/>
+          </p:cNvPicPr>
+          <p:nvPr>
+            <p:ph idx="1"/>
+          </p:nvPr>
+        </p:nvPicPr>
+        <p:blipFill>
+          <a:blip r:embed="rId2"/>
+          <a:stretch>
+            <a:fillRect/>
+          </a:stretch>
+        </p:blipFill>
+        <p:spPr>
+          <a:xfrm>
+            <a:off x="1613862" y="2076975"/>
+            <a:ext cx="8964276" cy="3848637"/>
+          </a:xfrm>
+        </p:spPr>
+      </p:pic>
+    </p:spTree>
+    <p:extLst>
+      <p:ext uri="{BB962C8B-B14F-4D97-AF65-F5344CB8AC3E}">
+        <p14:creationId xmlns:p14="http://schemas.microsoft.com/office/powerpoint/2010/main" val="3935327181"/>
+      </p:ext>
+    </p:extLst>
+  </p:cSld>
+  <p:clrMapOvr>
+    <a:masterClrMapping/>
+  </p:clrMapOvr>
+</p:sld>
+</file>
+
+<file path=ppt/slides/slide12.xml><?xml version="1.0" encoding="utf-8"?>
+<p:sld xmlns:a="http://schemas.openxmlformats.org/drawingml/2006/main" xmlns:r="http://schemas.openxmlformats.org/officeDocument/2006/relationships" xmlns:p="http://schemas.openxmlformats.org/presentationml/2006/main">
+  <p:cSld>
+    <p:spTree>
+      <p:nvGrpSpPr>
+        <p:cNvPr id="1" name=""/>
+        <p:cNvGrpSpPr/>
+        <p:nvPr/>
+      </p:nvGrpSpPr>
+      <p:grpSpPr>
+        <a:xfrm>
+          <a:off x="0" y="0"/>
+          <a:ext cx="0" cy="0"/>
+          <a:chOff x="0" y="0"/>
+          <a:chExt cx="0" cy="0"/>
+        </a:xfrm>
+      </p:grpSpPr>
+      <p:sp>
+        <p:nvSpPr>
+          <p:cNvPr id="2" name="Title 1">
+            <a:extLst>
+              <a:ext uri="{FF2B5EF4-FFF2-40B4-BE49-F238E27FC236}">
+                <a16:creationId xmlns:a16="http://schemas.microsoft.com/office/drawing/2014/main" id="{90918101-A692-6891-1D75-04B4C8D60DB2}"/>
+              </a:ext>
+            </a:extLst>
+          </p:cNvPr>
+          <p:cNvSpPr>
+            <a:spLocks noGrp="1"/>
+          </p:cNvSpPr>
+          <p:nvPr>
+            <p:ph type="title"/>
+          </p:nvPr>
+        </p:nvSpPr>
+        <p:spPr>
+          <a:xfrm>
+            <a:off x="390698" y="365125"/>
+            <a:ext cx="10963102" cy="1325563"/>
+          </a:xfrm>
+        </p:spPr>
+        <p:txBody>
+          <a:bodyPr>
+            <a:normAutofit fontScale="90000"/>
+          </a:bodyPr>
+          <a:lstStyle/>
+          <a:p>
+            <a:r>
+              <a:rPr lang="en-NZ" dirty="0" err="1"/>
+              <a:t>testAddingOneGoalputsGoalAtExpectedPosition</a:t>
+            </a:r>
+            <a:br>
+              <a:rPr lang="en-NZ" dirty="0"/>
+            </a:br>
+            <a:r>
+              <a:rPr lang="en-NZ" dirty="0" err="1"/>
+              <a:t>testAddingTwoGoalsPutsGoalsAtExpectedPositions</a:t>
+            </a:r>
+            <a:endParaRPr lang="en-NZ" dirty="0"/>
+          </a:p>
+        </p:txBody>
+      </p:sp>
+      <p:pic>
+        <p:nvPicPr>
+          <p:cNvPr id="5" name="Content Placeholder 4">
+            <a:extLst>
+              <a:ext uri="{FF2B5EF4-FFF2-40B4-BE49-F238E27FC236}">
+                <a16:creationId xmlns:a16="http://schemas.microsoft.com/office/drawing/2014/main" id="{5069042E-A19E-AE67-3DA0-E581F284AD9F}"/>
+              </a:ext>
+            </a:extLst>
+          </p:cNvPr>
+          <p:cNvPicPr>
+            <a:picLocks noGrp="1" noChangeAspect="1"/>
+          </p:cNvPicPr>
+          <p:nvPr>
+            <p:ph idx="1"/>
+          </p:nvPr>
+        </p:nvPicPr>
+        <p:blipFill>
+          <a:blip r:embed="rId2"/>
+          <a:stretch>
+            <a:fillRect/>
+          </a:stretch>
+        </p:blipFill>
+        <p:spPr>
+          <a:xfrm>
+            <a:off x="3257154" y="2877187"/>
+            <a:ext cx="5677692" cy="2248214"/>
+          </a:xfrm>
+        </p:spPr>
+      </p:pic>
+    </p:spTree>
+    <p:extLst>
+      <p:ext uri="{BB962C8B-B14F-4D97-AF65-F5344CB8AC3E}">
+        <p14:creationId xmlns:p14="http://schemas.microsoft.com/office/powerpoint/2010/main" val="3374562735"/>
+      </p:ext>
+    </p:extLst>
+  </p:cSld>
+  <p:clrMapOvr>
+    <a:masterClrMapping/>
+  </p:clrMapOvr>
+</p:sld>
+</file>
+
+<file path=ppt/slides/slide13.xml><?xml version="1.0" encoding="utf-8"?>
+<p:sld xmlns:a="http://schemas.openxmlformats.org/drawingml/2006/main" xmlns:r="http://schemas.openxmlformats.org/officeDocument/2006/relationships" xmlns:p="http://schemas.openxmlformats.org/presentationml/2006/main">
+  <p:cSld>
+    <p:spTree>
+      <p:nvGrpSpPr>
+        <p:cNvPr id="1" name=""/>
+        <p:cNvGrpSpPr/>
+        <p:nvPr/>
+      </p:nvGrpSpPr>
+      <p:grpSpPr>
+        <a:xfrm>
+          <a:off x="0" y="0"/>
+          <a:ext cx="0" cy="0"/>
+          <a:chOff x="0" y="0"/>
+          <a:chExt cx="0" cy="0"/>
+        </a:xfrm>
+      </p:grpSpPr>
+      <p:sp>
+        <p:nvSpPr>
+          <p:cNvPr id="2" name="Title 1">
+            <a:extLst>
+              <a:ext uri="{FF2B5EF4-FFF2-40B4-BE49-F238E27FC236}">
+                <a16:creationId xmlns:a16="http://schemas.microsoft.com/office/drawing/2014/main" id="{CB42C1E3-4A6E-4B3C-AE93-CF3C5E72F940}"/>
+              </a:ext>
+            </a:extLst>
+          </p:cNvPr>
+          <p:cNvSpPr>
+            <a:spLocks noGrp="1"/>
+          </p:cNvSpPr>
+          <p:nvPr>
+            <p:ph type="title"/>
+          </p:nvPr>
+        </p:nvSpPr>
+        <p:spPr/>
+        <p:txBody>
+          <a:bodyPr/>
+          <a:lstStyle/>
+          <a:p>
+            <a:r>
+              <a:rPr lang="en-NZ" dirty="0"/>
+              <a:t>testNewGamehas0CompletedGoals</a:t>
+            </a:r>
+          </a:p>
+        </p:txBody>
+      </p:sp>
+      <p:pic>
+        <p:nvPicPr>
+          <p:cNvPr id="5" name="Content Placeholder 4">
+            <a:extLst>
+              <a:ext uri="{FF2B5EF4-FFF2-40B4-BE49-F238E27FC236}">
+                <a16:creationId xmlns:a16="http://schemas.microsoft.com/office/drawing/2014/main" id="{3A233D69-A1E7-B148-B307-03B011D05C23}"/>
+              </a:ext>
+            </a:extLst>
+          </p:cNvPr>
+          <p:cNvPicPr>
+            <a:picLocks noGrp="1" noChangeAspect="1"/>
+          </p:cNvPicPr>
+          <p:nvPr>
+            <p:ph idx="1"/>
+          </p:nvPr>
+        </p:nvPicPr>
+        <p:blipFill>
+          <a:blip r:embed="rId2"/>
+          <a:stretch>
+            <a:fillRect/>
+          </a:stretch>
+        </p:blipFill>
+        <p:spPr>
+          <a:xfrm>
+            <a:off x="838200" y="1690688"/>
+            <a:ext cx="2924583" cy="876422"/>
+          </a:xfrm>
+        </p:spPr>
+      </p:pic>
+      <p:pic>
+        <p:nvPicPr>
+          <p:cNvPr id="7" name="Picture 6">
+            <a:extLst>
+              <a:ext uri="{FF2B5EF4-FFF2-40B4-BE49-F238E27FC236}">
+                <a16:creationId xmlns:a16="http://schemas.microsoft.com/office/drawing/2014/main" id="{4C9E9786-0313-1EE3-7BEE-AA0901732DAB}"/>
+              </a:ext>
+            </a:extLst>
+          </p:cNvPr>
+          <p:cNvPicPr>
+            <a:picLocks noChangeAspect="1"/>
+          </p:cNvPicPr>
+          <p:nvPr/>
+        </p:nvPicPr>
+        <p:blipFill>
+          <a:blip r:embed="rId3"/>
+          <a:stretch>
+            <a:fillRect/>
+          </a:stretch>
+        </p:blipFill>
+        <p:spPr>
+          <a:xfrm>
+            <a:off x="838200" y="2790736"/>
+            <a:ext cx="2429214" cy="1276528"/>
+          </a:xfrm>
+          <a:prstGeom prst="rect">
+            <a:avLst/>
+          </a:prstGeom>
+        </p:spPr>
+      </p:pic>
+      <p:pic>
+        <p:nvPicPr>
+          <p:cNvPr id="9" name="Picture 8">
+            <a:extLst>
+              <a:ext uri="{FF2B5EF4-FFF2-40B4-BE49-F238E27FC236}">
+                <a16:creationId xmlns:a16="http://schemas.microsoft.com/office/drawing/2014/main" id="{78B62C95-A070-7661-8DD6-24B800C6FDAD}"/>
+              </a:ext>
+            </a:extLst>
+          </p:cNvPr>
+          <p:cNvPicPr>
+            <a:picLocks noChangeAspect="1"/>
+          </p:cNvPicPr>
+          <p:nvPr/>
+        </p:nvPicPr>
+        <p:blipFill>
+          <a:blip r:embed="rId4"/>
+          <a:stretch>
+            <a:fillRect/>
+          </a:stretch>
+        </p:blipFill>
+        <p:spPr>
+          <a:xfrm>
+            <a:off x="3942318" y="1676155"/>
+            <a:ext cx="4486901" cy="2229161"/>
+          </a:xfrm>
+          <a:prstGeom prst="rect">
+            <a:avLst/>
+          </a:prstGeom>
+        </p:spPr>
+      </p:pic>
+    </p:spTree>
+    <p:extLst>
+      <p:ext uri="{BB962C8B-B14F-4D97-AF65-F5344CB8AC3E}">
+        <p14:creationId xmlns:p14="http://schemas.microsoft.com/office/powerpoint/2010/main" val="443352023"/>
+      </p:ext>
+    </p:extLst>
+  </p:cSld>
+  <p:clrMapOvr>
+    <a:masterClrMapping/>
+  </p:clrMapOvr>
+</p:sld>
+</file>
+
+<file path=ppt/slides/slide14.xml><?xml version="1.0" encoding="utf-8"?>
+<p:sld xmlns:a="http://schemas.openxmlformats.org/drawingml/2006/main" xmlns:r="http://schemas.openxmlformats.org/officeDocument/2006/relationships" xmlns:p="http://schemas.openxmlformats.org/presentationml/2006/main">
+  <p:cSld>
+    <p:spTree>
+      <p:nvGrpSpPr>
+        <p:cNvPr id="1" name=""/>
+        <p:cNvGrpSpPr/>
+        <p:nvPr/>
+      </p:nvGrpSpPr>
+      <p:grpSpPr>
+        <a:xfrm>
+          <a:off x="0" y="0"/>
+          <a:ext cx="0" cy="0"/>
+          <a:chOff x="0" y="0"/>
+          <a:chExt cx="0" cy="0"/>
+        </a:xfrm>
+      </p:grpSpPr>
+      <p:sp>
+        <p:nvSpPr>
+          <p:cNvPr id="2" name="Title 1">
+            <a:extLst>
+              <a:ext uri="{FF2B5EF4-FFF2-40B4-BE49-F238E27FC236}">
+                <a16:creationId xmlns:a16="http://schemas.microsoft.com/office/drawing/2014/main" id="{0B7B7C25-762A-B222-A487-E315664A2158}"/>
+              </a:ext>
+            </a:extLst>
+          </p:cNvPr>
+          <p:cNvSpPr>
+            <a:spLocks noGrp="1"/>
+          </p:cNvSpPr>
+          <p:nvPr>
+            <p:ph type="title"/>
+          </p:nvPr>
+        </p:nvSpPr>
+        <p:spPr>
+          <a:xfrm>
+            <a:off x="0" y="365125"/>
+            <a:ext cx="12192000" cy="1325563"/>
+          </a:xfrm>
+        </p:spPr>
+        <p:txBody>
+          <a:bodyPr>
+            <a:normAutofit fontScale="90000"/>
+          </a:bodyPr>
+          <a:lstStyle/>
+          <a:p>
+            <a:r>
+              <a:rPr lang="en-NZ" dirty="0" err="1"/>
+              <a:t>testAddingGoalOutsideLevelHeightThrowsRangeException</a:t>
+            </a:r>
+            <a:br>
+              <a:rPr lang="en-NZ" dirty="0"/>
+            </a:br>
+            <a:r>
+              <a:rPr lang="en-NZ" dirty="0" err="1"/>
+              <a:t>testAddingGoalsOutsideLevelWidthThrowsRangeException</a:t>
+            </a:r>
+            <a:endParaRPr lang="en-NZ" dirty="0"/>
+          </a:p>
+        </p:txBody>
+      </p:sp>
+      <p:pic>
+        <p:nvPicPr>
+          <p:cNvPr id="4" name="Content Placeholder 8">
+            <a:extLst>
+              <a:ext uri="{FF2B5EF4-FFF2-40B4-BE49-F238E27FC236}">
+                <a16:creationId xmlns:a16="http://schemas.microsoft.com/office/drawing/2014/main" id="{78A8DCEB-762C-A7F1-0799-84B41D03A089}"/>
+              </a:ext>
+            </a:extLst>
+          </p:cNvPr>
+          <p:cNvPicPr>
+            <a:picLocks noGrp="1" noChangeAspect="1"/>
+          </p:cNvPicPr>
+          <p:nvPr>
+            <p:ph idx="1"/>
+          </p:nvPr>
+        </p:nvPicPr>
+        <p:blipFill>
+          <a:blip r:embed="rId2"/>
+          <a:stretch>
+            <a:fillRect/>
+          </a:stretch>
+        </p:blipFill>
+        <p:spPr>
+          <a:xfrm>
+            <a:off x="1613862" y="2076975"/>
+            <a:ext cx="8964276" cy="3848637"/>
+          </a:xfrm>
+        </p:spPr>
+      </p:pic>
+    </p:spTree>
+    <p:extLst>
+      <p:ext uri="{BB962C8B-B14F-4D97-AF65-F5344CB8AC3E}">
+        <p14:creationId xmlns:p14="http://schemas.microsoft.com/office/powerpoint/2010/main" val="1650573631"/>
+      </p:ext>
+    </p:extLst>
+  </p:cSld>
+  <p:clrMapOvr>
+    <a:masterClrMapping/>
+  </p:clrMapOvr>
+</p:sld>
+</file>
+
+<file path=ppt/slides/slide15.xml><?xml version="1.0" encoding="utf-8"?>
+<p:sld xmlns:a="http://schemas.openxmlformats.org/drawingml/2006/main" xmlns:r="http://schemas.openxmlformats.org/officeDocument/2006/relationships" xmlns:p="http://schemas.openxmlformats.org/presentationml/2006/main">
+  <p:cSld>
+    <p:spTree>
+      <p:nvGrpSpPr>
+        <p:cNvPr id="1" name=""/>
+        <p:cNvGrpSpPr/>
+        <p:nvPr/>
+      </p:nvGrpSpPr>
+      <p:grpSpPr>
+        <a:xfrm>
+          <a:off x="0" y="0"/>
+          <a:ext cx="0" cy="0"/>
+          <a:chOff x="0" y="0"/>
+          <a:chExt cx="0" cy="0"/>
+        </a:xfrm>
+      </p:grpSpPr>
+      <p:sp>
+        <p:nvSpPr>
+          <p:cNvPr id="2" name="Title 1">
+            <a:extLst>
+              <a:ext uri="{FF2B5EF4-FFF2-40B4-BE49-F238E27FC236}">
+                <a16:creationId xmlns:a16="http://schemas.microsoft.com/office/drawing/2014/main" id="{5CA6096A-36D1-14BE-03EE-9492967678D8}"/>
+              </a:ext>
+            </a:extLst>
+          </p:cNvPr>
+          <p:cNvSpPr>
+            <a:spLocks noGrp="1"/>
+          </p:cNvSpPr>
+          <p:nvPr>
+            <p:ph type="title"/>
+          </p:nvPr>
+        </p:nvSpPr>
+        <p:spPr/>
+        <p:txBody>
+          <a:bodyPr/>
+          <a:lstStyle/>
+          <a:p>
+            <a:r>
+              <a:rPr lang="en-NZ" dirty="0" err="1"/>
+              <a:t>TestGameHoldsSquares</a:t>
+            </a:r>
+            <a:endParaRPr lang="en-NZ" dirty="0"/>
+          </a:p>
+        </p:txBody>
+      </p:sp>
+      <p:sp>
+        <p:nvSpPr>
+          <p:cNvPr id="3" name="Content Placeholder 2">
+            <a:extLst>
+              <a:ext uri="{FF2B5EF4-FFF2-40B4-BE49-F238E27FC236}">
+                <a16:creationId xmlns:a16="http://schemas.microsoft.com/office/drawing/2014/main" id="{CABEFC7D-3B71-B944-D64B-C07C8F08E522}"/>
+              </a:ext>
+            </a:extLst>
+          </p:cNvPr>
+          <p:cNvSpPr>
+            <a:spLocks noGrp="1"/>
+          </p:cNvSpPr>
+          <p:nvPr>
+            <p:ph idx="1"/>
+          </p:nvPr>
+        </p:nvSpPr>
+        <p:spPr/>
+        <p:txBody>
+          <a:bodyPr/>
+          <a:lstStyle/>
+          <a:p>
+            <a:pPr>
+              <a:buFont typeface="Wingdings" panose="05000000000000000000" pitchFamily="2" charset="2"/>
+              <a:buChar char="ü"/>
+            </a:pPr>
+            <a:r>
+              <a:rPr lang="en-NZ" dirty="0" err="1"/>
+              <a:t>testAddingSquareOutsideLevelWidthThrowsException</a:t>
+            </a:r>
+            <a:endParaRPr lang="en-NZ" dirty="0"/>
+          </a:p>
+          <a:p>
+            <a:pPr>
+              <a:buFont typeface="Wingdings" panose="05000000000000000000" pitchFamily="2" charset="2"/>
+              <a:buChar char="ü"/>
+            </a:pPr>
+            <a:r>
+              <a:rPr lang="en-NZ" dirty="0" err="1"/>
+              <a:t>testAddingSquareOutsideLevelHeightThrowsException</a:t>
+            </a:r>
+            <a:endParaRPr lang="en-NZ" dirty="0"/>
+          </a:p>
+          <a:p>
+            <a:pPr>
+              <a:buFont typeface="Wingdings" panose="05000000000000000000" pitchFamily="2" charset="2"/>
+              <a:buChar char="ü"/>
+            </a:pPr>
+            <a:r>
+              <a:rPr lang="en-NZ" dirty="0" err="1"/>
+              <a:t>testColoursAreAdded</a:t>
+            </a:r>
+            <a:endParaRPr lang="en-NZ" dirty="0"/>
+          </a:p>
+          <a:p>
+            <a:pPr>
+              <a:buFont typeface="Wingdings" panose="05000000000000000000" pitchFamily="2" charset="2"/>
+              <a:buChar char="ü"/>
+            </a:pPr>
+            <a:r>
+              <a:rPr lang="en-NZ" dirty="0" err="1"/>
+              <a:t>testShapesAreAdded</a:t>
+            </a:r>
+            <a:endParaRPr lang="en-NZ" dirty="0"/>
+          </a:p>
+          <a:p>
+            <a:pPr>
+              <a:buFont typeface="Wingdings" panose="05000000000000000000" pitchFamily="2" charset="2"/>
+              <a:buChar char="ü"/>
+            </a:pPr>
+            <a:endParaRPr lang="en-NZ" dirty="0"/>
+          </a:p>
+        </p:txBody>
+      </p:sp>
+    </p:spTree>
+    <p:extLst>
+      <p:ext uri="{BB962C8B-B14F-4D97-AF65-F5344CB8AC3E}">
+        <p14:creationId xmlns:p14="http://schemas.microsoft.com/office/powerpoint/2010/main" val="3694396411"/>
+      </p:ext>
+    </p:extLst>
+  </p:cSld>
+  <p:clrMapOvr>
+    <a:masterClrMapping/>
+  </p:clrMapOvr>
+</p:sld>
+</file>
+
+<file path=ppt/slides/slide16.xml><?xml version="1.0" encoding="utf-8"?>
+<p:sld xmlns:a="http://schemas.openxmlformats.org/drawingml/2006/main" xmlns:r="http://schemas.openxmlformats.org/officeDocument/2006/relationships" xmlns:p="http://schemas.openxmlformats.org/presentationml/2006/main">
+  <p:cSld>
+    <p:spTree>
+      <p:nvGrpSpPr>
+        <p:cNvPr id="1" name=""/>
+        <p:cNvGrpSpPr/>
+        <p:nvPr/>
+      </p:nvGrpSpPr>
+      <p:grpSpPr>
+        <a:xfrm>
+          <a:off x="0" y="0"/>
+          <a:ext cx="0" cy="0"/>
+          <a:chOff x="0" y="0"/>
+          <a:chExt cx="0" cy="0"/>
+        </a:xfrm>
+      </p:grpSpPr>
+      <p:sp>
+        <p:nvSpPr>
+          <p:cNvPr id="2" name="Title 1">
+            <a:extLst>
+              <a:ext uri="{FF2B5EF4-FFF2-40B4-BE49-F238E27FC236}">
+                <a16:creationId xmlns:a16="http://schemas.microsoft.com/office/drawing/2014/main" id="{C33122A3-F471-73F1-E5BF-F247227F5898}"/>
+              </a:ext>
+            </a:extLst>
+          </p:cNvPr>
+          <p:cNvSpPr>
+            <a:spLocks noGrp="1"/>
+          </p:cNvSpPr>
+          <p:nvPr>
+            <p:ph type="title"/>
+          </p:nvPr>
+        </p:nvSpPr>
+        <p:spPr>
+          <a:xfrm>
+            <a:off x="-83127" y="365125"/>
+            <a:ext cx="12444151" cy="1325563"/>
+          </a:xfrm>
+        </p:spPr>
+        <p:txBody>
+          <a:bodyPr/>
+          <a:lstStyle/>
+          <a:p>
+            <a:r>
+              <a:rPr lang="en-NZ" dirty="0" err="1"/>
+              <a:t>testAddingSquareOutsideLevelWidthThrowsException</a:t>
+            </a:r>
+            <a:br>
+              <a:rPr lang="en-NZ" dirty="0"/>
+            </a:br>
+            <a:r>
+              <a:rPr lang="en-NZ" dirty="0" err="1"/>
+              <a:t>testAddingSquareOutsideLevelHeightThrowsException</a:t>
+            </a:r>
+            <a:endParaRPr lang="en-NZ" dirty="0"/>
+          </a:p>
+        </p:txBody>
+      </p:sp>
+      <p:pic>
+        <p:nvPicPr>
+          <p:cNvPr id="5" name="Content Placeholder 4">
+            <a:extLst>
+              <a:ext uri="{FF2B5EF4-FFF2-40B4-BE49-F238E27FC236}">
+                <a16:creationId xmlns:a16="http://schemas.microsoft.com/office/drawing/2014/main" id="{55667D5E-C399-D700-7DCB-5824E895D5FE}"/>
+              </a:ext>
+            </a:extLst>
+          </p:cNvPr>
+          <p:cNvPicPr>
+            <a:picLocks noGrp="1" noChangeAspect="1"/>
+          </p:cNvPicPr>
+          <p:nvPr>
+            <p:ph idx="1"/>
+          </p:nvPr>
+        </p:nvPicPr>
+        <p:blipFill>
+          <a:blip r:embed="rId2"/>
+          <a:stretch>
+            <a:fillRect/>
+          </a:stretch>
+        </p:blipFill>
+        <p:spPr>
+          <a:xfrm>
+            <a:off x="2352152" y="2581871"/>
+            <a:ext cx="7487695" cy="2838846"/>
+          </a:xfrm>
+        </p:spPr>
+      </p:pic>
+    </p:spTree>
+    <p:extLst>
+      <p:ext uri="{BB962C8B-B14F-4D97-AF65-F5344CB8AC3E}">
+        <p14:creationId xmlns:p14="http://schemas.microsoft.com/office/powerpoint/2010/main" val="1978056749"/>
+      </p:ext>
+    </p:extLst>
+  </p:cSld>
+  <p:clrMapOvr>
+    <a:masterClrMapping/>
+  </p:clrMapOvr>
+</p:sld>
+</file>
+
+<file path=ppt/slides/slide17.xml><?xml version="1.0" encoding="utf-8"?>
+<p:sld xmlns:a="http://schemas.openxmlformats.org/drawingml/2006/main" xmlns:r="http://schemas.openxmlformats.org/officeDocument/2006/relationships" xmlns:p="http://schemas.openxmlformats.org/presentationml/2006/main">
+  <p:cSld>
+    <p:spTree>
+      <p:nvGrpSpPr>
+        <p:cNvPr id="1" name=""/>
+        <p:cNvGrpSpPr/>
+        <p:nvPr/>
+      </p:nvGrpSpPr>
+      <p:grpSpPr>
+        <a:xfrm>
+          <a:off x="0" y="0"/>
+          <a:ext cx="0" cy="0"/>
+          <a:chOff x="0" y="0"/>
+          <a:chExt cx="0" cy="0"/>
+        </a:xfrm>
+      </p:grpSpPr>
+      <p:sp>
+        <p:nvSpPr>
+          <p:cNvPr id="2" name="Title 1">
+            <a:extLst>
+              <a:ext uri="{FF2B5EF4-FFF2-40B4-BE49-F238E27FC236}">
+                <a16:creationId xmlns:a16="http://schemas.microsoft.com/office/drawing/2014/main" id="{252062B2-8FDA-5AB5-4F30-2049C911B082}"/>
+              </a:ext>
+            </a:extLst>
+          </p:cNvPr>
+          <p:cNvSpPr>
+            <a:spLocks noGrp="1"/>
+          </p:cNvSpPr>
+          <p:nvPr>
+            <p:ph type="title"/>
+          </p:nvPr>
+        </p:nvSpPr>
+        <p:spPr/>
+        <p:txBody>
+          <a:bodyPr/>
+          <a:lstStyle/>
+          <a:p>
+            <a:r>
+              <a:rPr lang="en-NZ" dirty="0" err="1"/>
+              <a:t>testColoursAreAdded</a:t>
+            </a:r>
+            <a:br>
+              <a:rPr lang="en-NZ" dirty="0"/>
+            </a:br>
+            <a:r>
+              <a:rPr lang="en-NZ" dirty="0" err="1"/>
+              <a:t>testShapesAreAdded</a:t>
+            </a:r>
+            <a:endParaRPr lang="en-NZ" dirty="0"/>
+          </a:p>
+        </p:txBody>
+      </p:sp>
+      <p:pic>
+        <p:nvPicPr>
+          <p:cNvPr id="5" name="Content Placeholder 4">
+            <a:extLst>
+              <a:ext uri="{FF2B5EF4-FFF2-40B4-BE49-F238E27FC236}">
+                <a16:creationId xmlns:a16="http://schemas.microsoft.com/office/drawing/2014/main" id="{7AC5668B-556D-8B3C-1F7A-39F3EC39232A}"/>
+              </a:ext>
+            </a:extLst>
+          </p:cNvPr>
+          <p:cNvPicPr>
+            <a:picLocks noGrp="1" noChangeAspect="1"/>
+          </p:cNvPicPr>
+          <p:nvPr>
+            <p:ph idx="1"/>
+          </p:nvPr>
+        </p:nvPicPr>
+        <p:blipFill>
+          <a:blip r:embed="rId2"/>
+          <a:stretch>
+            <a:fillRect/>
+          </a:stretch>
+        </p:blipFill>
+        <p:spPr>
+          <a:xfrm>
+            <a:off x="3371470" y="1962659"/>
+            <a:ext cx="5449060" cy="4077269"/>
+          </a:xfrm>
+        </p:spPr>
+      </p:pic>
+    </p:spTree>
+    <p:extLst>
+      <p:ext uri="{BB962C8B-B14F-4D97-AF65-F5344CB8AC3E}">
+        <p14:creationId xmlns:p14="http://schemas.microsoft.com/office/powerpoint/2010/main" val="1121700914"/>
+      </p:ext>
+    </p:extLst>
+  </p:cSld>
+  <p:clrMapOvr>
+    <a:masterClrMapping/>
+  </p:clrMapOvr>
+</p:sld>
+</file>
+
+<file path=ppt/slides/slide18.xml><?xml version="1.0" encoding="utf-8"?>
+<p:sld xmlns:a="http://schemas.openxmlformats.org/drawingml/2006/main" xmlns:r="http://schemas.openxmlformats.org/officeDocument/2006/relationships" xmlns:p="http://schemas.openxmlformats.org/presentationml/2006/main">
+  <p:cSld>
+    <p:spTree>
+      <p:nvGrpSpPr>
+        <p:cNvPr id="1" name=""/>
+        <p:cNvGrpSpPr/>
+        <p:nvPr/>
+      </p:nvGrpSpPr>
+      <p:grpSpPr>
+        <a:xfrm>
+          <a:off x="0" y="0"/>
+          <a:ext cx="0" cy="0"/>
+          <a:chOff x="0" y="0"/>
+          <a:chExt cx="0" cy="0"/>
+        </a:xfrm>
+      </p:grpSpPr>
+      <p:sp>
+        <p:nvSpPr>
+          <p:cNvPr id="2" name="Title 1">
+            <a:extLst>
+              <a:ext uri="{FF2B5EF4-FFF2-40B4-BE49-F238E27FC236}">
+                <a16:creationId xmlns:a16="http://schemas.microsoft.com/office/drawing/2014/main" id="{30853E37-B6FC-B473-D6A8-184E8A045E1D}"/>
+              </a:ext>
+            </a:extLst>
+          </p:cNvPr>
+          <p:cNvSpPr>
+            <a:spLocks noGrp="1"/>
+          </p:cNvSpPr>
+          <p:nvPr>
+            <p:ph type="title"/>
+          </p:nvPr>
+        </p:nvSpPr>
+        <p:spPr/>
+        <p:txBody>
+          <a:bodyPr/>
+          <a:lstStyle/>
+          <a:p>
+            <a:r>
+              <a:rPr lang="en-NZ" dirty="0" err="1"/>
+              <a:t>TestGameHoldsEyeBall</a:t>
+            </a:r>
+            <a:endParaRPr lang="en-NZ" dirty="0"/>
+          </a:p>
+        </p:txBody>
+      </p:sp>
+      <p:sp>
+        <p:nvSpPr>
+          <p:cNvPr id="3" name="Content Placeholder 2">
+            <a:extLst>
+              <a:ext uri="{FF2B5EF4-FFF2-40B4-BE49-F238E27FC236}">
+                <a16:creationId xmlns:a16="http://schemas.microsoft.com/office/drawing/2014/main" id="{8CB58A42-CB3D-E8BD-E997-55109B6EACBB}"/>
+              </a:ext>
+            </a:extLst>
+          </p:cNvPr>
+          <p:cNvSpPr>
+            <a:spLocks noGrp="1"/>
+          </p:cNvSpPr>
+          <p:nvPr>
+            <p:ph idx="1"/>
+          </p:nvPr>
+        </p:nvSpPr>
+        <p:spPr/>
+        <p:txBody>
+          <a:bodyPr/>
+          <a:lstStyle/>
+          <a:p>
+            <a:pPr>
+              <a:buFont typeface="Wingdings" panose="05000000000000000000" pitchFamily="2" charset="2"/>
+              <a:buChar char="ü"/>
+            </a:pPr>
+            <a:r>
+              <a:rPr lang="en-NZ" dirty="0" err="1"/>
+              <a:t>testAddingEyeballOutsideHeightThrowsException</a:t>
+            </a:r>
+            <a:endParaRPr lang="en-NZ" dirty="0"/>
+          </a:p>
+          <a:p>
+            <a:pPr>
+              <a:buFont typeface="Wingdings" panose="05000000000000000000" pitchFamily="2" charset="2"/>
+              <a:buChar char="ü"/>
+            </a:pPr>
+            <a:r>
+              <a:rPr lang="en-NZ" dirty="0" err="1"/>
+              <a:t>testAddingEyeballOutsideWidthThrowsException</a:t>
+            </a:r>
+            <a:endParaRPr lang="en-NZ" dirty="0"/>
+          </a:p>
+          <a:p>
+            <a:pPr>
+              <a:buFont typeface="Wingdings" panose="05000000000000000000" pitchFamily="2" charset="2"/>
+              <a:buChar char="ü"/>
+            </a:pPr>
+            <a:r>
+              <a:rPr lang="en-NZ" dirty="0" err="1"/>
+              <a:t>testAddingEyeballPutsItWhereExpected</a:t>
+            </a:r>
+            <a:endParaRPr lang="en-NZ" dirty="0"/>
+          </a:p>
+          <a:p>
+            <a:pPr>
+              <a:buFont typeface="Wingdings" panose="05000000000000000000" pitchFamily="2" charset="2"/>
+              <a:buChar char="ü"/>
+            </a:pPr>
+            <a:r>
+              <a:rPr lang="en-NZ" dirty="0" err="1"/>
+              <a:t>testAddingEyeballFacingUpFacesUp</a:t>
+            </a:r>
+            <a:endParaRPr lang="en-NZ" dirty="0"/>
+          </a:p>
+          <a:p>
+            <a:pPr>
+              <a:buFont typeface="Wingdings" panose="05000000000000000000" pitchFamily="2" charset="2"/>
+              <a:buChar char="ü"/>
+            </a:pPr>
+            <a:r>
+              <a:rPr lang="en-NZ" dirty="0" err="1"/>
+              <a:t>testAddingEyeballFacingDownFacesDown</a:t>
+            </a:r>
+            <a:endParaRPr lang="en-NZ" dirty="0"/>
+          </a:p>
+          <a:p>
+            <a:pPr>
+              <a:buFont typeface="Wingdings" panose="05000000000000000000" pitchFamily="2" charset="2"/>
+              <a:buChar char="ü"/>
+            </a:pPr>
+            <a:r>
+              <a:rPr lang="en-NZ" dirty="0" err="1"/>
+              <a:t>testAddingEyeballFacingLeftFacesLeft</a:t>
+            </a:r>
+            <a:endParaRPr lang="en-NZ" dirty="0"/>
+          </a:p>
+          <a:p>
+            <a:pPr>
+              <a:buFont typeface="Wingdings" panose="05000000000000000000" pitchFamily="2" charset="2"/>
+              <a:buChar char="ü"/>
+            </a:pPr>
+            <a:r>
+              <a:rPr lang="en-NZ" dirty="0" err="1"/>
+              <a:t>testAddingEyeballFacingRightFacesRight</a:t>
+            </a:r>
+            <a:endParaRPr lang="en-NZ" dirty="0"/>
+          </a:p>
+        </p:txBody>
+      </p:sp>
+    </p:spTree>
+    <p:extLst>
+      <p:ext uri="{BB962C8B-B14F-4D97-AF65-F5344CB8AC3E}">
+        <p14:creationId xmlns:p14="http://schemas.microsoft.com/office/powerpoint/2010/main" val="2205924010"/>
+      </p:ext>
+    </p:extLst>
+  </p:cSld>
+  <p:clrMapOvr>
+    <a:masterClrMapping/>
+  </p:clrMapOvr>
+</p:sld>
+</file>
+
+<file path=ppt/slides/slide19.xml><?xml version="1.0" encoding="utf-8"?>
+<p:sld xmlns:a="http://schemas.openxmlformats.org/drawingml/2006/main" xmlns:r="http://schemas.openxmlformats.org/officeDocument/2006/relationships" xmlns:p="http://schemas.openxmlformats.org/presentationml/2006/main">
+  <p:cSld>
+    <p:spTree>
+      <p:nvGrpSpPr>
+        <p:cNvPr id="1" name=""/>
+        <p:cNvGrpSpPr/>
+        <p:nvPr/>
+      </p:nvGrpSpPr>
+      <p:grpSpPr>
+        <a:xfrm>
+          <a:off x="0" y="0"/>
+          <a:ext cx="0" cy="0"/>
+          <a:chOff x="0" y="0"/>
+          <a:chExt cx="0" cy="0"/>
+        </a:xfrm>
+      </p:grpSpPr>
+      <p:sp>
+        <p:nvSpPr>
+          <p:cNvPr id="2" name="Title 1">
+            <a:extLst>
+              <a:ext uri="{FF2B5EF4-FFF2-40B4-BE49-F238E27FC236}">
+                <a16:creationId xmlns:a16="http://schemas.microsoft.com/office/drawing/2014/main" id="{5D20551F-A574-3CC8-3C10-7CB4CC7ECFCC}"/>
+              </a:ext>
+            </a:extLst>
+          </p:cNvPr>
+          <p:cNvSpPr>
+            <a:spLocks noGrp="1"/>
+          </p:cNvSpPr>
+          <p:nvPr>
+            <p:ph type="title"/>
+          </p:nvPr>
+        </p:nvSpPr>
+        <p:spPr/>
+        <p:txBody>
+          <a:bodyPr>
+            <a:normAutofit fontScale="90000"/>
+          </a:bodyPr>
+          <a:lstStyle/>
+          <a:p>
+            <a:r>
+              <a:rPr lang="en-NZ" dirty="0" err="1"/>
+              <a:t>testAddingEyeballOutsideHeightThrowsException</a:t>
+            </a:r>
+            <a:br>
+              <a:rPr lang="en-NZ" dirty="0"/>
+            </a:br>
+            <a:r>
+              <a:rPr lang="en-NZ" dirty="0" err="1"/>
+              <a:t>testAddingEyeballOutsideWidthThrowsException</a:t>
+            </a:r>
+            <a:endParaRPr lang="en-NZ" dirty="0"/>
+          </a:p>
+        </p:txBody>
+      </p:sp>
+      <p:pic>
+        <p:nvPicPr>
+          <p:cNvPr id="5" name="Content Placeholder 4">
+            <a:extLst>
+              <a:ext uri="{FF2B5EF4-FFF2-40B4-BE49-F238E27FC236}">
+                <a16:creationId xmlns:a16="http://schemas.microsoft.com/office/drawing/2014/main" id="{56DCC5A9-1087-AC87-E742-C78B3A95B834}"/>
+              </a:ext>
+            </a:extLst>
+          </p:cNvPr>
+          <p:cNvPicPr>
+            <a:picLocks noGrp="1" noChangeAspect="1"/>
+          </p:cNvPicPr>
+          <p:nvPr>
+            <p:ph idx="1"/>
+          </p:nvPr>
+        </p:nvPicPr>
+        <p:blipFill>
+          <a:blip r:embed="rId2"/>
+          <a:stretch>
+            <a:fillRect/>
+          </a:stretch>
+        </p:blipFill>
+        <p:spPr>
+          <a:xfrm>
+            <a:off x="1113729" y="2472318"/>
+            <a:ext cx="9964541" cy="3057952"/>
+          </a:xfrm>
+        </p:spPr>
+      </p:pic>
+    </p:spTree>
+    <p:extLst>
+      <p:ext uri="{BB962C8B-B14F-4D97-AF65-F5344CB8AC3E}">
+        <p14:creationId xmlns:p14="http://schemas.microsoft.com/office/powerpoint/2010/main" val="3031919800"/>
+      </p:ext>
+    </p:extLst>
+  </p:cSld>
+  <p:clrMapOvr>
+    <a:masterClrMapping/>
+  </p:clrMapOvr>
+</p:sld>
+</file>
+
+<file path=ppt/slides/slide2.xml><?xml version="1.0" encoding="utf-8"?>
+<p:sld xmlns:a="http://schemas.openxmlformats.org/drawingml/2006/main" xmlns:r="http://schemas.openxmlformats.org/officeDocument/2006/relationships" xmlns:p="http://schemas.openxmlformats.org/presentationml/2006/main">
+  <p:cSld>
+    <p:spTree>
+      <p:nvGrpSpPr>
+        <p:cNvPr id="1" name=""/>
+        <p:cNvGrpSpPr/>
+        <p:nvPr/>
+      </p:nvGrpSpPr>
+      <p:grpSpPr>
+        <a:xfrm>
+          <a:off x="0" y="0"/>
+          <a:ext cx="0" cy="0"/>
+          <a:chOff x="0" y="0"/>
+          <a:chExt cx="0" cy="0"/>
+        </a:xfrm>
+      </p:grpSpPr>
+      <p:sp>
+        <p:nvSpPr>
+          <p:cNvPr id="2" name="Title 1">
+            <a:extLst>
+              <a:ext uri="{FF2B5EF4-FFF2-40B4-BE49-F238E27FC236}">
+                <a16:creationId xmlns:a16="http://schemas.microsoft.com/office/drawing/2014/main" id="{D4075579-AF92-7F63-AC52-703AC89CA32F}"/>
+              </a:ext>
+            </a:extLst>
+          </p:cNvPr>
+          <p:cNvSpPr>
+            <a:spLocks noGrp="1"/>
+          </p:cNvSpPr>
+          <p:nvPr>
+            <p:ph type="title"/>
+          </p:nvPr>
+        </p:nvSpPr>
+        <p:spPr/>
+        <p:txBody>
+          <a:bodyPr/>
+          <a:lstStyle/>
+          <a:p>
+            <a:r>
+              <a:rPr lang="en-NZ" dirty="0"/>
+              <a:t>Expected Marks</a:t>
+            </a:r>
+          </a:p>
+        </p:txBody>
+      </p:sp>
+      <p:sp>
+        <p:nvSpPr>
+          <p:cNvPr id="3" name="Content Placeholder 2">
+            <a:extLst>
+              <a:ext uri="{FF2B5EF4-FFF2-40B4-BE49-F238E27FC236}">
+                <a16:creationId xmlns:a16="http://schemas.microsoft.com/office/drawing/2014/main" id="{BB615351-6F54-710C-6647-DE7F205959C6}"/>
+              </a:ext>
+            </a:extLst>
+          </p:cNvPr>
+          <p:cNvSpPr>
+            <a:spLocks noGrp="1"/>
+          </p:cNvSpPr>
+          <p:nvPr>
+            <p:ph idx="1"/>
+          </p:nvPr>
+        </p:nvSpPr>
+        <p:spPr/>
+        <p:txBody>
+          <a:bodyPr/>
+          <a:lstStyle/>
+          <a:p>
+            <a:r>
+              <a:rPr lang="en-NZ" dirty="0"/>
+              <a:t>Tests 95/95</a:t>
+            </a:r>
+          </a:p>
+          <a:p>
+            <a:endParaRPr lang="en-NZ" dirty="0"/>
+          </a:p>
+          <a:p>
+            <a:r>
+              <a:rPr lang="en-NZ" dirty="0"/>
+              <a:t>Class Diagram 5/5</a:t>
+            </a:r>
+          </a:p>
+          <a:p>
+            <a:endParaRPr lang="en-NZ" dirty="0"/>
+          </a:p>
+          <a:p>
+            <a:pPr marL="1371600" lvl="3" indent="0">
+              <a:buNone/>
+            </a:pPr>
+            <a:r>
+              <a:rPr lang="en-NZ" dirty="0"/>
+              <a:t>Total Marks 100/100 </a:t>
+            </a:r>
+            <a:r>
+              <a:rPr lang="en-NZ" dirty="0">
+                <a:sym typeface="Wingdings" panose="05000000000000000000" pitchFamily="2" charset="2"/>
+              </a:rPr>
+              <a:t></a:t>
+            </a:r>
+            <a:endParaRPr lang="en-NZ" dirty="0"/>
+          </a:p>
+        </p:txBody>
+      </p:sp>
+      <p:pic>
+        <p:nvPicPr>
+          <p:cNvPr id="5" name="Picture 4">
+            <a:extLst>
+              <a:ext uri="{FF2B5EF4-FFF2-40B4-BE49-F238E27FC236}">
+                <a16:creationId xmlns:a16="http://schemas.microsoft.com/office/drawing/2014/main" id="{35EBDFCF-4151-7901-5254-831E6552BCCE}"/>
+              </a:ext>
+            </a:extLst>
+          </p:cNvPr>
+          <p:cNvPicPr>
+            <a:picLocks noChangeAspect="1"/>
+          </p:cNvPicPr>
+          <p:nvPr/>
+        </p:nvPicPr>
+        <p:blipFill>
+          <a:blip r:embed="rId2"/>
+          <a:stretch>
+            <a:fillRect/>
+          </a:stretch>
+        </p:blipFill>
+        <p:spPr>
+          <a:xfrm>
+            <a:off x="5919261" y="1428234"/>
+            <a:ext cx="5058481" cy="2438740"/>
+          </a:xfrm>
+          <a:prstGeom prst="rect">
+            <a:avLst/>
+          </a:prstGeom>
+        </p:spPr>
+      </p:pic>
+    </p:spTree>
+    <p:extLst>
+      <p:ext uri="{BB962C8B-B14F-4D97-AF65-F5344CB8AC3E}">
+        <p14:creationId xmlns:p14="http://schemas.microsoft.com/office/powerpoint/2010/main" val="3854290447"/>
+      </p:ext>
+    </p:extLst>
+  </p:cSld>
+  <p:clrMapOvr>
+    <a:masterClrMapping/>
+  </p:clrMapOvr>
+</p:sld>
+</file>
+
+<file path=ppt/slides/slide20.xml><?xml version="1.0" encoding="utf-8"?>
+<p:sld xmlns:a="http://schemas.openxmlformats.org/drawingml/2006/main" xmlns:r="http://schemas.openxmlformats.org/officeDocument/2006/relationships" xmlns:p="http://schemas.openxmlformats.org/presentationml/2006/main">
+  <p:cSld>
+    <p:spTree>
+      <p:nvGrpSpPr>
+        <p:cNvPr id="1" name=""/>
+        <p:cNvGrpSpPr/>
+        <p:nvPr/>
+      </p:nvGrpSpPr>
+      <p:grpSpPr>
+        <a:xfrm>
+          <a:off x="0" y="0"/>
+          <a:ext cx="0" cy="0"/>
+          <a:chOff x="0" y="0"/>
+          <a:chExt cx="0" cy="0"/>
+        </a:xfrm>
+      </p:grpSpPr>
+      <p:sp>
+        <p:nvSpPr>
+          <p:cNvPr id="2" name="Title 1">
+            <a:extLst>
+              <a:ext uri="{FF2B5EF4-FFF2-40B4-BE49-F238E27FC236}">
+                <a16:creationId xmlns:a16="http://schemas.microsoft.com/office/drawing/2014/main" id="{F68B9FA9-A9E6-C38D-8A75-3026CA49DFD6}"/>
+              </a:ext>
+            </a:extLst>
+          </p:cNvPr>
+          <p:cNvSpPr>
+            <a:spLocks noGrp="1"/>
+          </p:cNvSpPr>
+          <p:nvPr>
+            <p:ph type="title"/>
+          </p:nvPr>
+        </p:nvSpPr>
+        <p:spPr/>
+        <p:txBody>
+          <a:bodyPr/>
+          <a:lstStyle/>
+          <a:p>
+            <a:r>
+              <a:rPr lang="en-NZ" dirty="0" err="1"/>
+              <a:t>testAddingEyeballPutsItWhereExpected</a:t>
+            </a:r>
+            <a:endParaRPr lang="en-NZ" dirty="0"/>
+          </a:p>
+        </p:txBody>
+      </p:sp>
+      <p:pic>
+        <p:nvPicPr>
+          <p:cNvPr id="5" name="Content Placeholder 4">
+            <a:extLst>
+              <a:ext uri="{FF2B5EF4-FFF2-40B4-BE49-F238E27FC236}">
+                <a16:creationId xmlns:a16="http://schemas.microsoft.com/office/drawing/2014/main" id="{38442C7B-45CE-F747-8FD3-8465E11232BD}"/>
+              </a:ext>
+            </a:extLst>
+          </p:cNvPr>
+          <p:cNvPicPr>
+            <a:picLocks noGrp="1" noChangeAspect="1"/>
+          </p:cNvPicPr>
+          <p:nvPr>
+            <p:ph idx="1"/>
+          </p:nvPr>
+        </p:nvPicPr>
+        <p:blipFill>
+          <a:blip r:embed="rId2"/>
+          <a:stretch>
+            <a:fillRect/>
+          </a:stretch>
+        </p:blipFill>
+        <p:spPr>
+          <a:xfrm>
+            <a:off x="2923732" y="2743818"/>
+            <a:ext cx="6344535" cy="2514951"/>
+          </a:xfrm>
+        </p:spPr>
+      </p:pic>
+    </p:spTree>
+    <p:extLst>
+      <p:ext uri="{BB962C8B-B14F-4D97-AF65-F5344CB8AC3E}">
+        <p14:creationId xmlns:p14="http://schemas.microsoft.com/office/powerpoint/2010/main" val="3444504982"/>
+      </p:ext>
+    </p:extLst>
+  </p:cSld>
+  <p:clrMapOvr>
+    <a:masterClrMapping/>
+  </p:clrMapOvr>
+</p:sld>
+</file>
+
+<file path=ppt/slides/slide21.xml><?xml version="1.0" encoding="utf-8"?>
+<p:sld xmlns:a="http://schemas.openxmlformats.org/drawingml/2006/main" xmlns:r="http://schemas.openxmlformats.org/officeDocument/2006/relationships" xmlns:p="http://schemas.openxmlformats.org/presentationml/2006/main">
+  <p:cSld>
+    <p:spTree>
+      <p:nvGrpSpPr>
+        <p:cNvPr id="1" name=""/>
+        <p:cNvGrpSpPr/>
+        <p:nvPr/>
+      </p:nvGrpSpPr>
+      <p:grpSpPr>
+        <a:xfrm>
+          <a:off x="0" y="0"/>
+          <a:ext cx="0" cy="0"/>
+          <a:chOff x="0" y="0"/>
+          <a:chExt cx="0" cy="0"/>
+        </a:xfrm>
+      </p:grpSpPr>
+      <p:sp>
+        <p:nvSpPr>
+          <p:cNvPr id="2" name="Title 1">
+            <a:extLst>
+              <a:ext uri="{FF2B5EF4-FFF2-40B4-BE49-F238E27FC236}">
+                <a16:creationId xmlns:a16="http://schemas.microsoft.com/office/drawing/2014/main" id="{552538C0-5FC6-DBC3-59E2-93CA4090E1C1}"/>
+              </a:ext>
+            </a:extLst>
+          </p:cNvPr>
+          <p:cNvSpPr>
+            <a:spLocks noGrp="1"/>
+          </p:cNvSpPr>
+          <p:nvPr>
+            <p:ph type="title"/>
+          </p:nvPr>
+        </p:nvSpPr>
+        <p:spPr>
+          <a:xfrm>
+            <a:off x="838200" y="681037"/>
+            <a:ext cx="10515600" cy="1325563"/>
+          </a:xfrm>
+        </p:spPr>
+        <p:txBody>
+          <a:bodyPr>
+            <a:normAutofit fontScale="90000"/>
+          </a:bodyPr>
+          <a:lstStyle/>
+          <a:p>
+            <a:r>
+              <a:rPr lang="en-NZ" dirty="0" err="1"/>
+              <a:t>testAddingEyeballFacingUpFacesUp</a:t>
+            </a:r>
+            <a:br>
+              <a:rPr lang="en-NZ" dirty="0"/>
+            </a:br>
+            <a:r>
+              <a:rPr lang="en-NZ" dirty="0" err="1"/>
+              <a:t>testAddingEyeballFacingDownFacesDown</a:t>
+            </a:r>
+            <a:br>
+              <a:rPr lang="en-NZ" dirty="0"/>
+            </a:br>
+            <a:r>
+              <a:rPr lang="en-NZ" dirty="0" err="1"/>
+              <a:t>testAddingEyeballFacingLeftFacesLeft</a:t>
+            </a:r>
+            <a:br>
+              <a:rPr lang="en-NZ" dirty="0"/>
+            </a:br>
+            <a:r>
+              <a:rPr lang="en-NZ" dirty="0" err="1"/>
+              <a:t>testAddingEyeballFacingRightFacesRight</a:t>
+            </a:r>
+            <a:br>
+              <a:rPr lang="en-NZ" dirty="0"/>
+            </a:br>
+            <a:endParaRPr lang="en-NZ" dirty="0"/>
+          </a:p>
+        </p:txBody>
+      </p:sp>
+      <p:pic>
+        <p:nvPicPr>
+          <p:cNvPr id="5" name="Content Placeholder 4">
+            <a:extLst>
+              <a:ext uri="{FF2B5EF4-FFF2-40B4-BE49-F238E27FC236}">
+                <a16:creationId xmlns:a16="http://schemas.microsoft.com/office/drawing/2014/main" id="{45813C31-547F-A0F4-4C22-EBC35A190493}"/>
+              </a:ext>
+            </a:extLst>
+          </p:cNvPr>
+          <p:cNvPicPr>
+            <a:picLocks noGrp="1" noChangeAspect="1"/>
+          </p:cNvPicPr>
+          <p:nvPr>
+            <p:ph idx="1"/>
+          </p:nvPr>
+        </p:nvPicPr>
+        <p:blipFill>
+          <a:blip r:embed="rId2"/>
+          <a:stretch>
+            <a:fillRect/>
+          </a:stretch>
+        </p:blipFill>
+        <p:spPr>
+          <a:xfrm>
+            <a:off x="2267989" y="2857420"/>
+            <a:ext cx="6420746" cy="571580"/>
+          </a:xfrm>
+        </p:spPr>
+      </p:pic>
+    </p:spTree>
+    <p:extLst>
+      <p:ext uri="{BB962C8B-B14F-4D97-AF65-F5344CB8AC3E}">
+        <p14:creationId xmlns:p14="http://schemas.microsoft.com/office/powerpoint/2010/main" val="792923800"/>
+      </p:ext>
+    </p:extLst>
+  </p:cSld>
+  <p:clrMapOvr>
+    <a:masterClrMapping/>
+  </p:clrMapOvr>
+</p:sld>
+</file>
+
+<file path=ppt/slides/slide22.xml><?xml version="1.0" encoding="utf-8"?>
+<p:sld xmlns:a="http://schemas.openxmlformats.org/drawingml/2006/main" xmlns:r="http://schemas.openxmlformats.org/officeDocument/2006/relationships" xmlns:p="http://schemas.openxmlformats.org/presentationml/2006/main">
+  <p:cSld>
+    <p:spTree>
+      <p:nvGrpSpPr>
+        <p:cNvPr id="1" name=""/>
+        <p:cNvGrpSpPr/>
+        <p:nvPr/>
+      </p:nvGrpSpPr>
+      <p:grpSpPr>
+        <a:xfrm>
+          <a:off x="0" y="0"/>
+          <a:ext cx="0" cy="0"/>
+          <a:chOff x="0" y="0"/>
+          <a:chExt cx="0" cy="0"/>
+        </a:xfrm>
+      </p:grpSpPr>
+      <p:sp>
+        <p:nvSpPr>
+          <p:cNvPr id="2" name="Title 1">
+            <a:extLst>
+              <a:ext uri="{FF2B5EF4-FFF2-40B4-BE49-F238E27FC236}">
+                <a16:creationId xmlns:a16="http://schemas.microsoft.com/office/drawing/2014/main" id="{84E11098-6445-F10B-6D0A-94D8B7A0FDB2}"/>
+              </a:ext>
+            </a:extLst>
+          </p:cNvPr>
+          <p:cNvSpPr>
+            <a:spLocks noGrp="1"/>
+          </p:cNvSpPr>
+          <p:nvPr>
+            <p:ph type="title"/>
+          </p:nvPr>
+        </p:nvSpPr>
+        <p:spPr/>
+        <p:txBody>
+          <a:bodyPr/>
+          <a:lstStyle/>
+          <a:p>
+            <a:r>
+              <a:rPr lang="en-NZ" dirty="0" err="1"/>
+              <a:t>TestMovesUp</a:t>
+            </a:r>
+            <a:r>
+              <a:rPr lang="en-NZ" dirty="0"/>
+              <a:t>/Left/Right/Up/Down/Diagonal</a:t>
+            </a:r>
+          </a:p>
+        </p:txBody>
+      </p:sp>
+      <p:sp>
+        <p:nvSpPr>
+          <p:cNvPr id="3" name="Content Placeholder 2">
+            <a:extLst>
+              <a:ext uri="{FF2B5EF4-FFF2-40B4-BE49-F238E27FC236}">
+                <a16:creationId xmlns:a16="http://schemas.microsoft.com/office/drawing/2014/main" id="{B9EF7BBC-1C94-43DE-3A82-C7C05205C9AE}"/>
+              </a:ext>
+            </a:extLst>
+          </p:cNvPr>
+          <p:cNvSpPr>
+            <a:spLocks noGrp="1"/>
+          </p:cNvSpPr>
+          <p:nvPr>
+            <p:ph idx="1"/>
+          </p:nvPr>
+        </p:nvSpPr>
+        <p:spPr/>
+        <p:txBody>
+          <a:bodyPr>
+            <a:normAutofit fontScale="85000" lnSpcReduction="20000"/>
+          </a:bodyPr>
+          <a:lstStyle/>
+          <a:p>
+            <a:pPr>
+              <a:buFont typeface="Wingdings" panose="05000000000000000000" pitchFamily="2" charset="2"/>
+              <a:buChar char="ü"/>
+            </a:pPr>
+            <a:r>
+              <a:rPr lang="en-NZ" dirty="0" err="1"/>
+              <a:t>testOkToMoveToSameColorOrShape</a:t>
+            </a:r>
+            <a:endParaRPr lang="en-NZ" dirty="0"/>
+          </a:p>
+          <a:p>
+            <a:pPr>
+              <a:buFont typeface="Wingdings" panose="05000000000000000000" pitchFamily="2" charset="2"/>
+              <a:buChar char="ü"/>
+            </a:pPr>
+            <a:r>
+              <a:rPr lang="en-NZ" dirty="0" err="1"/>
+              <a:t>testNotOkToMoveToDifferentColorAndShape</a:t>
+            </a:r>
+            <a:endParaRPr lang="en-NZ" dirty="0"/>
+          </a:p>
+          <a:p>
+            <a:pPr>
+              <a:buFont typeface="Wingdings" panose="05000000000000000000" pitchFamily="2" charset="2"/>
+              <a:buChar char="ü"/>
+            </a:pPr>
+            <a:r>
+              <a:rPr lang="en-NZ" dirty="0" err="1"/>
+              <a:t>testNoErrorMessageWhenMovingToSameColorOrShape</a:t>
+            </a:r>
+            <a:endParaRPr lang="en-NZ" dirty="0"/>
+          </a:p>
+          <a:p>
+            <a:pPr>
+              <a:buFont typeface="Wingdings" panose="05000000000000000000" pitchFamily="2" charset="2"/>
+              <a:buChar char="ü"/>
+            </a:pPr>
+            <a:r>
+              <a:rPr lang="en-NZ" dirty="0" err="1"/>
+              <a:t>testGetsErrorMessageWhenMovingToDifferentColorAndShape</a:t>
+            </a:r>
+            <a:endParaRPr lang="en-NZ" dirty="0"/>
+          </a:p>
+          <a:p>
+            <a:pPr>
+              <a:buFont typeface="Wingdings" panose="05000000000000000000" pitchFamily="2" charset="2"/>
+              <a:buChar char="ü"/>
+            </a:pPr>
+            <a:r>
+              <a:rPr lang="en-NZ" dirty="0" err="1"/>
+              <a:t>testOkWhenEyeballFacesRightOnMovingUp</a:t>
+            </a:r>
+            <a:endParaRPr lang="en-NZ" dirty="0"/>
+          </a:p>
+          <a:p>
+            <a:pPr>
+              <a:buFont typeface="Wingdings" panose="05000000000000000000" pitchFamily="2" charset="2"/>
+              <a:buChar char="ü"/>
+            </a:pPr>
+            <a:r>
+              <a:rPr lang="en-NZ" dirty="0" err="1"/>
+              <a:t>testOkWhenEyeballFacesLeftOnMovingUp</a:t>
+            </a:r>
+            <a:endParaRPr lang="en-NZ" dirty="0"/>
+          </a:p>
+          <a:p>
+            <a:pPr>
+              <a:buFont typeface="Wingdings" panose="05000000000000000000" pitchFamily="2" charset="2"/>
+              <a:buChar char="ü"/>
+            </a:pPr>
+            <a:r>
+              <a:rPr lang="en-NZ" dirty="0" err="1"/>
+              <a:t>testNotOkWhenMovingBackwards</a:t>
+            </a:r>
+            <a:endParaRPr lang="en-NZ" dirty="0"/>
+          </a:p>
+          <a:p>
+            <a:pPr>
+              <a:buFont typeface="Wingdings" panose="05000000000000000000" pitchFamily="2" charset="2"/>
+              <a:buChar char="ü"/>
+            </a:pPr>
+            <a:r>
+              <a:rPr lang="en-NZ" dirty="0" err="1"/>
+              <a:t>testsGetsErrorMessageWhenMovingBackwards</a:t>
+            </a:r>
+            <a:endParaRPr lang="en-NZ" dirty="0"/>
+          </a:p>
+          <a:p>
+            <a:pPr>
+              <a:buFont typeface="Wingdings" panose="05000000000000000000" pitchFamily="2" charset="2"/>
+              <a:buChar char="ü"/>
+            </a:pPr>
+            <a:r>
+              <a:rPr lang="en-NZ" dirty="0" err="1"/>
+              <a:t>testNotOkWhenPathToDestinationCrossesBlank</a:t>
+            </a:r>
+            <a:endParaRPr lang="en-NZ" dirty="0"/>
+          </a:p>
+          <a:p>
+            <a:pPr>
+              <a:buFont typeface="Wingdings" panose="05000000000000000000" pitchFamily="2" charset="2"/>
+              <a:buChar char="ü"/>
+            </a:pPr>
+            <a:r>
+              <a:rPr lang="en-NZ" dirty="0" err="1"/>
+              <a:t>testEyeballMovesToDestinationRowAndColumn</a:t>
+            </a:r>
+            <a:endParaRPr lang="en-NZ" dirty="0"/>
+          </a:p>
+          <a:p>
+            <a:pPr>
+              <a:buFont typeface="Wingdings" panose="05000000000000000000" pitchFamily="2" charset="2"/>
+              <a:buChar char="ü"/>
+            </a:pPr>
+            <a:r>
+              <a:rPr lang="en-NZ" dirty="0" err="1"/>
+              <a:t>testEyeballFacesUPOnMovingUp</a:t>
+            </a:r>
+            <a:endParaRPr lang="en-NZ" dirty="0"/>
+          </a:p>
+        </p:txBody>
+      </p:sp>
+    </p:spTree>
+    <p:extLst>
+      <p:ext uri="{BB962C8B-B14F-4D97-AF65-F5344CB8AC3E}">
+        <p14:creationId xmlns:p14="http://schemas.microsoft.com/office/powerpoint/2010/main" val="1755810356"/>
+      </p:ext>
+    </p:extLst>
+  </p:cSld>
+  <p:clrMapOvr>
+    <a:masterClrMapping/>
+  </p:clrMapOvr>
+</p:sld>
+</file>
+
+<file path=ppt/slides/slide23.xml><?xml version="1.0" encoding="utf-8"?>
+<p:sld xmlns:a="http://schemas.openxmlformats.org/drawingml/2006/main" xmlns:r="http://schemas.openxmlformats.org/officeDocument/2006/relationships" xmlns:p="http://schemas.openxmlformats.org/presentationml/2006/main">
+  <p:cSld>
+    <p:spTree>
+      <p:nvGrpSpPr>
+        <p:cNvPr id="1" name=""/>
+        <p:cNvGrpSpPr/>
+        <p:nvPr/>
+      </p:nvGrpSpPr>
+      <p:grpSpPr>
+        <a:xfrm>
+          <a:off x="0" y="0"/>
+          <a:ext cx="0" cy="0"/>
+          <a:chOff x="0" y="0"/>
+          <a:chExt cx="0" cy="0"/>
+        </a:xfrm>
+      </p:grpSpPr>
+      <p:sp>
+        <p:nvSpPr>
+          <p:cNvPr id="2" name="Title 1">
+            <a:extLst>
+              <a:ext uri="{FF2B5EF4-FFF2-40B4-BE49-F238E27FC236}">
+                <a16:creationId xmlns:a16="http://schemas.microsoft.com/office/drawing/2014/main" id="{161C2EC4-120D-EB4C-4B71-6D3B486B6D70}"/>
+              </a:ext>
+            </a:extLst>
+          </p:cNvPr>
+          <p:cNvSpPr>
+            <a:spLocks noGrp="1"/>
+          </p:cNvSpPr>
+          <p:nvPr>
+            <p:ph type="title"/>
+          </p:nvPr>
+        </p:nvSpPr>
+        <p:spPr/>
+        <p:txBody>
+          <a:bodyPr/>
+          <a:lstStyle/>
+          <a:p>
+            <a:r>
+              <a:rPr lang="en-NZ" dirty="0" err="1"/>
+              <a:t>testOkToMoveToSameColorOrShape</a:t>
+            </a:r>
+            <a:endParaRPr lang="en-NZ" dirty="0"/>
+          </a:p>
+        </p:txBody>
+      </p:sp>
+      <p:pic>
+        <p:nvPicPr>
+          <p:cNvPr id="5" name="Content Placeholder 4">
+            <a:extLst>
+              <a:ext uri="{FF2B5EF4-FFF2-40B4-BE49-F238E27FC236}">
+                <a16:creationId xmlns:a16="http://schemas.microsoft.com/office/drawing/2014/main" id="{CC89831D-9C61-56D8-44EF-2A3DF749A5C2}"/>
+              </a:ext>
+            </a:extLst>
+          </p:cNvPr>
+          <p:cNvPicPr>
+            <a:picLocks noGrp="1" noChangeAspect="1"/>
+          </p:cNvPicPr>
+          <p:nvPr>
+            <p:ph idx="1"/>
+          </p:nvPr>
+        </p:nvPicPr>
+        <p:blipFill>
+          <a:blip r:embed="rId2"/>
+          <a:stretch>
+            <a:fillRect/>
+          </a:stretch>
+        </p:blipFill>
+        <p:spPr>
+          <a:xfrm>
+            <a:off x="970835" y="2610971"/>
+            <a:ext cx="5125165" cy="2276793"/>
+          </a:xfrm>
+        </p:spPr>
+      </p:pic>
+      <p:pic>
+        <p:nvPicPr>
+          <p:cNvPr id="7" name="Picture 6">
+            <a:extLst>
+              <a:ext uri="{FF2B5EF4-FFF2-40B4-BE49-F238E27FC236}">
+                <a16:creationId xmlns:a16="http://schemas.microsoft.com/office/drawing/2014/main" id="{62C80F81-594F-BD3C-ABB9-464EAFE0CCE8}"/>
+              </a:ext>
+            </a:extLst>
+          </p:cNvPr>
+          <p:cNvPicPr>
+            <a:picLocks noChangeAspect="1"/>
+          </p:cNvPicPr>
+          <p:nvPr/>
+        </p:nvPicPr>
+        <p:blipFill>
+          <a:blip r:embed="rId3"/>
+          <a:stretch>
+            <a:fillRect/>
+          </a:stretch>
+        </p:blipFill>
+        <p:spPr>
+          <a:xfrm>
+            <a:off x="970835" y="1439754"/>
+            <a:ext cx="5125165" cy="1086002"/>
+          </a:xfrm>
+          <a:prstGeom prst="rect">
+            <a:avLst/>
+          </a:prstGeom>
+        </p:spPr>
+      </p:pic>
+      <p:pic>
+        <p:nvPicPr>
+          <p:cNvPr id="9" name="Picture 8">
+            <a:extLst>
+              <a:ext uri="{FF2B5EF4-FFF2-40B4-BE49-F238E27FC236}">
+                <a16:creationId xmlns:a16="http://schemas.microsoft.com/office/drawing/2014/main" id="{56B92402-9095-E582-9129-B5DDDF25DDCA}"/>
+              </a:ext>
+            </a:extLst>
+          </p:cNvPr>
+          <p:cNvPicPr>
+            <a:picLocks noChangeAspect="1"/>
+          </p:cNvPicPr>
+          <p:nvPr/>
+        </p:nvPicPr>
+        <p:blipFill>
+          <a:blip r:embed="rId4"/>
+          <a:stretch>
+            <a:fillRect/>
+          </a:stretch>
+        </p:blipFill>
+        <p:spPr>
+          <a:xfrm>
+            <a:off x="970835" y="5088023"/>
+            <a:ext cx="4020111" cy="1028844"/>
+          </a:xfrm>
+          <a:prstGeom prst="rect">
+            <a:avLst/>
+          </a:prstGeom>
+        </p:spPr>
+      </p:pic>
+      <p:pic>
+        <p:nvPicPr>
+          <p:cNvPr id="11" name="Picture 10">
+            <a:extLst>
+              <a:ext uri="{FF2B5EF4-FFF2-40B4-BE49-F238E27FC236}">
+                <a16:creationId xmlns:a16="http://schemas.microsoft.com/office/drawing/2014/main" id="{2C8C26F6-54F9-725A-2867-FBCB558B8BC9}"/>
+              </a:ext>
+            </a:extLst>
+          </p:cNvPr>
+          <p:cNvPicPr>
+            <a:picLocks noChangeAspect="1"/>
+          </p:cNvPicPr>
+          <p:nvPr/>
+        </p:nvPicPr>
+        <p:blipFill>
+          <a:blip r:embed="rId5"/>
+          <a:stretch>
+            <a:fillRect/>
+          </a:stretch>
+        </p:blipFill>
+        <p:spPr>
+          <a:xfrm>
+            <a:off x="6923312" y="1316925"/>
+            <a:ext cx="5268688" cy="5419777"/>
+          </a:xfrm>
+          <a:prstGeom prst="rect">
+            <a:avLst/>
+          </a:prstGeom>
+        </p:spPr>
+      </p:pic>
+    </p:spTree>
+    <p:extLst>
+      <p:ext uri="{BB962C8B-B14F-4D97-AF65-F5344CB8AC3E}">
+        <p14:creationId xmlns:p14="http://schemas.microsoft.com/office/powerpoint/2010/main" val="273243910"/>
+      </p:ext>
+    </p:extLst>
+  </p:cSld>
+  <p:clrMapOvr>
+    <a:masterClrMapping/>
+  </p:clrMapOvr>
+</p:sld>
+</file>
+
+<file path=ppt/slides/slide24.xml><?xml version="1.0" encoding="utf-8"?>
+<p:sld xmlns:a="http://schemas.openxmlformats.org/drawingml/2006/main" xmlns:r="http://schemas.openxmlformats.org/officeDocument/2006/relationships" xmlns:p="http://schemas.openxmlformats.org/presentationml/2006/main">
+  <p:cSld>
+    <p:spTree>
+      <p:nvGrpSpPr>
+        <p:cNvPr id="1" name=""/>
+        <p:cNvGrpSpPr/>
+        <p:nvPr/>
+      </p:nvGrpSpPr>
+      <p:grpSpPr>
+        <a:xfrm>
+          <a:off x="0" y="0"/>
+          <a:ext cx="0" cy="0"/>
+          <a:chOff x="0" y="0"/>
+          <a:chExt cx="0" cy="0"/>
+        </a:xfrm>
+      </p:grpSpPr>
+      <p:sp>
+        <p:nvSpPr>
+          <p:cNvPr id="2" name="Title 1">
+            <a:extLst>
+              <a:ext uri="{FF2B5EF4-FFF2-40B4-BE49-F238E27FC236}">
+                <a16:creationId xmlns:a16="http://schemas.microsoft.com/office/drawing/2014/main" id="{375E7346-DD1D-7147-ECE0-A75D8A49AFB7}"/>
+              </a:ext>
+            </a:extLst>
+          </p:cNvPr>
+          <p:cNvSpPr>
+            <a:spLocks noGrp="1"/>
+          </p:cNvSpPr>
+          <p:nvPr>
+            <p:ph type="title"/>
+          </p:nvPr>
+        </p:nvSpPr>
+        <p:spPr/>
+        <p:txBody>
+          <a:bodyPr/>
+          <a:lstStyle/>
+          <a:p>
+            <a:r>
+              <a:rPr lang="en-NZ" dirty="0" err="1"/>
+              <a:t>testNotOkToMoveToDifferentColorAndShape</a:t>
+            </a:r>
+            <a:endParaRPr lang="en-NZ" dirty="0"/>
+          </a:p>
+        </p:txBody>
+      </p:sp>
+      <p:pic>
+        <p:nvPicPr>
+          <p:cNvPr id="4" name="Content Placeholder 4">
+            <a:extLst>
+              <a:ext uri="{FF2B5EF4-FFF2-40B4-BE49-F238E27FC236}">
+                <a16:creationId xmlns:a16="http://schemas.microsoft.com/office/drawing/2014/main" id="{69086761-9C13-61EC-2475-18099FDA368A}"/>
+              </a:ext>
+            </a:extLst>
+          </p:cNvPr>
+          <p:cNvPicPr>
+            <a:picLocks noChangeAspect="1"/>
+          </p:cNvPicPr>
+          <p:nvPr/>
+        </p:nvPicPr>
+        <p:blipFill>
+          <a:blip r:embed="rId2"/>
+          <a:stretch>
+            <a:fillRect/>
+          </a:stretch>
+        </p:blipFill>
+        <p:spPr>
+          <a:xfrm>
+            <a:off x="970835" y="2610971"/>
+            <a:ext cx="5125165" cy="2276793"/>
+          </a:xfrm>
+          <a:prstGeom prst="rect">
+            <a:avLst/>
+          </a:prstGeom>
+        </p:spPr>
+      </p:pic>
+      <p:pic>
+        <p:nvPicPr>
+          <p:cNvPr id="5" name="Picture 4">
+            <a:extLst>
+              <a:ext uri="{FF2B5EF4-FFF2-40B4-BE49-F238E27FC236}">
+                <a16:creationId xmlns:a16="http://schemas.microsoft.com/office/drawing/2014/main" id="{2D292BE1-D25F-12D9-20BD-6A361391BF0E}"/>
+              </a:ext>
+            </a:extLst>
+          </p:cNvPr>
+          <p:cNvPicPr>
+            <a:picLocks noChangeAspect="1"/>
+          </p:cNvPicPr>
+          <p:nvPr/>
+        </p:nvPicPr>
+        <p:blipFill>
+          <a:blip r:embed="rId3"/>
+          <a:stretch>
+            <a:fillRect/>
+          </a:stretch>
+        </p:blipFill>
+        <p:spPr>
+          <a:xfrm>
+            <a:off x="970835" y="1439754"/>
+            <a:ext cx="5125165" cy="1086002"/>
+          </a:xfrm>
+          <a:prstGeom prst="rect">
+            <a:avLst/>
+          </a:prstGeom>
+        </p:spPr>
+      </p:pic>
+      <p:pic>
+        <p:nvPicPr>
+          <p:cNvPr id="6" name="Picture 5">
+            <a:extLst>
+              <a:ext uri="{FF2B5EF4-FFF2-40B4-BE49-F238E27FC236}">
+                <a16:creationId xmlns:a16="http://schemas.microsoft.com/office/drawing/2014/main" id="{9108B265-AA38-BDA8-2A52-958A6F55D61C}"/>
+              </a:ext>
+            </a:extLst>
+          </p:cNvPr>
+          <p:cNvPicPr>
+            <a:picLocks noChangeAspect="1"/>
+          </p:cNvPicPr>
+          <p:nvPr/>
+        </p:nvPicPr>
+        <p:blipFill>
+          <a:blip r:embed="rId4"/>
+          <a:stretch>
+            <a:fillRect/>
+          </a:stretch>
+        </p:blipFill>
+        <p:spPr>
+          <a:xfrm>
+            <a:off x="970835" y="5088023"/>
+            <a:ext cx="4020111" cy="1028844"/>
+          </a:xfrm>
+          <a:prstGeom prst="rect">
+            <a:avLst/>
+          </a:prstGeom>
+        </p:spPr>
+      </p:pic>
+      <p:pic>
+        <p:nvPicPr>
+          <p:cNvPr id="7" name="Picture 6">
+            <a:extLst>
+              <a:ext uri="{FF2B5EF4-FFF2-40B4-BE49-F238E27FC236}">
+                <a16:creationId xmlns:a16="http://schemas.microsoft.com/office/drawing/2014/main" id="{E55A5F08-1524-9878-E1C9-0AF234AA7246}"/>
+              </a:ext>
+            </a:extLst>
+          </p:cNvPr>
+          <p:cNvPicPr>
+            <a:picLocks noChangeAspect="1"/>
+          </p:cNvPicPr>
+          <p:nvPr/>
+        </p:nvPicPr>
+        <p:blipFill>
+          <a:blip r:embed="rId5"/>
+          <a:stretch>
+            <a:fillRect/>
+          </a:stretch>
+        </p:blipFill>
+        <p:spPr>
+          <a:xfrm>
+            <a:off x="6923312" y="1316925"/>
+            <a:ext cx="5268688" cy="5419777"/>
+          </a:xfrm>
+          <a:prstGeom prst="rect">
+            <a:avLst/>
+          </a:prstGeom>
+        </p:spPr>
+      </p:pic>
+    </p:spTree>
+    <p:extLst>
+      <p:ext uri="{BB962C8B-B14F-4D97-AF65-F5344CB8AC3E}">
+        <p14:creationId xmlns:p14="http://schemas.microsoft.com/office/powerpoint/2010/main" val="613419367"/>
+      </p:ext>
+    </p:extLst>
+  </p:cSld>
+  <p:clrMapOvr>
+    <a:masterClrMapping/>
+  </p:clrMapOvr>
+</p:sld>
+</file>
+
+<file path=ppt/slides/slide25.xml><?xml version="1.0" encoding="utf-8"?>
+<p:sld xmlns:a="http://schemas.openxmlformats.org/drawingml/2006/main" xmlns:r="http://schemas.openxmlformats.org/officeDocument/2006/relationships" xmlns:p="http://schemas.openxmlformats.org/presentationml/2006/main">
+  <p:cSld>
+    <p:spTree>
+      <p:nvGrpSpPr>
+        <p:cNvPr id="1" name=""/>
+        <p:cNvGrpSpPr/>
+        <p:nvPr/>
+      </p:nvGrpSpPr>
+      <p:grpSpPr>
+        <a:xfrm>
+          <a:off x="0" y="0"/>
+          <a:ext cx="0" cy="0"/>
+          <a:chOff x="0" y="0"/>
+          <a:chExt cx="0" cy="0"/>
+        </a:xfrm>
+      </p:grpSpPr>
+      <p:sp>
+        <p:nvSpPr>
+          <p:cNvPr id="2" name="Title 1">
+            <a:extLst>
+              <a:ext uri="{FF2B5EF4-FFF2-40B4-BE49-F238E27FC236}">
+                <a16:creationId xmlns:a16="http://schemas.microsoft.com/office/drawing/2014/main" id="{E0BECE0B-ACE2-176A-18AD-A1CB95C5027E}"/>
+              </a:ext>
+            </a:extLst>
+          </p:cNvPr>
+          <p:cNvSpPr>
+            <a:spLocks noGrp="1"/>
+          </p:cNvSpPr>
+          <p:nvPr>
+            <p:ph type="title"/>
+          </p:nvPr>
+        </p:nvSpPr>
+        <p:spPr/>
+        <p:txBody>
+          <a:bodyPr/>
+          <a:lstStyle/>
+          <a:p>
+            <a:r>
+              <a:rPr lang="en-NZ" dirty="0" err="1"/>
+              <a:t>testNoErrorMessageWhenMovingToSameColorOrShape</a:t>
+            </a:r>
+            <a:endParaRPr lang="en-NZ" dirty="0"/>
+          </a:p>
+        </p:txBody>
+      </p:sp>
+      <p:pic>
+        <p:nvPicPr>
+          <p:cNvPr id="5" name="Content Placeholder 4">
+            <a:extLst>
+              <a:ext uri="{FF2B5EF4-FFF2-40B4-BE49-F238E27FC236}">
+                <a16:creationId xmlns:a16="http://schemas.microsoft.com/office/drawing/2014/main" id="{A62BA9D7-38B2-ECDA-DA9C-33D17A2675F6}"/>
+              </a:ext>
+            </a:extLst>
+          </p:cNvPr>
+          <p:cNvPicPr>
+            <a:picLocks noGrp="1" noChangeAspect="1"/>
+          </p:cNvPicPr>
+          <p:nvPr>
+            <p:ph idx="1"/>
+          </p:nvPr>
+        </p:nvPicPr>
+        <p:blipFill>
+          <a:blip r:embed="rId2"/>
+          <a:stretch>
+            <a:fillRect/>
+          </a:stretch>
+        </p:blipFill>
+        <p:spPr>
+          <a:xfrm>
+            <a:off x="3548149" y="2032719"/>
+            <a:ext cx="4677428" cy="1476581"/>
+          </a:xfrm>
+        </p:spPr>
+      </p:pic>
+      <p:pic>
+        <p:nvPicPr>
+          <p:cNvPr id="7" name="Picture 6">
+            <a:extLst>
+              <a:ext uri="{FF2B5EF4-FFF2-40B4-BE49-F238E27FC236}">
+                <a16:creationId xmlns:a16="http://schemas.microsoft.com/office/drawing/2014/main" id="{8BBB80D2-DD8D-0AC9-0F63-1D8D0707E310}"/>
+              </a:ext>
+            </a:extLst>
+          </p:cNvPr>
+          <p:cNvPicPr>
+            <a:picLocks noChangeAspect="1"/>
+          </p:cNvPicPr>
+          <p:nvPr/>
+        </p:nvPicPr>
+        <p:blipFill>
+          <a:blip r:embed="rId3"/>
+          <a:stretch>
+            <a:fillRect/>
+          </a:stretch>
+        </p:blipFill>
+        <p:spPr>
+          <a:xfrm>
+            <a:off x="3261917" y="3659959"/>
+            <a:ext cx="5668166" cy="2181529"/>
+          </a:xfrm>
+          <a:prstGeom prst="rect">
+            <a:avLst/>
+          </a:prstGeom>
+        </p:spPr>
+      </p:pic>
+    </p:spTree>
+    <p:extLst>
+      <p:ext uri="{BB962C8B-B14F-4D97-AF65-F5344CB8AC3E}">
+        <p14:creationId xmlns:p14="http://schemas.microsoft.com/office/powerpoint/2010/main" val="2567015007"/>
+      </p:ext>
+    </p:extLst>
+  </p:cSld>
+  <p:clrMapOvr>
+    <a:masterClrMapping/>
+  </p:clrMapOvr>
+</p:sld>
+</file>
+
+<file path=ppt/slides/slide26.xml><?xml version="1.0" encoding="utf-8"?>
+<p:sld xmlns:a="http://schemas.openxmlformats.org/drawingml/2006/main" xmlns:r="http://schemas.openxmlformats.org/officeDocument/2006/relationships" xmlns:p="http://schemas.openxmlformats.org/presentationml/2006/main">
+  <p:cSld>
+    <p:spTree>
+      <p:nvGrpSpPr>
+        <p:cNvPr id="1" name=""/>
+        <p:cNvGrpSpPr/>
+        <p:nvPr/>
+      </p:nvGrpSpPr>
+      <p:grpSpPr>
+        <a:xfrm>
+          <a:off x="0" y="0"/>
+          <a:ext cx="0" cy="0"/>
+          <a:chOff x="0" y="0"/>
+          <a:chExt cx="0" cy="0"/>
+        </a:xfrm>
+      </p:grpSpPr>
+      <p:sp>
+        <p:nvSpPr>
+          <p:cNvPr id="2" name="Title 1">
+            <a:extLst>
+              <a:ext uri="{FF2B5EF4-FFF2-40B4-BE49-F238E27FC236}">
+                <a16:creationId xmlns:a16="http://schemas.microsoft.com/office/drawing/2014/main" id="{97C30249-1FCB-A988-7C48-8AF17044FA9D}"/>
+              </a:ext>
+            </a:extLst>
+          </p:cNvPr>
+          <p:cNvSpPr>
+            <a:spLocks noGrp="1"/>
+          </p:cNvSpPr>
+          <p:nvPr>
+            <p:ph type="title"/>
+          </p:nvPr>
+        </p:nvSpPr>
+        <p:spPr>
+          <a:xfrm>
+            <a:off x="556953" y="365125"/>
+            <a:ext cx="10796847" cy="1325563"/>
+          </a:xfrm>
+        </p:spPr>
+        <p:txBody>
+          <a:bodyPr/>
+          <a:lstStyle/>
+          <a:p>
+            <a:r>
+              <a:rPr lang="en-NZ" dirty="0" err="1"/>
+              <a:t>testGetsErrorMessageWhenMovingToDifferentColorAndShape</a:t>
+            </a:r>
+            <a:endParaRPr lang="en-NZ" dirty="0"/>
+          </a:p>
+        </p:txBody>
+      </p:sp>
+      <p:pic>
+        <p:nvPicPr>
+          <p:cNvPr id="4" name="Content Placeholder 4">
+            <a:extLst>
+              <a:ext uri="{FF2B5EF4-FFF2-40B4-BE49-F238E27FC236}">
+                <a16:creationId xmlns:a16="http://schemas.microsoft.com/office/drawing/2014/main" id="{4E5EDD4B-64A9-DFA2-9F73-A6591F348217}"/>
+              </a:ext>
+            </a:extLst>
+          </p:cNvPr>
+          <p:cNvPicPr>
+            <a:picLocks noChangeAspect="1"/>
+          </p:cNvPicPr>
+          <p:nvPr/>
+        </p:nvPicPr>
+        <p:blipFill>
+          <a:blip r:embed="rId2"/>
+          <a:stretch>
+            <a:fillRect/>
+          </a:stretch>
+        </p:blipFill>
+        <p:spPr>
+          <a:xfrm>
+            <a:off x="3548149" y="2032719"/>
+            <a:ext cx="4677428" cy="1476581"/>
+          </a:xfrm>
+          <a:prstGeom prst="rect">
+            <a:avLst/>
+          </a:prstGeom>
+        </p:spPr>
+      </p:pic>
+      <p:pic>
+        <p:nvPicPr>
+          <p:cNvPr id="5" name="Picture 4">
+            <a:extLst>
+              <a:ext uri="{FF2B5EF4-FFF2-40B4-BE49-F238E27FC236}">
+                <a16:creationId xmlns:a16="http://schemas.microsoft.com/office/drawing/2014/main" id="{A00F5DC9-2595-20FD-779A-304732C0DEF6}"/>
+              </a:ext>
+            </a:extLst>
+          </p:cNvPr>
+          <p:cNvPicPr>
+            <a:picLocks noChangeAspect="1"/>
+          </p:cNvPicPr>
+          <p:nvPr/>
+        </p:nvPicPr>
+        <p:blipFill>
+          <a:blip r:embed="rId3"/>
+          <a:stretch>
+            <a:fillRect/>
+          </a:stretch>
+        </p:blipFill>
+        <p:spPr>
+          <a:xfrm>
+            <a:off x="3261917" y="3659959"/>
+            <a:ext cx="5668166" cy="2181529"/>
+          </a:xfrm>
+          <a:prstGeom prst="rect">
+            <a:avLst/>
+          </a:prstGeom>
+        </p:spPr>
+      </p:pic>
+    </p:spTree>
+    <p:extLst>
+      <p:ext uri="{BB962C8B-B14F-4D97-AF65-F5344CB8AC3E}">
+        <p14:creationId xmlns:p14="http://schemas.microsoft.com/office/powerpoint/2010/main" val="1337394221"/>
+      </p:ext>
+    </p:extLst>
+  </p:cSld>
+  <p:clrMapOvr>
+    <a:masterClrMapping/>
+  </p:clrMapOvr>
+</p:sld>
+</file>
+
+<file path=ppt/slides/slide27.xml><?xml version="1.0" encoding="utf-8"?>
+<p:sld xmlns:a="http://schemas.openxmlformats.org/drawingml/2006/main" xmlns:r="http://schemas.openxmlformats.org/officeDocument/2006/relationships" xmlns:p="http://schemas.openxmlformats.org/presentationml/2006/main">
+  <p:cSld>
+    <p:spTree>
+      <p:nvGrpSpPr>
+        <p:cNvPr id="1" name=""/>
+        <p:cNvGrpSpPr/>
+        <p:nvPr/>
+      </p:nvGrpSpPr>
+      <p:grpSpPr>
+        <a:xfrm>
+          <a:off x="0" y="0"/>
+          <a:ext cx="0" cy="0"/>
+          <a:chOff x="0" y="0"/>
+          <a:chExt cx="0" cy="0"/>
+        </a:xfrm>
+      </p:grpSpPr>
+      <p:sp>
+        <p:nvSpPr>
+          <p:cNvPr id="2" name="Title 1">
+            <a:extLst>
+              <a:ext uri="{FF2B5EF4-FFF2-40B4-BE49-F238E27FC236}">
+                <a16:creationId xmlns:a16="http://schemas.microsoft.com/office/drawing/2014/main" id="{35BDA9C7-3D2F-CE05-4CBE-35DD08489DAB}"/>
+              </a:ext>
+            </a:extLst>
+          </p:cNvPr>
+          <p:cNvSpPr>
+            <a:spLocks noGrp="1"/>
+          </p:cNvSpPr>
+          <p:nvPr>
+            <p:ph type="title"/>
+          </p:nvPr>
+        </p:nvSpPr>
+        <p:spPr/>
+        <p:txBody>
+          <a:bodyPr/>
+          <a:lstStyle/>
+          <a:p>
+            <a:r>
+              <a:rPr lang="en-NZ" dirty="0"/>
+              <a:t>Test facing in the right directions</a:t>
+            </a:r>
+          </a:p>
+        </p:txBody>
+      </p:sp>
+      <p:pic>
+        <p:nvPicPr>
+          <p:cNvPr id="5" name="Content Placeholder 4">
+            <a:extLst>
+              <a:ext uri="{FF2B5EF4-FFF2-40B4-BE49-F238E27FC236}">
+                <a16:creationId xmlns:a16="http://schemas.microsoft.com/office/drawing/2014/main" id="{9C4B387D-E22C-7572-6ADC-8F2E2C9FF915}"/>
+              </a:ext>
+            </a:extLst>
+          </p:cNvPr>
+          <p:cNvPicPr>
+            <a:picLocks noGrp="1" noChangeAspect="1"/>
+          </p:cNvPicPr>
+          <p:nvPr>
+            <p:ph idx="1"/>
+          </p:nvPr>
+        </p:nvPicPr>
+        <p:blipFill>
+          <a:blip r:embed="rId2"/>
+          <a:stretch>
+            <a:fillRect/>
+          </a:stretch>
+        </p:blipFill>
+        <p:spPr>
+          <a:xfrm>
+            <a:off x="3211073" y="1452286"/>
+            <a:ext cx="4639322" cy="3953427"/>
+          </a:xfrm>
+        </p:spPr>
+      </p:pic>
+    </p:spTree>
+    <p:extLst>
+      <p:ext uri="{BB962C8B-B14F-4D97-AF65-F5344CB8AC3E}">
+        <p14:creationId xmlns:p14="http://schemas.microsoft.com/office/powerpoint/2010/main" val="160827625"/>
+      </p:ext>
+    </p:extLst>
+  </p:cSld>
+  <p:clrMapOvr>
+    <a:masterClrMapping/>
+  </p:clrMapOvr>
+</p:sld>
+</file>
+
+<file path=ppt/slides/slide28.xml><?xml version="1.0" encoding="utf-8"?>
+<p:sld xmlns:a="http://schemas.openxmlformats.org/drawingml/2006/main" xmlns:r="http://schemas.openxmlformats.org/officeDocument/2006/relationships" xmlns:p="http://schemas.openxmlformats.org/presentationml/2006/main">
+  <p:cSld>
+    <p:spTree>
+      <p:nvGrpSpPr>
+        <p:cNvPr id="1" name=""/>
+        <p:cNvGrpSpPr/>
+        <p:nvPr/>
+      </p:nvGrpSpPr>
+      <p:grpSpPr>
+        <a:xfrm>
+          <a:off x="0" y="0"/>
+          <a:ext cx="0" cy="0"/>
+          <a:chOff x="0" y="0"/>
+          <a:chExt cx="0" cy="0"/>
+        </a:xfrm>
+      </p:grpSpPr>
+      <p:sp>
+        <p:nvSpPr>
+          <p:cNvPr id="2" name="Title 1">
+            <a:extLst>
+              <a:ext uri="{FF2B5EF4-FFF2-40B4-BE49-F238E27FC236}">
+                <a16:creationId xmlns:a16="http://schemas.microsoft.com/office/drawing/2014/main" id="{0A68248C-EE92-F88E-5A02-F607B3AD850B}"/>
+              </a:ext>
+            </a:extLst>
+          </p:cNvPr>
+          <p:cNvSpPr>
+            <a:spLocks noGrp="1"/>
+          </p:cNvSpPr>
+          <p:nvPr>
+            <p:ph type="title"/>
+          </p:nvPr>
+        </p:nvSpPr>
+        <p:spPr/>
+        <p:txBody>
+          <a:bodyPr>
+            <a:normAutofit fontScale="90000"/>
+          </a:bodyPr>
+          <a:lstStyle/>
+          <a:p>
+            <a:r>
+              <a:rPr lang="en-NZ" dirty="0" err="1"/>
+              <a:t>testNotOkWhenMovingBackwards</a:t>
+            </a:r>
+            <a:br>
+              <a:rPr lang="en-NZ" dirty="0"/>
+            </a:br>
+            <a:r>
+              <a:rPr lang="en-NZ" dirty="0" err="1"/>
+              <a:t>testsGetsErrorMessageWhenMovingBackwards</a:t>
+            </a:r>
+            <a:endParaRPr lang="en-NZ" dirty="0"/>
+          </a:p>
+        </p:txBody>
+      </p:sp>
+      <p:pic>
+        <p:nvPicPr>
+          <p:cNvPr id="5" name="Content Placeholder 4">
+            <a:extLst>
+              <a:ext uri="{FF2B5EF4-FFF2-40B4-BE49-F238E27FC236}">
+                <a16:creationId xmlns:a16="http://schemas.microsoft.com/office/drawing/2014/main" id="{518E12BF-12AC-3DA4-B12E-7AC451970155}"/>
+              </a:ext>
+            </a:extLst>
+          </p:cNvPr>
+          <p:cNvPicPr>
+            <a:picLocks noGrp="1" noChangeAspect="1"/>
+          </p:cNvPicPr>
+          <p:nvPr>
+            <p:ph idx="1"/>
+          </p:nvPr>
+        </p:nvPicPr>
+        <p:blipFill>
+          <a:blip r:embed="rId2"/>
+          <a:stretch>
+            <a:fillRect/>
+          </a:stretch>
+        </p:blipFill>
+        <p:spPr>
+          <a:xfrm>
+            <a:off x="2942706" y="1518053"/>
+            <a:ext cx="5128934" cy="5206943"/>
+          </a:xfrm>
+        </p:spPr>
+      </p:pic>
+    </p:spTree>
+    <p:extLst>
+      <p:ext uri="{BB962C8B-B14F-4D97-AF65-F5344CB8AC3E}">
+        <p14:creationId xmlns:p14="http://schemas.microsoft.com/office/powerpoint/2010/main" val="877754472"/>
+      </p:ext>
+    </p:extLst>
+  </p:cSld>
+  <p:clrMapOvr>
+    <a:masterClrMapping/>
+  </p:clrMapOvr>
+</p:sld>
+</file>
+
+<file path=ppt/slides/slide29.xml><?xml version="1.0" encoding="utf-8"?>
+<p:sld xmlns:a="http://schemas.openxmlformats.org/drawingml/2006/main" xmlns:r="http://schemas.openxmlformats.org/officeDocument/2006/relationships" xmlns:p="http://schemas.openxmlformats.org/presentationml/2006/main">
+  <p:cSld>
+    <p:spTree>
+      <p:nvGrpSpPr>
+        <p:cNvPr id="1" name=""/>
+        <p:cNvGrpSpPr/>
+        <p:nvPr/>
+      </p:nvGrpSpPr>
+      <p:grpSpPr>
+        <a:xfrm>
+          <a:off x="0" y="0"/>
+          <a:ext cx="0" cy="0"/>
+          <a:chOff x="0" y="0"/>
+          <a:chExt cx="0" cy="0"/>
+        </a:xfrm>
+      </p:grpSpPr>
+      <p:sp>
+        <p:nvSpPr>
+          <p:cNvPr id="2" name="Title 1">
+            <a:extLst>
+              <a:ext uri="{FF2B5EF4-FFF2-40B4-BE49-F238E27FC236}">
+                <a16:creationId xmlns:a16="http://schemas.microsoft.com/office/drawing/2014/main" id="{B110F751-E4DF-0430-E689-32993723B585}"/>
+              </a:ext>
+            </a:extLst>
+          </p:cNvPr>
+          <p:cNvSpPr>
+            <a:spLocks noGrp="1"/>
+          </p:cNvSpPr>
+          <p:nvPr>
+            <p:ph type="title"/>
+          </p:nvPr>
+        </p:nvSpPr>
+        <p:spPr>
+          <a:xfrm>
+            <a:off x="232756" y="365125"/>
+            <a:ext cx="11121044" cy="1325563"/>
+          </a:xfrm>
+        </p:spPr>
+        <p:txBody>
+          <a:bodyPr/>
+          <a:lstStyle/>
+          <a:p>
+            <a:r>
+              <a:rPr lang="en-NZ" dirty="0" err="1"/>
+              <a:t>testNotOkWhenPathToDestinationCrossesBlank</a:t>
+            </a:r>
+            <a:endParaRPr lang="en-NZ" dirty="0"/>
+          </a:p>
+        </p:txBody>
+      </p:sp>
+      <p:pic>
+        <p:nvPicPr>
+          <p:cNvPr id="8" name="Content Placeholder 7">
+            <a:extLst>
+              <a:ext uri="{FF2B5EF4-FFF2-40B4-BE49-F238E27FC236}">
+                <a16:creationId xmlns:a16="http://schemas.microsoft.com/office/drawing/2014/main" id="{462E8ED0-8B9C-2BA2-790E-1F27F48889B0}"/>
+              </a:ext>
+            </a:extLst>
+          </p:cNvPr>
+          <p:cNvPicPr>
+            <a:picLocks noGrp="1" noChangeAspect="1"/>
+          </p:cNvPicPr>
+          <p:nvPr>
+            <p:ph idx="1"/>
+          </p:nvPr>
+        </p:nvPicPr>
+        <p:blipFill>
+          <a:blip r:embed="rId2"/>
+          <a:stretch>
+            <a:fillRect/>
+          </a:stretch>
+        </p:blipFill>
+        <p:spPr>
+          <a:xfrm>
+            <a:off x="2183147" y="1289718"/>
+            <a:ext cx="6312460" cy="5568282"/>
+          </a:xfrm>
+        </p:spPr>
+      </p:pic>
+    </p:spTree>
+    <p:extLst>
+      <p:ext uri="{BB962C8B-B14F-4D97-AF65-F5344CB8AC3E}">
+        <p14:creationId xmlns:p14="http://schemas.microsoft.com/office/powerpoint/2010/main" val="593154966"/>
+      </p:ext>
+    </p:extLst>
+  </p:cSld>
+  <p:clrMapOvr>
+    <a:masterClrMapping/>
+  </p:clrMapOvr>
+</p:sld>
+</file>
+
+<file path=ppt/slides/slide3.xml><?xml version="1.0" encoding="utf-8"?>
+<p:sld xmlns:a="http://schemas.openxmlformats.org/drawingml/2006/main" xmlns:r="http://schemas.openxmlformats.org/officeDocument/2006/relationships" xmlns:p="http://schemas.openxmlformats.org/presentationml/2006/main">
+  <p:cSld>
+    <p:spTree>
+      <p:nvGrpSpPr>
+        <p:cNvPr id="1" name=""/>
+        <p:cNvGrpSpPr/>
+        <p:nvPr/>
+      </p:nvGrpSpPr>
+      <p:grpSpPr>
+        <a:xfrm>
+          <a:off x="0" y="0"/>
+          <a:ext cx="0" cy="0"/>
+          <a:chOff x="0" y="0"/>
+          <a:chExt cx="0" cy="0"/>
+        </a:xfrm>
+      </p:grpSpPr>
+      <p:sp>
+        <p:nvSpPr>
+          <p:cNvPr id="2" name="Title 1">
+            <a:extLst>
+              <a:ext uri="{FF2B5EF4-FFF2-40B4-BE49-F238E27FC236}">
+                <a16:creationId xmlns:a16="http://schemas.microsoft.com/office/drawing/2014/main" id="{3A6A45EA-225A-BEB3-412F-7A1F6AEE2F59}"/>
+              </a:ext>
+            </a:extLst>
+          </p:cNvPr>
+          <p:cNvSpPr>
+            <a:spLocks noGrp="1"/>
+          </p:cNvSpPr>
+          <p:nvPr>
+            <p:ph type="title"/>
+          </p:nvPr>
+        </p:nvSpPr>
+        <p:spPr/>
+        <p:txBody>
+          <a:bodyPr/>
+          <a:lstStyle/>
+          <a:p>
+            <a:r>
+              <a:rPr lang="en-NZ" dirty="0" err="1"/>
+              <a:t>TestGameHoldsLevels</a:t>
+            </a:r>
+            <a:endParaRPr lang="en-NZ" dirty="0"/>
+          </a:p>
+        </p:txBody>
+      </p:sp>
+      <p:sp>
+        <p:nvSpPr>
+          <p:cNvPr id="3" name="Content Placeholder 2">
+            <a:extLst>
+              <a:ext uri="{FF2B5EF4-FFF2-40B4-BE49-F238E27FC236}">
+                <a16:creationId xmlns:a16="http://schemas.microsoft.com/office/drawing/2014/main" id="{ECE75D48-5CD1-7635-8DB3-2107FBC6069C}"/>
+              </a:ext>
+            </a:extLst>
+          </p:cNvPr>
+          <p:cNvSpPr>
+            <a:spLocks noGrp="1"/>
+          </p:cNvSpPr>
+          <p:nvPr>
+            <p:ph idx="1"/>
+          </p:nvPr>
+        </p:nvSpPr>
+        <p:spPr/>
+        <p:txBody>
+          <a:bodyPr/>
+          <a:lstStyle/>
+          <a:p>
+            <a:pPr>
+              <a:buFont typeface="Wingdings" panose="05000000000000000000" pitchFamily="2" charset="2"/>
+              <a:buChar char="ü"/>
+            </a:pPr>
+            <a:r>
+              <a:rPr lang="en-NZ" dirty="0" err="1"/>
+              <a:t>testGetLevelWidth</a:t>
+            </a:r>
+            <a:r>
+              <a:rPr lang="en-NZ" dirty="0"/>
+              <a:t> </a:t>
+            </a:r>
+          </a:p>
+          <a:p>
+            <a:pPr>
+              <a:buFont typeface="Wingdings" panose="05000000000000000000" pitchFamily="2" charset="2"/>
+              <a:buChar char="ü"/>
+            </a:pPr>
+            <a:r>
+              <a:rPr lang="en-NZ" dirty="0" err="1"/>
+              <a:t>testGetLevelheight</a:t>
+            </a:r>
+            <a:endParaRPr lang="en-NZ" dirty="0"/>
+          </a:p>
+          <a:p>
+            <a:pPr>
+              <a:buFont typeface="Wingdings" panose="05000000000000000000" pitchFamily="2" charset="2"/>
+              <a:buChar char="ü"/>
+            </a:pPr>
+            <a:r>
+              <a:rPr lang="en-NZ" dirty="0" err="1"/>
+              <a:t>testGetLevelCountWithTwoLevels</a:t>
+            </a:r>
+            <a:endParaRPr lang="en-NZ" dirty="0"/>
+          </a:p>
+          <a:p>
+            <a:pPr>
+              <a:buFont typeface="Wingdings" panose="05000000000000000000" pitchFamily="2" charset="2"/>
+              <a:buChar char="ü"/>
+            </a:pPr>
+            <a:r>
+              <a:rPr lang="en-NZ" dirty="0" err="1"/>
+              <a:t>testMostRecentlyAddedLevelIsCurrentLevelbyCheckingSize</a:t>
+            </a:r>
+            <a:endParaRPr lang="en-NZ" dirty="0"/>
+          </a:p>
+          <a:p>
+            <a:pPr>
+              <a:buFont typeface="Wingdings" panose="05000000000000000000" pitchFamily="2" charset="2"/>
+              <a:buChar char="ü"/>
+            </a:pPr>
+            <a:r>
+              <a:rPr lang="en-NZ" dirty="0" err="1"/>
+              <a:t>testSettingLevelChangesCurrentLevelbyCheckingSize</a:t>
+            </a:r>
+            <a:endParaRPr lang="en-NZ" dirty="0"/>
+          </a:p>
+          <a:p>
+            <a:pPr>
+              <a:buFont typeface="Wingdings" panose="05000000000000000000" pitchFamily="2" charset="2"/>
+              <a:buChar char="ü"/>
+            </a:pPr>
+            <a:r>
+              <a:rPr lang="en-NZ" dirty="0" err="1"/>
+              <a:t>testSettingLeveltoToolargeNumberThrowsException</a:t>
+            </a:r>
+            <a:endParaRPr lang="en-NZ" dirty="0"/>
+          </a:p>
+        </p:txBody>
+      </p:sp>
+    </p:spTree>
+    <p:extLst>
+      <p:ext uri="{BB962C8B-B14F-4D97-AF65-F5344CB8AC3E}">
+        <p14:creationId xmlns:p14="http://schemas.microsoft.com/office/powerpoint/2010/main" val="611020165"/>
+      </p:ext>
+    </p:extLst>
+  </p:cSld>
+  <p:clrMapOvr>
+    <a:masterClrMapping/>
+  </p:clrMapOvr>
+</p:sld>
+</file>
+
+<file path=ppt/slides/slide30.xml><?xml version="1.0" encoding="utf-8"?>
+<p:sld xmlns:a="http://schemas.openxmlformats.org/drawingml/2006/main" xmlns:r="http://schemas.openxmlformats.org/officeDocument/2006/relationships" xmlns:p="http://schemas.openxmlformats.org/presentationml/2006/main">
+  <p:cSld>
+    <p:spTree>
+      <p:nvGrpSpPr>
+        <p:cNvPr id="1" name=""/>
+        <p:cNvGrpSpPr/>
+        <p:nvPr/>
+      </p:nvGrpSpPr>
+      <p:grpSpPr>
+        <a:xfrm>
+          <a:off x="0" y="0"/>
+          <a:ext cx="0" cy="0"/>
+          <a:chOff x="0" y="0"/>
+          <a:chExt cx="0" cy="0"/>
+        </a:xfrm>
+      </p:grpSpPr>
+      <p:sp>
+        <p:nvSpPr>
+          <p:cNvPr id="2" name="Title 1">
+            <a:extLst>
+              <a:ext uri="{FF2B5EF4-FFF2-40B4-BE49-F238E27FC236}">
+                <a16:creationId xmlns:a16="http://schemas.microsoft.com/office/drawing/2014/main" id="{2BC7A173-DAB4-77B0-9C1B-6D89754AAB90}"/>
+              </a:ext>
+            </a:extLst>
+          </p:cNvPr>
+          <p:cNvSpPr>
+            <a:spLocks noGrp="1"/>
+          </p:cNvSpPr>
+          <p:nvPr>
+            <p:ph type="title"/>
+          </p:nvPr>
+        </p:nvSpPr>
+        <p:spPr>
+          <a:xfrm>
+            <a:off x="507076" y="365125"/>
+            <a:ext cx="10846724" cy="1325563"/>
+          </a:xfrm>
+        </p:spPr>
+        <p:txBody>
+          <a:bodyPr/>
+          <a:lstStyle/>
+          <a:p>
+            <a:r>
+              <a:rPr lang="en-NZ" dirty="0" err="1"/>
+              <a:t>testEyeballMovesToDestinationRowAndColumn</a:t>
+            </a:r>
+            <a:endParaRPr lang="en-NZ" dirty="0"/>
+          </a:p>
+        </p:txBody>
+      </p:sp>
+      <p:pic>
+        <p:nvPicPr>
+          <p:cNvPr id="5" name="Content Placeholder 4">
+            <a:extLst>
+              <a:ext uri="{FF2B5EF4-FFF2-40B4-BE49-F238E27FC236}">
+                <a16:creationId xmlns:a16="http://schemas.microsoft.com/office/drawing/2014/main" id="{EC82C5BB-4014-0693-5DB8-C63AA0352A1C}"/>
+              </a:ext>
+            </a:extLst>
+          </p:cNvPr>
+          <p:cNvPicPr>
+            <a:picLocks noGrp="1" noChangeAspect="1"/>
+          </p:cNvPicPr>
+          <p:nvPr>
+            <p:ph idx="1"/>
+          </p:nvPr>
+        </p:nvPicPr>
+        <p:blipFill>
+          <a:blip r:embed="rId2"/>
+          <a:stretch>
+            <a:fillRect/>
+          </a:stretch>
+        </p:blipFill>
+        <p:spPr>
+          <a:xfrm>
+            <a:off x="2904679" y="1872159"/>
+            <a:ext cx="6382641" cy="4258269"/>
+          </a:xfrm>
+        </p:spPr>
+      </p:pic>
+    </p:spTree>
+    <p:extLst>
+      <p:ext uri="{BB962C8B-B14F-4D97-AF65-F5344CB8AC3E}">
+        <p14:creationId xmlns:p14="http://schemas.microsoft.com/office/powerpoint/2010/main" val="3265170426"/>
+      </p:ext>
+    </p:extLst>
+  </p:cSld>
+  <p:clrMapOvr>
+    <a:masterClrMapping/>
+  </p:clrMapOvr>
+</p:sld>
+</file>
+
+<file path=ppt/slides/slide31.xml><?xml version="1.0" encoding="utf-8"?>
+<p:sld xmlns:a="http://schemas.openxmlformats.org/drawingml/2006/main" xmlns:r="http://schemas.openxmlformats.org/officeDocument/2006/relationships" xmlns:p="http://schemas.openxmlformats.org/presentationml/2006/main">
+  <p:cSld>
+    <p:spTree>
+      <p:nvGrpSpPr>
+        <p:cNvPr id="1" name=""/>
+        <p:cNvGrpSpPr/>
+        <p:nvPr/>
+      </p:nvGrpSpPr>
+      <p:grpSpPr>
+        <a:xfrm>
+          <a:off x="0" y="0"/>
+          <a:ext cx="0" cy="0"/>
+          <a:chOff x="0" y="0"/>
+          <a:chExt cx="0" cy="0"/>
+        </a:xfrm>
+      </p:grpSpPr>
+      <p:sp>
+        <p:nvSpPr>
+          <p:cNvPr id="2" name="Title 1">
+            <a:extLst>
+              <a:ext uri="{FF2B5EF4-FFF2-40B4-BE49-F238E27FC236}">
+                <a16:creationId xmlns:a16="http://schemas.microsoft.com/office/drawing/2014/main" id="{78A886EB-A2B0-ADEC-C573-2D01C586232B}"/>
+              </a:ext>
+            </a:extLst>
+          </p:cNvPr>
+          <p:cNvSpPr>
+            <a:spLocks noGrp="1"/>
+          </p:cNvSpPr>
+          <p:nvPr>
+            <p:ph type="title"/>
+          </p:nvPr>
+        </p:nvSpPr>
+        <p:spPr/>
+        <p:txBody>
+          <a:bodyPr/>
+          <a:lstStyle/>
+          <a:p>
+            <a:r>
+              <a:rPr lang="en-NZ" dirty="0"/>
+              <a:t>Test Eyeball faces correct direction after moving</a:t>
+            </a:r>
+          </a:p>
+        </p:txBody>
+      </p:sp>
+      <p:pic>
+        <p:nvPicPr>
+          <p:cNvPr id="5" name="Content Placeholder 4">
+            <a:extLst>
+              <a:ext uri="{FF2B5EF4-FFF2-40B4-BE49-F238E27FC236}">
+                <a16:creationId xmlns:a16="http://schemas.microsoft.com/office/drawing/2014/main" id="{63921B2F-F998-BF57-783C-9500410C9D91}"/>
+              </a:ext>
+            </a:extLst>
+          </p:cNvPr>
+          <p:cNvPicPr>
+            <a:picLocks noGrp="1" noChangeAspect="1"/>
+          </p:cNvPicPr>
+          <p:nvPr>
+            <p:ph idx="1"/>
+          </p:nvPr>
+        </p:nvPicPr>
+        <p:blipFill>
+          <a:blip r:embed="rId2"/>
+          <a:stretch>
+            <a:fillRect/>
+          </a:stretch>
+        </p:blipFill>
+        <p:spPr>
+          <a:xfrm>
+            <a:off x="3881128" y="2115081"/>
+            <a:ext cx="4429743" cy="3772426"/>
+          </a:xfrm>
+        </p:spPr>
+      </p:pic>
+    </p:spTree>
+    <p:extLst>
+      <p:ext uri="{BB962C8B-B14F-4D97-AF65-F5344CB8AC3E}">
+        <p14:creationId xmlns:p14="http://schemas.microsoft.com/office/powerpoint/2010/main" val="2745696735"/>
+      </p:ext>
+    </p:extLst>
+  </p:cSld>
+  <p:clrMapOvr>
+    <a:masterClrMapping/>
+  </p:clrMapOvr>
+</p:sld>
+</file>
+
+<file path=ppt/slides/slide32.xml><?xml version="1.0" encoding="utf-8"?>
+<p:sld xmlns:a="http://schemas.openxmlformats.org/drawingml/2006/main" xmlns:r="http://schemas.openxmlformats.org/officeDocument/2006/relationships" xmlns:p="http://schemas.openxmlformats.org/presentationml/2006/main">
+  <p:cSld>
+    <p:spTree>
+      <p:nvGrpSpPr>
+        <p:cNvPr id="1" name=""/>
+        <p:cNvGrpSpPr/>
+        <p:nvPr/>
+      </p:nvGrpSpPr>
+      <p:grpSpPr>
+        <a:xfrm>
+          <a:off x="0" y="0"/>
+          <a:ext cx="0" cy="0"/>
+          <a:chOff x="0" y="0"/>
+          <a:chExt cx="0" cy="0"/>
+        </a:xfrm>
+      </p:grpSpPr>
+      <p:sp>
+        <p:nvSpPr>
+          <p:cNvPr id="2" name="Title 1">
+            <a:extLst>
+              <a:ext uri="{FF2B5EF4-FFF2-40B4-BE49-F238E27FC236}">
+                <a16:creationId xmlns:a16="http://schemas.microsoft.com/office/drawing/2014/main" id="{A2746D09-192D-E1DE-46D5-B5600FDC656D}"/>
+              </a:ext>
+            </a:extLst>
+          </p:cNvPr>
+          <p:cNvSpPr>
+            <a:spLocks noGrp="1"/>
+          </p:cNvSpPr>
+          <p:nvPr>
+            <p:ph type="title"/>
+          </p:nvPr>
+        </p:nvSpPr>
+        <p:spPr/>
+        <p:txBody>
+          <a:bodyPr/>
+          <a:lstStyle/>
+          <a:p>
+            <a:r>
+              <a:rPr lang="en-NZ" dirty="0" err="1"/>
+              <a:t>TestCompletingGoals</a:t>
+            </a:r>
+            <a:endParaRPr lang="en-NZ" dirty="0"/>
+          </a:p>
+        </p:txBody>
+      </p:sp>
+      <p:sp>
+        <p:nvSpPr>
+          <p:cNvPr id="3" name="Content Placeholder 2">
+            <a:extLst>
+              <a:ext uri="{FF2B5EF4-FFF2-40B4-BE49-F238E27FC236}">
+                <a16:creationId xmlns:a16="http://schemas.microsoft.com/office/drawing/2014/main" id="{DE13BE3E-9E4B-D0D0-86B5-40B59756BCA4}"/>
+              </a:ext>
+            </a:extLst>
+          </p:cNvPr>
+          <p:cNvSpPr>
+            <a:spLocks noGrp="1"/>
+          </p:cNvSpPr>
+          <p:nvPr>
+            <p:ph idx="1"/>
+          </p:nvPr>
+        </p:nvSpPr>
+        <p:spPr>
+          <a:xfrm>
+            <a:off x="531845" y="1825625"/>
+            <a:ext cx="10821955" cy="4351338"/>
+          </a:xfrm>
+        </p:spPr>
+        <p:txBody>
+          <a:bodyPr>
+            <a:normAutofit fontScale="77500" lnSpcReduction="20000"/>
+          </a:bodyPr>
+          <a:lstStyle/>
+          <a:p>
+            <a:pPr>
+              <a:buFont typeface="Wingdings" panose="05000000000000000000" pitchFamily="2" charset="2"/>
+              <a:buChar char="ü"/>
+            </a:pPr>
+            <a:r>
+              <a:rPr lang="en-NZ" dirty="0" err="1"/>
+              <a:t>testCompletingLevelOne</a:t>
+            </a:r>
+            <a:endParaRPr lang="en-NZ" dirty="0"/>
+          </a:p>
+          <a:p>
+            <a:pPr>
+              <a:buFont typeface="Wingdings" panose="05000000000000000000" pitchFamily="2" charset="2"/>
+              <a:buChar char="ü"/>
+            </a:pPr>
+            <a:r>
+              <a:rPr lang="en-NZ" dirty="0" err="1"/>
+              <a:t>testOkToMoveToAGoalWithSameColorOrShape</a:t>
+            </a:r>
+            <a:endParaRPr lang="en-NZ" dirty="0"/>
+          </a:p>
+          <a:p>
+            <a:pPr>
+              <a:buFont typeface="Wingdings" panose="05000000000000000000" pitchFamily="2" charset="2"/>
+              <a:buChar char="ü"/>
+            </a:pPr>
+            <a:r>
+              <a:rPr lang="en-NZ" dirty="0" err="1"/>
+              <a:t>testNoErrorMessageWhenMovingToAGoalWithSameColorOrShape</a:t>
+            </a:r>
+            <a:endParaRPr lang="en-NZ" dirty="0"/>
+          </a:p>
+          <a:p>
+            <a:pPr>
+              <a:buFont typeface="Wingdings" panose="05000000000000000000" pitchFamily="2" charset="2"/>
+              <a:buChar char="ü"/>
+            </a:pPr>
+            <a:r>
+              <a:rPr lang="en-NZ" dirty="0" err="1"/>
+              <a:t>testNotOkToMoveToAGoalWithDifferentColorOrShape</a:t>
+            </a:r>
+            <a:endParaRPr lang="en-NZ" dirty="0"/>
+          </a:p>
+          <a:p>
+            <a:pPr>
+              <a:buFont typeface="Wingdings" panose="05000000000000000000" pitchFamily="2" charset="2"/>
+              <a:buChar char="ü"/>
+            </a:pPr>
+            <a:r>
+              <a:rPr lang="en-NZ" dirty="0" err="1"/>
+              <a:t>testGetsErrorMessageWhenMovingToAGoalWithDifferentColorOrShape</a:t>
+            </a:r>
+            <a:endParaRPr lang="en-NZ" dirty="0"/>
+          </a:p>
+          <a:p>
+            <a:pPr>
+              <a:buFont typeface="Wingdings" panose="05000000000000000000" pitchFamily="2" charset="2"/>
+              <a:buChar char="ü"/>
+            </a:pPr>
+            <a:r>
+              <a:rPr lang="en-NZ" dirty="0" err="1"/>
+              <a:t>testNotOkToMoveToAGoalAtADiagonalSquare</a:t>
+            </a:r>
+            <a:endParaRPr lang="en-NZ" dirty="0"/>
+          </a:p>
+          <a:p>
+            <a:pPr>
+              <a:buFont typeface="Wingdings" panose="05000000000000000000" pitchFamily="2" charset="2"/>
+              <a:buChar char="ü"/>
+            </a:pPr>
+            <a:r>
+              <a:rPr lang="en-NZ" dirty="0" err="1"/>
+              <a:t>testNotOkWhenMovingBackwardsToAGoalWithSameColorOrShape</a:t>
+            </a:r>
+            <a:endParaRPr lang="en-NZ" dirty="0"/>
+          </a:p>
+          <a:p>
+            <a:pPr>
+              <a:buFont typeface="Wingdings" panose="05000000000000000000" pitchFamily="2" charset="2"/>
+              <a:buChar char="ü"/>
+            </a:pPr>
+            <a:r>
+              <a:rPr lang="en-NZ" dirty="0"/>
+              <a:t>testCompleting1GoalIncreasesCompletedGoalCountBy1</a:t>
+            </a:r>
+          </a:p>
+          <a:p>
+            <a:pPr>
+              <a:buFont typeface="Wingdings" panose="05000000000000000000" pitchFamily="2" charset="2"/>
+              <a:buChar char="ü"/>
+            </a:pPr>
+            <a:r>
+              <a:rPr lang="en-NZ" dirty="0"/>
+              <a:t>testCompleting1GoalDecreaseGoalCountBy1</a:t>
+            </a:r>
+          </a:p>
+          <a:p>
+            <a:pPr>
+              <a:buFont typeface="Wingdings" panose="05000000000000000000" pitchFamily="2" charset="2"/>
+              <a:buChar char="ü"/>
+            </a:pPr>
+            <a:r>
+              <a:rPr lang="en-NZ" dirty="0" err="1"/>
+              <a:t>testGoalWillBeRemovedFromSquareAfterCompletingTheGoal</a:t>
+            </a:r>
+            <a:endParaRPr lang="en-NZ" dirty="0"/>
+          </a:p>
+          <a:p>
+            <a:pPr>
+              <a:buFont typeface="Wingdings" panose="05000000000000000000" pitchFamily="2" charset="2"/>
+              <a:buChar char="ü"/>
+            </a:pPr>
+            <a:r>
+              <a:rPr lang="en-NZ" dirty="0" err="1"/>
+              <a:t>testGoalSquareWillNotBeChangedWhenEyeballMovesOntoIt</a:t>
+            </a:r>
+            <a:endParaRPr lang="en-NZ" dirty="0"/>
+          </a:p>
+          <a:p>
+            <a:pPr>
+              <a:buFont typeface="Wingdings" panose="05000000000000000000" pitchFamily="2" charset="2"/>
+              <a:buChar char="ü"/>
+            </a:pPr>
+            <a:r>
+              <a:rPr lang="en-NZ" dirty="0"/>
+              <a:t>testGoalSquareBecomesBlankSquareAfterEyeballMovesToAnotherSquare</a:t>
+            </a:r>
+          </a:p>
+        </p:txBody>
+      </p:sp>
+    </p:spTree>
+    <p:extLst>
+      <p:ext uri="{BB962C8B-B14F-4D97-AF65-F5344CB8AC3E}">
+        <p14:creationId xmlns:p14="http://schemas.microsoft.com/office/powerpoint/2010/main" val="3195254778"/>
+      </p:ext>
+    </p:extLst>
+  </p:cSld>
+  <p:clrMapOvr>
+    <a:masterClrMapping/>
+  </p:clrMapOvr>
+</p:sld>
+</file>
+
+<file path=ppt/slides/slide33.xml><?xml version="1.0" encoding="utf-8"?>
+<p:sld xmlns:a="http://schemas.openxmlformats.org/drawingml/2006/main" xmlns:r="http://schemas.openxmlformats.org/officeDocument/2006/relationships" xmlns:p="http://schemas.openxmlformats.org/presentationml/2006/main">
+  <p:cSld>
+    <p:spTree>
+      <p:nvGrpSpPr>
+        <p:cNvPr id="1" name=""/>
+        <p:cNvGrpSpPr/>
+        <p:nvPr/>
+      </p:nvGrpSpPr>
+      <p:grpSpPr>
+        <a:xfrm>
+          <a:off x="0" y="0"/>
+          <a:ext cx="0" cy="0"/>
+          <a:chOff x="0" y="0"/>
+          <a:chExt cx="0" cy="0"/>
+        </a:xfrm>
+      </p:grpSpPr>
+      <p:sp>
+        <p:nvSpPr>
+          <p:cNvPr id="2" name="Title 1">
+            <a:extLst>
+              <a:ext uri="{FF2B5EF4-FFF2-40B4-BE49-F238E27FC236}">
+                <a16:creationId xmlns:a16="http://schemas.microsoft.com/office/drawing/2014/main" id="{9803DFC2-6888-CE98-3846-42782B3B318E}"/>
+              </a:ext>
+            </a:extLst>
+          </p:cNvPr>
+          <p:cNvSpPr>
+            <a:spLocks noGrp="1"/>
+          </p:cNvSpPr>
+          <p:nvPr>
+            <p:ph type="title"/>
+          </p:nvPr>
+        </p:nvSpPr>
+        <p:spPr/>
+        <p:txBody>
+          <a:bodyPr/>
+          <a:lstStyle/>
+          <a:p>
+            <a:r>
+              <a:rPr lang="en-NZ" dirty="0" err="1"/>
+              <a:t>testCompletingLevelOne</a:t>
+            </a:r>
+            <a:endParaRPr lang="en-NZ" dirty="0"/>
+          </a:p>
+        </p:txBody>
+      </p:sp>
+      <p:pic>
+        <p:nvPicPr>
+          <p:cNvPr id="5" name="Content Placeholder 4">
+            <a:extLst>
+              <a:ext uri="{FF2B5EF4-FFF2-40B4-BE49-F238E27FC236}">
+                <a16:creationId xmlns:a16="http://schemas.microsoft.com/office/drawing/2014/main" id="{63731525-25F3-2786-385C-F1F56EA79E23}"/>
+              </a:ext>
+            </a:extLst>
+          </p:cNvPr>
+          <p:cNvPicPr>
+            <a:picLocks noGrp="1" noChangeAspect="1"/>
+          </p:cNvPicPr>
+          <p:nvPr>
+            <p:ph idx="1"/>
+          </p:nvPr>
+        </p:nvPicPr>
+        <p:blipFill>
+          <a:blip r:embed="rId2"/>
+          <a:stretch>
+            <a:fillRect/>
+          </a:stretch>
+        </p:blipFill>
+        <p:spPr>
+          <a:xfrm>
+            <a:off x="838200" y="1543278"/>
+            <a:ext cx="5906324" cy="1676634"/>
+          </a:xfrm>
+        </p:spPr>
+      </p:pic>
+      <p:pic>
+        <p:nvPicPr>
+          <p:cNvPr id="7" name="Picture 6">
+            <a:extLst>
+              <a:ext uri="{FF2B5EF4-FFF2-40B4-BE49-F238E27FC236}">
+                <a16:creationId xmlns:a16="http://schemas.microsoft.com/office/drawing/2014/main" id="{A9F55F71-9047-690E-2FE3-7B53F26C4A91}"/>
+              </a:ext>
+            </a:extLst>
+          </p:cNvPr>
+          <p:cNvPicPr>
+            <a:picLocks noChangeAspect="1"/>
+          </p:cNvPicPr>
+          <p:nvPr/>
+        </p:nvPicPr>
+        <p:blipFill>
+          <a:blip r:embed="rId3"/>
+          <a:stretch>
+            <a:fillRect/>
+          </a:stretch>
+        </p:blipFill>
+        <p:spPr>
+          <a:xfrm>
+            <a:off x="838200" y="3429000"/>
+            <a:ext cx="2896004" cy="1114581"/>
+          </a:xfrm>
+          <a:prstGeom prst="rect">
+            <a:avLst/>
+          </a:prstGeom>
+        </p:spPr>
+      </p:pic>
+      <p:pic>
+        <p:nvPicPr>
+          <p:cNvPr id="9" name="Picture 8">
+            <a:extLst>
+              <a:ext uri="{FF2B5EF4-FFF2-40B4-BE49-F238E27FC236}">
+                <a16:creationId xmlns:a16="http://schemas.microsoft.com/office/drawing/2014/main" id="{89FFFAAB-2C9A-ED08-37CF-137F46F72C22}"/>
+              </a:ext>
+            </a:extLst>
+          </p:cNvPr>
+          <p:cNvPicPr>
+            <a:picLocks noChangeAspect="1"/>
+          </p:cNvPicPr>
+          <p:nvPr/>
+        </p:nvPicPr>
+        <p:blipFill>
+          <a:blip r:embed="rId4"/>
+          <a:stretch>
+            <a:fillRect/>
+          </a:stretch>
+        </p:blipFill>
+        <p:spPr>
+          <a:xfrm>
+            <a:off x="7080133" y="1543278"/>
+            <a:ext cx="4582164" cy="1943371"/>
+          </a:xfrm>
+          <a:prstGeom prst="rect">
+            <a:avLst/>
+          </a:prstGeom>
+        </p:spPr>
+      </p:pic>
+    </p:spTree>
+    <p:extLst>
+      <p:ext uri="{BB962C8B-B14F-4D97-AF65-F5344CB8AC3E}">
+        <p14:creationId xmlns:p14="http://schemas.microsoft.com/office/powerpoint/2010/main" val="1574754318"/>
+      </p:ext>
+    </p:extLst>
+  </p:cSld>
+  <p:clrMapOvr>
+    <a:masterClrMapping/>
+  </p:clrMapOvr>
+</p:sld>
+</file>
+
+<file path=ppt/slides/slide34.xml><?xml version="1.0" encoding="utf-8"?>
+<p:sld xmlns:a="http://schemas.openxmlformats.org/drawingml/2006/main" xmlns:r="http://schemas.openxmlformats.org/officeDocument/2006/relationships" xmlns:p="http://schemas.openxmlformats.org/presentationml/2006/main">
+  <p:cSld>
+    <p:spTree>
+      <p:nvGrpSpPr>
+        <p:cNvPr id="1" name=""/>
+        <p:cNvGrpSpPr/>
+        <p:nvPr/>
+      </p:nvGrpSpPr>
+      <p:grpSpPr>
+        <a:xfrm>
+          <a:off x="0" y="0"/>
+          <a:ext cx="0" cy="0"/>
+          <a:chOff x="0" y="0"/>
+          <a:chExt cx="0" cy="0"/>
+        </a:xfrm>
+      </p:grpSpPr>
+      <p:sp>
+        <p:nvSpPr>
+          <p:cNvPr id="2" name="Title 1">
+            <a:extLst>
+              <a:ext uri="{FF2B5EF4-FFF2-40B4-BE49-F238E27FC236}">
+                <a16:creationId xmlns:a16="http://schemas.microsoft.com/office/drawing/2014/main" id="{B6F90C34-DC7D-F2B7-9519-3252268A7758}"/>
+              </a:ext>
+            </a:extLst>
+          </p:cNvPr>
+          <p:cNvSpPr>
+            <a:spLocks noGrp="1"/>
+          </p:cNvSpPr>
+          <p:nvPr>
+            <p:ph type="title"/>
+          </p:nvPr>
+        </p:nvSpPr>
+        <p:spPr>
+          <a:xfrm>
+            <a:off x="349135" y="365125"/>
+            <a:ext cx="11004665" cy="1325563"/>
+          </a:xfrm>
+        </p:spPr>
+        <p:txBody>
+          <a:bodyPr/>
+          <a:lstStyle/>
+          <a:p>
+            <a:r>
+              <a:rPr lang="en-NZ" dirty="0" err="1"/>
+              <a:t>testOkToMoveToAGoalWithSameShapeOrColor</a:t>
+            </a:r>
+            <a:endParaRPr lang="en-NZ" dirty="0"/>
+          </a:p>
+        </p:txBody>
+      </p:sp>
+      <p:pic>
+        <p:nvPicPr>
+          <p:cNvPr id="5" name="Content Placeholder 4">
+            <a:extLst>
+              <a:ext uri="{FF2B5EF4-FFF2-40B4-BE49-F238E27FC236}">
+                <a16:creationId xmlns:a16="http://schemas.microsoft.com/office/drawing/2014/main" id="{CA26119E-126F-510A-DF41-EC29EEBEB7F7}"/>
+              </a:ext>
+            </a:extLst>
+          </p:cNvPr>
+          <p:cNvPicPr>
+            <a:picLocks noGrp="1" noChangeAspect="1"/>
+          </p:cNvPicPr>
+          <p:nvPr>
+            <p:ph idx="1"/>
+          </p:nvPr>
+        </p:nvPicPr>
+        <p:blipFill>
+          <a:blip r:embed="rId2"/>
+          <a:stretch>
+            <a:fillRect/>
+          </a:stretch>
+        </p:blipFill>
+        <p:spPr>
+          <a:xfrm>
+            <a:off x="2769313" y="1690688"/>
+            <a:ext cx="5506218" cy="2200582"/>
+          </a:xfrm>
+        </p:spPr>
+      </p:pic>
+    </p:spTree>
+    <p:extLst>
+      <p:ext uri="{BB962C8B-B14F-4D97-AF65-F5344CB8AC3E}">
+        <p14:creationId xmlns:p14="http://schemas.microsoft.com/office/powerpoint/2010/main" val="2423995907"/>
+      </p:ext>
+    </p:extLst>
+  </p:cSld>
+  <p:clrMapOvr>
+    <a:masterClrMapping/>
+  </p:clrMapOvr>
+</p:sld>
+</file>
+
+<file path=ppt/slides/slide35.xml><?xml version="1.0" encoding="utf-8"?>
+<p:sld xmlns:a="http://schemas.openxmlformats.org/drawingml/2006/main" xmlns:r="http://schemas.openxmlformats.org/officeDocument/2006/relationships" xmlns:p="http://schemas.openxmlformats.org/presentationml/2006/main">
+  <p:cSld>
+    <p:spTree>
+      <p:nvGrpSpPr>
+        <p:cNvPr id="1" name=""/>
+        <p:cNvGrpSpPr/>
+        <p:nvPr/>
+      </p:nvGrpSpPr>
+      <p:grpSpPr>
+        <a:xfrm>
+          <a:off x="0" y="0"/>
+          <a:ext cx="0" cy="0"/>
+          <a:chOff x="0" y="0"/>
+          <a:chExt cx="0" cy="0"/>
+        </a:xfrm>
+      </p:grpSpPr>
+      <p:sp>
+        <p:nvSpPr>
+          <p:cNvPr id="2" name="Title 1">
+            <a:extLst>
+              <a:ext uri="{FF2B5EF4-FFF2-40B4-BE49-F238E27FC236}">
+                <a16:creationId xmlns:a16="http://schemas.microsoft.com/office/drawing/2014/main" id="{2A5A7CD0-47CD-B9D4-B828-76AD87A74D3E}"/>
+              </a:ext>
+            </a:extLst>
+          </p:cNvPr>
+          <p:cNvSpPr>
+            <a:spLocks noGrp="1"/>
+          </p:cNvSpPr>
+          <p:nvPr>
+            <p:ph type="title"/>
+          </p:nvPr>
+        </p:nvSpPr>
+        <p:spPr>
+          <a:xfrm>
+            <a:off x="465513" y="365125"/>
+            <a:ext cx="10888287" cy="1325563"/>
+          </a:xfrm>
+        </p:spPr>
+        <p:txBody>
+          <a:bodyPr/>
+          <a:lstStyle/>
+          <a:p>
+            <a:r>
+              <a:rPr lang="en-NZ" dirty="0" err="1"/>
+              <a:t>testNoErrorMessageWhenMovingToAGoalWithSameColorOrShape</a:t>
+            </a:r>
+            <a:endParaRPr lang="en-NZ" dirty="0"/>
+          </a:p>
+        </p:txBody>
+      </p:sp>
+      <p:pic>
+        <p:nvPicPr>
+          <p:cNvPr id="5" name="Content Placeholder 4">
+            <a:extLst>
+              <a:ext uri="{FF2B5EF4-FFF2-40B4-BE49-F238E27FC236}">
+                <a16:creationId xmlns:a16="http://schemas.microsoft.com/office/drawing/2014/main" id="{F6B74BF6-175E-09D7-E47A-85ACA266B261}"/>
+              </a:ext>
+            </a:extLst>
+          </p:cNvPr>
+          <p:cNvPicPr>
+            <a:picLocks noGrp="1" noChangeAspect="1"/>
+          </p:cNvPicPr>
+          <p:nvPr>
+            <p:ph idx="1"/>
+          </p:nvPr>
+        </p:nvPicPr>
+        <p:blipFill>
+          <a:blip r:embed="rId2"/>
+          <a:stretch>
+            <a:fillRect/>
+          </a:stretch>
+        </p:blipFill>
+        <p:spPr>
+          <a:xfrm>
+            <a:off x="465513" y="1690688"/>
+            <a:ext cx="4420217" cy="1400370"/>
+          </a:xfrm>
+        </p:spPr>
+      </p:pic>
+      <p:pic>
+        <p:nvPicPr>
+          <p:cNvPr id="7" name="Picture 6">
+            <a:extLst>
+              <a:ext uri="{FF2B5EF4-FFF2-40B4-BE49-F238E27FC236}">
+                <a16:creationId xmlns:a16="http://schemas.microsoft.com/office/drawing/2014/main" id="{7F378F64-8BF0-2DC3-B936-9AB02E65E47C}"/>
+              </a:ext>
+            </a:extLst>
+          </p:cNvPr>
+          <p:cNvPicPr>
+            <a:picLocks noChangeAspect="1"/>
+          </p:cNvPicPr>
+          <p:nvPr/>
+        </p:nvPicPr>
+        <p:blipFill>
+          <a:blip r:embed="rId3"/>
+          <a:stretch>
+            <a:fillRect/>
+          </a:stretch>
+        </p:blipFill>
+        <p:spPr>
+          <a:xfrm>
+            <a:off x="5561792" y="4222889"/>
+            <a:ext cx="5792008" cy="2152950"/>
+          </a:xfrm>
+          <a:prstGeom prst="rect">
+            <a:avLst/>
+          </a:prstGeom>
+        </p:spPr>
+      </p:pic>
+    </p:spTree>
+    <p:extLst>
+      <p:ext uri="{BB962C8B-B14F-4D97-AF65-F5344CB8AC3E}">
+        <p14:creationId xmlns:p14="http://schemas.microsoft.com/office/powerpoint/2010/main" val="2080116358"/>
+      </p:ext>
+    </p:extLst>
+  </p:cSld>
+  <p:clrMapOvr>
+    <a:masterClrMapping/>
+  </p:clrMapOvr>
+</p:sld>
+</file>
+
+<file path=ppt/slides/slide36.xml><?xml version="1.0" encoding="utf-8"?>
+<p:sld xmlns:a="http://schemas.openxmlformats.org/drawingml/2006/main" xmlns:r="http://schemas.openxmlformats.org/officeDocument/2006/relationships" xmlns:p="http://schemas.openxmlformats.org/presentationml/2006/main">
+  <p:cSld>
+    <p:spTree>
+      <p:nvGrpSpPr>
+        <p:cNvPr id="1" name=""/>
+        <p:cNvGrpSpPr/>
+        <p:nvPr/>
+      </p:nvGrpSpPr>
+      <p:grpSpPr>
+        <a:xfrm>
+          <a:off x="0" y="0"/>
+          <a:ext cx="0" cy="0"/>
+          <a:chOff x="0" y="0"/>
+          <a:chExt cx="0" cy="0"/>
+        </a:xfrm>
+      </p:grpSpPr>
+      <p:sp>
+        <p:nvSpPr>
+          <p:cNvPr id="2" name="Title 1">
+            <a:extLst>
+              <a:ext uri="{FF2B5EF4-FFF2-40B4-BE49-F238E27FC236}">
+                <a16:creationId xmlns:a16="http://schemas.microsoft.com/office/drawing/2014/main" id="{D623CFAF-FB69-8C32-4D1C-CF81C5989624}"/>
+              </a:ext>
+            </a:extLst>
+          </p:cNvPr>
+          <p:cNvSpPr>
+            <a:spLocks noGrp="1"/>
+          </p:cNvSpPr>
+          <p:nvPr>
+            <p:ph type="title"/>
+          </p:nvPr>
+        </p:nvSpPr>
+        <p:spPr/>
+        <p:txBody>
+          <a:bodyPr/>
+          <a:lstStyle/>
+          <a:p>
+            <a:r>
+              <a:rPr lang="en-NZ" dirty="0" err="1"/>
+              <a:t>testNotOkToMoveToAGoalWithDifferentColorOrShape</a:t>
+            </a:r>
+            <a:endParaRPr lang="en-NZ" dirty="0"/>
+          </a:p>
+        </p:txBody>
+      </p:sp>
+      <p:pic>
+        <p:nvPicPr>
+          <p:cNvPr id="4" name="Content Placeholder 4">
+            <a:extLst>
+              <a:ext uri="{FF2B5EF4-FFF2-40B4-BE49-F238E27FC236}">
+                <a16:creationId xmlns:a16="http://schemas.microsoft.com/office/drawing/2014/main" id="{9753F701-A5F2-29B9-7610-FB72E0AE8E50}"/>
+              </a:ext>
+            </a:extLst>
+          </p:cNvPr>
+          <p:cNvPicPr>
+            <a:picLocks noChangeAspect="1"/>
+          </p:cNvPicPr>
+          <p:nvPr/>
+        </p:nvPicPr>
+        <p:blipFill>
+          <a:blip r:embed="rId2"/>
+          <a:stretch>
+            <a:fillRect/>
+          </a:stretch>
+        </p:blipFill>
+        <p:spPr>
+          <a:xfrm>
+            <a:off x="465513" y="1690688"/>
+            <a:ext cx="4420217" cy="1400370"/>
+          </a:xfrm>
+          <a:prstGeom prst="rect">
+            <a:avLst/>
+          </a:prstGeom>
+        </p:spPr>
+      </p:pic>
+      <p:pic>
+        <p:nvPicPr>
+          <p:cNvPr id="5" name="Picture 4">
+            <a:extLst>
+              <a:ext uri="{FF2B5EF4-FFF2-40B4-BE49-F238E27FC236}">
+                <a16:creationId xmlns:a16="http://schemas.microsoft.com/office/drawing/2014/main" id="{2AC6623B-BC1C-5C06-A053-D0D1AC60DA97}"/>
+              </a:ext>
+            </a:extLst>
+          </p:cNvPr>
+          <p:cNvPicPr>
+            <a:picLocks noChangeAspect="1"/>
+          </p:cNvPicPr>
+          <p:nvPr/>
+        </p:nvPicPr>
+        <p:blipFill>
+          <a:blip r:embed="rId3"/>
+          <a:stretch>
+            <a:fillRect/>
+          </a:stretch>
+        </p:blipFill>
+        <p:spPr>
+          <a:xfrm>
+            <a:off x="5561792" y="4222889"/>
+            <a:ext cx="5792008" cy="2152950"/>
+          </a:xfrm>
+          <a:prstGeom prst="rect">
+            <a:avLst/>
+          </a:prstGeom>
+        </p:spPr>
+      </p:pic>
+    </p:spTree>
+    <p:extLst>
+      <p:ext uri="{BB962C8B-B14F-4D97-AF65-F5344CB8AC3E}">
+        <p14:creationId xmlns:p14="http://schemas.microsoft.com/office/powerpoint/2010/main" val="2197261846"/>
+      </p:ext>
+    </p:extLst>
+  </p:cSld>
+  <p:clrMapOvr>
+    <a:masterClrMapping/>
+  </p:clrMapOvr>
+</p:sld>
+</file>
+
+<file path=ppt/slides/slide37.xml><?xml version="1.0" encoding="utf-8"?>
+<p:sld xmlns:a="http://schemas.openxmlformats.org/drawingml/2006/main" xmlns:r="http://schemas.openxmlformats.org/officeDocument/2006/relationships" xmlns:p="http://schemas.openxmlformats.org/presentationml/2006/main">
+  <p:cSld>
+    <p:spTree>
+      <p:nvGrpSpPr>
+        <p:cNvPr id="1" name=""/>
+        <p:cNvGrpSpPr/>
+        <p:nvPr/>
+      </p:nvGrpSpPr>
+      <p:grpSpPr>
+        <a:xfrm>
+          <a:off x="0" y="0"/>
+          <a:ext cx="0" cy="0"/>
+          <a:chOff x="0" y="0"/>
+          <a:chExt cx="0" cy="0"/>
+        </a:xfrm>
+      </p:grpSpPr>
+      <p:sp>
+        <p:nvSpPr>
+          <p:cNvPr id="2" name="Title 1">
+            <a:extLst>
+              <a:ext uri="{FF2B5EF4-FFF2-40B4-BE49-F238E27FC236}">
+                <a16:creationId xmlns:a16="http://schemas.microsoft.com/office/drawing/2014/main" id="{7D7CB648-6653-7AAC-99B7-DA171275249A}"/>
+              </a:ext>
+            </a:extLst>
+          </p:cNvPr>
+          <p:cNvSpPr>
+            <a:spLocks noGrp="1"/>
+          </p:cNvSpPr>
+          <p:nvPr>
+            <p:ph type="title"/>
+          </p:nvPr>
+        </p:nvSpPr>
+        <p:spPr/>
+        <p:txBody>
+          <a:bodyPr/>
+          <a:lstStyle/>
+          <a:p>
+            <a:r>
+              <a:rPr lang="en-NZ" dirty="0" err="1"/>
+              <a:t>testGetsErrorMessageWhenMovingToAGoalWithDifferentColorOrShape</a:t>
+            </a:r>
+            <a:endParaRPr lang="en-NZ" dirty="0"/>
+          </a:p>
+        </p:txBody>
+      </p:sp>
+      <p:pic>
+        <p:nvPicPr>
+          <p:cNvPr id="5" name="Content Placeholder 4">
+            <a:extLst>
+              <a:ext uri="{FF2B5EF4-FFF2-40B4-BE49-F238E27FC236}">
+                <a16:creationId xmlns:a16="http://schemas.microsoft.com/office/drawing/2014/main" id="{8BDD193D-E861-7B17-E1C2-D5AA253A3F6D}"/>
+              </a:ext>
+            </a:extLst>
+          </p:cNvPr>
+          <p:cNvPicPr>
+            <a:picLocks noGrp="1" noChangeAspect="1"/>
+          </p:cNvPicPr>
+          <p:nvPr>
+            <p:ph idx="1"/>
+          </p:nvPr>
+        </p:nvPicPr>
+        <p:blipFill>
+          <a:blip r:embed="rId2"/>
+          <a:stretch>
+            <a:fillRect/>
+          </a:stretch>
+        </p:blipFill>
+        <p:spPr>
+          <a:xfrm>
+            <a:off x="838200" y="1825750"/>
+            <a:ext cx="4039164" cy="1724266"/>
+          </a:xfrm>
+        </p:spPr>
+      </p:pic>
+      <p:pic>
+        <p:nvPicPr>
+          <p:cNvPr id="6" name="Picture 5">
+            <a:extLst>
+              <a:ext uri="{FF2B5EF4-FFF2-40B4-BE49-F238E27FC236}">
+                <a16:creationId xmlns:a16="http://schemas.microsoft.com/office/drawing/2014/main" id="{51146C75-4033-9E7C-DF72-BC889B49EB49}"/>
+              </a:ext>
+            </a:extLst>
+          </p:cNvPr>
+          <p:cNvPicPr>
+            <a:picLocks noChangeAspect="1"/>
+          </p:cNvPicPr>
+          <p:nvPr/>
+        </p:nvPicPr>
+        <p:blipFill>
+          <a:blip r:embed="rId3"/>
+          <a:stretch>
+            <a:fillRect/>
+          </a:stretch>
+        </p:blipFill>
+        <p:spPr>
+          <a:xfrm>
+            <a:off x="5561792" y="4222889"/>
+            <a:ext cx="5792008" cy="2152950"/>
+          </a:xfrm>
+          <a:prstGeom prst="rect">
+            <a:avLst/>
+          </a:prstGeom>
+        </p:spPr>
+      </p:pic>
+    </p:spTree>
+    <p:extLst>
+      <p:ext uri="{BB962C8B-B14F-4D97-AF65-F5344CB8AC3E}">
+        <p14:creationId xmlns:p14="http://schemas.microsoft.com/office/powerpoint/2010/main" val="1867848270"/>
+      </p:ext>
+    </p:extLst>
+  </p:cSld>
+  <p:clrMapOvr>
+    <a:masterClrMapping/>
+  </p:clrMapOvr>
+</p:sld>
+</file>
+
+<file path=ppt/slides/slide38.xml><?xml version="1.0" encoding="utf-8"?>
+<p:sld xmlns:a="http://schemas.openxmlformats.org/drawingml/2006/main" xmlns:r="http://schemas.openxmlformats.org/officeDocument/2006/relationships" xmlns:p="http://schemas.openxmlformats.org/presentationml/2006/main">
+  <p:cSld>
+    <p:spTree>
+      <p:nvGrpSpPr>
+        <p:cNvPr id="1" name=""/>
+        <p:cNvGrpSpPr/>
+        <p:nvPr/>
+      </p:nvGrpSpPr>
+      <p:grpSpPr>
+        <a:xfrm>
+          <a:off x="0" y="0"/>
+          <a:ext cx="0" cy="0"/>
+          <a:chOff x="0" y="0"/>
+          <a:chExt cx="0" cy="0"/>
+        </a:xfrm>
+      </p:grpSpPr>
+      <p:sp>
+        <p:nvSpPr>
+          <p:cNvPr id="2" name="Title 1">
+            <a:extLst>
+              <a:ext uri="{FF2B5EF4-FFF2-40B4-BE49-F238E27FC236}">
+                <a16:creationId xmlns:a16="http://schemas.microsoft.com/office/drawing/2014/main" id="{B77DDE1D-3A2E-E9C5-56A5-EB7C29B66E6E}"/>
+              </a:ext>
+            </a:extLst>
+          </p:cNvPr>
+          <p:cNvSpPr>
+            <a:spLocks noGrp="1"/>
+          </p:cNvSpPr>
+          <p:nvPr>
+            <p:ph type="title"/>
+          </p:nvPr>
+        </p:nvSpPr>
+        <p:spPr/>
+        <p:txBody>
+          <a:bodyPr/>
+          <a:lstStyle/>
+          <a:p>
+            <a:r>
+              <a:rPr lang="en-NZ" dirty="0" err="1"/>
+              <a:t>testNotOkToMoveToAGoalAtADiagonalSquare</a:t>
+            </a:r>
+            <a:endParaRPr lang="en-NZ" dirty="0"/>
+          </a:p>
+        </p:txBody>
+      </p:sp>
+      <p:pic>
+        <p:nvPicPr>
+          <p:cNvPr id="5" name="Content Placeholder 4">
+            <a:extLst>
+              <a:ext uri="{FF2B5EF4-FFF2-40B4-BE49-F238E27FC236}">
+                <a16:creationId xmlns:a16="http://schemas.microsoft.com/office/drawing/2014/main" id="{C3B25E07-5280-2FB7-CBB2-BCCF8316F53D}"/>
+              </a:ext>
+            </a:extLst>
+          </p:cNvPr>
+          <p:cNvPicPr>
+            <a:picLocks noGrp="1" noChangeAspect="1"/>
+          </p:cNvPicPr>
+          <p:nvPr>
+            <p:ph idx="1"/>
+          </p:nvPr>
+        </p:nvPicPr>
+        <p:blipFill>
+          <a:blip r:embed="rId2"/>
+          <a:stretch>
+            <a:fillRect/>
+          </a:stretch>
+        </p:blipFill>
+        <p:spPr>
+          <a:xfrm>
+            <a:off x="838200" y="1690688"/>
+            <a:ext cx="5153744" cy="1076475"/>
+          </a:xfrm>
+        </p:spPr>
+      </p:pic>
+      <p:pic>
+        <p:nvPicPr>
+          <p:cNvPr id="7" name="Picture 6">
+            <a:extLst>
+              <a:ext uri="{FF2B5EF4-FFF2-40B4-BE49-F238E27FC236}">
+                <a16:creationId xmlns:a16="http://schemas.microsoft.com/office/drawing/2014/main" id="{582D536F-1BB5-02FD-A330-D3CBDB64B95A}"/>
+              </a:ext>
+            </a:extLst>
+          </p:cNvPr>
+          <p:cNvPicPr>
+            <a:picLocks noChangeAspect="1"/>
+          </p:cNvPicPr>
+          <p:nvPr/>
+        </p:nvPicPr>
+        <p:blipFill>
+          <a:blip r:embed="rId3"/>
+          <a:stretch>
+            <a:fillRect/>
+          </a:stretch>
+        </p:blipFill>
+        <p:spPr>
+          <a:xfrm>
+            <a:off x="838200" y="3256094"/>
+            <a:ext cx="5734850" cy="2257740"/>
+          </a:xfrm>
+          <a:prstGeom prst="rect">
+            <a:avLst/>
+          </a:prstGeom>
+        </p:spPr>
+      </p:pic>
+      <p:pic>
+        <p:nvPicPr>
+          <p:cNvPr id="9" name="Picture 8">
+            <a:extLst>
+              <a:ext uri="{FF2B5EF4-FFF2-40B4-BE49-F238E27FC236}">
+                <a16:creationId xmlns:a16="http://schemas.microsoft.com/office/drawing/2014/main" id="{71257281-74FB-A2FF-8AD3-537BAEFE57B8}"/>
+              </a:ext>
+            </a:extLst>
+          </p:cNvPr>
+          <p:cNvPicPr>
+            <a:picLocks noChangeAspect="1"/>
+          </p:cNvPicPr>
+          <p:nvPr/>
+        </p:nvPicPr>
+        <p:blipFill>
+          <a:blip r:embed="rId4"/>
+          <a:stretch>
+            <a:fillRect/>
+          </a:stretch>
+        </p:blipFill>
+        <p:spPr>
+          <a:xfrm>
+            <a:off x="6809873" y="1321724"/>
+            <a:ext cx="5131050" cy="5469361"/>
+          </a:xfrm>
+          <a:prstGeom prst="rect">
+            <a:avLst/>
+          </a:prstGeom>
+        </p:spPr>
+      </p:pic>
+    </p:spTree>
+    <p:extLst>
+      <p:ext uri="{BB962C8B-B14F-4D97-AF65-F5344CB8AC3E}">
+        <p14:creationId xmlns:p14="http://schemas.microsoft.com/office/powerpoint/2010/main" val="1456941973"/>
+      </p:ext>
+    </p:extLst>
+  </p:cSld>
+  <p:clrMapOvr>
+    <a:masterClrMapping/>
+  </p:clrMapOvr>
+</p:sld>
+</file>
+
+<file path=ppt/slides/slide39.xml><?xml version="1.0" encoding="utf-8"?>
+<p:sld xmlns:a="http://schemas.openxmlformats.org/drawingml/2006/main" xmlns:r="http://schemas.openxmlformats.org/officeDocument/2006/relationships" xmlns:p="http://schemas.openxmlformats.org/presentationml/2006/main">
+  <p:cSld>
+    <p:spTree>
+      <p:nvGrpSpPr>
+        <p:cNvPr id="1" name=""/>
+        <p:cNvGrpSpPr/>
+        <p:nvPr/>
+      </p:nvGrpSpPr>
+      <p:grpSpPr>
+        <a:xfrm>
+          <a:off x="0" y="0"/>
+          <a:ext cx="0" cy="0"/>
+          <a:chOff x="0" y="0"/>
+          <a:chExt cx="0" cy="0"/>
+        </a:xfrm>
+      </p:grpSpPr>
+      <p:sp>
+        <p:nvSpPr>
+          <p:cNvPr id="2" name="Title 1">
+            <a:extLst>
+              <a:ext uri="{FF2B5EF4-FFF2-40B4-BE49-F238E27FC236}">
+                <a16:creationId xmlns:a16="http://schemas.microsoft.com/office/drawing/2014/main" id="{E0BBACC2-F9EC-B5B0-E425-AE413A7EA85D}"/>
+              </a:ext>
+            </a:extLst>
+          </p:cNvPr>
+          <p:cNvSpPr>
+            <a:spLocks noGrp="1"/>
+          </p:cNvSpPr>
+          <p:nvPr>
+            <p:ph type="title"/>
+          </p:nvPr>
+        </p:nvSpPr>
+        <p:spPr>
+          <a:xfrm>
+            <a:off x="374073" y="365125"/>
+            <a:ext cx="10979727" cy="1325563"/>
+          </a:xfrm>
+        </p:spPr>
+        <p:txBody>
+          <a:bodyPr/>
+          <a:lstStyle/>
+          <a:p>
+            <a:r>
+              <a:rPr lang="en-NZ" dirty="0" err="1"/>
+              <a:t>testNotOkWhenMovingBackwardsToAGoalWithSameColorOrShape</a:t>
+            </a:r>
+            <a:endParaRPr lang="en-NZ" dirty="0"/>
+          </a:p>
+        </p:txBody>
+      </p:sp>
+      <p:pic>
+        <p:nvPicPr>
+          <p:cNvPr id="4" name="Content Placeholder 4">
+            <a:extLst>
+              <a:ext uri="{FF2B5EF4-FFF2-40B4-BE49-F238E27FC236}">
+                <a16:creationId xmlns:a16="http://schemas.microsoft.com/office/drawing/2014/main" id="{9FFCBA2F-7C97-0B7B-1D38-B41F684775A0}"/>
+              </a:ext>
+            </a:extLst>
+          </p:cNvPr>
+          <p:cNvPicPr>
+            <a:picLocks noChangeAspect="1"/>
+          </p:cNvPicPr>
+          <p:nvPr/>
+        </p:nvPicPr>
+        <p:blipFill>
+          <a:blip r:embed="rId2"/>
+          <a:stretch>
+            <a:fillRect/>
+          </a:stretch>
+        </p:blipFill>
+        <p:spPr>
+          <a:xfrm>
+            <a:off x="838200" y="1690688"/>
+            <a:ext cx="5153744" cy="1076475"/>
+          </a:xfrm>
+          <a:prstGeom prst="rect">
+            <a:avLst/>
+          </a:prstGeom>
+        </p:spPr>
+      </p:pic>
+      <p:pic>
+        <p:nvPicPr>
+          <p:cNvPr id="5" name="Picture 4">
+            <a:extLst>
+              <a:ext uri="{FF2B5EF4-FFF2-40B4-BE49-F238E27FC236}">
+                <a16:creationId xmlns:a16="http://schemas.microsoft.com/office/drawing/2014/main" id="{67F79E68-84D2-7764-CEE9-73DC6E49F87B}"/>
+              </a:ext>
+            </a:extLst>
+          </p:cNvPr>
+          <p:cNvPicPr>
+            <a:picLocks noChangeAspect="1"/>
+          </p:cNvPicPr>
+          <p:nvPr/>
+        </p:nvPicPr>
+        <p:blipFill>
+          <a:blip r:embed="rId3"/>
+          <a:stretch>
+            <a:fillRect/>
+          </a:stretch>
+        </p:blipFill>
+        <p:spPr>
+          <a:xfrm>
+            <a:off x="838200" y="3256094"/>
+            <a:ext cx="5734850" cy="2257740"/>
+          </a:xfrm>
+          <a:prstGeom prst="rect">
+            <a:avLst/>
+          </a:prstGeom>
+        </p:spPr>
+      </p:pic>
+      <p:pic>
+        <p:nvPicPr>
+          <p:cNvPr id="6" name="Picture 5">
+            <a:extLst>
+              <a:ext uri="{FF2B5EF4-FFF2-40B4-BE49-F238E27FC236}">
+                <a16:creationId xmlns:a16="http://schemas.microsoft.com/office/drawing/2014/main" id="{A5E476E7-454F-B170-AD0A-1F7B5AFA1109}"/>
+              </a:ext>
+            </a:extLst>
+          </p:cNvPr>
+          <p:cNvPicPr>
+            <a:picLocks noChangeAspect="1"/>
+          </p:cNvPicPr>
+          <p:nvPr/>
+        </p:nvPicPr>
+        <p:blipFill>
+          <a:blip r:embed="rId4"/>
+          <a:stretch>
+            <a:fillRect/>
+          </a:stretch>
+        </p:blipFill>
+        <p:spPr>
+          <a:xfrm>
+            <a:off x="6809873" y="1321724"/>
+            <a:ext cx="5131050" cy="5469361"/>
+          </a:xfrm>
+          <a:prstGeom prst="rect">
+            <a:avLst/>
+          </a:prstGeom>
+        </p:spPr>
+      </p:pic>
+    </p:spTree>
+    <p:extLst>
+      <p:ext uri="{BB962C8B-B14F-4D97-AF65-F5344CB8AC3E}">
+        <p14:creationId xmlns:p14="http://schemas.microsoft.com/office/powerpoint/2010/main" val="4190438080"/>
+      </p:ext>
+    </p:extLst>
+  </p:cSld>
+  <p:clrMapOvr>
+    <a:masterClrMapping/>
+  </p:clrMapOvr>
+</p:sld>
+</file>
+
+<file path=ppt/slides/slide4.xml><?xml version="1.0" encoding="utf-8"?>
+<p:sld xmlns:a="http://schemas.openxmlformats.org/drawingml/2006/main" xmlns:r="http://schemas.openxmlformats.org/officeDocument/2006/relationships" xmlns:p="http://schemas.openxmlformats.org/presentationml/2006/main">
+  <p:cSld>
+    <p:spTree>
+      <p:nvGrpSpPr>
+        <p:cNvPr id="1" name=""/>
+        <p:cNvGrpSpPr/>
+        <p:nvPr/>
+      </p:nvGrpSpPr>
+      <p:grpSpPr>
+        <a:xfrm>
+          <a:off x="0" y="0"/>
+          <a:ext cx="0" cy="0"/>
+          <a:chOff x="0" y="0"/>
+          <a:chExt cx="0" cy="0"/>
+        </a:xfrm>
+      </p:grpSpPr>
+      <p:pic>
+        <p:nvPicPr>
+          <p:cNvPr id="5" name="Content Placeholder 4">
+            <a:extLst>
+              <a:ext uri="{FF2B5EF4-FFF2-40B4-BE49-F238E27FC236}">
+                <a16:creationId xmlns:a16="http://schemas.microsoft.com/office/drawing/2014/main" id="{F5F52D1E-7496-7FBB-A032-4CD7C5E16C22}"/>
+              </a:ext>
+            </a:extLst>
+          </p:cNvPr>
+          <p:cNvPicPr>
+            <a:picLocks noGrp="1" noChangeAspect="1"/>
+          </p:cNvPicPr>
+          <p:nvPr>
+            <p:ph idx="1"/>
+          </p:nvPr>
+        </p:nvPicPr>
+        <p:blipFill>
+          <a:blip r:embed="rId2"/>
+          <a:stretch>
+            <a:fillRect/>
+          </a:stretch>
+        </p:blipFill>
+        <p:spPr>
+          <a:xfrm>
+            <a:off x="731514" y="3792731"/>
+            <a:ext cx="4451180" cy="2158148"/>
+          </a:xfrm>
+        </p:spPr>
+      </p:pic>
+      <p:pic>
+        <p:nvPicPr>
+          <p:cNvPr id="6" name="Content Placeholder 4">
+            <a:extLst>
+              <a:ext uri="{FF2B5EF4-FFF2-40B4-BE49-F238E27FC236}">
+                <a16:creationId xmlns:a16="http://schemas.microsoft.com/office/drawing/2014/main" id="{09C1FC3B-2983-EF67-8501-3607ECD751C5}"/>
+              </a:ext>
+            </a:extLst>
+          </p:cNvPr>
+          <p:cNvPicPr>
+            <a:picLocks noChangeAspect="1"/>
+          </p:cNvPicPr>
+          <p:nvPr/>
+        </p:nvPicPr>
+        <p:blipFill>
+          <a:blip r:embed="rId3"/>
+          <a:stretch>
+            <a:fillRect/>
+          </a:stretch>
+        </p:blipFill>
+        <p:spPr>
+          <a:xfrm>
+            <a:off x="663632" y="1443806"/>
+            <a:ext cx="4839375" cy="2105319"/>
+          </a:xfrm>
+          <a:prstGeom prst="rect">
+            <a:avLst/>
+          </a:prstGeom>
+        </p:spPr>
+      </p:pic>
+      <p:pic>
+        <p:nvPicPr>
+          <p:cNvPr id="7" name="Picture 6">
+            <a:extLst>
+              <a:ext uri="{FF2B5EF4-FFF2-40B4-BE49-F238E27FC236}">
+                <a16:creationId xmlns:a16="http://schemas.microsoft.com/office/drawing/2014/main" id="{BB6E2359-4A57-4F44-5E68-EFF2DD66943E}"/>
+              </a:ext>
+            </a:extLst>
+          </p:cNvPr>
+          <p:cNvPicPr>
+            <a:picLocks noChangeAspect="1"/>
+          </p:cNvPicPr>
+          <p:nvPr/>
+        </p:nvPicPr>
+        <p:blipFill>
+          <a:blip r:embed="rId4"/>
+          <a:stretch>
+            <a:fillRect/>
+          </a:stretch>
+        </p:blipFill>
+        <p:spPr>
+          <a:xfrm>
+            <a:off x="6155618" y="1270852"/>
+            <a:ext cx="4906060" cy="3600953"/>
+          </a:xfrm>
+          <a:prstGeom prst="rect">
+            <a:avLst/>
+          </a:prstGeom>
+        </p:spPr>
+      </p:pic>
+    </p:spTree>
+    <p:extLst>
+      <p:ext uri="{BB962C8B-B14F-4D97-AF65-F5344CB8AC3E}">
+        <p14:creationId xmlns:p14="http://schemas.microsoft.com/office/powerpoint/2010/main" val="2942037434"/>
+      </p:ext>
+    </p:extLst>
+  </p:cSld>
+  <p:clrMapOvr>
+    <a:masterClrMapping/>
+  </p:clrMapOvr>
+</p:sld>
+</file>
+
+<file path=ppt/slides/slide40.xml><?xml version="1.0" encoding="utf-8"?>
+<p:sld xmlns:a="http://schemas.openxmlformats.org/drawingml/2006/main" xmlns:r="http://schemas.openxmlformats.org/officeDocument/2006/relationships" xmlns:p="http://schemas.openxmlformats.org/presentationml/2006/main">
+  <p:cSld>
+    <p:spTree>
+      <p:nvGrpSpPr>
+        <p:cNvPr id="1" name=""/>
+        <p:cNvGrpSpPr/>
+        <p:nvPr/>
+      </p:nvGrpSpPr>
+      <p:grpSpPr>
+        <a:xfrm>
+          <a:off x="0" y="0"/>
+          <a:ext cx="0" cy="0"/>
+          <a:chOff x="0" y="0"/>
+          <a:chExt cx="0" cy="0"/>
+        </a:xfrm>
+      </p:grpSpPr>
+      <p:sp>
+        <p:nvSpPr>
+          <p:cNvPr id="2" name="Title 1">
+            <a:extLst>
+              <a:ext uri="{FF2B5EF4-FFF2-40B4-BE49-F238E27FC236}">
+                <a16:creationId xmlns:a16="http://schemas.microsoft.com/office/drawing/2014/main" id="{1D421CC2-631C-D624-91C1-E76D2C1510A2}"/>
+              </a:ext>
+            </a:extLst>
+          </p:cNvPr>
+          <p:cNvSpPr>
+            <a:spLocks noGrp="1"/>
+          </p:cNvSpPr>
+          <p:nvPr>
+            <p:ph type="title"/>
+          </p:nvPr>
+        </p:nvSpPr>
+        <p:spPr>
+          <a:xfrm>
+            <a:off x="211282" y="356813"/>
+            <a:ext cx="11769436" cy="1325563"/>
+          </a:xfrm>
+        </p:spPr>
+        <p:txBody>
+          <a:bodyPr>
+            <a:normAutofit fontScale="90000"/>
+          </a:bodyPr>
+          <a:lstStyle/>
+          <a:p>
+            <a:r>
+              <a:rPr lang="en-NZ" dirty="0"/>
+              <a:t>testCompleting1GoalIncreasesCompletedGoalCountBy1</a:t>
+            </a:r>
+            <a:br>
+              <a:rPr lang="en-NZ" dirty="0"/>
+            </a:br>
+            <a:r>
+              <a:rPr lang="en-NZ" dirty="0"/>
+              <a:t>testCompleting1GoalDecreaseGoalCountBy1</a:t>
+            </a:r>
+          </a:p>
+        </p:txBody>
+      </p:sp>
+      <p:pic>
+        <p:nvPicPr>
+          <p:cNvPr id="5" name="Content Placeholder 4">
+            <a:extLst>
+              <a:ext uri="{FF2B5EF4-FFF2-40B4-BE49-F238E27FC236}">
+                <a16:creationId xmlns:a16="http://schemas.microsoft.com/office/drawing/2014/main" id="{E065DC10-ACB7-D160-6537-C5A17CA29BA1}"/>
+              </a:ext>
+            </a:extLst>
+          </p:cNvPr>
+          <p:cNvPicPr>
+            <a:picLocks noGrp="1" noChangeAspect="1"/>
+          </p:cNvPicPr>
+          <p:nvPr>
+            <p:ph idx="1"/>
+          </p:nvPr>
+        </p:nvPicPr>
+        <p:blipFill>
+          <a:blip r:embed="rId2"/>
+          <a:stretch>
+            <a:fillRect/>
+          </a:stretch>
+        </p:blipFill>
+        <p:spPr>
+          <a:xfrm>
+            <a:off x="595875" y="2051198"/>
+            <a:ext cx="3086531" cy="990738"/>
+          </a:xfrm>
+        </p:spPr>
+      </p:pic>
+      <p:pic>
+        <p:nvPicPr>
+          <p:cNvPr id="7" name="Picture 6">
+            <a:extLst>
+              <a:ext uri="{FF2B5EF4-FFF2-40B4-BE49-F238E27FC236}">
+                <a16:creationId xmlns:a16="http://schemas.microsoft.com/office/drawing/2014/main" id="{DE95FBB1-6272-8477-426E-720E15BD0D12}"/>
+              </a:ext>
+            </a:extLst>
+          </p:cNvPr>
+          <p:cNvPicPr>
+            <a:picLocks noChangeAspect="1"/>
+          </p:cNvPicPr>
+          <p:nvPr/>
+        </p:nvPicPr>
+        <p:blipFill>
+          <a:blip r:embed="rId3"/>
+          <a:stretch>
+            <a:fillRect/>
+          </a:stretch>
+        </p:blipFill>
+        <p:spPr>
+          <a:xfrm>
+            <a:off x="4108432" y="2051198"/>
+            <a:ext cx="4401164" cy="3439005"/>
+          </a:xfrm>
+          <a:prstGeom prst="rect">
+            <a:avLst/>
+          </a:prstGeom>
+        </p:spPr>
+      </p:pic>
+    </p:spTree>
+    <p:extLst>
+      <p:ext uri="{BB962C8B-B14F-4D97-AF65-F5344CB8AC3E}">
+        <p14:creationId xmlns:p14="http://schemas.microsoft.com/office/powerpoint/2010/main" val="1330131508"/>
+      </p:ext>
+    </p:extLst>
+  </p:cSld>
+  <p:clrMapOvr>
+    <a:masterClrMapping/>
+  </p:clrMapOvr>
+</p:sld>
+</file>
+
+<file path=ppt/slides/slide41.xml><?xml version="1.0" encoding="utf-8"?>
+<p:sld xmlns:a="http://schemas.openxmlformats.org/drawingml/2006/main" xmlns:r="http://schemas.openxmlformats.org/officeDocument/2006/relationships" xmlns:p="http://schemas.openxmlformats.org/presentationml/2006/main">
+  <p:cSld>
+    <p:spTree>
+      <p:nvGrpSpPr>
+        <p:cNvPr id="1" name=""/>
+        <p:cNvGrpSpPr/>
+        <p:nvPr/>
+      </p:nvGrpSpPr>
+      <p:grpSpPr>
+        <a:xfrm>
+          <a:off x="0" y="0"/>
+          <a:ext cx="0" cy="0"/>
+          <a:chOff x="0" y="0"/>
+          <a:chExt cx="0" cy="0"/>
+        </a:xfrm>
+      </p:grpSpPr>
+      <p:sp>
+        <p:nvSpPr>
+          <p:cNvPr id="2" name="Title 1">
+            <a:extLst>
+              <a:ext uri="{FF2B5EF4-FFF2-40B4-BE49-F238E27FC236}">
+                <a16:creationId xmlns:a16="http://schemas.microsoft.com/office/drawing/2014/main" id="{E9A4817E-663C-1724-601D-9F898C720BE5}"/>
+              </a:ext>
+            </a:extLst>
+          </p:cNvPr>
+          <p:cNvSpPr>
+            <a:spLocks noGrp="1"/>
+          </p:cNvSpPr>
+          <p:nvPr>
+            <p:ph type="title"/>
+          </p:nvPr>
+        </p:nvSpPr>
+        <p:spPr>
+          <a:xfrm>
+            <a:off x="40178" y="322791"/>
+            <a:ext cx="12151822" cy="1325563"/>
+          </a:xfrm>
+        </p:spPr>
+        <p:txBody>
+          <a:bodyPr/>
+          <a:lstStyle/>
+          <a:p>
+            <a:r>
+              <a:rPr lang="en-NZ" dirty="0" err="1"/>
+              <a:t>testGoalWillBeRemovedFromSquareAfterCompletingTheGoal</a:t>
+            </a:r>
+            <a:endParaRPr lang="en-NZ" dirty="0"/>
+          </a:p>
+        </p:txBody>
+      </p:sp>
+      <p:pic>
+        <p:nvPicPr>
+          <p:cNvPr id="5" name="Content Placeholder 4">
+            <a:extLst>
+              <a:ext uri="{FF2B5EF4-FFF2-40B4-BE49-F238E27FC236}">
+                <a16:creationId xmlns:a16="http://schemas.microsoft.com/office/drawing/2014/main" id="{467874B4-2008-1EBD-F4F1-38F998F34D87}"/>
+              </a:ext>
+            </a:extLst>
+          </p:cNvPr>
+          <p:cNvPicPr>
+            <a:picLocks noGrp="1" noChangeAspect="1"/>
+          </p:cNvPicPr>
+          <p:nvPr>
+            <p:ph idx="1"/>
+          </p:nvPr>
+        </p:nvPicPr>
+        <p:blipFill>
+          <a:blip r:embed="rId2"/>
+          <a:stretch>
+            <a:fillRect/>
+          </a:stretch>
+        </p:blipFill>
+        <p:spPr>
+          <a:xfrm>
+            <a:off x="2971364" y="1862633"/>
+            <a:ext cx="6249272" cy="4277322"/>
+          </a:xfrm>
+        </p:spPr>
+      </p:pic>
+    </p:spTree>
+    <p:extLst>
+      <p:ext uri="{BB962C8B-B14F-4D97-AF65-F5344CB8AC3E}">
+        <p14:creationId xmlns:p14="http://schemas.microsoft.com/office/powerpoint/2010/main" val="1865583193"/>
+      </p:ext>
+    </p:extLst>
+  </p:cSld>
+  <p:clrMapOvr>
+    <a:masterClrMapping/>
+  </p:clrMapOvr>
+</p:sld>
+</file>
+
+<file path=ppt/slides/slide42.xml><?xml version="1.0" encoding="utf-8"?>
+<p:sld xmlns:a="http://schemas.openxmlformats.org/drawingml/2006/main" xmlns:r="http://schemas.openxmlformats.org/officeDocument/2006/relationships" xmlns:p="http://schemas.openxmlformats.org/presentationml/2006/main">
+  <p:cSld>
+    <p:spTree>
+      <p:nvGrpSpPr>
+        <p:cNvPr id="1" name=""/>
+        <p:cNvGrpSpPr/>
+        <p:nvPr/>
+      </p:nvGrpSpPr>
+      <p:grpSpPr>
+        <a:xfrm>
+          <a:off x="0" y="0"/>
+          <a:ext cx="0" cy="0"/>
+          <a:chOff x="0" y="0"/>
+          <a:chExt cx="0" cy="0"/>
+        </a:xfrm>
+      </p:grpSpPr>
+      <p:sp>
+        <p:nvSpPr>
+          <p:cNvPr id="2" name="Title 1">
+            <a:extLst>
+              <a:ext uri="{FF2B5EF4-FFF2-40B4-BE49-F238E27FC236}">
+                <a16:creationId xmlns:a16="http://schemas.microsoft.com/office/drawing/2014/main" id="{448C3BB4-5FD7-DA3C-EDE4-A825CCAEF811}"/>
+              </a:ext>
+            </a:extLst>
+          </p:cNvPr>
+          <p:cNvSpPr>
+            <a:spLocks noGrp="1"/>
+          </p:cNvSpPr>
+          <p:nvPr>
+            <p:ph type="title"/>
+          </p:nvPr>
+        </p:nvSpPr>
+        <p:spPr/>
+        <p:txBody>
+          <a:bodyPr/>
+          <a:lstStyle/>
+          <a:p>
+            <a:r>
+              <a:rPr lang="en-NZ" dirty="0" err="1"/>
+              <a:t>testGoalSquareWillNotBeChangedWhenEyeballMovesOntoIt</a:t>
+            </a:r>
+            <a:endParaRPr lang="en-NZ" dirty="0"/>
+          </a:p>
+        </p:txBody>
+      </p:sp>
+      <p:pic>
+        <p:nvPicPr>
+          <p:cNvPr id="4" name="Content Placeholder 4">
+            <a:extLst>
+              <a:ext uri="{FF2B5EF4-FFF2-40B4-BE49-F238E27FC236}">
+                <a16:creationId xmlns:a16="http://schemas.microsoft.com/office/drawing/2014/main" id="{B767F064-AF63-E7BB-DF24-2EE39759AB47}"/>
+              </a:ext>
+            </a:extLst>
+          </p:cNvPr>
+          <p:cNvPicPr>
+            <a:picLocks noGrp="1" noChangeAspect="1"/>
+          </p:cNvPicPr>
+          <p:nvPr>
+            <p:ph idx="1"/>
+          </p:nvPr>
+        </p:nvPicPr>
+        <p:blipFill>
+          <a:blip r:embed="rId2"/>
+          <a:stretch>
+            <a:fillRect/>
+          </a:stretch>
+        </p:blipFill>
+        <p:spPr>
+          <a:xfrm>
+            <a:off x="838200" y="1887571"/>
+            <a:ext cx="6249272" cy="4277322"/>
+          </a:xfrm>
+        </p:spPr>
+      </p:pic>
+      <p:pic>
+        <p:nvPicPr>
+          <p:cNvPr id="7" name="Picture 6">
+            <a:extLst>
+              <a:ext uri="{FF2B5EF4-FFF2-40B4-BE49-F238E27FC236}">
+                <a16:creationId xmlns:a16="http://schemas.microsoft.com/office/drawing/2014/main" id="{4AE720AF-C9CA-DACA-7D99-3BD0504094DB}"/>
+              </a:ext>
+            </a:extLst>
+          </p:cNvPr>
+          <p:cNvPicPr>
+            <a:picLocks noChangeAspect="1"/>
+          </p:cNvPicPr>
+          <p:nvPr/>
+        </p:nvPicPr>
+        <p:blipFill>
+          <a:blip r:embed="rId3"/>
+          <a:stretch>
+            <a:fillRect/>
+          </a:stretch>
+        </p:blipFill>
+        <p:spPr>
+          <a:xfrm>
+            <a:off x="7183457" y="1887571"/>
+            <a:ext cx="5008543" cy="4277322"/>
+          </a:xfrm>
+          <a:prstGeom prst="rect">
+            <a:avLst/>
+          </a:prstGeom>
+        </p:spPr>
+      </p:pic>
+    </p:spTree>
+    <p:extLst>
+      <p:ext uri="{BB962C8B-B14F-4D97-AF65-F5344CB8AC3E}">
+        <p14:creationId xmlns:p14="http://schemas.microsoft.com/office/powerpoint/2010/main" val="4221535148"/>
+      </p:ext>
+    </p:extLst>
+  </p:cSld>
+  <p:clrMapOvr>
+    <a:masterClrMapping/>
+  </p:clrMapOvr>
+</p:sld>
+</file>
+
+<file path=ppt/slides/slide43.xml><?xml version="1.0" encoding="utf-8"?>
+<p:sld xmlns:a="http://schemas.openxmlformats.org/drawingml/2006/main" xmlns:r="http://schemas.openxmlformats.org/officeDocument/2006/relationships" xmlns:p="http://schemas.openxmlformats.org/presentationml/2006/main">
+  <p:cSld>
+    <p:spTree>
+      <p:nvGrpSpPr>
+        <p:cNvPr id="1" name=""/>
+        <p:cNvGrpSpPr/>
+        <p:nvPr/>
+      </p:nvGrpSpPr>
+      <p:grpSpPr>
+        <a:xfrm>
+          <a:off x="0" y="0"/>
+          <a:ext cx="0" cy="0"/>
+          <a:chOff x="0" y="0"/>
+          <a:chExt cx="0" cy="0"/>
+        </a:xfrm>
+      </p:grpSpPr>
+      <p:sp>
+        <p:nvSpPr>
+          <p:cNvPr id="2" name="Title 1">
+            <a:extLst>
+              <a:ext uri="{FF2B5EF4-FFF2-40B4-BE49-F238E27FC236}">
+                <a16:creationId xmlns:a16="http://schemas.microsoft.com/office/drawing/2014/main" id="{28B04C45-4B01-D838-F386-18440093D51F}"/>
+              </a:ext>
+            </a:extLst>
+          </p:cNvPr>
+          <p:cNvSpPr>
+            <a:spLocks noGrp="1"/>
+          </p:cNvSpPr>
+          <p:nvPr>
+            <p:ph type="title"/>
+          </p:nvPr>
+        </p:nvSpPr>
+        <p:spPr/>
+        <p:txBody>
+          <a:bodyPr/>
+          <a:lstStyle/>
+          <a:p>
+            <a:r>
+              <a:rPr lang="en-NZ" dirty="0"/>
+              <a:t>testGoalSquareBecomesBlankSquareAfterEyeballMovesToAnotherSquare</a:t>
+            </a:r>
+          </a:p>
+        </p:txBody>
+      </p:sp>
+      <p:pic>
+        <p:nvPicPr>
+          <p:cNvPr id="4" name="Content Placeholder 4">
+            <a:extLst>
+              <a:ext uri="{FF2B5EF4-FFF2-40B4-BE49-F238E27FC236}">
+                <a16:creationId xmlns:a16="http://schemas.microsoft.com/office/drawing/2014/main" id="{A9846960-797F-40CD-BEBB-65114E057AE8}"/>
+              </a:ext>
+            </a:extLst>
+          </p:cNvPr>
+          <p:cNvPicPr>
+            <a:picLocks noGrp="1" noChangeAspect="1"/>
+          </p:cNvPicPr>
+          <p:nvPr>
+            <p:ph idx="1"/>
+          </p:nvPr>
+        </p:nvPicPr>
+        <p:blipFill>
+          <a:blip r:embed="rId2"/>
+          <a:stretch>
+            <a:fillRect/>
+          </a:stretch>
+        </p:blipFill>
+        <p:spPr>
+          <a:xfrm>
+            <a:off x="2971364" y="1862633"/>
+            <a:ext cx="6249272" cy="4277322"/>
+          </a:xfrm>
+        </p:spPr>
+      </p:pic>
+    </p:spTree>
+    <p:extLst>
+      <p:ext uri="{BB962C8B-B14F-4D97-AF65-F5344CB8AC3E}">
+        <p14:creationId xmlns:p14="http://schemas.microsoft.com/office/powerpoint/2010/main" val="1750075042"/>
+      </p:ext>
+    </p:extLst>
+  </p:cSld>
+  <p:clrMapOvr>
+    <a:masterClrMapping/>
+  </p:clrMapOvr>
+</p:sld>
+</file>
+
+<file path=ppt/slides/slide5.xml><?xml version="1.0" encoding="utf-8"?>
+<p:sld xmlns:a="http://schemas.openxmlformats.org/drawingml/2006/main" xmlns:r="http://schemas.openxmlformats.org/officeDocument/2006/relationships" xmlns:p="http://schemas.openxmlformats.org/presentationml/2006/main">
+  <p:cSld>
+    <p:spTree>
+      <p:nvGrpSpPr>
+        <p:cNvPr id="1" name=""/>
+        <p:cNvGrpSpPr/>
+        <p:nvPr/>
+      </p:nvGrpSpPr>
+      <p:grpSpPr>
+        <a:xfrm>
+          <a:off x="0" y="0"/>
+          <a:ext cx="0" cy="0"/>
+          <a:chOff x="0" y="0"/>
+          <a:chExt cx="0" cy="0"/>
+        </a:xfrm>
+      </p:grpSpPr>
+      <p:sp>
+        <p:nvSpPr>
+          <p:cNvPr id="2" name="Title 1">
+            <a:extLst>
+              <a:ext uri="{FF2B5EF4-FFF2-40B4-BE49-F238E27FC236}">
+                <a16:creationId xmlns:a16="http://schemas.microsoft.com/office/drawing/2014/main" id="{6BCAEB2B-4B57-1500-A976-41BE1BE8952F}"/>
+              </a:ext>
+            </a:extLst>
+          </p:cNvPr>
+          <p:cNvSpPr>
+            <a:spLocks noGrp="1"/>
+          </p:cNvSpPr>
+          <p:nvPr>
+            <p:ph type="title"/>
+          </p:nvPr>
+        </p:nvSpPr>
+        <p:spPr/>
+        <p:txBody>
+          <a:bodyPr/>
+          <a:lstStyle/>
+          <a:p>
+            <a:r>
+              <a:rPr lang="en-NZ" dirty="0" err="1"/>
+              <a:t>testGetLevelWidth</a:t>
+            </a:r>
+            <a:r>
+              <a:rPr lang="en-NZ" dirty="0"/>
+              <a:t> &amp; </a:t>
+            </a:r>
+            <a:r>
+              <a:rPr lang="en-NZ" dirty="0" err="1"/>
+              <a:t>testGetLevelHeight</a:t>
+            </a:r>
+            <a:endParaRPr lang="en-NZ" dirty="0"/>
+          </a:p>
+        </p:txBody>
+      </p:sp>
+      <p:pic>
+        <p:nvPicPr>
+          <p:cNvPr id="13" name="Picture 12">
+            <a:extLst>
+              <a:ext uri="{FF2B5EF4-FFF2-40B4-BE49-F238E27FC236}">
+                <a16:creationId xmlns:a16="http://schemas.microsoft.com/office/drawing/2014/main" id="{98D8EDE4-C056-B857-1817-A1EB1DD82D0E}"/>
+              </a:ext>
+            </a:extLst>
+          </p:cNvPr>
+          <p:cNvPicPr>
+            <a:picLocks noChangeAspect="1"/>
+          </p:cNvPicPr>
+          <p:nvPr/>
+        </p:nvPicPr>
+        <p:blipFill>
+          <a:blip r:embed="rId2"/>
+          <a:stretch>
+            <a:fillRect/>
+          </a:stretch>
+        </p:blipFill>
+        <p:spPr>
+          <a:xfrm>
+            <a:off x="6008573" y="1690688"/>
+            <a:ext cx="4877481" cy="3343742"/>
+          </a:xfrm>
+          <a:prstGeom prst="rect">
+            <a:avLst/>
+          </a:prstGeom>
+        </p:spPr>
+      </p:pic>
+      <p:pic>
+        <p:nvPicPr>
+          <p:cNvPr id="19" name="Picture 18">
+            <a:extLst>
+              <a:ext uri="{FF2B5EF4-FFF2-40B4-BE49-F238E27FC236}">
+                <a16:creationId xmlns:a16="http://schemas.microsoft.com/office/drawing/2014/main" id="{DD499D5E-C9E0-AA20-1135-5F1EFE022C63}"/>
+              </a:ext>
+            </a:extLst>
+          </p:cNvPr>
+          <p:cNvPicPr>
+            <a:picLocks noChangeAspect="1"/>
+          </p:cNvPicPr>
+          <p:nvPr/>
+        </p:nvPicPr>
+        <p:blipFill>
+          <a:blip r:embed="rId3"/>
+          <a:stretch>
+            <a:fillRect/>
+          </a:stretch>
+        </p:blipFill>
+        <p:spPr>
+          <a:xfrm>
+            <a:off x="838200" y="4269541"/>
+            <a:ext cx="2467319" cy="1286054"/>
+          </a:xfrm>
+          <a:prstGeom prst="rect">
+            <a:avLst/>
+          </a:prstGeom>
+        </p:spPr>
+      </p:pic>
+      <p:pic>
+        <p:nvPicPr>
+          <p:cNvPr id="23" name="Content Placeholder 22">
+            <a:extLst>
+              <a:ext uri="{FF2B5EF4-FFF2-40B4-BE49-F238E27FC236}">
+                <a16:creationId xmlns:a16="http://schemas.microsoft.com/office/drawing/2014/main" id="{1BF84777-38AD-95A5-4067-149DBA46AE7B}"/>
+              </a:ext>
+            </a:extLst>
+          </p:cNvPr>
+          <p:cNvPicPr>
+            <a:picLocks noGrp="1" noChangeAspect="1"/>
+          </p:cNvPicPr>
+          <p:nvPr>
+            <p:ph idx="1"/>
+          </p:nvPr>
+        </p:nvPicPr>
+        <p:blipFill>
+          <a:blip r:embed="rId4"/>
+          <a:stretch>
+            <a:fillRect/>
+          </a:stretch>
+        </p:blipFill>
+        <p:spPr>
+          <a:xfrm>
+            <a:off x="838200" y="1690688"/>
+            <a:ext cx="3210373" cy="2314898"/>
+          </a:xfrm>
+        </p:spPr>
+      </p:pic>
+    </p:spTree>
+    <p:extLst>
+      <p:ext uri="{BB962C8B-B14F-4D97-AF65-F5344CB8AC3E}">
+        <p14:creationId xmlns:p14="http://schemas.microsoft.com/office/powerpoint/2010/main" val="3043803803"/>
+      </p:ext>
+    </p:extLst>
+  </p:cSld>
+  <p:clrMapOvr>
+    <a:masterClrMapping/>
+  </p:clrMapOvr>
+</p:sld>
+</file>
+
+<file path=ppt/slides/slide6.xml><?xml version="1.0" encoding="utf-8"?>
+<p:sld xmlns:a="http://schemas.openxmlformats.org/drawingml/2006/main" xmlns:r="http://schemas.openxmlformats.org/officeDocument/2006/relationships" xmlns:p="http://schemas.openxmlformats.org/presentationml/2006/main">
+  <p:cSld>
+    <p:spTree>
+      <p:nvGrpSpPr>
+        <p:cNvPr id="1" name=""/>
+        <p:cNvGrpSpPr/>
+        <p:nvPr/>
+      </p:nvGrpSpPr>
+      <p:grpSpPr>
+        <a:xfrm>
+          <a:off x="0" y="0"/>
+          <a:ext cx="0" cy="0"/>
+          <a:chOff x="0" y="0"/>
+          <a:chExt cx="0" cy="0"/>
+        </a:xfrm>
+      </p:grpSpPr>
+      <p:sp>
+        <p:nvSpPr>
+          <p:cNvPr id="2" name="Title 1">
+            <a:extLst>
+              <a:ext uri="{FF2B5EF4-FFF2-40B4-BE49-F238E27FC236}">
+                <a16:creationId xmlns:a16="http://schemas.microsoft.com/office/drawing/2014/main" id="{764A211D-D33F-CBED-933D-4489AF4DABEA}"/>
+              </a:ext>
+            </a:extLst>
+          </p:cNvPr>
+          <p:cNvSpPr>
+            <a:spLocks noGrp="1"/>
+          </p:cNvSpPr>
+          <p:nvPr>
+            <p:ph type="title"/>
+          </p:nvPr>
+        </p:nvSpPr>
+        <p:spPr/>
+        <p:txBody>
+          <a:bodyPr/>
+          <a:lstStyle/>
+          <a:p>
+            <a:r>
+              <a:rPr lang="en-NZ" dirty="0" err="1"/>
+              <a:t>testGetLevelCountWithOneLevel</a:t>
+            </a:r>
+            <a:r>
+              <a:rPr lang="en-NZ" dirty="0"/>
+              <a:t> &amp; </a:t>
+            </a:r>
+            <a:r>
+              <a:rPr lang="en-NZ" dirty="0" err="1"/>
+              <a:t>testGetLevelCountWithTwoLevels</a:t>
+            </a:r>
+            <a:endParaRPr lang="en-NZ" dirty="0"/>
+          </a:p>
+        </p:txBody>
+      </p:sp>
+      <p:pic>
+        <p:nvPicPr>
+          <p:cNvPr id="5" name="Content Placeholder 4">
+            <a:extLst>
+              <a:ext uri="{FF2B5EF4-FFF2-40B4-BE49-F238E27FC236}">
+                <a16:creationId xmlns:a16="http://schemas.microsoft.com/office/drawing/2014/main" id="{590AC65C-2608-BB2A-8428-882800DA6027}"/>
+              </a:ext>
+            </a:extLst>
+          </p:cNvPr>
+          <p:cNvPicPr>
+            <a:picLocks noGrp="1" noChangeAspect="1"/>
+          </p:cNvPicPr>
+          <p:nvPr>
+            <p:ph idx="1"/>
+          </p:nvPr>
+        </p:nvPicPr>
+        <p:blipFill>
+          <a:blip r:embed="rId2"/>
+          <a:stretch>
+            <a:fillRect/>
+          </a:stretch>
+        </p:blipFill>
+        <p:spPr>
+          <a:xfrm>
+            <a:off x="838200" y="1819080"/>
+            <a:ext cx="4525006" cy="523948"/>
+          </a:xfrm>
+        </p:spPr>
+      </p:pic>
+      <p:pic>
+        <p:nvPicPr>
+          <p:cNvPr id="7" name="Picture 6">
+            <a:extLst>
+              <a:ext uri="{FF2B5EF4-FFF2-40B4-BE49-F238E27FC236}">
+                <a16:creationId xmlns:a16="http://schemas.microsoft.com/office/drawing/2014/main" id="{0DCB6067-85F1-031F-2B9A-402EE01C81DA}"/>
+              </a:ext>
+            </a:extLst>
+          </p:cNvPr>
+          <p:cNvPicPr>
+            <a:picLocks noChangeAspect="1"/>
+          </p:cNvPicPr>
+          <p:nvPr/>
+        </p:nvPicPr>
+        <p:blipFill>
+          <a:blip r:embed="rId3"/>
+          <a:stretch>
+            <a:fillRect/>
+          </a:stretch>
+        </p:blipFill>
+        <p:spPr>
+          <a:xfrm>
+            <a:off x="838200" y="2562104"/>
+            <a:ext cx="4991797" cy="1733792"/>
+          </a:xfrm>
+          <a:prstGeom prst="rect">
+            <a:avLst/>
+          </a:prstGeom>
+        </p:spPr>
+      </p:pic>
+      <p:pic>
+        <p:nvPicPr>
+          <p:cNvPr id="9" name="Picture 8">
+            <a:extLst>
+              <a:ext uri="{FF2B5EF4-FFF2-40B4-BE49-F238E27FC236}">
+                <a16:creationId xmlns:a16="http://schemas.microsoft.com/office/drawing/2014/main" id="{A32B03DB-0116-F171-F5F4-0F57EA86C91B}"/>
+              </a:ext>
+            </a:extLst>
+          </p:cNvPr>
+          <p:cNvPicPr>
+            <a:picLocks noChangeAspect="1"/>
+          </p:cNvPicPr>
+          <p:nvPr/>
+        </p:nvPicPr>
+        <p:blipFill>
+          <a:blip r:embed="rId4"/>
+          <a:stretch>
+            <a:fillRect/>
+          </a:stretch>
+        </p:blipFill>
+        <p:spPr>
+          <a:xfrm>
+            <a:off x="5471294" y="1819080"/>
+            <a:ext cx="2715004" cy="457264"/>
+          </a:xfrm>
+          <a:prstGeom prst="rect">
+            <a:avLst/>
+          </a:prstGeom>
+        </p:spPr>
+      </p:pic>
+      <p:pic>
+        <p:nvPicPr>
+          <p:cNvPr id="11" name="Picture 10">
+            <a:extLst>
+              <a:ext uri="{FF2B5EF4-FFF2-40B4-BE49-F238E27FC236}">
+                <a16:creationId xmlns:a16="http://schemas.microsoft.com/office/drawing/2014/main" id="{DEDBC896-3246-D027-8686-8FAEECDDBD7A}"/>
+              </a:ext>
+            </a:extLst>
+          </p:cNvPr>
+          <p:cNvPicPr>
+            <a:picLocks noChangeAspect="1"/>
+          </p:cNvPicPr>
+          <p:nvPr/>
+        </p:nvPicPr>
+        <p:blipFill>
+          <a:blip r:embed="rId5"/>
+          <a:stretch>
+            <a:fillRect/>
+          </a:stretch>
+        </p:blipFill>
+        <p:spPr>
+          <a:xfrm>
+            <a:off x="5937775" y="2574573"/>
+            <a:ext cx="2810267" cy="1066949"/>
+          </a:xfrm>
+          <a:prstGeom prst="rect">
+            <a:avLst/>
+          </a:prstGeom>
+        </p:spPr>
+      </p:pic>
+    </p:spTree>
+    <p:extLst>
+      <p:ext uri="{BB962C8B-B14F-4D97-AF65-F5344CB8AC3E}">
+        <p14:creationId xmlns:p14="http://schemas.microsoft.com/office/powerpoint/2010/main" val="2370813289"/>
+      </p:ext>
+    </p:extLst>
+  </p:cSld>
+  <p:clrMapOvr>
+    <a:masterClrMapping/>
+  </p:clrMapOvr>
+</p:sld>
+</file>
+
+<file path=ppt/slides/slide7.xml><?xml version="1.0" encoding="utf-8"?>
+<p:sld xmlns:a="http://schemas.openxmlformats.org/drawingml/2006/main" xmlns:r="http://schemas.openxmlformats.org/officeDocument/2006/relationships" xmlns:p="http://schemas.openxmlformats.org/presentationml/2006/main">
+  <p:cSld>
+    <p:spTree>
+      <p:nvGrpSpPr>
+        <p:cNvPr id="1" name=""/>
+        <p:cNvGrpSpPr/>
+        <p:nvPr/>
+      </p:nvGrpSpPr>
+      <p:grpSpPr>
+        <a:xfrm>
+          <a:off x="0" y="0"/>
+          <a:ext cx="0" cy="0"/>
+          <a:chOff x="0" y="0"/>
+          <a:chExt cx="0" cy="0"/>
+        </a:xfrm>
+      </p:grpSpPr>
+      <p:sp>
+        <p:nvSpPr>
+          <p:cNvPr id="2" name="Title 1">
+            <a:extLst>
+              <a:ext uri="{FF2B5EF4-FFF2-40B4-BE49-F238E27FC236}">
+                <a16:creationId xmlns:a16="http://schemas.microsoft.com/office/drawing/2014/main" id="{871C7227-2896-D1CF-855A-CA00A3FBA8BC}"/>
+              </a:ext>
+            </a:extLst>
+          </p:cNvPr>
+          <p:cNvSpPr>
+            <a:spLocks noGrp="1"/>
+          </p:cNvSpPr>
+          <p:nvPr>
+            <p:ph type="title"/>
+          </p:nvPr>
+        </p:nvSpPr>
+        <p:spPr>
+          <a:xfrm>
+            <a:off x="423949" y="274441"/>
+            <a:ext cx="10465723" cy="1325563"/>
+          </a:xfrm>
+        </p:spPr>
+        <p:txBody>
+          <a:bodyPr/>
+          <a:lstStyle/>
+          <a:p>
+            <a:r>
+              <a:rPr lang="en-NZ" dirty="0" err="1"/>
+              <a:t>testMostRecentlyAddedLevelIsCurrentLevelbyCheckingSize</a:t>
+            </a:r>
+            <a:endParaRPr lang="en-NZ" dirty="0"/>
+          </a:p>
+        </p:txBody>
+      </p:sp>
+      <p:pic>
+        <p:nvPicPr>
+          <p:cNvPr id="5" name="Content Placeholder 4">
+            <a:extLst>
+              <a:ext uri="{FF2B5EF4-FFF2-40B4-BE49-F238E27FC236}">
+                <a16:creationId xmlns:a16="http://schemas.microsoft.com/office/drawing/2014/main" id="{600A5EC7-1235-A25D-60B3-E6C82E2F229B}"/>
+              </a:ext>
+            </a:extLst>
+          </p:cNvPr>
+          <p:cNvPicPr>
+            <a:picLocks noChangeAspect="1"/>
+          </p:cNvPicPr>
+          <p:nvPr/>
+        </p:nvPicPr>
+        <p:blipFill>
+          <a:blip r:embed="rId2"/>
+          <a:stretch>
+            <a:fillRect/>
+          </a:stretch>
+        </p:blipFill>
+        <p:spPr>
+          <a:xfrm>
+            <a:off x="838200" y="1819080"/>
+            <a:ext cx="4525006" cy="523948"/>
+          </a:xfrm>
+          <a:prstGeom prst="rect">
+            <a:avLst/>
+          </a:prstGeom>
+        </p:spPr>
+      </p:pic>
+      <p:pic>
+        <p:nvPicPr>
+          <p:cNvPr id="6" name="Picture 5">
+            <a:extLst>
+              <a:ext uri="{FF2B5EF4-FFF2-40B4-BE49-F238E27FC236}">
+                <a16:creationId xmlns:a16="http://schemas.microsoft.com/office/drawing/2014/main" id="{BE1D7A08-5E3B-71CE-9719-9FA3771779FF}"/>
+              </a:ext>
+            </a:extLst>
+          </p:cNvPr>
+          <p:cNvPicPr>
+            <a:picLocks noChangeAspect="1"/>
+          </p:cNvPicPr>
+          <p:nvPr/>
+        </p:nvPicPr>
+        <p:blipFill>
+          <a:blip r:embed="rId3"/>
+          <a:stretch>
+            <a:fillRect/>
+          </a:stretch>
+        </p:blipFill>
+        <p:spPr>
+          <a:xfrm>
+            <a:off x="838200" y="2562104"/>
+            <a:ext cx="4991797" cy="1733792"/>
+          </a:xfrm>
+          <a:prstGeom prst="rect">
+            <a:avLst/>
+          </a:prstGeom>
+        </p:spPr>
+      </p:pic>
+    </p:spTree>
+    <p:extLst>
+      <p:ext uri="{BB962C8B-B14F-4D97-AF65-F5344CB8AC3E}">
+        <p14:creationId xmlns:p14="http://schemas.microsoft.com/office/powerpoint/2010/main" val="190525116"/>
+      </p:ext>
+    </p:extLst>
+  </p:cSld>
+  <p:clrMapOvr>
+    <a:masterClrMapping/>
+  </p:clrMapOvr>
+</p:sld>
+</file>
+
+<file path=ppt/slides/slide8.xml><?xml version="1.0" encoding="utf-8"?>
+<p:sld xmlns:a="http://schemas.openxmlformats.org/drawingml/2006/main" xmlns:r="http://schemas.openxmlformats.org/officeDocument/2006/relationships" xmlns:p="http://schemas.openxmlformats.org/presentationml/2006/main">
+  <p:cSld>
+    <p:spTree>
+      <p:nvGrpSpPr>
+        <p:cNvPr id="1" name=""/>
+        <p:cNvGrpSpPr/>
+        <p:nvPr/>
+      </p:nvGrpSpPr>
+      <p:grpSpPr>
+        <a:xfrm>
+          <a:off x="0" y="0"/>
+          <a:ext cx="0" cy="0"/>
+          <a:chOff x="0" y="0"/>
+          <a:chExt cx="0" cy="0"/>
+        </a:xfrm>
+      </p:grpSpPr>
+      <p:sp>
+        <p:nvSpPr>
+          <p:cNvPr id="2" name="Title 1">
+            <a:extLst>
+              <a:ext uri="{FF2B5EF4-FFF2-40B4-BE49-F238E27FC236}">
+                <a16:creationId xmlns:a16="http://schemas.microsoft.com/office/drawing/2014/main" id="{A2C3D79F-1DC2-1CBA-D128-DD0A4BF02770}"/>
+              </a:ext>
+            </a:extLst>
+          </p:cNvPr>
+          <p:cNvSpPr>
+            <a:spLocks noGrp="1"/>
+          </p:cNvSpPr>
+          <p:nvPr>
+            <p:ph type="title"/>
+          </p:nvPr>
+        </p:nvSpPr>
+        <p:spPr>
+          <a:xfrm>
+            <a:off x="177282" y="365125"/>
+            <a:ext cx="12014718" cy="1325563"/>
+          </a:xfrm>
+        </p:spPr>
+        <p:txBody>
+          <a:bodyPr/>
+          <a:lstStyle/>
+          <a:p>
+            <a:r>
+              <a:rPr lang="en-NZ" dirty="0" err="1"/>
+              <a:t>testSettingLevelChangesCurrentLevelbyCheckingSize</a:t>
+            </a:r>
+            <a:endParaRPr lang="en-NZ" dirty="0"/>
+          </a:p>
+        </p:txBody>
+      </p:sp>
+      <p:pic>
+        <p:nvPicPr>
+          <p:cNvPr id="6" name="Content Placeholder 5">
+            <a:extLst>
+              <a:ext uri="{FF2B5EF4-FFF2-40B4-BE49-F238E27FC236}">
+                <a16:creationId xmlns:a16="http://schemas.microsoft.com/office/drawing/2014/main" id="{EB2BB17F-6DE4-969C-E1A3-115994563AA8}"/>
+              </a:ext>
+            </a:extLst>
+          </p:cNvPr>
+          <p:cNvPicPr>
+            <a:picLocks noGrp="1" noChangeAspect="1"/>
+          </p:cNvPicPr>
+          <p:nvPr>
+            <p:ph idx="1"/>
+          </p:nvPr>
+        </p:nvPicPr>
+        <p:blipFill>
+          <a:blip r:embed="rId2"/>
+          <a:stretch>
+            <a:fillRect/>
+          </a:stretch>
+        </p:blipFill>
+        <p:spPr>
+          <a:xfrm>
+            <a:off x="638553" y="1627942"/>
+            <a:ext cx="5744377" cy="2219635"/>
+          </a:xfrm>
+        </p:spPr>
+      </p:pic>
+      <p:pic>
+        <p:nvPicPr>
+          <p:cNvPr id="8" name="Picture 7">
+            <a:extLst>
+              <a:ext uri="{FF2B5EF4-FFF2-40B4-BE49-F238E27FC236}">
+                <a16:creationId xmlns:a16="http://schemas.microsoft.com/office/drawing/2014/main" id="{771B57D6-4A52-F41F-894B-FC7364321035}"/>
+              </a:ext>
+            </a:extLst>
+          </p:cNvPr>
+          <p:cNvPicPr>
+            <a:picLocks noChangeAspect="1"/>
+          </p:cNvPicPr>
+          <p:nvPr/>
+        </p:nvPicPr>
+        <p:blipFill>
+          <a:blip r:embed="rId3"/>
+          <a:stretch>
+            <a:fillRect/>
+          </a:stretch>
+        </p:blipFill>
+        <p:spPr>
+          <a:xfrm>
+            <a:off x="6695019" y="1627942"/>
+            <a:ext cx="4858428" cy="4286848"/>
+          </a:xfrm>
+          <a:prstGeom prst="rect">
+            <a:avLst/>
+          </a:prstGeom>
+        </p:spPr>
+      </p:pic>
+    </p:spTree>
+    <p:extLst>
+      <p:ext uri="{BB962C8B-B14F-4D97-AF65-F5344CB8AC3E}">
+        <p14:creationId xmlns:p14="http://schemas.microsoft.com/office/powerpoint/2010/main" val="618831073"/>
+      </p:ext>
+    </p:extLst>
+  </p:cSld>
+  <p:clrMapOvr>
+    <a:masterClrMapping/>
+  </p:clrMapOvr>
+</p:sld>
+</file>
+
+<file path=ppt/slides/slide9.xml><?xml version="1.0" encoding="utf-8"?>
+<p:sld xmlns:a="http://schemas.openxmlformats.org/drawingml/2006/main" xmlns:r="http://schemas.openxmlformats.org/officeDocument/2006/relationships" xmlns:p="http://schemas.openxmlformats.org/presentationml/2006/main">
+  <p:cSld>
+    <p:spTree>
+      <p:nvGrpSpPr>
+        <p:cNvPr id="1" name=""/>
+        <p:cNvGrpSpPr/>
+        <p:nvPr/>
+      </p:nvGrpSpPr>
+      <p:grpSpPr>
+        <a:xfrm>
+          <a:off x="0" y="0"/>
+          <a:ext cx="0" cy="0"/>
+          <a:chOff x="0" y="0"/>
+          <a:chExt cx="0" cy="0"/>
+        </a:xfrm>
+      </p:grpSpPr>
+      <p:sp>
+        <p:nvSpPr>
+          <p:cNvPr id="2" name="Title 1">
+            <a:extLst>
+              <a:ext uri="{FF2B5EF4-FFF2-40B4-BE49-F238E27FC236}">
+                <a16:creationId xmlns:a16="http://schemas.microsoft.com/office/drawing/2014/main" id="{701D15D4-1FC5-C5E3-91FD-1FA818A387C3}"/>
+              </a:ext>
+            </a:extLst>
+          </p:cNvPr>
+          <p:cNvSpPr>
+            <a:spLocks noGrp="1"/>
+          </p:cNvSpPr>
+          <p:nvPr>
+            <p:ph type="title"/>
+          </p:nvPr>
+        </p:nvSpPr>
+        <p:spPr>
+          <a:xfrm>
+            <a:off x="156556" y="356812"/>
+            <a:ext cx="11878888" cy="1325563"/>
+          </a:xfrm>
+        </p:spPr>
+        <p:txBody>
+          <a:bodyPr/>
+          <a:lstStyle/>
+          <a:p>
+            <a:r>
+              <a:rPr lang="en-NZ" dirty="0" err="1"/>
+              <a:t>testSettingLeveltoToolargeNumberThrowsException</a:t>
+            </a:r>
+            <a:endParaRPr lang="en-NZ" dirty="0"/>
+          </a:p>
+        </p:txBody>
+      </p:sp>
+      <p:pic>
+        <p:nvPicPr>
+          <p:cNvPr id="5" name="Content Placeholder 5">
+            <a:extLst>
+              <a:ext uri="{FF2B5EF4-FFF2-40B4-BE49-F238E27FC236}">
+                <a16:creationId xmlns:a16="http://schemas.microsoft.com/office/drawing/2014/main" id="{13DAF090-99A8-238A-9FD4-535FA2BD34B9}"/>
+              </a:ext>
+            </a:extLst>
+          </p:cNvPr>
+          <p:cNvPicPr>
+            <a:picLocks noGrp="1" noChangeAspect="1"/>
+          </p:cNvPicPr>
+          <p:nvPr>
+            <p:ph idx="1"/>
+          </p:nvPr>
+        </p:nvPicPr>
+        <p:blipFill>
+          <a:blip r:embed="rId2"/>
+          <a:stretch>
+            <a:fillRect/>
+          </a:stretch>
+        </p:blipFill>
+        <p:spPr>
+          <a:xfrm>
+            <a:off x="3223811" y="2567280"/>
+            <a:ext cx="5744377" cy="2219635"/>
+          </a:xfrm>
+        </p:spPr>
+      </p:pic>
+    </p:spTree>
+    <p:extLst>
+      <p:ext uri="{BB962C8B-B14F-4D97-AF65-F5344CB8AC3E}">
+        <p14:creationId xmlns:p14="http://schemas.microsoft.com/office/powerpoint/2010/main" val="3797046698"/>
       </p:ext>
     </p:extLst>
   </p:cSld>

--- a/EyeBallMaze_Presentation.pptx
+++ b/EyeBallMaze_Presentation.pptx
@@ -7,47 +7,48 @@
   <p:sldIdLst>
     <p:sldId id="256" r:id="rId2"/>
     <p:sldId id="257" r:id="rId3"/>
-    <p:sldId id="258" r:id="rId4"/>
-    <p:sldId id="261" r:id="rId5"/>
-    <p:sldId id="259" r:id="rId6"/>
-    <p:sldId id="260" r:id="rId7"/>
-    <p:sldId id="262" r:id="rId8"/>
-    <p:sldId id="263" r:id="rId9"/>
-    <p:sldId id="264" r:id="rId10"/>
-    <p:sldId id="265" r:id="rId11"/>
-    <p:sldId id="266" r:id="rId12"/>
-    <p:sldId id="267" r:id="rId13"/>
-    <p:sldId id="268" r:id="rId14"/>
-    <p:sldId id="269" r:id="rId15"/>
-    <p:sldId id="270" r:id="rId16"/>
-    <p:sldId id="271" r:id="rId17"/>
-    <p:sldId id="272" r:id="rId18"/>
-    <p:sldId id="273" r:id="rId19"/>
-    <p:sldId id="274" r:id="rId20"/>
-    <p:sldId id="275" r:id="rId21"/>
-    <p:sldId id="276" r:id="rId22"/>
-    <p:sldId id="277" r:id="rId23"/>
-    <p:sldId id="278" r:id="rId24"/>
-    <p:sldId id="279" r:id="rId25"/>
-    <p:sldId id="280" r:id="rId26"/>
-    <p:sldId id="281" r:id="rId27"/>
-    <p:sldId id="282" r:id="rId28"/>
-    <p:sldId id="283" r:id="rId29"/>
-    <p:sldId id="284" r:id="rId30"/>
-    <p:sldId id="285" r:id="rId31"/>
-    <p:sldId id="286" r:id="rId32"/>
-    <p:sldId id="287" r:id="rId33"/>
-    <p:sldId id="290" r:id="rId34"/>
-    <p:sldId id="288" r:id="rId35"/>
-    <p:sldId id="289" r:id="rId36"/>
-    <p:sldId id="291" r:id="rId37"/>
-    <p:sldId id="292" r:id="rId38"/>
-    <p:sldId id="293" r:id="rId39"/>
-    <p:sldId id="294" r:id="rId40"/>
-    <p:sldId id="295" r:id="rId41"/>
-    <p:sldId id="296" r:id="rId42"/>
-    <p:sldId id="297" r:id="rId43"/>
-    <p:sldId id="298" r:id="rId44"/>
+    <p:sldId id="299" r:id="rId4"/>
+    <p:sldId id="258" r:id="rId5"/>
+    <p:sldId id="261" r:id="rId6"/>
+    <p:sldId id="259" r:id="rId7"/>
+    <p:sldId id="260" r:id="rId8"/>
+    <p:sldId id="262" r:id="rId9"/>
+    <p:sldId id="263" r:id="rId10"/>
+    <p:sldId id="264" r:id="rId11"/>
+    <p:sldId id="265" r:id="rId12"/>
+    <p:sldId id="266" r:id="rId13"/>
+    <p:sldId id="267" r:id="rId14"/>
+    <p:sldId id="268" r:id="rId15"/>
+    <p:sldId id="269" r:id="rId16"/>
+    <p:sldId id="270" r:id="rId17"/>
+    <p:sldId id="271" r:id="rId18"/>
+    <p:sldId id="272" r:id="rId19"/>
+    <p:sldId id="273" r:id="rId20"/>
+    <p:sldId id="274" r:id="rId21"/>
+    <p:sldId id="275" r:id="rId22"/>
+    <p:sldId id="276" r:id="rId23"/>
+    <p:sldId id="277" r:id="rId24"/>
+    <p:sldId id="278" r:id="rId25"/>
+    <p:sldId id="279" r:id="rId26"/>
+    <p:sldId id="280" r:id="rId27"/>
+    <p:sldId id="281" r:id="rId28"/>
+    <p:sldId id="282" r:id="rId29"/>
+    <p:sldId id="283" r:id="rId30"/>
+    <p:sldId id="284" r:id="rId31"/>
+    <p:sldId id="285" r:id="rId32"/>
+    <p:sldId id="286" r:id="rId33"/>
+    <p:sldId id="287" r:id="rId34"/>
+    <p:sldId id="290" r:id="rId35"/>
+    <p:sldId id="288" r:id="rId36"/>
+    <p:sldId id="289" r:id="rId37"/>
+    <p:sldId id="291" r:id="rId38"/>
+    <p:sldId id="292" r:id="rId39"/>
+    <p:sldId id="293" r:id="rId40"/>
+    <p:sldId id="294" r:id="rId41"/>
+    <p:sldId id="295" r:id="rId42"/>
+    <p:sldId id="296" r:id="rId43"/>
+    <p:sldId id="297" r:id="rId44"/>
+    <p:sldId id="298" r:id="rId45"/>
   </p:sldIdLst>
   <p:sldSz cx="12192000" cy="6858000"/>
   <p:notesSz cx="6858000" cy="9144000"/>
@@ -867,7 +868,7 @@
           <a:p>
             <a:fld id="{87218020-2E69-483A-B9EB-EDB4F9C55C3F}" type="datetimeFigureOut">
               <a:rPr lang="en-NZ" smtClean="0"/>
-              <a:t>1/04/2023</a:t>
+              <a:t>3/04/2023</a:t>
             </a:fld>
             <a:endParaRPr lang="en-NZ"/>
           </a:p>
@@ -1067,7 +1068,7 @@
           <a:p>
             <a:fld id="{87218020-2E69-483A-B9EB-EDB4F9C55C3F}" type="datetimeFigureOut">
               <a:rPr lang="en-NZ" smtClean="0"/>
-              <a:t>1/04/2023</a:t>
+              <a:t>3/04/2023</a:t>
             </a:fld>
             <a:endParaRPr lang="en-NZ"/>
           </a:p>
@@ -1277,7 +1278,7 @@
           <a:p>
             <a:fld id="{87218020-2E69-483A-B9EB-EDB4F9C55C3F}" type="datetimeFigureOut">
               <a:rPr lang="en-NZ" smtClean="0"/>
-              <a:t>1/04/2023</a:t>
+              <a:t>3/04/2023</a:t>
             </a:fld>
             <a:endParaRPr lang="en-NZ"/>
           </a:p>
@@ -1477,7 +1478,7 @@
           <a:p>
             <a:fld id="{87218020-2E69-483A-B9EB-EDB4F9C55C3F}" type="datetimeFigureOut">
               <a:rPr lang="en-NZ" smtClean="0"/>
-              <a:t>1/04/2023</a:t>
+              <a:t>3/04/2023</a:t>
             </a:fld>
             <a:endParaRPr lang="en-NZ"/>
           </a:p>
@@ -1753,7 +1754,7 @@
           <a:p>
             <a:fld id="{87218020-2E69-483A-B9EB-EDB4F9C55C3F}" type="datetimeFigureOut">
               <a:rPr lang="en-NZ" smtClean="0"/>
-              <a:t>1/04/2023</a:t>
+              <a:t>3/04/2023</a:t>
             </a:fld>
             <a:endParaRPr lang="en-NZ"/>
           </a:p>
@@ -2021,7 +2022,7 @@
           <a:p>
             <a:fld id="{87218020-2E69-483A-B9EB-EDB4F9C55C3F}" type="datetimeFigureOut">
               <a:rPr lang="en-NZ" smtClean="0"/>
-              <a:t>1/04/2023</a:t>
+              <a:t>3/04/2023</a:t>
             </a:fld>
             <a:endParaRPr lang="en-NZ"/>
           </a:p>
@@ -2436,7 +2437,7 @@
           <a:p>
             <a:fld id="{87218020-2E69-483A-B9EB-EDB4F9C55C3F}" type="datetimeFigureOut">
               <a:rPr lang="en-NZ" smtClean="0"/>
-              <a:t>1/04/2023</a:t>
+              <a:t>3/04/2023</a:t>
             </a:fld>
             <a:endParaRPr lang="en-NZ"/>
           </a:p>
@@ -2578,7 +2579,7 @@
           <a:p>
             <a:fld id="{87218020-2E69-483A-B9EB-EDB4F9C55C3F}" type="datetimeFigureOut">
               <a:rPr lang="en-NZ" smtClean="0"/>
-              <a:t>1/04/2023</a:t>
+              <a:t>3/04/2023</a:t>
             </a:fld>
             <a:endParaRPr lang="en-NZ"/>
           </a:p>
@@ -2691,7 +2692,7 @@
           <a:p>
             <a:fld id="{87218020-2E69-483A-B9EB-EDB4F9C55C3F}" type="datetimeFigureOut">
               <a:rPr lang="en-NZ" smtClean="0"/>
-              <a:t>1/04/2023</a:t>
+              <a:t>3/04/2023</a:t>
             </a:fld>
             <a:endParaRPr lang="en-NZ"/>
           </a:p>
@@ -3004,7 +3005,7 @@
           <a:p>
             <a:fld id="{87218020-2E69-483A-B9EB-EDB4F9C55C3F}" type="datetimeFigureOut">
               <a:rPr lang="en-NZ" smtClean="0"/>
-              <a:t>1/04/2023</a:t>
+              <a:t>3/04/2023</a:t>
             </a:fld>
             <a:endParaRPr lang="en-NZ"/>
           </a:p>
@@ -3293,7 +3294,7 @@
           <a:p>
             <a:fld id="{87218020-2E69-483A-B9EB-EDB4F9C55C3F}" type="datetimeFigureOut">
               <a:rPr lang="en-NZ" smtClean="0"/>
-              <a:t>1/04/2023</a:t>
+              <a:t>3/04/2023</a:t>
             </a:fld>
             <a:endParaRPr lang="en-NZ"/>
           </a:p>
@@ -3536,7 +3537,7 @@
           <a:p>
             <a:fld id="{87218020-2E69-483A-B9EB-EDB4F9C55C3F}" type="datetimeFigureOut">
               <a:rPr lang="en-NZ" smtClean="0"/>
-              <a:t>1/04/2023</a:t>
+              <a:t>3/04/2023</a:t>
             </a:fld>
             <a:endParaRPr lang="en-NZ"/>
           </a:p>
@@ -4044,7 +4045,7 @@
           <p:cNvPr id="2" name="Title 1">
             <a:extLst>
               <a:ext uri="{FF2B5EF4-FFF2-40B4-BE49-F238E27FC236}">
-                <a16:creationId xmlns:a16="http://schemas.microsoft.com/office/drawing/2014/main" id="{253A8ACB-E22E-F90A-6125-811C0101BFBD}"/>
+                <a16:creationId xmlns:a16="http://schemas.microsoft.com/office/drawing/2014/main" id="{701D15D4-1FC5-C5E3-91FD-1FA818A387C3}"/>
               </a:ext>
             </a:extLst>
           </p:cNvPr>
@@ -4055,119 +4056,57 @@
             <p:ph type="title"/>
           </p:nvPr>
         </p:nvSpPr>
-        <p:spPr/>
+        <p:spPr>
+          <a:xfrm>
+            <a:off x="156556" y="356812"/>
+            <a:ext cx="11878888" cy="1325563"/>
+          </a:xfrm>
+        </p:spPr>
         <p:txBody>
           <a:bodyPr/>
           <a:lstStyle/>
           <a:p>
             <a:r>
               <a:rPr lang="en-NZ" dirty="0" err="1"/>
-              <a:t>TestLevelHoldsGoals</a:t>
+              <a:t>testSettingLeveltoToolargeNumberThrowsException</a:t>
             </a:r>
             <a:endParaRPr lang="en-NZ" dirty="0"/>
           </a:p>
         </p:txBody>
       </p:sp>
-      <p:sp>
-        <p:nvSpPr>
-          <p:cNvPr id="3" name="Content Placeholder 2">
-            <a:extLst>
-              <a:ext uri="{FF2B5EF4-FFF2-40B4-BE49-F238E27FC236}">
-                <a16:creationId xmlns:a16="http://schemas.microsoft.com/office/drawing/2014/main" id="{B8096876-B126-71D4-7A70-D676769A590F}"/>
-              </a:ext>
-            </a:extLst>
-          </p:cNvPr>
-          <p:cNvSpPr>
-            <a:spLocks noGrp="1"/>
-          </p:cNvSpPr>
+      <p:pic>
+        <p:nvPicPr>
+          <p:cNvPr id="5" name="Content Placeholder 5">
+            <a:extLst>
+              <a:ext uri="{FF2B5EF4-FFF2-40B4-BE49-F238E27FC236}">
+                <a16:creationId xmlns:a16="http://schemas.microsoft.com/office/drawing/2014/main" id="{13DAF090-99A8-238A-9FD4-535FA2BD34B9}"/>
+              </a:ext>
+            </a:extLst>
+          </p:cNvPr>
+          <p:cNvPicPr>
+            <a:picLocks noGrp="1" noChangeAspect="1"/>
+          </p:cNvPicPr>
           <p:nvPr>
             <p:ph idx="1"/>
           </p:nvPr>
-        </p:nvSpPr>
-        <p:spPr/>
-        <p:txBody>
-          <a:bodyPr/>
-          <a:lstStyle/>
-          <a:p>
-            <a:pPr>
-              <a:buFont typeface="Wingdings" panose="05000000000000000000" pitchFamily="2" charset="2"/>
-              <a:buChar char="ü"/>
-            </a:pPr>
-            <a:r>
-              <a:rPr lang="en-NZ" dirty="0"/>
-              <a:t>testAddingOneGoalIncreasesGoalCountTo1</a:t>
-            </a:r>
-          </a:p>
-          <a:p>
-            <a:pPr>
-              <a:buFont typeface="Wingdings" panose="05000000000000000000" pitchFamily="2" charset="2"/>
-              <a:buChar char="ü"/>
-            </a:pPr>
-            <a:r>
-              <a:rPr lang="en-NZ" dirty="0" err="1"/>
-              <a:t>testAddingOneGoalputsGoalAtExpectedPosition</a:t>
-            </a:r>
-            <a:endParaRPr lang="en-NZ" dirty="0"/>
-          </a:p>
-          <a:p>
-            <a:pPr>
-              <a:buFont typeface="Wingdings" panose="05000000000000000000" pitchFamily="2" charset="2"/>
-              <a:buChar char="ü"/>
-            </a:pPr>
-            <a:r>
-              <a:rPr lang="en-NZ" dirty="0"/>
-              <a:t>testAddingTwoGoalIncreasesGoalCountTo2</a:t>
-            </a:r>
-          </a:p>
-          <a:p>
-            <a:pPr>
-              <a:buFont typeface="Wingdings" panose="05000000000000000000" pitchFamily="2" charset="2"/>
-              <a:buChar char="ü"/>
-            </a:pPr>
-            <a:r>
-              <a:rPr lang="en-NZ" dirty="0" err="1"/>
-              <a:t>testAddingTwoGoalsPutsGoalsAtExpectedPositions</a:t>
-            </a:r>
-            <a:endParaRPr lang="en-NZ" dirty="0"/>
-          </a:p>
-          <a:p>
-            <a:pPr>
-              <a:buFont typeface="Wingdings" panose="05000000000000000000" pitchFamily="2" charset="2"/>
-              <a:buChar char="ü"/>
-            </a:pPr>
-            <a:r>
-              <a:rPr lang="en-NZ" dirty="0"/>
-              <a:t>testNewGamehas0CompletedGoals</a:t>
-            </a:r>
-          </a:p>
-          <a:p>
-            <a:pPr>
-              <a:buFont typeface="Wingdings" panose="05000000000000000000" pitchFamily="2" charset="2"/>
-              <a:buChar char="ü"/>
-            </a:pPr>
-            <a:r>
-              <a:rPr lang="en-NZ" dirty="0" err="1"/>
-              <a:t>testAddingGoalOutsideLevelHeightThrowsRangeException</a:t>
-            </a:r>
-            <a:endParaRPr lang="en-NZ" dirty="0"/>
-          </a:p>
-          <a:p>
-            <a:pPr>
-              <a:buFont typeface="Wingdings" panose="05000000000000000000" pitchFamily="2" charset="2"/>
-              <a:buChar char="ü"/>
-            </a:pPr>
-            <a:r>
-              <a:rPr lang="en-NZ" dirty="0" err="1"/>
-              <a:t>testAddingGoalsOutsideLevelWidthThrowsRangeException</a:t>
-            </a:r>
-            <a:endParaRPr lang="en-NZ" dirty="0"/>
-          </a:p>
-        </p:txBody>
-      </p:sp>
+        </p:nvPicPr>
+        <p:blipFill>
+          <a:blip r:embed="rId2"/>
+          <a:stretch>
+            <a:fillRect/>
+          </a:stretch>
+        </p:blipFill>
+        <p:spPr>
+          <a:xfrm>
+            <a:off x="3223811" y="2567280"/>
+            <a:ext cx="5744377" cy="2219635"/>
+          </a:xfrm>
+        </p:spPr>
+      </p:pic>
     </p:spTree>
     <p:extLst>
       <p:ext uri="{BB962C8B-B14F-4D97-AF65-F5344CB8AC3E}">
-        <p14:creationId xmlns:p14="http://schemas.microsoft.com/office/powerpoint/2010/main" val="686812950"/>
+        <p14:creationId xmlns:p14="http://schemas.microsoft.com/office/powerpoint/2010/main" val="3797046698"/>
       </p:ext>
     </p:extLst>
   </p:cSld>
@@ -4199,7 +4138,7 @@
           <p:cNvPr id="2" name="Title 1">
             <a:extLst>
               <a:ext uri="{FF2B5EF4-FFF2-40B4-BE49-F238E27FC236}">
-                <a16:creationId xmlns:a16="http://schemas.microsoft.com/office/drawing/2014/main" id="{50F0B345-E47C-E9DF-3798-40728D7CFB78}"/>
+                <a16:creationId xmlns:a16="http://schemas.microsoft.com/office/drawing/2014/main" id="{253A8ACB-E22E-F90A-6125-811C0101BFBD}"/>
               </a:ext>
             </a:extLst>
           </p:cNvPr>
@@ -4215,53 +4154,114 @@
           <a:bodyPr/>
           <a:lstStyle/>
           <a:p>
+            <a:r>
+              <a:rPr lang="en-NZ" dirty="0" err="1"/>
+              <a:t>TestLevelHoldsGoals</a:t>
+            </a:r>
+            <a:endParaRPr lang="en-NZ" dirty="0"/>
+          </a:p>
+        </p:txBody>
+      </p:sp>
+      <p:sp>
+        <p:nvSpPr>
+          <p:cNvPr id="3" name="Content Placeholder 2">
+            <a:extLst>
+              <a:ext uri="{FF2B5EF4-FFF2-40B4-BE49-F238E27FC236}">
+                <a16:creationId xmlns:a16="http://schemas.microsoft.com/office/drawing/2014/main" id="{B8096876-B126-71D4-7A70-D676769A590F}"/>
+              </a:ext>
+            </a:extLst>
+          </p:cNvPr>
+          <p:cNvSpPr>
+            <a:spLocks noGrp="1"/>
+          </p:cNvSpPr>
+          <p:nvPr>
+            <p:ph idx="1"/>
+          </p:nvPr>
+        </p:nvSpPr>
+        <p:spPr/>
+        <p:txBody>
+          <a:bodyPr/>
+          <a:lstStyle/>
+          <a:p>
+            <a:pPr>
+              <a:buFont typeface="Wingdings" panose="05000000000000000000" pitchFamily="2" charset="2"/>
+              <a:buChar char="ü"/>
+            </a:pPr>
             <a:r>
               <a:rPr lang="en-NZ" dirty="0"/>
               <a:t>testAddingOneGoalIncreasesGoalCountTo1</a:t>
             </a:r>
-            <a:br>
-              <a:rPr lang="en-NZ" dirty="0"/>
-            </a:br>
+          </a:p>
+          <a:p>
+            <a:pPr>
+              <a:buFont typeface="Wingdings" panose="05000000000000000000" pitchFamily="2" charset="2"/>
+              <a:buChar char="ü"/>
+            </a:pPr>
+            <a:r>
+              <a:rPr lang="en-NZ" dirty="0" err="1"/>
+              <a:t>testAddingOneGoalputsGoalAtExpectedPosition</a:t>
+            </a:r>
+            <a:endParaRPr lang="en-NZ" dirty="0"/>
+          </a:p>
+          <a:p>
+            <a:pPr>
+              <a:buFont typeface="Wingdings" panose="05000000000000000000" pitchFamily="2" charset="2"/>
+              <a:buChar char="ü"/>
+            </a:pPr>
             <a:r>
               <a:rPr lang="en-NZ" dirty="0"/>
               <a:t>testAddingTwoGoalIncreasesGoalCountTo2</a:t>
             </a:r>
           </a:p>
-        </p:txBody>
-      </p:sp>
-      <p:pic>
-        <p:nvPicPr>
-          <p:cNvPr id="9" name="Content Placeholder 8">
-            <a:extLst>
-              <a:ext uri="{FF2B5EF4-FFF2-40B4-BE49-F238E27FC236}">
-                <a16:creationId xmlns:a16="http://schemas.microsoft.com/office/drawing/2014/main" id="{D6F20D4A-CE5B-3C05-8E03-770E520B82A6}"/>
-              </a:ext>
-            </a:extLst>
-          </p:cNvPr>
-          <p:cNvPicPr>
-            <a:picLocks noGrp="1" noChangeAspect="1"/>
-          </p:cNvPicPr>
-          <p:nvPr>
-            <p:ph idx="1"/>
-          </p:nvPr>
-        </p:nvPicPr>
-        <p:blipFill>
-          <a:blip r:embed="rId2"/>
-          <a:stretch>
-            <a:fillRect/>
-          </a:stretch>
-        </p:blipFill>
-        <p:spPr>
-          <a:xfrm>
-            <a:off x="1613862" y="2076975"/>
-            <a:ext cx="8964276" cy="3848637"/>
-          </a:xfrm>
-        </p:spPr>
-      </p:pic>
+          <a:p>
+            <a:pPr>
+              <a:buFont typeface="Wingdings" panose="05000000000000000000" pitchFamily="2" charset="2"/>
+              <a:buChar char="ü"/>
+            </a:pPr>
+            <a:r>
+              <a:rPr lang="en-NZ" dirty="0" err="1"/>
+              <a:t>testAddingTwoGoalsPutsGoalsAtExpectedPositions</a:t>
+            </a:r>
+            <a:endParaRPr lang="en-NZ" dirty="0"/>
+          </a:p>
+          <a:p>
+            <a:pPr>
+              <a:buFont typeface="Wingdings" panose="05000000000000000000" pitchFamily="2" charset="2"/>
+              <a:buChar char="ü"/>
+            </a:pPr>
+            <a:r>
+              <a:rPr lang="en-NZ" dirty="0"/>
+              <a:t>testNewGamehas0CompletedGoals</a:t>
+            </a:r>
+          </a:p>
+          <a:p>
+            <a:pPr>
+              <a:buFont typeface="Wingdings" panose="05000000000000000000" pitchFamily="2" charset="2"/>
+              <a:buChar char="ü"/>
+            </a:pPr>
+            <a:r>
+              <a:rPr lang="en-NZ" dirty="0" err="1"/>
+              <a:t>testAddingGoalOutsideLevelHeightThrowsRangeException</a:t>
+            </a:r>
+            <a:endParaRPr lang="en-NZ" dirty="0"/>
+          </a:p>
+          <a:p>
+            <a:pPr>
+              <a:buFont typeface="Wingdings" panose="05000000000000000000" pitchFamily="2" charset="2"/>
+              <a:buChar char="ü"/>
+            </a:pPr>
+            <a:r>
+              <a:rPr lang="en-NZ" dirty="0" err="1"/>
+              <a:t>testAddingGoalsOutsideLevelWidthThrowsRangeException</a:t>
+            </a:r>
+            <a:endParaRPr lang="en-NZ" dirty="0"/>
+          </a:p>
+        </p:txBody>
+      </p:sp>
     </p:spTree>
     <p:extLst>
       <p:ext uri="{BB962C8B-B14F-4D97-AF65-F5344CB8AC3E}">
-        <p14:creationId xmlns:p14="http://schemas.microsoft.com/office/powerpoint/2010/main" val="3935327181"/>
+        <p14:creationId xmlns:p14="http://schemas.microsoft.com/office/powerpoint/2010/main" val="686812950"/>
       </p:ext>
     </p:extLst>
   </p:cSld>
@@ -4293,7 +4293,7 @@
           <p:cNvPr id="2" name="Title 1">
             <a:extLst>
               <a:ext uri="{FF2B5EF4-FFF2-40B4-BE49-F238E27FC236}">
-                <a16:creationId xmlns:a16="http://schemas.microsoft.com/office/drawing/2014/main" id="{90918101-A692-6891-1D75-04B4C8D60DB2}"/>
+                <a16:creationId xmlns:a16="http://schemas.microsoft.com/office/drawing/2014/main" id="{50F0B345-E47C-E9DF-3798-40728D7CFB78}"/>
               </a:ext>
             </a:extLst>
           </p:cNvPr>
@@ -4304,39 +4304,31 @@
             <p:ph type="title"/>
           </p:nvPr>
         </p:nvSpPr>
-        <p:spPr>
-          <a:xfrm>
-            <a:off x="390698" y="365125"/>
-            <a:ext cx="10963102" cy="1325563"/>
-          </a:xfrm>
-        </p:spPr>
-        <p:txBody>
-          <a:bodyPr>
-            <a:normAutofit fontScale="90000"/>
-          </a:bodyPr>
-          <a:lstStyle/>
-          <a:p>
-            <a:r>
-              <a:rPr lang="en-NZ" dirty="0" err="1"/>
-              <a:t>testAddingOneGoalputsGoalAtExpectedPosition</a:t>
+        <p:spPr/>
+        <p:txBody>
+          <a:bodyPr/>
+          <a:lstStyle/>
+          <a:p>
+            <a:r>
+              <a:rPr lang="en-NZ" dirty="0"/>
+              <a:t>testAddingOneGoalIncreasesGoalCountTo1</a:t>
             </a:r>
             <a:br>
               <a:rPr lang="en-NZ" dirty="0"/>
             </a:br>
             <a:r>
-              <a:rPr lang="en-NZ" dirty="0" err="1"/>
-              <a:t>testAddingTwoGoalsPutsGoalsAtExpectedPositions</a:t>
-            </a:r>
-            <a:endParaRPr lang="en-NZ" dirty="0"/>
+              <a:rPr lang="en-NZ" dirty="0"/>
+              <a:t>testAddingTwoGoalIncreasesGoalCountTo2</a:t>
+            </a:r>
           </a:p>
         </p:txBody>
       </p:sp>
       <p:pic>
         <p:nvPicPr>
-          <p:cNvPr id="5" name="Content Placeholder 4">
-            <a:extLst>
-              <a:ext uri="{FF2B5EF4-FFF2-40B4-BE49-F238E27FC236}">
-                <a16:creationId xmlns:a16="http://schemas.microsoft.com/office/drawing/2014/main" id="{5069042E-A19E-AE67-3DA0-E581F284AD9F}"/>
+          <p:cNvPr id="9" name="Content Placeholder 8">
+            <a:extLst>
+              <a:ext uri="{FF2B5EF4-FFF2-40B4-BE49-F238E27FC236}">
+                <a16:creationId xmlns:a16="http://schemas.microsoft.com/office/drawing/2014/main" id="{D6F20D4A-CE5B-3C05-8E03-770E520B82A6}"/>
               </a:ext>
             </a:extLst>
           </p:cNvPr>
@@ -4355,15 +4347,15 @@
         </p:blipFill>
         <p:spPr>
           <a:xfrm>
-            <a:off x="3257154" y="2877187"/>
-            <a:ext cx="5677692" cy="2248214"/>
+            <a:off x="1613862" y="2076975"/>
+            <a:ext cx="8964276" cy="3848637"/>
           </a:xfrm>
         </p:spPr>
       </p:pic>
     </p:spTree>
     <p:extLst>
       <p:ext uri="{BB962C8B-B14F-4D97-AF65-F5344CB8AC3E}">
-        <p14:creationId xmlns:p14="http://schemas.microsoft.com/office/powerpoint/2010/main" val="3374562735"/>
+        <p14:creationId xmlns:p14="http://schemas.microsoft.com/office/powerpoint/2010/main" val="3935327181"/>
       </p:ext>
     </p:extLst>
   </p:cSld>
@@ -4395,7 +4387,7 @@
           <p:cNvPr id="2" name="Title 1">
             <a:extLst>
               <a:ext uri="{FF2B5EF4-FFF2-40B4-BE49-F238E27FC236}">
-                <a16:creationId xmlns:a16="http://schemas.microsoft.com/office/drawing/2014/main" id="{CB42C1E3-4A6E-4B3C-AE93-CF3C5E72F940}"/>
+                <a16:creationId xmlns:a16="http://schemas.microsoft.com/office/drawing/2014/main" id="{90918101-A692-6891-1D75-04B4C8D60DB2}"/>
               </a:ext>
             </a:extLst>
           </p:cNvPr>
@@ -4406,15 +4398,30 @@
             <p:ph type="title"/>
           </p:nvPr>
         </p:nvSpPr>
-        <p:spPr/>
-        <p:txBody>
-          <a:bodyPr/>
-          <a:lstStyle/>
-          <a:p>
-            <a:r>
+        <p:spPr>
+          <a:xfrm>
+            <a:off x="390698" y="365125"/>
+            <a:ext cx="10963102" cy="1325563"/>
+          </a:xfrm>
+        </p:spPr>
+        <p:txBody>
+          <a:bodyPr>
+            <a:normAutofit fontScale="90000"/>
+          </a:bodyPr>
+          <a:lstStyle/>
+          <a:p>
+            <a:r>
+              <a:rPr lang="en-NZ" dirty="0" err="1"/>
+              <a:t>testAddingOneGoalputsGoalAtExpectedPosition</a:t>
+            </a:r>
+            <a:br>
               <a:rPr lang="en-NZ" dirty="0"/>
-              <a:t>testNewGamehas0CompletedGoals</a:t>
-            </a:r>
+            </a:br>
+            <a:r>
+              <a:rPr lang="en-NZ" dirty="0" err="1"/>
+              <a:t>testAddingTwoGoalsPutsGoalsAtExpectedPositions</a:t>
+            </a:r>
+            <a:endParaRPr lang="en-NZ" dirty="0"/>
           </a:p>
         </p:txBody>
       </p:sp>
@@ -4423,7 +4430,7 @@
           <p:cNvPr id="5" name="Content Placeholder 4">
             <a:extLst>
               <a:ext uri="{FF2B5EF4-FFF2-40B4-BE49-F238E27FC236}">
-                <a16:creationId xmlns:a16="http://schemas.microsoft.com/office/drawing/2014/main" id="{3A233D69-A1E7-B148-B307-03B011D05C23}"/>
+                <a16:creationId xmlns:a16="http://schemas.microsoft.com/office/drawing/2014/main" id="{5069042E-A19E-AE67-3DA0-E581F284AD9F}"/>
               </a:ext>
             </a:extLst>
           </p:cNvPr>
@@ -4442,75 +4449,15 @@
         </p:blipFill>
         <p:spPr>
           <a:xfrm>
-            <a:off x="838200" y="1690688"/>
-            <a:ext cx="2924583" cy="876422"/>
-          </a:xfrm>
-        </p:spPr>
-      </p:pic>
-      <p:pic>
-        <p:nvPicPr>
-          <p:cNvPr id="7" name="Picture 6">
-            <a:extLst>
-              <a:ext uri="{FF2B5EF4-FFF2-40B4-BE49-F238E27FC236}">
-                <a16:creationId xmlns:a16="http://schemas.microsoft.com/office/drawing/2014/main" id="{4C9E9786-0313-1EE3-7BEE-AA0901732DAB}"/>
-              </a:ext>
-            </a:extLst>
-          </p:cNvPr>
-          <p:cNvPicPr>
-            <a:picLocks noChangeAspect="1"/>
-          </p:cNvPicPr>
-          <p:nvPr/>
-        </p:nvPicPr>
-        <p:blipFill>
-          <a:blip r:embed="rId3"/>
-          <a:stretch>
-            <a:fillRect/>
-          </a:stretch>
-        </p:blipFill>
-        <p:spPr>
-          <a:xfrm>
-            <a:off x="838200" y="2790736"/>
-            <a:ext cx="2429214" cy="1276528"/>
-          </a:xfrm>
-          <a:prstGeom prst="rect">
-            <a:avLst/>
-          </a:prstGeom>
-        </p:spPr>
-      </p:pic>
-      <p:pic>
-        <p:nvPicPr>
-          <p:cNvPr id="9" name="Picture 8">
-            <a:extLst>
-              <a:ext uri="{FF2B5EF4-FFF2-40B4-BE49-F238E27FC236}">
-                <a16:creationId xmlns:a16="http://schemas.microsoft.com/office/drawing/2014/main" id="{78B62C95-A070-7661-8DD6-24B800C6FDAD}"/>
-              </a:ext>
-            </a:extLst>
-          </p:cNvPr>
-          <p:cNvPicPr>
-            <a:picLocks noChangeAspect="1"/>
-          </p:cNvPicPr>
-          <p:nvPr/>
-        </p:nvPicPr>
-        <p:blipFill>
-          <a:blip r:embed="rId4"/>
-          <a:stretch>
-            <a:fillRect/>
-          </a:stretch>
-        </p:blipFill>
-        <p:spPr>
-          <a:xfrm>
-            <a:off x="3942318" y="1676155"/>
-            <a:ext cx="4486901" cy="2229161"/>
-          </a:xfrm>
-          <a:prstGeom prst="rect">
-            <a:avLst/>
-          </a:prstGeom>
+            <a:off x="3257154" y="2877187"/>
+            <a:ext cx="5677692" cy="2248214"/>
+          </a:xfrm>
         </p:spPr>
       </p:pic>
     </p:spTree>
     <p:extLst>
       <p:ext uri="{BB962C8B-B14F-4D97-AF65-F5344CB8AC3E}">
-        <p14:creationId xmlns:p14="http://schemas.microsoft.com/office/powerpoint/2010/main" val="443352023"/>
+        <p14:creationId xmlns:p14="http://schemas.microsoft.com/office/powerpoint/2010/main" val="3374562735"/>
       </p:ext>
     </p:extLst>
   </p:cSld>
@@ -4542,7 +4489,7 @@
           <p:cNvPr id="2" name="Title 1">
             <a:extLst>
               <a:ext uri="{FF2B5EF4-FFF2-40B4-BE49-F238E27FC236}">
-                <a16:creationId xmlns:a16="http://schemas.microsoft.com/office/drawing/2014/main" id="{0B7B7C25-762A-B222-A487-E315664A2158}"/>
+                <a16:creationId xmlns:a16="http://schemas.microsoft.com/office/drawing/2014/main" id="{CB42C1E3-4A6E-4B3C-AE93-CF3C5E72F940}"/>
               </a:ext>
             </a:extLst>
           </p:cNvPr>
@@ -4553,39 +4500,24 @@
             <p:ph type="title"/>
           </p:nvPr>
         </p:nvSpPr>
-        <p:spPr>
-          <a:xfrm>
-            <a:off x="0" y="365125"/>
-            <a:ext cx="12192000" cy="1325563"/>
-          </a:xfrm>
-        </p:spPr>
-        <p:txBody>
-          <a:bodyPr>
-            <a:normAutofit fontScale="90000"/>
-          </a:bodyPr>
-          <a:lstStyle/>
-          <a:p>
-            <a:r>
-              <a:rPr lang="en-NZ" dirty="0" err="1"/>
-              <a:t>testAddingGoalOutsideLevelHeightThrowsRangeException</a:t>
-            </a:r>
-            <a:br>
+        <p:spPr/>
+        <p:txBody>
+          <a:bodyPr/>
+          <a:lstStyle/>
+          <a:p>
+            <a:r>
               <a:rPr lang="en-NZ" dirty="0"/>
-            </a:br>
-            <a:r>
-              <a:rPr lang="en-NZ" dirty="0" err="1"/>
-              <a:t>testAddingGoalsOutsideLevelWidthThrowsRangeException</a:t>
-            </a:r>
-            <a:endParaRPr lang="en-NZ" dirty="0"/>
+              <a:t>testNewGamehas0CompletedGoals</a:t>
+            </a:r>
           </a:p>
         </p:txBody>
       </p:sp>
       <p:pic>
         <p:nvPicPr>
-          <p:cNvPr id="4" name="Content Placeholder 8">
-            <a:extLst>
-              <a:ext uri="{FF2B5EF4-FFF2-40B4-BE49-F238E27FC236}">
-                <a16:creationId xmlns:a16="http://schemas.microsoft.com/office/drawing/2014/main" id="{78A8DCEB-762C-A7F1-0799-84B41D03A089}"/>
+          <p:cNvPr id="5" name="Content Placeholder 4">
+            <a:extLst>
+              <a:ext uri="{FF2B5EF4-FFF2-40B4-BE49-F238E27FC236}">
+                <a16:creationId xmlns:a16="http://schemas.microsoft.com/office/drawing/2014/main" id="{3A233D69-A1E7-B148-B307-03B011D05C23}"/>
               </a:ext>
             </a:extLst>
           </p:cNvPr>
@@ -4604,15 +4536,75 @@
         </p:blipFill>
         <p:spPr>
           <a:xfrm>
-            <a:off x="1613862" y="2076975"/>
-            <a:ext cx="8964276" cy="3848637"/>
-          </a:xfrm>
+            <a:off x="838200" y="1690688"/>
+            <a:ext cx="2924583" cy="876422"/>
+          </a:xfrm>
+        </p:spPr>
+      </p:pic>
+      <p:pic>
+        <p:nvPicPr>
+          <p:cNvPr id="7" name="Picture 6">
+            <a:extLst>
+              <a:ext uri="{FF2B5EF4-FFF2-40B4-BE49-F238E27FC236}">
+                <a16:creationId xmlns:a16="http://schemas.microsoft.com/office/drawing/2014/main" id="{4C9E9786-0313-1EE3-7BEE-AA0901732DAB}"/>
+              </a:ext>
+            </a:extLst>
+          </p:cNvPr>
+          <p:cNvPicPr>
+            <a:picLocks noChangeAspect="1"/>
+          </p:cNvPicPr>
+          <p:nvPr/>
+        </p:nvPicPr>
+        <p:blipFill>
+          <a:blip r:embed="rId3"/>
+          <a:stretch>
+            <a:fillRect/>
+          </a:stretch>
+        </p:blipFill>
+        <p:spPr>
+          <a:xfrm>
+            <a:off x="838200" y="2790736"/>
+            <a:ext cx="2429214" cy="1276528"/>
+          </a:xfrm>
+          <a:prstGeom prst="rect">
+            <a:avLst/>
+          </a:prstGeom>
+        </p:spPr>
+      </p:pic>
+      <p:pic>
+        <p:nvPicPr>
+          <p:cNvPr id="9" name="Picture 8">
+            <a:extLst>
+              <a:ext uri="{FF2B5EF4-FFF2-40B4-BE49-F238E27FC236}">
+                <a16:creationId xmlns:a16="http://schemas.microsoft.com/office/drawing/2014/main" id="{78B62C95-A070-7661-8DD6-24B800C6FDAD}"/>
+              </a:ext>
+            </a:extLst>
+          </p:cNvPr>
+          <p:cNvPicPr>
+            <a:picLocks noChangeAspect="1"/>
+          </p:cNvPicPr>
+          <p:nvPr/>
+        </p:nvPicPr>
+        <p:blipFill>
+          <a:blip r:embed="rId4"/>
+          <a:stretch>
+            <a:fillRect/>
+          </a:stretch>
+        </p:blipFill>
+        <p:spPr>
+          <a:xfrm>
+            <a:off x="3942318" y="1676155"/>
+            <a:ext cx="4486901" cy="2229161"/>
+          </a:xfrm>
+          <a:prstGeom prst="rect">
+            <a:avLst/>
+          </a:prstGeom>
         </p:spPr>
       </p:pic>
     </p:spTree>
     <p:extLst>
       <p:ext uri="{BB962C8B-B14F-4D97-AF65-F5344CB8AC3E}">
-        <p14:creationId xmlns:p14="http://schemas.microsoft.com/office/powerpoint/2010/main" val="1650573631"/>
+        <p14:creationId xmlns:p14="http://schemas.microsoft.com/office/powerpoint/2010/main" val="443352023"/>
       </p:ext>
     </p:extLst>
   </p:cSld>
@@ -4644,7 +4636,7 @@
           <p:cNvPr id="2" name="Title 1">
             <a:extLst>
               <a:ext uri="{FF2B5EF4-FFF2-40B4-BE49-F238E27FC236}">
-                <a16:creationId xmlns:a16="http://schemas.microsoft.com/office/drawing/2014/main" id="{5CA6096A-36D1-14BE-03EE-9492967678D8}"/>
+                <a16:creationId xmlns:a16="http://schemas.microsoft.com/office/drawing/2014/main" id="{0B7B7C25-762A-B222-A487-E315664A2158}"/>
               </a:ext>
             </a:extLst>
           </p:cNvPr>
@@ -4655,96 +4647,66 @@
             <p:ph type="title"/>
           </p:nvPr>
         </p:nvSpPr>
-        <p:spPr/>
-        <p:txBody>
-          <a:bodyPr/>
+        <p:spPr>
+          <a:xfrm>
+            <a:off x="0" y="365125"/>
+            <a:ext cx="12192000" cy="1325563"/>
+          </a:xfrm>
+        </p:spPr>
+        <p:txBody>
+          <a:bodyPr>
+            <a:normAutofit fontScale="90000"/>
+          </a:bodyPr>
           <a:lstStyle/>
           <a:p>
             <a:r>
               <a:rPr lang="en-NZ" dirty="0" err="1"/>
-              <a:t>TestGameHoldsSquares</a:t>
+              <a:t>testAddingGoalOutsideLevelHeightThrowsRangeException</a:t>
+            </a:r>
+            <a:br>
+              <a:rPr lang="en-NZ" dirty="0"/>
+            </a:br>
+            <a:r>
+              <a:rPr lang="en-NZ" dirty="0" err="1"/>
+              <a:t>testAddingGoalsOutsideLevelWidthThrowsRangeException</a:t>
             </a:r>
             <a:endParaRPr lang="en-NZ" dirty="0"/>
           </a:p>
         </p:txBody>
       </p:sp>
-      <p:sp>
-        <p:nvSpPr>
-          <p:cNvPr id="3" name="Content Placeholder 2">
-            <a:extLst>
-              <a:ext uri="{FF2B5EF4-FFF2-40B4-BE49-F238E27FC236}">
-                <a16:creationId xmlns:a16="http://schemas.microsoft.com/office/drawing/2014/main" id="{CABEFC7D-3B71-B944-D64B-C07C8F08E522}"/>
-              </a:ext>
-            </a:extLst>
-          </p:cNvPr>
-          <p:cNvSpPr>
-            <a:spLocks noGrp="1"/>
-          </p:cNvSpPr>
+      <p:pic>
+        <p:nvPicPr>
+          <p:cNvPr id="4" name="Content Placeholder 8">
+            <a:extLst>
+              <a:ext uri="{FF2B5EF4-FFF2-40B4-BE49-F238E27FC236}">
+                <a16:creationId xmlns:a16="http://schemas.microsoft.com/office/drawing/2014/main" id="{78A8DCEB-762C-A7F1-0799-84B41D03A089}"/>
+              </a:ext>
+            </a:extLst>
+          </p:cNvPr>
+          <p:cNvPicPr>
+            <a:picLocks noGrp="1" noChangeAspect="1"/>
+          </p:cNvPicPr>
           <p:nvPr>
             <p:ph idx="1"/>
           </p:nvPr>
-        </p:nvSpPr>
-        <p:spPr/>
-        <p:txBody>
-          <a:bodyPr/>
-          <a:lstStyle/>
-          <a:p>
-            <a:pPr>
-              <a:buFont typeface="Wingdings" panose="05000000000000000000" pitchFamily="2" charset="2"/>
-              <a:buChar char="ü"/>
-            </a:pPr>
-            <a:r>
-              <a:rPr lang="en-NZ" dirty="0" err="1"/>
-              <a:t>testAddingSquareOutsideLevelWidthThrowsException</a:t>
-            </a:r>
-            <a:endParaRPr lang="en-NZ" dirty="0"/>
-          </a:p>
-          <a:p>
-            <a:pPr>
-              <a:buFont typeface="Wingdings" panose="05000000000000000000" pitchFamily="2" charset="2"/>
-              <a:buChar char="ü"/>
-            </a:pPr>
-            <a:r>
-              <a:rPr lang="en-NZ" dirty="0" err="1"/>
-              <a:t>testAddingSquareOutsideLevelHeightThrowsException</a:t>
-            </a:r>
-            <a:endParaRPr lang="en-NZ" dirty="0"/>
-          </a:p>
-          <a:p>
-            <a:pPr>
-              <a:buFont typeface="Wingdings" panose="05000000000000000000" pitchFamily="2" charset="2"/>
-              <a:buChar char="ü"/>
-            </a:pPr>
-            <a:r>
-              <a:rPr lang="en-NZ" dirty="0" err="1"/>
-              <a:t>testColoursAreAdded</a:t>
-            </a:r>
-            <a:endParaRPr lang="en-NZ" dirty="0"/>
-          </a:p>
-          <a:p>
-            <a:pPr>
-              <a:buFont typeface="Wingdings" panose="05000000000000000000" pitchFamily="2" charset="2"/>
-              <a:buChar char="ü"/>
-            </a:pPr>
-            <a:r>
-              <a:rPr lang="en-NZ" dirty="0" err="1"/>
-              <a:t>testShapesAreAdded</a:t>
-            </a:r>
-            <a:endParaRPr lang="en-NZ" dirty="0"/>
-          </a:p>
-          <a:p>
-            <a:pPr>
-              <a:buFont typeface="Wingdings" panose="05000000000000000000" pitchFamily="2" charset="2"/>
-              <a:buChar char="ü"/>
-            </a:pPr>
-            <a:endParaRPr lang="en-NZ" dirty="0"/>
-          </a:p>
-        </p:txBody>
-      </p:sp>
+        </p:nvPicPr>
+        <p:blipFill>
+          <a:blip r:embed="rId2"/>
+          <a:stretch>
+            <a:fillRect/>
+          </a:stretch>
+        </p:blipFill>
+        <p:spPr>
+          <a:xfrm>
+            <a:off x="1613862" y="2076975"/>
+            <a:ext cx="8964276" cy="3848637"/>
+          </a:xfrm>
+        </p:spPr>
+      </p:pic>
     </p:spTree>
     <p:extLst>
       <p:ext uri="{BB962C8B-B14F-4D97-AF65-F5344CB8AC3E}">
-        <p14:creationId xmlns:p14="http://schemas.microsoft.com/office/powerpoint/2010/main" val="3694396411"/>
+        <p14:creationId xmlns:p14="http://schemas.microsoft.com/office/powerpoint/2010/main" val="1650573631"/>
       </p:ext>
     </p:extLst>
   </p:cSld>
@@ -4776,7 +4738,7 @@
           <p:cNvPr id="2" name="Title 1">
             <a:extLst>
               <a:ext uri="{FF2B5EF4-FFF2-40B4-BE49-F238E27FC236}">
-                <a16:creationId xmlns:a16="http://schemas.microsoft.com/office/drawing/2014/main" id="{C33122A3-F471-73F1-E5BF-F247227F5898}"/>
+                <a16:creationId xmlns:a16="http://schemas.microsoft.com/office/drawing/2014/main" id="{5CA6096A-36D1-14BE-03EE-9492967678D8}"/>
               </a:ext>
             </a:extLst>
           </p:cNvPr>
@@ -4787,64 +4749,96 @@
             <p:ph type="title"/>
           </p:nvPr>
         </p:nvSpPr>
-        <p:spPr>
-          <a:xfrm>
-            <a:off x="-83127" y="365125"/>
-            <a:ext cx="12444151" cy="1325563"/>
-          </a:xfrm>
-        </p:spPr>
+        <p:spPr/>
         <p:txBody>
           <a:bodyPr/>
           <a:lstStyle/>
           <a:p>
+            <a:r>
+              <a:rPr lang="en-NZ" dirty="0" err="1"/>
+              <a:t>TestGameHoldsSquares</a:t>
+            </a:r>
+            <a:endParaRPr lang="en-NZ" dirty="0"/>
+          </a:p>
+        </p:txBody>
+      </p:sp>
+      <p:sp>
+        <p:nvSpPr>
+          <p:cNvPr id="3" name="Content Placeholder 2">
+            <a:extLst>
+              <a:ext uri="{FF2B5EF4-FFF2-40B4-BE49-F238E27FC236}">
+                <a16:creationId xmlns:a16="http://schemas.microsoft.com/office/drawing/2014/main" id="{CABEFC7D-3B71-B944-D64B-C07C8F08E522}"/>
+              </a:ext>
+            </a:extLst>
+          </p:cNvPr>
+          <p:cNvSpPr>
+            <a:spLocks noGrp="1"/>
+          </p:cNvSpPr>
+          <p:nvPr>
+            <p:ph idx="1"/>
+          </p:nvPr>
+        </p:nvSpPr>
+        <p:spPr/>
+        <p:txBody>
+          <a:bodyPr/>
+          <a:lstStyle/>
+          <a:p>
+            <a:pPr>
+              <a:buFont typeface="Wingdings" panose="05000000000000000000" pitchFamily="2" charset="2"/>
+              <a:buChar char="ü"/>
+            </a:pPr>
             <a:r>
               <a:rPr lang="en-NZ" dirty="0" err="1"/>
               <a:t>testAddingSquareOutsideLevelWidthThrowsException</a:t>
             </a:r>
-            <a:br>
-              <a:rPr lang="en-NZ" dirty="0"/>
-            </a:br>
+            <a:endParaRPr lang="en-NZ" dirty="0"/>
+          </a:p>
+          <a:p>
+            <a:pPr>
+              <a:buFont typeface="Wingdings" panose="05000000000000000000" pitchFamily="2" charset="2"/>
+              <a:buChar char="ü"/>
+            </a:pPr>
             <a:r>
               <a:rPr lang="en-NZ" dirty="0" err="1"/>
               <a:t>testAddingSquareOutsideLevelHeightThrowsException</a:t>
             </a:r>
             <a:endParaRPr lang="en-NZ" dirty="0"/>
           </a:p>
-        </p:txBody>
-      </p:sp>
-      <p:pic>
-        <p:nvPicPr>
-          <p:cNvPr id="5" name="Content Placeholder 4">
-            <a:extLst>
-              <a:ext uri="{FF2B5EF4-FFF2-40B4-BE49-F238E27FC236}">
-                <a16:creationId xmlns:a16="http://schemas.microsoft.com/office/drawing/2014/main" id="{55667D5E-C399-D700-7DCB-5824E895D5FE}"/>
-              </a:ext>
-            </a:extLst>
-          </p:cNvPr>
-          <p:cNvPicPr>
-            <a:picLocks noGrp="1" noChangeAspect="1"/>
-          </p:cNvPicPr>
-          <p:nvPr>
-            <p:ph idx="1"/>
-          </p:nvPr>
-        </p:nvPicPr>
-        <p:blipFill>
-          <a:blip r:embed="rId2"/>
-          <a:stretch>
-            <a:fillRect/>
-          </a:stretch>
-        </p:blipFill>
-        <p:spPr>
-          <a:xfrm>
-            <a:off x="2352152" y="2581871"/>
-            <a:ext cx="7487695" cy="2838846"/>
-          </a:xfrm>
-        </p:spPr>
-      </p:pic>
+          <a:p>
+            <a:pPr>
+              <a:buFont typeface="Wingdings" panose="05000000000000000000" pitchFamily="2" charset="2"/>
+              <a:buChar char="ü"/>
+            </a:pPr>
+            <a:r>
+              <a:rPr lang="en-NZ" dirty="0" err="1"/>
+              <a:t>testColoursAreAdded</a:t>
+            </a:r>
+            <a:endParaRPr lang="en-NZ" dirty="0"/>
+          </a:p>
+          <a:p>
+            <a:pPr>
+              <a:buFont typeface="Wingdings" panose="05000000000000000000" pitchFamily="2" charset="2"/>
+              <a:buChar char="ü"/>
+            </a:pPr>
+            <a:r>
+              <a:rPr lang="en-NZ" dirty="0" err="1"/>
+              <a:t>testShapesAreAdded</a:t>
+            </a:r>
+            <a:endParaRPr lang="en-NZ" dirty="0"/>
+          </a:p>
+          <a:p>
+            <a:pPr>
+              <a:buFont typeface="Wingdings" panose="05000000000000000000" pitchFamily="2" charset="2"/>
+              <a:buChar char="ü"/>
+            </a:pPr>
+            <a:endParaRPr lang="en-NZ" dirty="0"/>
+          </a:p>
+        </p:txBody>
+      </p:sp>
     </p:spTree>
     <p:extLst>
       <p:ext uri="{BB962C8B-B14F-4D97-AF65-F5344CB8AC3E}">
-        <p14:creationId xmlns:p14="http://schemas.microsoft.com/office/powerpoint/2010/main" val="1978056749"/>
+        <p14:creationId xmlns:p14="http://schemas.microsoft.com/office/powerpoint/2010/main" val="3694396411"/>
       </p:ext>
     </p:extLst>
   </p:cSld>
@@ -4876,7 +4870,7 @@
           <p:cNvPr id="2" name="Title 1">
             <a:extLst>
               <a:ext uri="{FF2B5EF4-FFF2-40B4-BE49-F238E27FC236}">
-                <a16:creationId xmlns:a16="http://schemas.microsoft.com/office/drawing/2014/main" id="{252062B2-8FDA-5AB5-4F30-2049C911B082}"/>
+                <a16:creationId xmlns:a16="http://schemas.microsoft.com/office/drawing/2014/main" id="{C33122A3-F471-73F1-E5BF-F247227F5898}"/>
               </a:ext>
             </a:extLst>
           </p:cNvPr>
@@ -4887,21 +4881,26 @@
             <p:ph type="title"/>
           </p:nvPr>
         </p:nvSpPr>
-        <p:spPr/>
+        <p:spPr>
+          <a:xfrm>
+            <a:off x="-83127" y="365125"/>
+            <a:ext cx="12444151" cy="1325563"/>
+          </a:xfrm>
+        </p:spPr>
         <p:txBody>
           <a:bodyPr/>
           <a:lstStyle/>
           <a:p>
             <a:r>
               <a:rPr lang="en-NZ" dirty="0" err="1"/>
-              <a:t>testColoursAreAdded</a:t>
+              <a:t>testAddingSquareOutsideLevelWidthThrowsException</a:t>
             </a:r>
             <a:br>
               <a:rPr lang="en-NZ" dirty="0"/>
             </a:br>
             <a:r>
               <a:rPr lang="en-NZ" dirty="0" err="1"/>
-              <a:t>testShapesAreAdded</a:t>
+              <a:t>testAddingSquareOutsideLevelHeightThrowsException</a:t>
             </a:r>
             <a:endParaRPr lang="en-NZ" dirty="0"/>
           </a:p>
@@ -4912,7 +4911,7 @@
           <p:cNvPr id="5" name="Content Placeholder 4">
             <a:extLst>
               <a:ext uri="{FF2B5EF4-FFF2-40B4-BE49-F238E27FC236}">
-                <a16:creationId xmlns:a16="http://schemas.microsoft.com/office/drawing/2014/main" id="{7AC5668B-556D-8B3C-1F7A-39F3EC39232A}"/>
+                <a16:creationId xmlns:a16="http://schemas.microsoft.com/office/drawing/2014/main" id="{55667D5E-C399-D700-7DCB-5824E895D5FE}"/>
               </a:ext>
             </a:extLst>
           </p:cNvPr>
@@ -4931,15 +4930,15 @@
         </p:blipFill>
         <p:spPr>
           <a:xfrm>
-            <a:off x="3371470" y="1962659"/>
-            <a:ext cx="5449060" cy="4077269"/>
+            <a:off x="2352152" y="2581871"/>
+            <a:ext cx="7487695" cy="2838846"/>
           </a:xfrm>
         </p:spPr>
       </p:pic>
     </p:spTree>
     <p:extLst>
       <p:ext uri="{BB962C8B-B14F-4D97-AF65-F5344CB8AC3E}">
-        <p14:creationId xmlns:p14="http://schemas.microsoft.com/office/powerpoint/2010/main" val="1121700914"/>
+        <p14:creationId xmlns:p14="http://schemas.microsoft.com/office/powerpoint/2010/main" val="1978056749"/>
       </p:ext>
     </p:extLst>
   </p:cSld>
@@ -4971,7 +4970,7 @@
           <p:cNvPr id="2" name="Title 1">
             <a:extLst>
               <a:ext uri="{FF2B5EF4-FFF2-40B4-BE49-F238E27FC236}">
-                <a16:creationId xmlns:a16="http://schemas.microsoft.com/office/drawing/2014/main" id="{30853E37-B6FC-B473-D6A8-184E8A045E1D}"/>
+                <a16:creationId xmlns:a16="http://schemas.microsoft.com/office/drawing/2014/main" id="{252062B2-8FDA-5AB5-4F30-2049C911B082}"/>
               </a:ext>
             </a:extLst>
           </p:cNvPr>
@@ -4989,115 +4988,52 @@
           <a:p>
             <a:r>
               <a:rPr lang="en-NZ" dirty="0" err="1"/>
-              <a:t>TestGameHoldsEyeBall</a:t>
+              <a:t>testColoursAreAdded</a:t>
+            </a:r>
+            <a:br>
+              <a:rPr lang="en-NZ" dirty="0"/>
+            </a:br>
+            <a:r>
+              <a:rPr lang="en-NZ" dirty="0" err="1"/>
+              <a:t>testShapesAreAdded</a:t>
             </a:r>
             <a:endParaRPr lang="en-NZ" dirty="0"/>
           </a:p>
         </p:txBody>
       </p:sp>
-      <p:sp>
-        <p:nvSpPr>
-          <p:cNvPr id="3" name="Content Placeholder 2">
-            <a:extLst>
-              <a:ext uri="{FF2B5EF4-FFF2-40B4-BE49-F238E27FC236}">
-                <a16:creationId xmlns:a16="http://schemas.microsoft.com/office/drawing/2014/main" id="{8CB58A42-CB3D-E8BD-E997-55109B6EACBB}"/>
-              </a:ext>
-            </a:extLst>
-          </p:cNvPr>
-          <p:cNvSpPr>
-            <a:spLocks noGrp="1"/>
-          </p:cNvSpPr>
+      <p:pic>
+        <p:nvPicPr>
+          <p:cNvPr id="5" name="Content Placeholder 4">
+            <a:extLst>
+              <a:ext uri="{FF2B5EF4-FFF2-40B4-BE49-F238E27FC236}">
+                <a16:creationId xmlns:a16="http://schemas.microsoft.com/office/drawing/2014/main" id="{7AC5668B-556D-8B3C-1F7A-39F3EC39232A}"/>
+              </a:ext>
+            </a:extLst>
+          </p:cNvPr>
+          <p:cNvPicPr>
+            <a:picLocks noGrp="1" noChangeAspect="1"/>
+          </p:cNvPicPr>
           <p:nvPr>
             <p:ph idx="1"/>
           </p:nvPr>
-        </p:nvSpPr>
-        <p:spPr/>
-        <p:txBody>
-          <a:bodyPr/>
-          <a:lstStyle/>
-          <a:p>
-            <a:pPr>
-              <a:buFont typeface="Wingdings" panose="05000000000000000000" pitchFamily="2" charset="2"/>
-              <a:buChar char="ü"/>
-            </a:pPr>
-            <a:r>
-              <a:rPr lang="en-NZ" dirty="0" err="1"/>
-              <a:t>testAddingEyeballOutsideHeightThrowsException</a:t>
-            </a:r>
-            <a:endParaRPr lang="en-NZ" dirty="0"/>
-          </a:p>
-          <a:p>
-            <a:pPr>
-              <a:buFont typeface="Wingdings" panose="05000000000000000000" pitchFamily="2" charset="2"/>
-              <a:buChar char="ü"/>
-            </a:pPr>
-            <a:r>
-              <a:rPr lang="en-NZ" dirty="0" err="1"/>
-              <a:t>testAddingEyeballOutsideWidthThrowsException</a:t>
-            </a:r>
-            <a:endParaRPr lang="en-NZ" dirty="0"/>
-          </a:p>
-          <a:p>
-            <a:pPr>
-              <a:buFont typeface="Wingdings" panose="05000000000000000000" pitchFamily="2" charset="2"/>
-              <a:buChar char="ü"/>
-            </a:pPr>
-            <a:r>
-              <a:rPr lang="en-NZ" dirty="0" err="1"/>
-              <a:t>testAddingEyeballPutsItWhereExpected</a:t>
-            </a:r>
-            <a:endParaRPr lang="en-NZ" dirty="0"/>
-          </a:p>
-          <a:p>
-            <a:pPr>
-              <a:buFont typeface="Wingdings" panose="05000000000000000000" pitchFamily="2" charset="2"/>
-              <a:buChar char="ü"/>
-            </a:pPr>
-            <a:r>
-              <a:rPr lang="en-NZ" dirty="0" err="1"/>
-              <a:t>testAddingEyeballFacingUpFacesUp</a:t>
-            </a:r>
-            <a:endParaRPr lang="en-NZ" dirty="0"/>
-          </a:p>
-          <a:p>
-            <a:pPr>
-              <a:buFont typeface="Wingdings" panose="05000000000000000000" pitchFamily="2" charset="2"/>
-              <a:buChar char="ü"/>
-            </a:pPr>
-            <a:r>
-              <a:rPr lang="en-NZ" dirty="0" err="1"/>
-              <a:t>testAddingEyeballFacingDownFacesDown</a:t>
-            </a:r>
-            <a:endParaRPr lang="en-NZ" dirty="0"/>
-          </a:p>
-          <a:p>
-            <a:pPr>
-              <a:buFont typeface="Wingdings" panose="05000000000000000000" pitchFamily="2" charset="2"/>
-              <a:buChar char="ü"/>
-            </a:pPr>
-            <a:r>
-              <a:rPr lang="en-NZ" dirty="0" err="1"/>
-              <a:t>testAddingEyeballFacingLeftFacesLeft</a:t>
-            </a:r>
-            <a:endParaRPr lang="en-NZ" dirty="0"/>
-          </a:p>
-          <a:p>
-            <a:pPr>
-              <a:buFont typeface="Wingdings" panose="05000000000000000000" pitchFamily="2" charset="2"/>
-              <a:buChar char="ü"/>
-            </a:pPr>
-            <a:r>
-              <a:rPr lang="en-NZ" dirty="0" err="1"/>
-              <a:t>testAddingEyeballFacingRightFacesRight</a:t>
-            </a:r>
-            <a:endParaRPr lang="en-NZ" dirty="0"/>
-          </a:p>
-        </p:txBody>
-      </p:sp>
+        </p:nvPicPr>
+        <p:blipFill>
+          <a:blip r:embed="rId2"/>
+          <a:stretch>
+            <a:fillRect/>
+          </a:stretch>
+        </p:blipFill>
+        <p:spPr>
+          <a:xfrm>
+            <a:off x="3371470" y="1962659"/>
+            <a:ext cx="5449060" cy="4077269"/>
+          </a:xfrm>
+        </p:spPr>
+      </p:pic>
     </p:spTree>
     <p:extLst>
       <p:ext uri="{BB962C8B-B14F-4D97-AF65-F5344CB8AC3E}">
-        <p14:creationId xmlns:p14="http://schemas.microsoft.com/office/powerpoint/2010/main" val="2205924010"/>
+        <p14:creationId xmlns:p14="http://schemas.microsoft.com/office/powerpoint/2010/main" val="1121700914"/>
       </p:ext>
     </p:extLst>
   </p:cSld>
@@ -5129,7 +5065,7 @@
           <p:cNvPr id="2" name="Title 1">
             <a:extLst>
               <a:ext uri="{FF2B5EF4-FFF2-40B4-BE49-F238E27FC236}">
-                <a16:creationId xmlns:a16="http://schemas.microsoft.com/office/drawing/2014/main" id="{5D20551F-A574-3CC8-3C10-7CB4CC7ECFCC}"/>
+                <a16:creationId xmlns:a16="http://schemas.microsoft.com/office/drawing/2014/main" id="{30853E37-B6FC-B473-D6A8-184E8A045E1D}"/>
               </a:ext>
             </a:extLst>
           </p:cNvPr>
@@ -5142,59 +5078,120 @@
         </p:nvSpPr>
         <p:spPr/>
         <p:txBody>
-          <a:bodyPr>
-            <a:normAutofit fontScale="90000"/>
-          </a:bodyPr>
-          <a:lstStyle/>
-          <a:p>
+          <a:bodyPr/>
+          <a:lstStyle/>
+          <a:p>
+            <a:r>
+              <a:rPr lang="en-NZ" dirty="0" err="1"/>
+              <a:t>TestGameHoldsEyeBall</a:t>
+            </a:r>
+            <a:endParaRPr lang="en-NZ" dirty="0"/>
+          </a:p>
+        </p:txBody>
+      </p:sp>
+      <p:sp>
+        <p:nvSpPr>
+          <p:cNvPr id="3" name="Content Placeholder 2">
+            <a:extLst>
+              <a:ext uri="{FF2B5EF4-FFF2-40B4-BE49-F238E27FC236}">
+                <a16:creationId xmlns:a16="http://schemas.microsoft.com/office/drawing/2014/main" id="{8CB58A42-CB3D-E8BD-E997-55109B6EACBB}"/>
+              </a:ext>
+            </a:extLst>
+          </p:cNvPr>
+          <p:cNvSpPr>
+            <a:spLocks noGrp="1"/>
+          </p:cNvSpPr>
+          <p:nvPr>
+            <p:ph idx="1"/>
+          </p:nvPr>
+        </p:nvSpPr>
+        <p:spPr/>
+        <p:txBody>
+          <a:bodyPr/>
+          <a:lstStyle/>
+          <a:p>
+            <a:pPr>
+              <a:buFont typeface="Wingdings" panose="05000000000000000000" pitchFamily="2" charset="2"/>
+              <a:buChar char="ü"/>
+            </a:pPr>
             <a:r>
               <a:rPr lang="en-NZ" dirty="0" err="1"/>
               <a:t>testAddingEyeballOutsideHeightThrowsException</a:t>
             </a:r>
-            <a:br>
-              <a:rPr lang="en-NZ" dirty="0"/>
-            </a:br>
+            <a:endParaRPr lang="en-NZ" dirty="0"/>
+          </a:p>
+          <a:p>
+            <a:pPr>
+              <a:buFont typeface="Wingdings" panose="05000000000000000000" pitchFamily="2" charset="2"/>
+              <a:buChar char="ü"/>
+            </a:pPr>
             <a:r>
               <a:rPr lang="en-NZ" dirty="0" err="1"/>
               <a:t>testAddingEyeballOutsideWidthThrowsException</a:t>
             </a:r>
             <a:endParaRPr lang="en-NZ" dirty="0"/>
           </a:p>
-        </p:txBody>
-      </p:sp>
-      <p:pic>
-        <p:nvPicPr>
-          <p:cNvPr id="5" name="Content Placeholder 4">
-            <a:extLst>
-              <a:ext uri="{FF2B5EF4-FFF2-40B4-BE49-F238E27FC236}">
-                <a16:creationId xmlns:a16="http://schemas.microsoft.com/office/drawing/2014/main" id="{56DCC5A9-1087-AC87-E742-C78B3A95B834}"/>
-              </a:ext>
-            </a:extLst>
-          </p:cNvPr>
-          <p:cNvPicPr>
-            <a:picLocks noGrp="1" noChangeAspect="1"/>
-          </p:cNvPicPr>
-          <p:nvPr>
-            <p:ph idx="1"/>
-          </p:nvPr>
-        </p:nvPicPr>
-        <p:blipFill>
-          <a:blip r:embed="rId2"/>
-          <a:stretch>
-            <a:fillRect/>
-          </a:stretch>
-        </p:blipFill>
-        <p:spPr>
-          <a:xfrm>
-            <a:off x="1113729" y="2472318"/>
-            <a:ext cx="9964541" cy="3057952"/>
-          </a:xfrm>
-        </p:spPr>
-      </p:pic>
+          <a:p>
+            <a:pPr>
+              <a:buFont typeface="Wingdings" panose="05000000000000000000" pitchFamily="2" charset="2"/>
+              <a:buChar char="ü"/>
+            </a:pPr>
+            <a:r>
+              <a:rPr lang="en-NZ" dirty="0" err="1"/>
+              <a:t>testAddingEyeballPutsItWhereExpected</a:t>
+            </a:r>
+            <a:endParaRPr lang="en-NZ" dirty="0"/>
+          </a:p>
+          <a:p>
+            <a:pPr>
+              <a:buFont typeface="Wingdings" panose="05000000000000000000" pitchFamily="2" charset="2"/>
+              <a:buChar char="ü"/>
+            </a:pPr>
+            <a:r>
+              <a:rPr lang="en-NZ" dirty="0" err="1"/>
+              <a:t>testAddingEyeballFacingUpFacesUp</a:t>
+            </a:r>
+            <a:endParaRPr lang="en-NZ" dirty="0"/>
+          </a:p>
+          <a:p>
+            <a:pPr>
+              <a:buFont typeface="Wingdings" panose="05000000000000000000" pitchFamily="2" charset="2"/>
+              <a:buChar char="ü"/>
+            </a:pPr>
+            <a:r>
+              <a:rPr lang="en-NZ" dirty="0" err="1"/>
+              <a:t>testAddingEyeballFacingDownFacesDown</a:t>
+            </a:r>
+            <a:endParaRPr lang="en-NZ" dirty="0"/>
+          </a:p>
+          <a:p>
+            <a:pPr>
+              <a:buFont typeface="Wingdings" panose="05000000000000000000" pitchFamily="2" charset="2"/>
+              <a:buChar char="ü"/>
+            </a:pPr>
+            <a:r>
+              <a:rPr lang="en-NZ" dirty="0" err="1"/>
+              <a:t>testAddingEyeballFacingLeftFacesLeft</a:t>
+            </a:r>
+            <a:endParaRPr lang="en-NZ" dirty="0"/>
+          </a:p>
+          <a:p>
+            <a:pPr>
+              <a:buFont typeface="Wingdings" panose="05000000000000000000" pitchFamily="2" charset="2"/>
+              <a:buChar char="ü"/>
+            </a:pPr>
+            <a:r>
+              <a:rPr lang="en-NZ" dirty="0" err="1"/>
+              <a:t>testAddingEyeballFacingRightFacesRight</a:t>
+            </a:r>
+            <a:endParaRPr lang="en-NZ" dirty="0"/>
+          </a:p>
+        </p:txBody>
+      </p:sp>
     </p:spTree>
     <p:extLst>
       <p:ext uri="{BB962C8B-B14F-4D97-AF65-F5344CB8AC3E}">
-        <p14:creationId xmlns:p14="http://schemas.microsoft.com/office/powerpoint/2010/main" val="3031919800"/>
+        <p14:creationId xmlns:p14="http://schemas.microsoft.com/office/powerpoint/2010/main" val="2205924010"/>
       </p:ext>
     </p:extLst>
   </p:cSld>
@@ -5370,7 +5367,7 @@
           <p:cNvPr id="2" name="Title 1">
             <a:extLst>
               <a:ext uri="{FF2B5EF4-FFF2-40B4-BE49-F238E27FC236}">
-                <a16:creationId xmlns:a16="http://schemas.microsoft.com/office/drawing/2014/main" id="{F68B9FA9-A9E6-C38D-8A75-3026CA49DFD6}"/>
+                <a16:creationId xmlns:a16="http://schemas.microsoft.com/office/drawing/2014/main" id="{5D20551F-A574-3CC8-3C10-7CB4CC7ECFCC}"/>
               </a:ext>
             </a:extLst>
           </p:cNvPr>
@@ -5383,12 +5380,21 @@
         </p:nvSpPr>
         <p:spPr/>
         <p:txBody>
-          <a:bodyPr/>
+          <a:bodyPr>
+            <a:normAutofit fontScale="90000"/>
+          </a:bodyPr>
           <a:lstStyle/>
           <a:p>
             <a:r>
               <a:rPr lang="en-NZ" dirty="0" err="1"/>
-              <a:t>testAddingEyeballPutsItWhereExpected</a:t>
+              <a:t>testAddingEyeballOutsideHeightThrowsException</a:t>
+            </a:r>
+            <a:br>
+              <a:rPr lang="en-NZ" dirty="0"/>
+            </a:br>
+            <a:r>
+              <a:rPr lang="en-NZ" dirty="0" err="1"/>
+              <a:t>testAddingEyeballOutsideWidthThrowsException</a:t>
             </a:r>
             <a:endParaRPr lang="en-NZ" dirty="0"/>
           </a:p>
@@ -5399,7 +5405,7 @@
           <p:cNvPr id="5" name="Content Placeholder 4">
             <a:extLst>
               <a:ext uri="{FF2B5EF4-FFF2-40B4-BE49-F238E27FC236}">
-                <a16:creationId xmlns:a16="http://schemas.microsoft.com/office/drawing/2014/main" id="{38442C7B-45CE-F747-8FD3-8465E11232BD}"/>
+                <a16:creationId xmlns:a16="http://schemas.microsoft.com/office/drawing/2014/main" id="{56DCC5A9-1087-AC87-E742-C78B3A95B834}"/>
               </a:ext>
             </a:extLst>
           </p:cNvPr>
@@ -5418,15 +5424,15 @@
         </p:blipFill>
         <p:spPr>
           <a:xfrm>
-            <a:off x="2923732" y="2743818"/>
-            <a:ext cx="6344535" cy="2514951"/>
+            <a:off x="1113729" y="2472318"/>
+            <a:ext cx="9964541" cy="3057952"/>
           </a:xfrm>
         </p:spPr>
       </p:pic>
     </p:spTree>
     <p:extLst>
       <p:ext uri="{BB962C8B-B14F-4D97-AF65-F5344CB8AC3E}">
-        <p14:creationId xmlns:p14="http://schemas.microsoft.com/office/powerpoint/2010/main" val="3444504982"/>
+        <p14:creationId xmlns:p14="http://schemas.microsoft.com/office/powerpoint/2010/main" val="3031919800"/>
       </p:ext>
     </p:extLst>
   </p:cSld>
@@ -5458,7 +5464,7 @@
           <p:cNvPr id="2" name="Title 1">
             <a:extLst>
               <a:ext uri="{FF2B5EF4-FFF2-40B4-BE49-F238E27FC236}">
-                <a16:creationId xmlns:a16="http://schemas.microsoft.com/office/drawing/2014/main" id="{552538C0-5FC6-DBC3-59E2-93CA4090E1C1}"/>
+                <a16:creationId xmlns:a16="http://schemas.microsoft.com/office/drawing/2014/main" id="{F68B9FA9-A9E6-C38D-8A75-3026CA49DFD6}"/>
               </a:ext>
             </a:extLst>
           </p:cNvPr>
@@ -5469,46 +5475,15 @@
             <p:ph type="title"/>
           </p:nvPr>
         </p:nvSpPr>
-        <p:spPr>
-          <a:xfrm>
-            <a:off x="838200" y="681037"/>
-            <a:ext cx="10515600" cy="1325563"/>
-          </a:xfrm>
-        </p:spPr>
-        <p:txBody>
-          <a:bodyPr>
-            <a:normAutofit fontScale="90000"/>
-          </a:bodyPr>
+        <p:spPr/>
+        <p:txBody>
+          <a:bodyPr/>
           <a:lstStyle/>
           <a:p>
             <a:r>
               <a:rPr lang="en-NZ" dirty="0" err="1"/>
-              <a:t>testAddingEyeballFacingUpFacesUp</a:t>
-            </a:r>
-            <a:br>
-              <a:rPr lang="en-NZ" dirty="0"/>
-            </a:br>
-            <a:r>
-              <a:rPr lang="en-NZ" dirty="0" err="1"/>
-              <a:t>testAddingEyeballFacingDownFacesDown</a:t>
-            </a:r>
-            <a:br>
-              <a:rPr lang="en-NZ" dirty="0"/>
-            </a:br>
-            <a:r>
-              <a:rPr lang="en-NZ" dirty="0" err="1"/>
-              <a:t>testAddingEyeballFacingLeftFacesLeft</a:t>
-            </a:r>
-            <a:br>
-              <a:rPr lang="en-NZ" dirty="0"/>
-            </a:br>
-            <a:r>
-              <a:rPr lang="en-NZ" dirty="0" err="1"/>
-              <a:t>testAddingEyeballFacingRightFacesRight</a:t>
-            </a:r>
-            <a:br>
-              <a:rPr lang="en-NZ" dirty="0"/>
-            </a:br>
+              <a:t>testAddingEyeballPutsItWhereExpected</a:t>
+            </a:r>
             <a:endParaRPr lang="en-NZ" dirty="0"/>
           </a:p>
         </p:txBody>
@@ -5518,7 +5493,7 @@
           <p:cNvPr id="5" name="Content Placeholder 4">
             <a:extLst>
               <a:ext uri="{FF2B5EF4-FFF2-40B4-BE49-F238E27FC236}">
-                <a16:creationId xmlns:a16="http://schemas.microsoft.com/office/drawing/2014/main" id="{45813C31-547F-A0F4-4C22-EBC35A190493}"/>
+                <a16:creationId xmlns:a16="http://schemas.microsoft.com/office/drawing/2014/main" id="{38442C7B-45CE-F747-8FD3-8465E11232BD}"/>
               </a:ext>
             </a:extLst>
           </p:cNvPr>
@@ -5537,15 +5512,15 @@
         </p:blipFill>
         <p:spPr>
           <a:xfrm>
-            <a:off x="2267989" y="2857420"/>
-            <a:ext cx="6420746" cy="571580"/>
+            <a:off x="2923732" y="2743818"/>
+            <a:ext cx="6344535" cy="2514951"/>
           </a:xfrm>
         </p:spPr>
       </p:pic>
     </p:spTree>
     <p:extLst>
       <p:ext uri="{BB962C8B-B14F-4D97-AF65-F5344CB8AC3E}">
-        <p14:creationId xmlns:p14="http://schemas.microsoft.com/office/powerpoint/2010/main" val="792923800"/>
+        <p14:creationId xmlns:p14="http://schemas.microsoft.com/office/powerpoint/2010/main" val="3444504982"/>
       </p:ext>
     </p:extLst>
   </p:cSld>
@@ -5577,7 +5552,7 @@
           <p:cNvPr id="2" name="Title 1">
             <a:extLst>
               <a:ext uri="{FF2B5EF4-FFF2-40B4-BE49-F238E27FC236}">
-                <a16:creationId xmlns:a16="http://schemas.microsoft.com/office/drawing/2014/main" id="{84E11098-6445-F10B-6D0A-94D8B7A0FDB2}"/>
+                <a16:creationId xmlns:a16="http://schemas.microsoft.com/office/drawing/2014/main" id="{552538C0-5FC6-DBC3-59E2-93CA4090E1C1}"/>
               </a:ext>
             </a:extLst>
           </p:cNvPr>
@@ -5588,171 +5563,83 @@
             <p:ph type="title"/>
           </p:nvPr>
         </p:nvSpPr>
-        <p:spPr/>
-        <p:txBody>
-          <a:bodyPr/>
+        <p:spPr>
+          <a:xfrm>
+            <a:off x="838200" y="681037"/>
+            <a:ext cx="10515600" cy="1325563"/>
+          </a:xfrm>
+        </p:spPr>
+        <p:txBody>
+          <a:bodyPr>
+            <a:normAutofit fontScale="90000"/>
+          </a:bodyPr>
           <a:lstStyle/>
           <a:p>
             <a:r>
               <a:rPr lang="en-NZ" dirty="0" err="1"/>
-              <a:t>TestMovesUp</a:t>
-            </a:r>
-            <a:r>
+              <a:t>testAddingEyeballFacingUpFacesUp</a:t>
+            </a:r>
+            <a:br>
               <a:rPr lang="en-NZ" dirty="0"/>
-              <a:t>/Left/Right/Up/Down/Diagonal</a:t>
-            </a:r>
-          </a:p>
-        </p:txBody>
-      </p:sp>
-      <p:sp>
-        <p:nvSpPr>
-          <p:cNvPr id="3" name="Content Placeholder 2">
-            <a:extLst>
-              <a:ext uri="{FF2B5EF4-FFF2-40B4-BE49-F238E27FC236}">
-                <a16:creationId xmlns:a16="http://schemas.microsoft.com/office/drawing/2014/main" id="{B9EF7BBC-1C94-43DE-3A82-C7C05205C9AE}"/>
-              </a:ext>
-            </a:extLst>
-          </p:cNvPr>
-          <p:cNvSpPr>
-            <a:spLocks noGrp="1"/>
-          </p:cNvSpPr>
+            </a:br>
+            <a:r>
+              <a:rPr lang="en-NZ" dirty="0" err="1"/>
+              <a:t>testAddingEyeballFacingDownFacesDown</a:t>
+            </a:r>
+            <a:br>
+              <a:rPr lang="en-NZ" dirty="0"/>
+            </a:br>
+            <a:r>
+              <a:rPr lang="en-NZ" dirty="0" err="1"/>
+              <a:t>testAddingEyeballFacingLeftFacesLeft</a:t>
+            </a:r>
+            <a:br>
+              <a:rPr lang="en-NZ" dirty="0"/>
+            </a:br>
+            <a:r>
+              <a:rPr lang="en-NZ" dirty="0" err="1"/>
+              <a:t>testAddingEyeballFacingRightFacesRight</a:t>
+            </a:r>
+            <a:br>
+              <a:rPr lang="en-NZ" dirty="0"/>
+            </a:br>
+            <a:endParaRPr lang="en-NZ" dirty="0"/>
+          </a:p>
+        </p:txBody>
+      </p:sp>
+      <p:pic>
+        <p:nvPicPr>
+          <p:cNvPr id="5" name="Content Placeholder 4">
+            <a:extLst>
+              <a:ext uri="{FF2B5EF4-FFF2-40B4-BE49-F238E27FC236}">
+                <a16:creationId xmlns:a16="http://schemas.microsoft.com/office/drawing/2014/main" id="{45813C31-547F-A0F4-4C22-EBC35A190493}"/>
+              </a:ext>
+            </a:extLst>
+          </p:cNvPr>
+          <p:cNvPicPr>
+            <a:picLocks noGrp="1" noChangeAspect="1"/>
+          </p:cNvPicPr>
           <p:nvPr>
             <p:ph idx="1"/>
           </p:nvPr>
-        </p:nvSpPr>
-        <p:spPr/>
-        <p:txBody>
-          <a:bodyPr>
-            <a:normAutofit fontScale="85000" lnSpcReduction="20000"/>
-          </a:bodyPr>
-          <a:lstStyle/>
-          <a:p>
-            <a:pPr>
-              <a:buFont typeface="Wingdings" panose="05000000000000000000" pitchFamily="2" charset="2"/>
-              <a:buChar char="ü"/>
-            </a:pPr>
-            <a:r>
-              <a:rPr lang="en-NZ" dirty="0" err="1"/>
-              <a:t>testOkToMoveToSameColorOrShape</a:t>
-            </a:r>
-            <a:endParaRPr lang="en-NZ" dirty="0"/>
-          </a:p>
-          <a:p>
-            <a:pPr>
-              <a:buFont typeface="Wingdings" panose="05000000000000000000" pitchFamily="2" charset="2"/>
-              <a:buChar char="ü"/>
-            </a:pPr>
-            <a:r>
-              <a:rPr lang="en-NZ" dirty="0" err="1"/>
-              <a:t>testNotOkToMoveToDifferentColorAndShape</a:t>
-            </a:r>
-            <a:endParaRPr lang="en-NZ" dirty="0"/>
-          </a:p>
-          <a:p>
-            <a:pPr>
-              <a:buFont typeface="Wingdings" panose="05000000000000000000" pitchFamily="2" charset="2"/>
-              <a:buChar char="ü"/>
-            </a:pPr>
-            <a:r>
-              <a:rPr lang="en-NZ" dirty="0" err="1"/>
-              <a:t>testNoErrorMessageWhenMovingToSameColorOrShape</a:t>
-            </a:r>
-            <a:endParaRPr lang="en-NZ" dirty="0"/>
-          </a:p>
-          <a:p>
-            <a:pPr>
-              <a:buFont typeface="Wingdings" panose="05000000000000000000" pitchFamily="2" charset="2"/>
-              <a:buChar char="ü"/>
-            </a:pPr>
-            <a:r>
-              <a:rPr lang="en-NZ" dirty="0" err="1"/>
-              <a:t>testGetsErrorMessageWhenMovingToDifferentColorAndShape</a:t>
-            </a:r>
-            <a:endParaRPr lang="en-NZ" dirty="0"/>
-          </a:p>
-          <a:p>
-            <a:pPr>
-              <a:buFont typeface="Wingdings" panose="05000000000000000000" pitchFamily="2" charset="2"/>
-              <a:buChar char="ü"/>
-            </a:pPr>
-            <a:r>
-              <a:rPr lang="en-NZ" dirty="0" err="1"/>
-              <a:t>testOkWhenEyeballFacesRightOnMovingUp</a:t>
-            </a:r>
-            <a:endParaRPr lang="en-NZ" dirty="0"/>
-          </a:p>
-          <a:p>
-            <a:pPr>
-              <a:buFont typeface="Wingdings" panose="05000000000000000000" pitchFamily="2" charset="2"/>
-              <a:buChar char="ü"/>
-            </a:pPr>
-            <a:r>
-              <a:rPr lang="en-NZ" dirty="0" err="1"/>
-              <a:t>testOkWhenEyeballFacesLeftOnMovingUp</a:t>
-            </a:r>
-            <a:endParaRPr lang="en-NZ" dirty="0"/>
-          </a:p>
-          <a:p>
-            <a:pPr>
-              <a:buFont typeface="Wingdings" panose="05000000000000000000" pitchFamily="2" charset="2"/>
-              <a:buChar char="ü"/>
-            </a:pPr>
-            <a:r>
-              <a:rPr lang="en-NZ" dirty="0" err="1"/>
-              <a:t>testNotOkWhenMovingBackwards</a:t>
-            </a:r>
-            <a:endParaRPr lang="en-NZ" dirty="0"/>
-          </a:p>
-          <a:p>
-            <a:pPr>
-              <a:buFont typeface="Wingdings" panose="05000000000000000000" pitchFamily="2" charset="2"/>
-              <a:buChar char="ü"/>
-            </a:pPr>
-            <a:r>
-              <a:rPr lang="en-NZ" dirty="0" err="1"/>
-              <a:t>testsGetsErrorMessageWhenMovingBackwards</a:t>
-            </a:r>
-            <a:endParaRPr lang="en-NZ" dirty="0"/>
-          </a:p>
-          <a:p>
-            <a:pPr>
-              <a:buFont typeface="Wingdings" panose="05000000000000000000" pitchFamily="2" charset="2"/>
-              <a:buChar char="ü"/>
-            </a:pPr>
-            <a:r>
-              <a:rPr lang="en-NZ" dirty="0" err="1"/>
-              <a:t>testNotOkWhenPathToDestinationCrossesBlank</a:t>
-            </a:r>
-            <a:endParaRPr lang="en-NZ" dirty="0"/>
-          </a:p>
-          <a:p>
-            <a:pPr>
-              <a:buFont typeface="Wingdings" panose="05000000000000000000" pitchFamily="2" charset="2"/>
-              <a:buChar char="ü"/>
-            </a:pPr>
-            <a:r>
-              <a:rPr lang="en-NZ" dirty="0" err="1"/>
-              <a:t>testEyeballMovesToDestinationRowAndColumn</a:t>
-            </a:r>
-            <a:endParaRPr lang="en-NZ" dirty="0"/>
-          </a:p>
-          <a:p>
-            <a:pPr>
-              <a:buFont typeface="Wingdings" panose="05000000000000000000" pitchFamily="2" charset="2"/>
-              <a:buChar char="ü"/>
-            </a:pPr>
-            <a:r>
-              <a:rPr lang="en-NZ" dirty="0" err="1"/>
-              <a:t>testEyeballFacesUPOnMovingUp</a:t>
-            </a:r>
-            <a:endParaRPr lang="en-NZ" dirty="0"/>
-          </a:p>
-        </p:txBody>
-      </p:sp>
+        </p:nvPicPr>
+        <p:blipFill>
+          <a:blip r:embed="rId2"/>
+          <a:stretch>
+            <a:fillRect/>
+          </a:stretch>
+        </p:blipFill>
+        <p:spPr>
+          <a:xfrm>
+            <a:off x="2267989" y="2857420"/>
+            <a:ext cx="6420746" cy="571580"/>
+          </a:xfrm>
+        </p:spPr>
+      </p:pic>
     </p:spTree>
     <p:extLst>
       <p:ext uri="{BB962C8B-B14F-4D97-AF65-F5344CB8AC3E}">
-        <p14:creationId xmlns:p14="http://schemas.microsoft.com/office/powerpoint/2010/main" val="1755810356"/>
+        <p14:creationId xmlns:p14="http://schemas.microsoft.com/office/powerpoint/2010/main" val="792923800"/>
       </p:ext>
     </p:extLst>
   </p:cSld>
@@ -5784,7 +5671,7 @@
           <p:cNvPr id="2" name="Title 1">
             <a:extLst>
               <a:ext uri="{FF2B5EF4-FFF2-40B4-BE49-F238E27FC236}">
-                <a16:creationId xmlns:a16="http://schemas.microsoft.com/office/drawing/2014/main" id="{161C2EC4-120D-EB4C-4B71-6D3B486B6D70}"/>
+                <a16:creationId xmlns:a16="http://schemas.microsoft.com/office/drawing/2014/main" id="{84E11098-6445-F10B-6D0A-94D8B7A0FDB2}"/>
               </a:ext>
             </a:extLst>
           </p:cNvPr>
@@ -5800,137 +5687,166 @@
           <a:bodyPr/>
           <a:lstStyle/>
           <a:p>
+            <a:r>
+              <a:rPr lang="en-NZ" dirty="0" err="1"/>
+              <a:t>TestMovesUp</a:t>
+            </a:r>
+            <a:r>
+              <a:rPr lang="en-NZ" dirty="0"/>
+              <a:t>/Left/Right/Up/Down/Diagonal</a:t>
+            </a:r>
+          </a:p>
+        </p:txBody>
+      </p:sp>
+      <p:sp>
+        <p:nvSpPr>
+          <p:cNvPr id="3" name="Content Placeholder 2">
+            <a:extLst>
+              <a:ext uri="{FF2B5EF4-FFF2-40B4-BE49-F238E27FC236}">
+                <a16:creationId xmlns:a16="http://schemas.microsoft.com/office/drawing/2014/main" id="{B9EF7BBC-1C94-43DE-3A82-C7C05205C9AE}"/>
+              </a:ext>
+            </a:extLst>
+          </p:cNvPr>
+          <p:cNvSpPr>
+            <a:spLocks noGrp="1"/>
+          </p:cNvSpPr>
+          <p:nvPr>
+            <p:ph idx="1"/>
+          </p:nvPr>
+        </p:nvSpPr>
+        <p:spPr/>
+        <p:txBody>
+          <a:bodyPr>
+            <a:normAutofit fontScale="85000" lnSpcReduction="20000"/>
+          </a:bodyPr>
+          <a:lstStyle/>
+          <a:p>
+            <a:pPr>
+              <a:buFont typeface="Wingdings" panose="05000000000000000000" pitchFamily="2" charset="2"/>
+              <a:buChar char="ü"/>
+            </a:pPr>
             <a:r>
               <a:rPr lang="en-NZ" dirty="0" err="1"/>
               <a:t>testOkToMoveToSameColorOrShape</a:t>
             </a:r>
             <a:endParaRPr lang="en-NZ" dirty="0"/>
           </a:p>
-        </p:txBody>
-      </p:sp>
-      <p:pic>
-        <p:nvPicPr>
-          <p:cNvPr id="5" name="Content Placeholder 4">
-            <a:extLst>
-              <a:ext uri="{FF2B5EF4-FFF2-40B4-BE49-F238E27FC236}">
-                <a16:creationId xmlns:a16="http://schemas.microsoft.com/office/drawing/2014/main" id="{CC89831D-9C61-56D8-44EF-2A3DF749A5C2}"/>
-              </a:ext>
-            </a:extLst>
-          </p:cNvPr>
-          <p:cNvPicPr>
-            <a:picLocks noGrp="1" noChangeAspect="1"/>
-          </p:cNvPicPr>
-          <p:nvPr>
-            <p:ph idx="1"/>
-          </p:nvPr>
-        </p:nvPicPr>
-        <p:blipFill>
-          <a:blip r:embed="rId2"/>
-          <a:stretch>
-            <a:fillRect/>
-          </a:stretch>
-        </p:blipFill>
-        <p:spPr>
-          <a:xfrm>
-            <a:off x="970835" y="2610971"/>
-            <a:ext cx="5125165" cy="2276793"/>
-          </a:xfrm>
-        </p:spPr>
-      </p:pic>
-      <p:pic>
-        <p:nvPicPr>
-          <p:cNvPr id="7" name="Picture 6">
-            <a:extLst>
-              <a:ext uri="{FF2B5EF4-FFF2-40B4-BE49-F238E27FC236}">
-                <a16:creationId xmlns:a16="http://schemas.microsoft.com/office/drawing/2014/main" id="{62C80F81-594F-BD3C-ABB9-464EAFE0CCE8}"/>
-              </a:ext>
-            </a:extLst>
-          </p:cNvPr>
-          <p:cNvPicPr>
-            <a:picLocks noChangeAspect="1"/>
-          </p:cNvPicPr>
-          <p:nvPr/>
-        </p:nvPicPr>
-        <p:blipFill>
-          <a:blip r:embed="rId3"/>
-          <a:stretch>
-            <a:fillRect/>
-          </a:stretch>
-        </p:blipFill>
-        <p:spPr>
-          <a:xfrm>
-            <a:off x="970835" y="1439754"/>
-            <a:ext cx="5125165" cy="1086002"/>
-          </a:xfrm>
-          <a:prstGeom prst="rect">
-            <a:avLst/>
-          </a:prstGeom>
-        </p:spPr>
-      </p:pic>
-      <p:pic>
-        <p:nvPicPr>
-          <p:cNvPr id="9" name="Picture 8">
-            <a:extLst>
-              <a:ext uri="{FF2B5EF4-FFF2-40B4-BE49-F238E27FC236}">
-                <a16:creationId xmlns:a16="http://schemas.microsoft.com/office/drawing/2014/main" id="{56B92402-9095-E582-9129-B5DDDF25DDCA}"/>
-              </a:ext>
-            </a:extLst>
-          </p:cNvPr>
-          <p:cNvPicPr>
-            <a:picLocks noChangeAspect="1"/>
-          </p:cNvPicPr>
-          <p:nvPr/>
-        </p:nvPicPr>
-        <p:blipFill>
-          <a:blip r:embed="rId4"/>
-          <a:stretch>
-            <a:fillRect/>
-          </a:stretch>
-        </p:blipFill>
-        <p:spPr>
-          <a:xfrm>
-            <a:off x="970835" y="5088023"/>
-            <a:ext cx="4020111" cy="1028844"/>
-          </a:xfrm>
-          <a:prstGeom prst="rect">
-            <a:avLst/>
-          </a:prstGeom>
-        </p:spPr>
-      </p:pic>
-      <p:pic>
-        <p:nvPicPr>
-          <p:cNvPr id="11" name="Picture 10">
-            <a:extLst>
-              <a:ext uri="{FF2B5EF4-FFF2-40B4-BE49-F238E27FC236}">
-                <a16:creationId xmlns:a16="http://schemas.microsoft.com/office/drawing/2014/main" id="{2C8C26F6-54F9-725A-2867-FBCB558B8BC9}"/>
-              </a:ext>
-            </a:extLst>
-          </p:cNvPr>
-          <p:cNvPicPr>
-            <a:picLocks noChangeAspect="1"/>
-          </p:cNvPicPr>
-          <p:nvPr/>
-        </p:nvPicPr>
-        <p:blipFill>
-          <a:blip r:embed="rId5"/>
-          <a:stretch>
-            <a:fillRect/>
-          </a:stretch>
-        </p:blipFill>
-        <p:spPr>
-          <a:xfrm>
-            <a:off x="6923312" y="1316925"/>
-            <a:ext cx="5268688" cy="5419777"/>
-          </a:xfrm>
-          <a:prstGeom prst="rect">
-            <a:avLst/>
-          </a:prstGeom>
-        </p:spPr>
-      </p:pic>
+          <a:p>
+            <a:pPr>
+              <a:buFont typeface="Wingdings" panose="05000000000000000000" pitchFamily="2" charset="2"/>
+              <a:buChar char="ü"/>
+            </a:pPr>
+            <a:r>
+              <a:rPr lang="en-NZ" dirty="0" err="1"/>
+              <a:t>testNotOkToMoveToDifferentColorAndShape</a:t>
+            </a:r>
+            <a:endParaRPr lang="en-NZ" dirty="0"/>
+          </a:p>
+          <a:p>
+            <a:pPr>
+              <a:buFont typeface="Wingdings" panose="05000000000000000000" pitchFamily="2" charset="2"/>
+              <a:buChar char="ü"/>
+            </a:pPr>
+            <a:r>
+              <a:rPr lang="en-NZ" dirty="0" err="1"/>
+              <a:t>testNoErrorMessageWhenMovingToSameColorOrShape</a:t>
+            </a:r>
+            <a:endParaRPr lang="en-NZ" dirty="0"/>
+          </a:p>
+          <a:p>
+            <a:pPr>
+              <a:buFont typeface="Wingdings" panose="05000000000000000000" pitchFamily="2" charset="2"/>
+              <a:buChar char="ü"/>
+            </a:pPr>
+            <a:r>
+              <a:rPr lang="en-NZ" dirty="0" err="1"/>
+              <a:t>testGetsErrorMessageWhenMovingToDifferentColorAndShape</a:t>
+            </a:r>
+            <a:endParaRPr lang="en-NZ" dirty="0"/>
+          </a:p>
+          <a:p>
+            <a:pPr>
+              <a:buFont typeface="Wingdings" panose="05000000000000000000" pitchFamily="2" charset="2"/>
+              <a:buChar char="ü"/>
+            </a:pPr>
+            <a:r>
+              <a:rPr lang="en-NZ" dirty="0" err="1"/>
+              <a:t>testOkWhenEyeballFacesRightOnMovingUp</a:t>
+            </a:r>
+            <a:endParaRPr lang="en-NZ" dirty="0"/>
+          </a:p>
+          <a:p>
+            <a:pPr>
+              <a:buFont typeface="Wingdings" panose="05000000000000000000" pitchFamily="2" charset="2"/>
+              <a:buChar char="ü"/>
+            </a:pPr>
+            <a:r>
+              <a:rPr lang="en-NZ" dirty="0" err="1"/>
+              <a:t>testOkWhenEyeballFacesLeftOnMovingUp</a:t>
+            </a:r>
+            <a:endParaRPr lang="en-NZ" dirty="0"/>
+          </a:p>
+          <a:p>
+            <a:pPr>
+              <a:buFont typeface="Wingdings" panose="05000000000000000000" pitchFamily="2" charset="2"/>
+              <a:buChar char="ü"/>
+            </a:pPr>
+            <a:r>
+              <a:rPr lang="en-NZ" dirty="0" err="1"/>
+              <a:t>testNotOkWhenMovingBackwards</a:t>
+            </a:r>
+            <a:endParaRPr lang="en-NZ" dirty="0"/>
+          </a:p>
+          <a:p>
+            <a:pPr>
+              <a:buFont typeface="Wingdings" panose="05000000000000000000" pitchFamily="2" charset="2"/>
+              <a:buChar char="ü"/>
+            </a:pPr>
+            <a:r>
+              <a:rPr lang="en-NZ" dirty="0" err="1"/>
+              <a:t>testsGetsErrorMessageWhenMovingBackwards</a:t>
+            </a:r>
+            <a:endParaRPr lang="en-NZ" dirty="0"/>
+          </a:p>
+          <a:p>
+            <a:pPr>
+              <a:buFont typeface="Wingdings" panose="05000000000000000000" pitchFamily="2" charset="2"/>
+              <a:buChar char="ü"/>
+            </a:pPr>
+            <a:r>
+              <a:rPr lang="en-NZ" dirty="0" err="1"/>
+              <a:t>testNotOkWhenPathToDestinationCrossesBlank</a:t>
+            </a:r>
+            <a:endParaRPr lang="en-NZ" dirty="0"/>
+          </a:p>
+          <a:p>
+            <a:pPr>
+              <a:buFont typeface="Wingdings" panose="05000000000000000000" pitchFamily="2" charset="2"/>
+              <a:buChar char="ü"/>
+            </a:pPr>
+            <a:r>
+              <a:rPr lang="en-NZ" dirty="0" err="1"/>
+              <a:t>testEyeballMovesToDestinationRowAndColumn</a:t>
+            </a:r>
+            <a:endParaRPr lang="en-NZ" dirty="0"/>
+          </a:p>
+          <a:p>
+            <a:pPr>
+              <a:buFont typeface="Wingdings" panose="05000000000000000000" pitchFamily="2" charset="2"/>
+              <a:buChar char="ü"/>
+            </a:pPr>
+            <a:r>
+              <a:rPr lang="en-NZ" dirty="0" err="1"/>
+              <a:t>testEyeballFacesUPOnMovingUp</a:t>
+            </a:r>
+            <a:endParaRPr lang="en-NZ" dirty="0"/>
+          </a:p>
+        </p:txBody>
+      </p:sp>
     </p:spTree>
     <p:extLst>
       <p:ext uri="{BB962C8B-B14F-4D97-AF65-F5344CB8AC3E}">
-        <p14:creationId xmlns:p14="http://schemas.microsoft.com/office/powerpoint/2010/main" val="273243910"/>
+        <p14:creationId xmlns:p14="http://schemas.microsoft.com/office/powerpoint/2010/main" val="1755810356"/>
       </p:ext>
     </p:extLst>
   </p:cSld>
@@ -5962,7 +5878,7 @@
           <p:cNvPr id="2" name="Title 1">
             <a:extLst>
               <a:ext uri="{FF2B5EF4-FFF2-40B4-BE49-F238E27FC236}">
-                <a16:creationId xmlns:a16="http://schemas.microsoft.com/office/drawing/2014/main" id="{375E7346-DD1D-7147-ECE0-A75D8A49AFB7}"/>
+                <a16:creationId xmlns:a16="http://schemas.microsoft.com/office/drawing/2014/main" id="{161C2EC4-120D-EB4C-4B71-6D3B486B6D70}"/>
               </a:ext>
             </a:extLst>
           </p:cNvPr>
@@ -5980,7 +5896,7 @@
           <a:p>
             <a:r>
               <a:rPr lang="en-NZ" dirty="0" err="1"/>
-              <a:t>testNotOkToMoveToDifferentColorAndShape</a:t>
+              <a:t>testOkToMoveToSameColorOrShape</a:t>
             </a:r>
             <a:endParaRPr lang="en-NZ" dirty="0"/>
           </a:p>
@@ -5988,17 +5904,19 @@
       </p:sp>
       <p:pic>
         <p:nvPicPr>
-          <p:cNvPr id="4" name="Content Placeholder 4">
-            <a:extLst>
-              <a:ext uri="{FF2B5EF4-FFF2-40B4-BE49-F238E27FC236}">
-                <a16:creationId xmlns:a16="http://schemas.microsoft.com/office/drawing/2014/main" id="{69086761-9C13-61EC-2475-18099FDA368A}"/>
+          <p:cNvPr id="5" name="Content Placeholder 4">
+            <a:extLst>
+              <a:ext uri="{FF2B5EF4-FFF2-40B4-BE49-F238E27FC236}">
+                <a16:creationId xmlns:a16="http://schemas.microsoft.com/office/drawing/2014/main" id="{CC89831D-9C61-56D8-44EF-2A3DF749A5C2}"/>
               </a:ext>
             </a:extLst>
           </p:cNvPr>
           <p:cNvPicPr>
-            <a:picLocks noChangeAspect="1"/>
+            <a:picLocks noGrp="1" noChangeAspect="1"/>
           </p:cNvPicPr>
-          <p:nvPr/>
+          <p:nvPr>
+            <p:ph idx="1"/>
+          </p:nvPr>
         </p:nvPicPr>
         <p:blipFill>
           <a:blip r:embed="rId2"/>
@@ -6011,17 +5929,14 @@
             <a:off x="970835" y="2610971"/>
             <a:ext cx="5125165" cy="2276793"/>
           </a:xfrm>
-          <a:prstGeom prst="rect">
-            <a:avLst/>
-          </a:prstGeom>
         </p:spPr>
       </p:pic>
       <p:pic>
         <p:nvPicPr>
-          <p:cNvPr id="5" name="Picture 4">
-            <a:extLst>
-              <a:ext uri="{FF2B5EF4-FFF2-40B4-BE49-F238E27FC236}">
-                <a16:creationId xmlns:a16="http://schemas.microsoft.com/office/drawing/2014/main" id="{2D292BE1-D25F-12D9-20BD-6A361391BF0E}"/>
+          <p:cNvPr id="7" name="Picture 6">
+            <a:extLst>
+              <a:ext uri="{FF2B5EF4-FFF2-40B4-BE49-F238E27FC236}">
+                <a16:creationId xmlns:a16="http://schemas.microsoft.com/office/drawing/2014/main" id="{62C80F81-594F-BD3C-ABB9-464EAFE0CCE8}"/>
               </a:ext>
             </a:extLst>
           </p:cNvPr>
@@ -6048,10 +5963,10 @@
       </p:pic>
       <p:pic>
         <p:nvPicPr>
-          <p:cNvPr id="6" name="Picture 5">
-            <a:extLst>
-              <a:ext uri="{FF2B5EF4-FFF2-40B4-BE49-F238E27FC236}">
-                <a16:creationId xmlns:a16="http://schemas.microsoft.com/office/drawing/2014/main" id="{9108B265-AA38-BDA8-2A52-958A6F55D61C}"/>
+          <p:cNvPr id="9" name="Picture 8">
+            <a:extLst>
+              <a:ext uri="{FF2B5EF4-FFF2-40B4-BE49-F238E27FC236}">
+                <a16:creationId xmlns:a16="http://schemas.microsoft.com/office/drawing/2014/main" id="{56B92402-9095-E582-9129-B5DDDF25DDCA}"/>
               </a:ext>
             </a:extLst>
           </p:cNvPr>
@@ -6078,10 +5993,10 @@
       </p:pic>
       <p:pic>
         <p:nvPicPr>
-          <p:cNvPr id="7" name="Picture 6">
-            <a:extLst>
-              <a:ext uri="{FF2B5EF4-FFF2-40B4-BE49-F238E27FC236}">
-                <a16:creationId xmlns:a16="http://schemas.microsoft.com/office/drawing/2014/main" id="{E55A5F08-1524-9878-E1C9-0AF234AA7246}"/>
+          <p:cNvPr id="11" name="Picture 10">
+            <a:extLst>
+              <a:ext uri="{FF2B5EF4-FFF2-40B4-BE49-F238E27FC236}">
+                <a16:creationId xmlns:a16="http://schemas.microsoft.com/office/drawing/2014/main" id="{2C8C26F6-54F9-725A-2867-FBCB558B8BC9}"/>
               </a:ext>
             </a:extLst>
           </p:cNvPr>
@@ -6109,7 +6024,7 @@
     </p:spTree>
     <p:extLst>
       <p:ext uri="{BB962C8B-B14F-4D97-AF65-F5344CB8AC3E}">
-        <p14:creationId xmlns:p14="http://schemas.microsoft.com/office/powerpoint/2010/main" val="613419367"/>
+        <p14:creationId xmlns:p14="http://schemas.microsoft.com/office/powerpoint/2010/main" val="273243910"/>
       </p:ext>
     </p:extLst>
   </p:cSld>
@@ -6141,7 +6056,7 @@
           <p:cNvPr id="2" name="Title 1">
             <a:extLst>
               <a:ext uri="{FF2B5EF4-FFF2-40B4-BE49-F238E27FC236}">
-                <a16:creationId xmlns:a16="http://schemas.microsoft.com/office/drawing/2014/main" id="{E0BECE0B-ACE2-176A-18AD-A1CB95C5027E}"/>
+                <a16:creationId xmlns:a16="http://schemas.microsoft.com/office/drawing/2014/main" id="{375E7346-DD1D-7147-ECE0-A75D8A49AFB7}"/>
               </a:ext>
             </a:extLst>
           </p:cNvPr>
@@ -6159,7 +6074,7 @@
           <a:p>
             <a:r>
               <a:rPr lang="en-NZ" dirty="0" err="1"/>
-              <a:t>testNoErrorMessageWhenMovingToSameColorOrShape</a:t>
+              <a:t>testNotOkToMoveToDifferentColorAndShape</a:t>
             </a:r>
             <a:endParaRPr lang="en-NZ" dirty="0"/>
           </a:p>
@@ -6167,19 +6082,17 @@
       </p:sp>
       <p:pic>
         <p:nvPicPr>
-          <p:cNvPr id="5" name="Content Placeholder 4">
-            <a:extLst>
-              <a:ext uri="{FF2B5EF4-FFF2-40B4-BE49-F238E27FC236}">
-                <a16:creationId xmlns:a16="http://schemas.microsoft.com/office/drawing/2014/main" id="{A62BA9D7-38B2-ECDA-DA9C-33D17A2675F6}"/>
+          <p:cNvPr id="4" name="Content Placeholder 4">
+            <a:extLst>
+              <a:ext uri="{FF2B5EF4-FFF2-40B4-BE49-F238E27FC236}">
+                <a16:creationId xmlns:a16="http://schemas.microsoft.com/office/drawing/2014/main" id="{69086761-9C13-61EC-2475-18099FDA368A}"/>
               </a:ext>
             </a:extLst>
           </p:cNvPr>
           <p:cNvPicPr>
-            <a:picLocks noGrp="1" noChangeAspect="1"/>
+            <a:picLocks noChangeAspect="1"/>
           </p:cNvPicPr>
-          <p:nvPr>
-            <p:ph idx="1"/>
-          </p:nvPr>
+          <p:nvPr/>
         </p:nvPicPr>
         <p:blipFill>
           <a:blip r:embed="rId2"/>
@@ -6189,17 +6102,20 @@
         </p:blipFill>
         <p:spPr>
           <a:xfrm>
-            <a:off x="3548149" y="2032719"/>
-            <a:ext cx="4677428" cy="1476581"/>
-          </a:xfrm>
+            <a:off x="970835" y="2610971"/>
+            <a:ext cx="5125165" cy="2276793"/>
+          </a:xfrm>
+          <a:prstGeom prst="rect">
+            <a:avLst/>
+          </a:prstGeom>
         </p:spPr>
       </p:pic>
       <p:pic>
         <p:nvPicPr>
-          <p:cNvPr id="7" name="Picture 6">
-            <a:extLst>
-              <a:ext uri="{FF2B5EF4-FFF2-40B4-BE49-F238E27FC236}">
-                <a16:creationId xmlns:a16="http://schemas.microsoft.com/office/drawing/2014/main" id="{8BBB80D2-DD8D-0AC9-0F63-1D8D0707E310}"/>
+          <p:cNvPr id="5" name="Picture 4">
+            <a:extLst>
+              <a:ext uri="{FF2B5EF4-FFF2-40B4-BE49-F238E27FC236}">
+                <a16:creationId xmlns:a16="http://schemas.microsoft.com/office/drawing/2014/main" id="{2D292BE1-D25F-12D9-20BD-6A361391BF0E}"/>
               </a:ext>
             </a:extLst>
           </p:cNvPr>
@@ -6216,8 +6132,68 @@
         </p:blipFill>
         <p:spPr>
           <a:xfrm>
-            <a:off x="3261917" y="3659959"/>
-            <a:ext cx="5668166" cy="2181529"/>
+            <a:off x="970835" y="1439754"/>
+            <a:ext cx="5125165" cy="1086002"/>
+          </a:xfrm>
+          <a:prstGeom prst="rect">
+            <a:avLst/>
+          </a:prstGeom>
+        </p:spPr>
+      </p:pic>
+      <p:pic>
+        <p:nvPicPr>
+          <p:cNvPr id="6" name="Picture 5">
+            <a:extLst>
+              <a:ext uri="{FF2B5EF4-FFF2-40B4-BE49-F238E27FC236}">
+                <a16:creationId xmlns:a16="http://schemas.microsoft.com/office/drawing/2014/main" id="{9108B265-AA38-BDA8-2A52-958A6F55D61C}"/>
+              </a:ext>
+            </a:extLst>
+          </p:cNvPr>
+          <p:cNvPicPr>
+            <a:picLocks noChangeAspect="1"/>
+          </p:cNvPicPr>
+          <p:nvPr/>
+        </p:nvPicPr>
+        <p:blipFill>
+          <a:blip r:embed="rId4"/>
+          <a:stretch>
+            <a:fillRect/>
+          </a:stretch>
+        </p:blipFill>
+        <p:spPr>
+          <a:xfrm>
+            <a:off x="970835" y="5088023"/>
+            <a:ext cx="4020111" cy="1028844"/>
+          </a:xfrm>
+          <a:prstGeom prst="rect">
+            <a:avLst/>
+          </a:prstGeom>
+        </p:spPr>
+      </p:pic>
+      <p:pic>
+        <p:nvPicPr>
+          <p:cNvPr id="7" name="Picture 6">
+            <a:extLst>
+              <a:ext uri="{FF2B5EF4-FFF2-40B4-BE49-F238E27FC236}">
+                <a16:creationId xmlns:a16="http://schemas.microsoft.com/office/drawing/2014/main" id="{E55A5F08-1524-9878-E1C9-0AF234AA7246}"/>
+              </a:ext>
+            </a:extLst>
+          </p:cNvPr>
+          <p:cNvPicPr>
+            <a:picLocks noChangeAspect="1"/>
+          </p:cNvPicPr>
+          <p:nvPr/>
+        </p:nvPicPr>
+        <p:blipFill>
+          <a:blip r:embed="rId5"/>
+          <a:stretch>
+            <a:fillRect/>
+          </a:stretch>
+        </p:blipFill>
+        <p:spPr>
+          <a:xfrm>
+            <a:off x="6923312" y="1316925"/>
+            <a:ext cx="5268688" cy="5419777"/>
           </a:xfrm>
           <a:prstGeom prst="rect">
             <a:avLst/>
@@ -6227,7 +6203,7 @@
     </p:spTree>
     <p:extLst>
       <p:ext uri="{BB962C8B-B14F-4D97-AF65-F5344CB8AC3E}">
-        <p14:creationId xmlns:p14="http://schemas.microsoft.com/office/powerpoint/2010/main" val="2567015007"/>
+        <p14:creationId xmlns:p14="http://schemas.microsoft.com/office/powerpoint/2010/main" val="613419367"/>
       </p:ext>
     </p:extLst>
   </p:cSld>
@@ -6259,7 +6235,7 @@
           <p:cNvPr id="2" name="Title 1">
             <a:extLst>
               <a:ext uri="{FF2B5EF4-FFF2-40B4-BE49-F238E27FC236}">
-                <a16:creationId xmlns:a16="http://schemas.microsoft.com/office/drawing/2014/main" id="{97C30249-1FCB-A988-7C48-8AF17044FA9D}"/>
+                <a16:creationId xmlns:a16="http://schemas.microsoft.com/office/drawing/2014/main" id="{E0BECE0B-ACE2-176A-18AD-A1CB95C5027E}"/>
               </a:ext>
             </a:extLst>
           </p:cNvPr>
@@ -6270,19 +6246,14 @@
             <p:ph type="title"/>
           </p:nvPr>
         </p:nvSpPr>
-        <p:spPr>
-          <a:xfrm>
-            <a:off x="556953" y="365125"/>
-            <a:ext cx="10796847" cy="1325563"/>
-          </a:xfrm>
-        </p:spPr>
+        <p:spPr/>
         <p:txBody>
           <a:bodyPr/>
           <a:lstStyle/>
           <a:p>
             <a:r>
               <a:rPr lang="en-NZ" dirty="0" err="1"/>
-              <a:t>testGetsErrorMessageWhenMovingToDifferentColorAndShape</a:t>
+              <a:t>testNoErrorMessageWhenMovingToSameColorOrShape</a:t>
             </a:r>
             <a:endParaRPr lang="en-NZ" dirty="0"/>
           </a:p>
@@ -6290,17 +6261,19 @@
       </p:sp>
       <p:pic>
         <p:nvPicPr>
-          <p:cNvPr id="4" name="Content Placeholder 4">
-            <a:extLst>
-              <a:ext uri="{FF2B5EF4-FFF2-40B4-BE49-F238E27FC236}">
-                <a16:creationId xmlns:a16="http://schemas.microsoft.com/office/drawing/2014/main" id="{4E5EDD4B-64A9-DFA2-9F73-A6591F348217}"/>
+          <p:cNvPr id="5" name="Content Placeholder 4">
+            <a:extLst>
+              <a:ext uri="{FF2B5EF4-FFF2-40B4-BE49-F238E27FC236}">
+                <a16:creationId xmlns:a16="http://schemas.microsoft.com/office/drawing/2014/main" id="{A62BA9D7-38B2-ECDA-DA9C-33D17A2675F6}"/>
               </a:ext>
             </a:extLst>
           </p:cNvPr>
           <p:cNvPicPr>
-            <a:picLocks noChangeAspect="1"/>
+            <a:picLocks noGrp="1" noChangeAspect="1"/>
           </p:cNvPicPr>
-          <p:nvPr/>
+          <p:nvPr>
+            <p:ph idx="1"/>
+          </p:nvPr>
         </p:nvPicPr>
         <p:blipFill>
           <a:blip r:embed="rId2"/>
@@ -6313,17 +6286,14 @@
             <a:off x="3548149" y="2032719"/>
             <a:ext cx="4677428" cy="1476581"/>
           </a:xfrm>
-          <a:prstGeom prst="rect">
-            <a:avLst/>
-          </a:prstGeom>
         </p:spPr>
       </p:pic>
       <p:pic>
         <p:nvPicPr>
-          <p:cNvPr id="5" name="Picture 4">
-            <a:extLst>
-              <a:ext uri="{FF2B5EF4-FFF2-40B4-BE49-F238E27FC236}">
-                <a16:creationId xmlns:a16="http://schemas.microsoft.com/office/drawing/2014/main" id="{A00F5DC9-2595-20FD-779A-304732C0DEF6}"/>
+          <p:cNvPr id="7" name="Picture 6">
+            <a:extLst>
+              <a:ext uri="{FF2B5EF4-FFF2-40B4-BE49-F238E27FC236}">
+                <a16:creationId xmlns:a16="http://schemas.microsoft.com/office/drawing/2014/main" id="{8BBB80D2-DD8D-0AC9-0F63-1D8D0707E310}"/>
               </a:ext>
             </a:extLst>
           </p:cNvPr>
@@ -6351,7 +6321,7 @@
     </p:spTree>
     <p:extLst>
       <p:ext uri="{BB962C8B-B14F-4D97-AF65-F5344CB8AC3E}">
-        <p14:creationId xmlns:p14="http://schemas.microsoft.com/office/powerpoint/2010/main" val="1337394221"/>
+        <p14:creationId xmlns:p14="http://schemas.microsoft.com/office/powerpoint/2010/main" val="2567015007"/>
       </p:ext>
     </p:extLst>
   </p:cSld>
@@ -6383,7 +6353,7 @@
           <p:cNvPr id="2" name="Title 1">
             <a:extLst>
               <a:ext uri="{FF2B5EF4-FFF2-40B4-BE49-F238E27FC236}">
-                <a16:creationId xmlns:a16="http://schemas.microsoft.com/office/drawing/2014/main" id="{35BDA9C7-3D2F-CE05-4CBE-35DD08489DAB}"/>
+                <a16:creationId xmlns:a16="http://schemas.microsoft.com/office/drawing/2014/main" id="{97C30249-1FCB-A988-7C48-8AF17044FA9D}"/>
               </a:ext>
             </a:extLst>
           </p:cNvPr>
@@ -6394,33 +6364,37 @@
             <p:ph type="title"/>
           </p:nvPr>
         </p:nvSpPr>
-        <p:spPr/>
+        <p:spPr>
+          <a:xfrm>
+            <a:off x="556953" y="365125"/>
+            <a:ext cx="10796847" cy="1325563"/>
+          </a:xfrm>
+        </p:spPr>
         <p:txBody>
           <a:bodyPr/>
           <a:lstStyle/>
           <a:p>
             <a:r>
-              <a:rPr lang="en-NZ" dirty="0"/>
-              <a:t>Test facing in the right directions</a:t>
-            </a:r>
+              <a:rPr lang="en-NZ" dirty="0" err="1"/>
+              <a:t>testGetsErrorMessageWhenMovingToDifferentColorAndShape</a:t>
+            </a:r>
+            <a:endParaRPr lang="en-NZ" dirty="0"/>
           </a:p>
         </p:txBody>
       </p:sp>
       <p:pic>
         <p:nvPicPr>
-          <p:cNvPr id="5" name="Content Placeholder 4">
-            <a:extLst>
-              <a:ext uri="{FF2B5EF4-FFF2-40B4-BE49-F238E27FC236}">
-                <a16:creationId xmlns:a16="http://schemas.microsoft.com/office/drawing/2014/main" id="{9C4B387D-E22C-7572-6ADC-8F2E2C9FF915}"/>
+          <p:cNvPr id="4" name="Content Placeholder 4">
+            <a:extLst>
+              <a:ext uri="{FF2B5EF4-FFF2-40B4-BE49-F238E27FC236}">
+                <a16:creationId xmlns:a16="http://schemas.microsoft.com/office/drawing/2014/main" id="{4E5EDD4B-64A9-DFA2-9F73-A6591F348217}"/>
               </a:ext>
             </a:extLst>
           </p:cNvPr>
           <p:cNvPicPr>
-            <a:picLocks noGrp="1" noChangeAspect="1"/>
+            <a:picLocks noChangeAspect="1"/>
           </p:cNvPicPr>
-          <p:nvPr>
-            <p:ph idx="1"/>
-          </p:nvPr>
+          <p:nvPr/>
         </p:nvPicPr>
         <p:blipFill>
           <a:blip r:embed="rId2"/>
@@ -6430,15 +6404,48 @@
         </p:blipFill>
         <p:spPr>
           <a:xfrm>
-            <a:off x="3211073" y="1452286"/>
-            <a:ext cx="4639322" cy="3953427"/>
-          </a:xfrm>
+            <a:off x="3548149" y="2032719"/>
+            <a:ext cx="4677428" cy="1476581"/>
+          </a:xfrm>
+          <a:prstGeom prst="rect">
+            <a:avLst/>
+          </a:prstGeom>
+        </p:spPr>
+      </p:pic>
+      <p:pic>
+        <p:nvPicPr>
+          <p:cNvPr id="5" name="Picture 4">
+            <a:extLst>
+              <a:ext uri="{FF2B5EF4-FFF2-40B4-BE49-F238E27FC236}">
+                <a16:creationId xmlns:a16="http://schemas.microsoft.com/office/drawing/2014/main" id="{A00F5DC9-2595-20FD-779A-304732C0DEF6}"/>
+              </a:ext>
+            </a:extLst>
+          </p:cNvPr>
+          <p:cNvPicPr>
+            <a:picLocks noChangeAspect="1"/>
+          </p:cNvPicPr>
+          <p:nvPr/>
+        </p:nvPicPr>
+        <p:blipFill>
+          <a:blip r:embed="rId3"/>
+          <a:stretch>
+            <a:fillRect/>
+          </a:stretch>
+        </p:blipFill>
+        <p:spPr>
+          <a:xfrm>
+            <a:off x="3261917" y="3659959"/>
+            <a:ext cx="5668166" cy="2181529"/>
+          </a:xfrm>
+          <a:prstGeom prst="rect">
+            <a:avLst/>
+          </a:prstGeom>
         </p:spPr>
       </p:pic>
     </p:spTree>
     <p:extLst>
       <p:ext uri="{BB962C8B-B14F-4D97-AF65-F5344CB8AC3E}">
-        <p14:creationId xmlns:p14="http://schemas.microsoft.com/office/powerpoint/2010/main" val="160827625"/>
+        <p14:creationId xmlns:p14="http://schemas.microsoft.com/office/powerpoint/2010/main" val="1337394221"/>
       </p:ext>
     </p:extLst>
   </p:cSld>
@@ -6470,7 +6477,7 @@
           <p:cNvPr id="2" name="Title 1">
             <a:extLst>
               <a:ext uri="{FF2B5EF4-FFF2-40B4-BE49-F238E27FC236}">
-                <a16:creationId xmlns:a16="http://schemas.microsoft.com/office/drawing/2014/main" id="{0A68248C-EE92-F88E-5A02-F607B3AD850B}"/>
+                <a16:creationId xmlns:a16="http://schemas.microsoft.com/office/drawing/2014/main" id="{35BDA9C7-3D2F-CE05-4CBE-35DD08489DAB}"/>
               </a:ext>
             </a:extLst>
           </p:cNvPr>
@@ -6483,23 +6490,13 @@
         </p:nvSpPr>
         <p:spPr/>
         <p:txBody>
-          <a:bodyPr>
-            <a:normAutofit fontScale="90000"/>
-          </a:bodyPr>
-          <a:lstStyle/>
-          <a:p>
-            <a:r>
-              <a:rPr lang="en-NZ" dirty="0" err="1"/>
-              <a:t>testNotOkWhenMovingBackwards</a:t>
-            </a:r>
-            <a:br>
+          <a:bodyPr/>
+          <a:lstStyle/>
+          <a:p>
+            <a:r>
               <a:rPr lang="en-NZ" dirty="0"/>
-            </a:br>
-            <a:r>
-              <a:rPr lang="en-NZ" dirty="0" err="1"/>
-              <a:t>testsGetsErrorMessageWhenMovingBackwards</a:t>
-            </a:r>
-            <a:endParaRPr lang="en-NZ" dirty="0"/>
+              <a:t>Test facing in the right directions</a:t>
+            </a:r>
           </a:p>
         </p:txBody>
       </p:sp>
@@ -6508,7 +6505,7 @@
           <p:cNvPr id="5" name="Content Placeholder 4">
             <a:extLst>
               <a:ext uri="{FF2B5EF4-FFF2-40B4-BE49-F238E27FC236}">
-                <a16:creationId xmlns:a16="http://schemas.microsoft.com/office/drawing/2014/main" id="{518E12BF-12AC-3DA4-B12E-7AC451970155}"/>
+                <a16:creationId xmlns:a16="http://schemas.microsoft.com/office/drawing/2014/main" id="{9C4B387D-E22C-7572-6ADC-8F2E2C9FF915}"/>
               </a:ext>
             </a:extLst>
           </p:cNvPr>
@@ -6527,15 +6524,15 @@
         </p:blipFill>
         <p:spPr>
           <a:xfrm>
-            <a:off x="2942706" y="1518053"/>
-            <a:ext cx="5128934" cy="5206943"/>
+            <a:off x="3211073" y="1452286"/>
+            <a:ext cx="4639322" cy="3953427"/>
           </a:xfrm>
         </p:spPr>
       </p:pic>
     </p:spTree>
     <p:extLst>
       <p:ext uri="{BB962C8B-B14F-4D97-AF65-F5344CB8AC3E}">
-        <p14:creationId xmlns:p14="http://schemas.microsoft.com/office/powerpoint/2010/main" val="877754472"/>
+        <p14:creationId xmlns:p14="http://schemas.microsoft.com/office/powerpoint/2010/main" val="160827625"/>
       </p:ext>
     </p:extLst>
   </p:cSld>
@@ -6567,7 +6564,7 @@
           <p:cNvPr id="2" name="Title 1">
             <a:extLst>
               <a:ext uri="{FF2B5EF4-FFF2-40B4-BE49-F238E27FC236}">
-                <a16:creationId xmlns:a16="http://schemas.microsoft.com/office/drawing/2014/main" id="{B110F751-E4DF-0430-E689-32993723B585}"/>
+                <a16:creationId xmlns:a16="http://schemas.microsoft.com/office/drawing/2014/main" id="{0A68248C-EE92-F88E-5A02-F607B3AD850B}"/>
               </a:ext>
             </a:extLst>
           </p:cNvPr>
@@ -6578,19 +6575,23 @@
             <p:ph type="title"/>
           </p:nvPr>
         </p:nvSpPr>
-        <p:spPr>
-          <a:xfrm>
-            <a:off x="232756" y="365125"/>
-            <a:ext cx="11121044" cy="1325563"/>
-          </a:xfrm>
-        </p:spPr>
-        <p:txBody>
-          <a:bodyPr/>
+        <p:spPr/>
+        <p:txBody>
+          <a:bodyPr>
+            <a:normAutofit fontScale="90000"/>
+          </a:bodyPr>
           <a:lstStyle/>
           <a:p>
             <a:r>
               <a:rPr lang="en-NZ" dirty="0" err="1"/>
-              <a:t>testNotOkWhenPathToDestinationCrossesBlank</a:t>
+              <a:t>testNotOkWhenMovingBackwards</a:t>
+            </a:r>
+            <a:br>
+              <a:rPr lang="en-NZ" dirty="0"/>
+            </a:br>
+            <a:r>
+              <a:rPr lang="en-NZ" dirty="0" err="1"/>
+              <a:t>testsGetsErrorMessageWhenMovingBackwards</a:t>
             </a:r>
             <a:endParaRPr lang="en-NZ" dirty="0"/>
           </a:p>
@@ -6598,10 +6599,10 @@
       </p:sp>
       <p:pic>
         <p:nvPicPr>
-          <p:cNvPr id="8" name="Content Placeholder 7">
-            <a:extLst>
-              <a:ext uri="{FF2B5EF4-FFF2-40B4-BE49-F238E27FC236}">
-                <a16:creationId xmlns:a16="http://schemas.microsoft.com/office/drawing/2014/main" id="{462E8ED0-8B9C-2BA2-790E-1F27F48889B0}"/>
+          <p:cNvPr id="5" name="Content Placeholder 4">
+            <a:extLst>
+              <a:ext uri="{FF2B5EF4-FFF2-40B4-BE49-F238E27FC236}">
+                <a16:creationId xmlns:a16="http://schemas.microsoft.com/office/drawing/2014/main" id="{518E12BF-12AC-3DA4-B12E-7AC451970155}"/>
               </a:ext>
             </a:extLst>
           </p:cNvPr>
@@ -6620,15 +6621,15 @@
         </p:blipFill>
         <p:spPr>
           <a:xfrm>
-            <a:off x="2183147" y="1289718"/>
-            <a:ext cx="6312460" cy="5568282"/>
+            <a:off x="2942706" y="1518053"/>
+            <a:ext cx="5128934" cy="5206943"/>
           </a:xfrm>
         </p:spPr>
       </p:pic>
     </p:spTree>
     <p:extLst>
       <p:ext uri="{BB962C8B-B14F-4D97-AF65-F5344CB8AC3E}">
-        <p14:creationId xmlns:p14="http://schemas.microsoft.com/office/powerpoint/2010/main" val="593154966"/>
+        <p14:creationId xmlns:p14="http://schemas.microsoft.com/office/powerpoint/2010/main" val="877754472"/>
       </p:ext>
     </p:extLst>
   </p:cSld>
@@ -6657,128 +6658,44 @@
       </p:grpSpPr>
       <p:sp>
         <p:nvSpPr>
-          <p:cNvPr id="2" name="Title 1">
-            <a:extLst>
-              <a:ext uri="{FF2B5EF4-FFF2-40B4-BE49-F238E27FC236}">
-                <a16:creationId xmlns:a16="http://schemas.microsoft.com/office/drawing/2014/main" id="{3A6A45EA-225A-BEB3-412F-7A1F6AEE2F59}"/>
-              </a:ext>
-            </a:extLst>
-          </p:cNvPr>
-          <p:cNvSpPr>
-            <a:spLocks noGrp="1"/>
-          </p:cNvSpPr>
-          <p:nvPr>
-            <p:ph type="title"/>
-          </p:nvPr>
-        </p:nvSpPr>
-        <p:spPr/>
+          <p:cNvPr id="3" name="Content Placeholder 2">
+            <a:extLst>
+              <a:ext uri="{FF2B5EF4-FFF2-40B4-BE49-F238E27FC236}">
+                <a16:creationId xmlns:a16="http://schemas.microsoft.com/office/drawing/2014/main" id="{684B18AD-5B05-3E28-6E52-7026225E2B1B}"/>
+              </a:ext>
+            </a:extLst>
+          </p:cNvPr>
+          <p:cNvSpPr>
+            <a:spLocks noGrp="1"/>
+          </p:cNvSpPr>
+          <p:nvPr>
+            <p:ph idx="1"/>
+          </p:nvPr>
+        </p:nvSpPr>
+        <p:spPr>
+          <a:xfrm>
+            <a:off x="678810" y="2731636"/>
+            <a:ext cx="10515600" cy="892408"/>
+          </a:xfrm>
+        </p:spPr>
         <p:txBody>
           <a:bodyPr/>
           <a:lstStyle/>
           <a:p>
-            <a:r>
-              <a:rPr lang="en-NZ" dirty="0" err="1"/>
-              <a:t>TestGameHoldsLevels</a:t>
-            </a:r>
-            <a:endParaRPr lang="en-NZ" dirty="0"/>
-          </a:p>
-        </p:txBody>
-      </p:sp>
-      <p:sp>
-        <p:nvSpPr>
-          <p:cNvPr id="3" name="Content Placeholder 2">
-            <a:extLst>
-              <a:ext uri="{FF2B5EF4-FFF2-40B4-BE49-F238E27FC236}">
-                <a16:creationId xmlns:a16="http://schemas.microsoft.com/office/drawing/2014/main" id="{ECE75D48-5CD1-7635-8DB3-2107FBC6069C}"/>
-              </a:ext>
-            </a:extLst>
-          </p:cNvPr>
-          <p:cNvSpPr>
-            <a:spLocks noGrp="1"/>
-          </p:cNvSpPr>
-          <p:nvPr>
-            <p:ph idx="1"/>
-          </p:nvPr>
-        </p:nvSpPr>
-        <p:spPr/>
-        <p:txBody>
-          <a:bodyPr/>
-          <a:lstStyle/>
-          <a:p>
-            <a:pPr>
-              <a:buFont typeface="Wingdings" panose="05000000000000000000" pitchFamily="2" charset="2"/>
-              <a:buChar char="ü"/>
+            <a:pPr marL="0" indent="0" algn="ctr">
+              <a:buNone/>
             </a:pPr>
             <a:r>
-              <a:rPr lang="en-NZ" dirty="0" err="1"/>
-              <a:t>testGetLevelWidth</a:t>
-            </a:r>
-            <a:r>
               <a:rPr lang="en-NZ" dirty="0"/>
-              <a:t> </a:t>
-            </a:r>
-          </a:p>
-          <a:p>
-            <a:pPr>
-              <a:buFont typeface="Wingdings" panose="05000000000000000000" pitchFamily="2" charset="2"/>
-              <a:buChar char="ü"/>
-            </a:pPr>
-            <a:r>
-              <a:rPr lang="en-NZ" dirty="0" err="1"/>
-              <a:t>testGetLevelheight</a:t>
-            </a:r>
-            <a:endParaRPr lang="en-NZ" dirty="0"/>
-          </a:p>
-          <a:p>
-            <a:pPr>
-              <a:buFont typeface="Wingdings" panose="05000000000000000000" pitchFamily="2" charset="2"/>
-              <a:buChar char="ü"/>
-            </a:pPr>
-            <a:r>
-              <a:rPr lang="en-NZ" dirty="0" err="1"/>
-              <a:t>testGetLevelCountWithTwoLevels</a:t>
-            </a:r>
-            <a:endParaRPr lang="en-NZ" dirty="0"/>
-          </a:p>
-          <a:p>
-            <a:pPr>
-              <a:buFont typeface="Wingdings" panose="05000000000000000000" pitchFamily="2" charset="2"/>
-              <a:buChar char="ü"/>
-            </a:pPr>
-            <a:r>
-              <a:rPr lang="en-NZ" dirty="0" err="1"/>
-              <a:t>testMostRecentlyAddedLevelIsCurrentLevelbyCheckingSize</a:t>
-            </a:r>
-            <a:endParaRPr lang="en-NZ" dirty="0"/>
-          </a:p>
-          <a:p>
-            <a:pPr>
-              <a:buFont typeface="Wingdings" panose="05000000000000000000" pitchFamily="2" charset="2"/>
-              <a:buChar char="ü"/>
-            </a:pPr>
-            <a:r>
-              <a:rPr lang="en-NZ" dirty="0" err="1"/>
-              <a:t>testSettingLevelChangesCurrentLevelbyCheckingSize</a:t>
-            </a:r>
-            <a:endParaRPr lang="en-NZ" dirty="0"/>
-          </a:p>
-          <a:p>
-            <a:pPr>
-              <a:buFont typeface="Wingdings" panose="05000000000000000000" pitchFamily="2" charset="2"/>
-              <a:buChar char="ü"/>
-            </a:pPr>
-            <a:r>
-              <a:rPr lang="en-NZ" dirty="0" err="1"/>
-              <a:t>testSettingLeveltoToolargeNumberThrowsException</a:t>
-            </a:r>
-            <a:endParaRPr lang="en-NZ" dirty="0"/>
+              <a:t>Class Diagram as a separate PDF because it is too big to fit on a single slide</a:t>
+            </a:r>
           </a:p>
         </p:txBody>
       </p:sp>
     </p:spTree>
     <p:extLst>
       <p:ext uri="{BB962C8B-B14F-4D97-AF65-F5344CB8AC3E}">
-        <p14:creationId xmlns:p14="http://schemas.microsoft.com/office/powerpoint/2010/main" val="611020165"/>
+        <p14:creationId xmlns:p14="http://schemas.microsoft.com/office/powerpoint/2010/main" val="1752565986"/>
       </p:ext>
     </p:extLst>
   </p:cSld>
@@ -6810,7 +6727,7 @@
           <p:cNvPr id="2" name="Title 1">
             <a:extLst>
               <a:ext uri="{FF2B5EF4-FFF2-40B4-BE49-F238E27FC236}">
-                <a16:creationId xmlns:a16="http://schemas.microsoft.com/office/drawing/2014/main" id="{2BC7A173-DAB4-77B0-9C1B-6D89754AAB90}"/>
+                <a16:creationId xmlns:a16="http://schemas.microsoft.com/office/drawing/2014/main" id="{B110F751-E4DF-0430-E689-32993723B585}"/>
               </a:ext>
             </a:extLst>
           </p:cNvPr>
@@ -6823,8 +6740,8 @@
         </p:nvSpPr>
         <p:spPr>
           <a:xfrm>
-            <a:off x="507076" y="365125"/>
-            <a:ext cx="10846724" cy="1325563"/>
+            <a:off x="232756" y="365125"/>
+            <a:ext cx="11121044" cy="1325563"/>
           </a:xfrm>
         </p:spPr>
         <p:txBody>
@@ -6833,7 +6750,7 @@
           <a:p>
             <a:r>
               <a:rPr lang="en-NZ" dirty="0" err="1"/>
-              <a:t>testEyeballMovesToDestinationRowAndColumn</a:t>
+              <a:t>testNotOkWhenPathToDestinationCrossesBlank</a:t>
             </a:r>
             <a:endParaRPr lang="en-NZ" dirty="0"/>
           </a:p>
@@ -6841,10 +6758,10 @@
       </p:sp>
       <p:pic>
         <p:nvPicPr>
-          <p:cNvPr id="5" name="Content Placeholder 4">
-            <a:extLst>
-              <a:ext uri="{FF2B5EF4-FFF2-40B4-BE49-F238E27FC236}">
-                <a16:creationId xmlns:a16="http://schemas.microsoft.com/office/drawing/2014/main" id="{EC82C5BB-4014-0693-5DB8-C63AA0352A1C}"/>
+          <p:cNvPr id="8" name="Content Placeholder 7">
+            <a:extLst>
+              <a:ext uri="{FF2B5EF4-FFF2-40B4-BE49-F238E27FC236}">
+                <a16:creationId xmlns:a16="http://schemas.microsoft.com/office/drawing/2014/main" id="{462E8ED0-8B9C-2BA2-790E-1F27F48889B0}"/>
               </a:ext>
             </a:extLst>
           </p:cNvPr>
@@ -6863,15 +6780,15 @@
         </p:blipFill>
         <p:spPr>
           <a:xfrm>
-            <a:off x="2904679" y="1872159"/>
-            <a:ext cx="6382641" cy="4258269"/>
+            <a:off x="2183147" y="1289718"/>
+            <a:ext cx="6312460" cy="5568282"/>
           </a:xfrm>
         </p:spPr>
       </p:pic>
     </p:spTree>
     <p:extLst>
       <p:ext uri="{BB962C8B-B14F-4D97-AF65-F5344CB8AC3E}">
-        <p14:creationId xmlns:p14="http://schemas.microsoft.com/office/powerpoint/2010/main" val="3265170426"/>
+        <p14:creationId xmlns:p14="http://schemas.microsoft.com/office/powerpoint/2010/main" val="593154966"/>
       </p:ext>
     </p:extLst>
   </p:cSld>
@@ -6903,7 +6820,7 @@
           <p:cNvPr id="2" name="Title 1">
             <a:extLst>
               <a:ext uri="{FF2B5EF4-FFF2-40B4-BE49-F238E27FC236}">
-                <a16:creationId xmlns:a16="http://schemas.microsoft.com/office/drawing/2014/main" id="{78A886EB-A2B0-ADEC-C573-2D01C586232B}"/>
+                <a16:creationId xmlns:a16="http://schemas.microsoft.com/office/drawing/2014/main" id="{2BC7A173-DAB4-77B0-9C1B-6D89754AAB90}"/>
               </a:ext>
             </a:extLst>
           </p:cNvPr>
@@ -6914,15 +6831,21 @@
             <p:ph type="title"/>
           </p:nvPr>
         </p:nvSpPr>
-        <p:spPr/>
+        <p:spPr>
+          <a:xfrm>
+            <a:off x="507076" y="365125"/>
+            <a:ext cx="10846724" cy="1325563"/>
+          </a:xfrm>
+        </p:spPr>
         <p:txBody>
           <a:bodyPr/>
           <a:lstStyle/>
           <a:p>
             <a:r>
-              <a:rPr lang="en-NZ" dirty="0"/>
-              <a:t>Test Eyeball faces correct direction after moving</a:t>
-            </a:r>
+              <a:rPr lang="en-NZ" dirty="0" err="1"/>
+              <a:t>testEyeballMovesToDestinationRowAndColumn</a:t>
+            </a:r>
+            <a:endParaRPr lang="en-NZ" dirty="0"/>
           </a:p>
         </p:txBody>
       </p:sp>
@@ -6931,7 +6854,7 @@
           <p:cNvPr id="5" name="Content Placeholder 4">
             <a:extLst>
               <a:ext uri="{FF2B5EF4-FFF2-40B4-BE49-F238E27FC236}">
-                <a16:creationId xmlns:a16="http://schemas.microsoft.com/office/drawing/2014/main" id="{63921B2F-F998-BF57-783C-9500410C9D91}"/>
+                <a16:creationId xmlns:a16="http://schemas.microsoft.com/office/drawing/2014/main" id="{EC82C5BB-4014-0693-5DB8-C63AA0352A1C}"/>
               </a:ext>
             </a:extLst>
           </p:cNvPr>
@@ -6950,15 +6873,15 @@
         </p:blipFill>
         <p:spPr>
           <a:xfrm>
-            <a:off x="3881128" y="2115081"/>
-            <a:ext cx="4429743" cy="3772426"/>
+            <a:off x="2904679" y="1872159"/>
+            <a:ext cx="6382641" cy="4258269"/>
           </a:xfrm>
         </p:spPr>
       </p:pic>
     </p:spTree>
     <p:extLst>
       <p:ext uri="{BB962C8B-B14F-4D97-AF65-F5344CB8AC3E}">
-        <p14:creationId xmlns:p14="http://schemas.microsoft.com/office/powerpoint/2010/main" val="2745696735"/>
+        <p14:creationId xmlns:p14="http://schemas.microsoft.com/office/powerpoint/2010/main" val="3265170426"/>
       </p:ext>
     </p:extLst>
   </p:cSld>
@@ -6990,7 +6913,7 @@
           <p:cNvPr id="2" name="Title 1">
             <a:extLst>
               <a:ext uri="{FF2B5EF4-FFF2-40B4-BE49-F238E27FC236}">
-                <a16:creationId xmlns:a16="http://schemas.microsoft.com/office/drawing/2014/main" id="{A2746D09-192D-E1DE-46D5-B5600FDC656D}"/>
+                <a16:creationId xmlns:a16="http://schemas.microsoft.com/office/drawing/2014/main" id="{78A886EB-A2B0-ADEC-C573-2D01C586232B}"/>
               </a:ext>
             </a:extLst>
           </p:cNvPr>
@@ -7007,175 +6930,45 @@
           <a:lstStyle/>
           <a:p>
             <a:r>
-              <a:rPr lang="en-NZ" dirty="0" err="1"/>
-              <a:t>TestCompletingGoals</a:t>
-            </a:r>
-            <a:endParaRPr lang="en-NZ" dirty="0"/>
-          </a:p>
-        </p:txBody>
-      </p:sp>
-      <p:sp>
-        <p:nvSpPr>
-          <p:cNvPr id="3" name="Content Placeholder 2">
-            <a:extLst>
-              <a:ext uri="{FF2B5EF4-FFF2-40B4-BE49-F238E27FC236}">
-                <a16:creationId xmlns:a16="http://schemas.microsoft.com/office/drawing/2014/main" id="{DE13BE3E-9E4B-D0D0-86B5-40B59756BCA4}"/>
-              </a:ext>
-            </a:extLst>
-          </p:cNvPr>
-          <p:cNvSpPr>
-            <a:spLocks noGrp="1"/>
-          </p:cNvSpPr>
+              <a:rPr lang="en-NZ" dirty="0"/>
+              <a:t>Test Eyeball faces correct direction after moving</a:t>
+            </a:r>
+          </a:p>
+        </p:txBody>
+      </p:sp>
+      <p:pic>
+        <p:nvPicPr>
+          <p:cNvPr id="5" name="Content Placeholder 4">
+            <a:extLst>
+              <a:ext uri="{FF2B5EF4-FFF2-40B4-BE49-F238E27FC236}">
+                <a16:creationId xmlns:a16="http://schemas.microsoft.com/office/drawing/2014/main" id="{63921B2F-F998-BF57-783C-9500410C9D91}"/>
+              </a:ext>
+            </a:extLst>
+          </p:cNvPr>
+          <p:cNvPicPr>
+            <a:picLocks noGrp="1" noChangeAspect="1"/>
+          </p:cNvPicPr>
           <p:nvPr>
             <p:ph idx="1"/>
           </p:nvPr>
-        </p:nvSpPr>
-        <p:spPr>
-          <a:xfrm>
-            <a:off x="531845" y="1825625"/>
-            <a:ext cx="10821955" cy="4351338"/>
-          </a:xfrm>
-        </p:spPr>
-        <p:txBody>
-          <a:bodyPr>
-            <a:normAutofit fontScale="77500" lnSpcReduction="20000"/>
-          </a:bodyPr>
-          <a:lstStyle/>
-          <a:p>
-            <a:pPr>
-              <a:buFont typeface="Wingdings" panose="05000000000000000000" pitchFamily="2" charset="2"/>
-              <a:buChar char="ü"/>
-            </a:pPr>
-            <a:r>
-              <a:rPr lang="en-NZ" dirty="0" err="1"/>
-              <a:t>testCompletingLevelOne</a:t>
-            </a:r>
-            <a:endParaRPr lang="en-NZ" dirty="0"/>
-          </a:p>
-          <a:p>
-            <a:pPr>
-              <a:buFont typeface="Wingdings" panose="05000000000000000000" pitchFamily="2" charset="2"/>
-              <a:buChar char="ü"/>
-            </a:pPr>
-            <a:r>
-              <a:rPr lang="en-NZ" dirty="0" err="1"/>
-              <a:t>testOkToMoveToAGoalWithSameColorOrShape</a:t>
-            </a:r>
-            <a:endParaRPr lang="en-NZ" dirty="0"/>
-          </a:p>
-          <a:p>
-            <a:pPr>
-              <a:buFont typeface="Wingdings" panose="05000000000000000000" pitchFamily="2" charset="2"/>
-              <a:buChar char="ü"/>
-            </a:pPr>
-            <a:r>
-              <a:rPr lang="en-NZ" dirty="0" err="1"/>
-              <a:t>testNoErrorMessageWhenMovingToAGoalWithSameColorOrShape</a:t>
-            </a:r>
-            <a:endParaRPr lang="en-NZ" dirty="0"/>
-          </a:p>
-          <a:p>
-            <a:pPr>
-              <a:buFont typeface="Wingdings" panose="05000000000000000000" pitchFamily="2" charset="2"/>
-              <a:buChar char="ü"/>
-            </a:pPr>
-            <a:r>
-              <a:rPr lang="en-NZ" dirty="0" err="1"/>
-              <a:t>testNotOkToMoveToAGoalWithDifferentColorOrShape</a:t>
-            </a:r>
-            <a:endParaRPr lang="en-NZ" dirty="0"/>
-          </a:p>
-          <a:p>
-            <a:pPr>
-              <a:buFont typeface="Wingdings" panose="05000000000000000000" pitchFamily="2" charset="2"/>
-              <a:buChar char="ü"/>
-            </a:pPr>
-            <a:r>
-              <a:rPr lang="en-NZ" dirty="0" err="1"/>
-              <a:t>testGetsErrorMessageWhenMovingToAGoalWithDifferentColorOrShape</a:t>
-            </a:r>
-            <a:endParaRPr lang="en-NZ" dirty="0"/>
-          </a:p>
-          <a:p>
-            <a:pPr>
-              <a:buFont typeface="Wingdings" panose="05000000000000000000" pitchFamily="2" charset="2"/>
-              <a:buChar char="ü"/>
-            </a:pPr>
-            <a:r>
-              <a:rPr lang="en-NZ" dirty="0" err="1"/>
-              <a:t>testNotOkToMoveToAGoalAtADiagonalSquare</a:t>
-            </a:r>
-            <a:endParaRPr lang="en-NZ" dirty="0"/>
-          </a:p>
-          <a:p>
-            <a:pPr>
-              <a:buFont typeface="Wingdings" panose="05000000000000000000" pitchFamily="2" charset="2"/>
-              <a:buChar char="ü"/>
-            </a:pPr>
-            <a:r>
-              <a:rPr lang="en-NZ" dirty="0" err="1"/>
-              <a:t>testNotOkWhenMovingBackwardsToAGoalWithSameColorOrShape</a:t>
-            </a:r>
-            <a:endParaRPr lang="en-NZ" dirty="0"/>
-          </a:p>
-          <a:p>
-            <a:pPr>
-              <a:buFont typeface="Wingdings" panose="05000000000000000000" pitchFamily="2" charset="2"/>
-              <a:buChar char="ü"/>
-            </a:pPr>
-            <a:r>
-              <a:rPr lang="en-NZ" dirty="0"/>
-              <a:t>testCompleting1GoalIncreasesCompletedGoalCountBy1</a:t>
-            </a:r>
-          </a:p>
-          <a:p>
-            <a:pPr>
-              <a:buFont typeface="Wingdings" panose="05000000000000000000" pitchFamily="2" charset="2"/>
-              <a:buChar char="ü"/>
-            </a:pPr>
-            <a:r>
-              <a:rPr lang="en-NZ" dirty="0"/>
-              <a:t>testCompleting1GoalDecreaseGoalCountBy1</a:t>
-            </a:r>
-          </a:p>
-          <a:p>
-            <a:pPr>
-              <a:buFont typeface="Wingdings" panose="05000000000000000000" pitchFamily="2" charset="2"/>
-              <a:buChar char="ü"/>
-            </a:pPr>
-            <a:r>
-              <a:rPr lang="en-NZ" dirty="0" err="1"/>
-              <a:t>testGoalWillBeRemovedFromSquareAfterCompletingTheGoal</a:t>
-            </a:r>
-            <a:endParaRPr lang="en-NZ" dirty="0"/>
-          </a:p>
-          <a:p>
-            <a:pPr>
-              <a:buFont typeface="Wingdings" panose="05000000000000000000" pitchFamily="2" charset="2"/>
-              <a:buChar char="ü"/>
-            </a:pPr>
-            <a:r>
-              <a:rPr lang="en-NZ" dirty="0" err="1"/>
-              <a:t>testGoalSquareWillNotBeChangedWhenEyeballMovesOntoIt</a:t>
-            </a:r>
-            <a:endParaRPr lang="en-NZ" dirty="0"/>
-          </a:p>
-          <a:p>
-            <a:pPr>
-              <a:buFont typeface="Wingdings" panose="05000000000000000000" pitchFamily="2" charset="2"/>
-              <a:buChar char="ü"/>
-            </a:pPr>
-            <a:r>
-              <a:rPr lang="en-NZ" dirty="0"/>
-              <a:t>testGoalSquareBecomesBlankSquareAfterEyeballMovesToAnotherSquare</a:t>
-            </a:r>
-          </a:p>
-        </p:txBody>
-      </p:sp>
+        </p:nvPicPr>
+        <p:blipFill>
+          <a:blip r:embed="rId2"/>
+          <a:stretch>
+            <a:fillRect/>
+          </a:stretch>
+        </p:blipFill>
+        <p:spPr>
+          <a:xfrm>
+            <a:off x="3881128" y="2115081"/>
+            <a:ext cx="4429743" cy="3772426"/>
+          </a:xfrm>
+        </p:spPr>
+      </p:pic>
     </p:spTree>
     <p:extLst>
       <p:ext uri="{BB962C8B-B14F-4D97-AF65-F5344CB8AC3E}">
-        <p14:creationId xmlns:p14="http://schemas.microsoft.com/office/powerpoint/2010/main" val="3195254778"/>
+        <p14:creationId xmlns:p14="http://schemas.microsoft.com/office/powerpoint/2010/main" val="2745696735"/>
       </p:ext>
     </p:extLst>
   </p:cSld>
@@ -7207,7 +7000,7 @@
           <p:cNvPr id="2" name="Title 1">
             <a:extLst>
               <a:ext uri="{FF2B5EF4-FFF2-40B4-BE49-F238E27FC236}">
-                <a16:creationId xmlns:a16="http://schemas.microsoft.com/office/drawing/2014/main" id="{9803DFC2-6888-CE98-3846-42782B3B318E}"/>
+                <a16:creationId xmlns:a16="http://schemas.microsoft.com/office/drawing/2014/main" id="{A2746D09-192D-E1DE-46D5-B5600FDC656D}"/>
               </a:ext>
             </a:extLst>
           </p:cNvPr>
@@ -7223,107 +7016,176 @@
           <a:bodyPr/>
           <a:lstStyle/>
           <a:p>
+            <a:r>
+              <a:rPr lang="en-NZ" dirty="0" err="1"/>
+              <a:t>TestCompletingGoals</a:t>
+            </a:r>
+            <a:endParaRPr lang="en-NZ" dirty="0"/>
+          </a:p>
+        </p:txBody>
+      </p:sp>
+      <p:sp>
+        <p:nvSpPr>
+          <p:cNvPr id="3" name="Content Placeholder 2">
+            <a:extLst>
+              <a:ext uri="{FF2B5EF4-FFF2-40B4-BE49-F238E27FC236}">
+                <a16:creationId xmlns:a16="http://schemas.microsoft.com/office/drawing/2014/main" id="{DE13BE3E-9E4B-D0D0-86B5-40B59756BCA4}"/>
+              </a:ext>
+            </a:extLst>
+          </p:cNvPr>
+          <p:cNvSpPr>
+            <a:spLocks noGrp="1"/>
+          </p:cNvSpPr>
+          <p:nvPr>
+            <p:ph idx="1"/>
+          </p:nvPr>
+        </p:nvSpPr>
+        <p:spPr>
+          <a:xfrm>
+            <a:off x="531845" y="1825625"/>
+            <a:ext cx="10821955" cy="4351338"/>
+          </a:xfrm>
+        </p:spPr>
+        <p:txBody>
+          <a:bodyPr>
+            <a:normAutofit fontScale="77500" lnSpcReduction="20000"/>
+          </a:bodyPr>
+          <a:lstStyle/>
+          <a:p>
+            <a:pPr>
+              <a:buFont typeface="Wingdings" panose="05000000000000000000" pitchFamily="2" charset="2"/>
+              <a:buChar char="ü"/>
+            </a:pPr>
             <a:r>
               <a:rPr lang="en-NZ" dirty="0" err="1"/>
               <a:t>testCompletingLevelOne</a:t>
             </a:r>
             <a:endParaRPr lang="en-NZ" dirty="0"/>
           </a:p>
-        </p:txBody>
-      </p:sp>
-      <p:pic>
-        <p:nvPicPr>
-          <p:cNvPr id="5" name="Content Placeholder 4">
-            <a:extLst>
-              <a:ext uri="{FF2B5EF4-FFF2-40B4-BE49-F238E27FC236}">
-                <a16:creationId xmlns:a16="http://schemas.microsoft.com/office/drawing/2014/main" id="{63731525-25F3-2786-385C-F1F56EA79E23}"/>
-              </a:ext>
-            </a:extLst>
-          </p:cNvPr>
-          <p:cNvPicPr>
-            <a:picLocks noGrp="1" noChangeAspect="1"/>
-          </p:cNvPicPr>
-          <p:nvPr>
-            <p:ph idx="1"/>
-          </p:nvPr>
-        </p:nvPicPr>
-        <p:blipFill>
-          <a:blip r:embed="rId2"/>
-          <a:stretch>
-            <a:fillRect/>
-          </a:stretch>
-        </p:blipFill>
-        <p:spPr>
-          <a:xfrm>
-            <a:off x="838200" y="1543278"/>
-            <a:ext cx="5906324" cy="1676634"/>
-          </a:xfrm>
-        </p:spPr>
-      </p:pic>
-      <p:pic>
-        <p:nvPicPr>
-          <p:cNvPr id="7" name="Picture 6">
-            <a:extLst>
-              <a:ext uri="{FF2B5EF4-FFF2-40B4-BE49-F238E27FC236}">
-                <a16:creationId xmlns:a16="http://schemas.microsoft.com/office/drawing/2014/main" id="{A9F55F71-9047-690E-2FE3-7B53F26C4A91}"/>
-              </a:ext>
-            </a:extLst>
-          </p:cNvPr>
-          <p:cNvPicPr>
-            <a:picLocks noChangeAspect="1"/>
-          </p:cNvPicPr>
-          <p:nvPr/>
-        </p:nvPicPr>
-        <p:blipFill>
-          <a:blip r:embed="rId3"/>
-          <a:stretch>
-            <a:fillRect/>
-          </a:stretch>
-        </p:blipFill>
-        <p:spPr>
-          <a:xfrm>
-            <a:off x="838200" y="3429000"/>
-            <a:ext cx="2896004" cy="1114581"/>
-          </a:xfrm>
-          <a:prstGeom prst="rect">
-            <a:avLst/>
-          </a:prstGeom>
-        </p:spPr>
-      </p:pic>
-      <p:pic>
-        <p:nvPicPr>
-          <p:cNvPr id="9" name="Picture 8">
-            <a:extLst>
-              <a:ext uri="{FF2B5EF4-FFF2-40B4-BE49-F238E27FC236}">
-                <a16:creationId xmlns:a16="http://schemas.microsoft.com/office/drawing/2014/main" id="{89FFFAAB-2C9A-ED08-37CF-137F46F72C22}"/>
-              </a:ext>
-            </a:extLst>
-          </p:cNvPr>
-          <p:cNvPicPr>
-            <a:picLocks noChangeAspect="1"/>
-          </p:cNvPicPr>
-          <p:nvPr/>
-        </p:nvPicPr>
-        <p:blipFill>
-          <a:blip r:embed="rId4"/>
-          <a:stretch>
-            <a:fillRect/>
-          </a:stretch>
-        </p:blipFill>
-        <p:spPr>
-          <a:xfrm>
-            <a:off x="7080133" y="1543278"/>
-            <a:ext cx="4582164" cy="1943371"/>
-          </a:xfrm>
-          <a:prstGeom prst="rect">
-            <a:avLst/>
-          </a:prstGeom>
-        </p:spPr>
-      </p:pic>
+          <a:p>
+            <a:pPr>
+              <a:buFont typeface="Wingdings" panose="05000000000000000000" pitchFamily="2" charset="2"/>
+              <a:buChar char="ü"/>
+            </a:pPr>
+            <a:r>
+              <a:rPr lang="en-NZ" dirty="0" err="1"/>
+              <a:t>testOkToMoveToAGoalWithSameColorOrShape</a:t>
+            </a:r>
+            <a:endParaRPr lang="en-NZ" dirty="0"/>
+          </a:p>
+          <a:p>
+            <a:pPr>
+              <a:buFont typeface="Wingdings" panose="05000000000000000000" pitchFamily="2" charset="2"/>
+              <a:buChar char="ü"/>
+            </a:pPr>
+            <a:r>
+              <a:rPr lang="en-NZ" dirty="0" err="1"/>
+              <a:t>testNoErrorMessageWhenMovingToAGoalWithSameColorOrShape</a:t>
+            </a:r>
+            <a:endParaRPr lang="en-NZ" dirty="0"/>
+          </a:p>
+          <a:p>
+            <a:pPr>
+              <a:buFont typeface="Wingdings" panose="05000000000000000000" pitchFamily="2" charset="2"/>
+              <a:buChar char="ü"/>
+            </a:pPr>
+            <a:r>
+              <a:rPr lang="en-NZ" dirty="0" err="1"/>
+              <a:t>testNotOkToMoveToAGoalWithDifferentColorOrShape</a:t>
+            </a:r>
+            <a:endParaRPr lang="en-NZ" dirty="0"/>
+          </a:p>
+          <a:p>
+            <a:pPr>
+              <a:buFont typeface="Wingdings" panose="05000000000000000000" pitchFamily="2" charset="2"/>
+              <a:buChar char="ü"/>
+            </a:pPr>
+            <a:r>
+              <a:rPr lang="en-NZ" dirty="0" err="1"/>
+              <a:t>testGetsErrorMessageWhenMovingToAGoalWithDifferentColorOrShape</a:t>
+            </a:r>
+            <a:endParaRPr lang="en-NZ" dirty="0"/>
+          </a:p>
+          <a:p>
+            <a:pPr>
+              <a:buFont typeface="Wingdings" panose="05000000000000000000" pitchFamily="2" charset="2"/>
+              <a:buChar char="ü"/>
+            </a:pPr>
+            <a:r>
+              <a:rPr lang="en-NZ" dirty="0" err="1"/>
+              <a:t>testNotOkToMoveToAGoalAtADiagonalSquare</a:t>
+            </a:r>
+            <a:endParaRPr lang="en-NZ" dirty="0"/>
+          </a:p>
+          <a:p>
+            <a:pPr>
+              <a:buFont typeface="Wingdings" panose="05000000000000000000" pitchFamily="2" charset="2"/>
+              <a:buChar char="ü"/>
+            </a:pPr>
+            <a:r>
+              <a:rPr lang="en-NZ" dirty="0" err="1"/>
+              <a:t>testNotOkWhenMovingBackwardsToAGoalWithSameColorOrShape</a:t>
+            </a:r>
+            <a:endParaRPr lang="en-NZ" dirty="0"/>
+          </a:p>
+          <a:p>
+            <a:pPr>
+              <a:buFont typeface="Wingdings" panose="05000000000000000000" pitchFamily="2" charset="2"/>
+              <a:buChar char="ü"/>
+            </a:pPr>
+            <a:r>
+              <a:rPr lang="en-NZ" dirty="0"/>
+              <a:t>testCompleting1GoalIncreasesCompletedGoalCountBy1</a:t>
+            </a:r>
+          </a:p>
+          <a:p>
+            <a:pPr>
+              <a:buFont typeface="Wingdings" panose="05000000000000000000" pitchFamily="2" charset="2"/>
+              <a:buChar char="ü"/>
+            </a:pPr>
+            <a:r>
+              <a:rPr lang="en-NZ" dirty="0"/>
+              <a:t>testCompleting1GoalDecreaseGoalCountBy1</a:t>
+            </a:r>
+          </a:p>
+          <a:p>
+            <a:pPr>
+              <a:buFont typeface="Wingdings" panose="05000000000000000000" pitchFamily="2" charset="2"/>
+              <a:buChar char="ü"/>
+            </a:pPr>
+            <a:r>
+              <a:rPr lang="en-NZ" dirty="0" err="1"/>
+              <a:t>testGoalWillBeRemovedFromSquareAfterCompletingTheGoal</a:t>
+            </a:r>
+            <a:endParaRPr lang="en-NZ" dirty="0"/>
+          </a:p>
+          <a:p>
+            <a:pPr>
+              <a:buFont typeface="Wingdings" panose="05000000000000000000" pitchFamily="2" charset="2"/>
+              <a:buChar char="ü"/>
+            </a:pPr>
+            <a:r>
+              <a:rPr lang="en-NZ" dirty="0" err="1"/>
+              <a:t>testGoalSquareWillNotBeChangedWhenEyeballMovesOntoIt</a:t>
+            </a:r>
+            <a:endParaRPr lang="en-NZ" dirty="0"/>
+          </a:p>
+          <a:p>
+            <a:pPr>
+              <a:buFont typeface="Wingdings" panose="05000000000000000000" pitchFamily="2" charset="2"/>
+              <a:buChar char="ü"/>
+            </a:pPr>
+            <a:r>
+              <a:rPr lang="en-NZ" dirty="0"/>
+              <a:t>testGoalSquareBecomesBlankSquareAfterEyeballMovesToAnotherSquare</a:t>
+            </a:r>
+          </a:p>
+        </p:txBody>
+      </p:sp>
     </p:spTree>
     <p:extLst>
       <p:ext uri="{BB962C8B-B14F-4D97-AF65-F5344CB8AC3E}">
-        <p14:creationId xmlns:p14="http://schemas.microsoft.com/office/powerpoint/2010/main" val="1574754318"/>
+        <p14:creationId xmlns:p14="http://schemas.microsoft.com/office/powerpoint/2010/main" val="3195254778"/>
       </p:ext>
     </p:extLst>
   </p:cSld>
@@ -7355,7 +7217,7 @@
           <p:cNvPr id="2" name="Title 1">
             <a:extLst>
               <a:ext uri="{FF2B5EF4-FFF2-40B4-BE49-F238E27FC236}">
-                <a16:creationId xmlns:a16="http://schemas.microsoft.com/office/drawing/2014/main" id="{B6F90C34-DC7D-F2B7-9519-3252268A7758}"/>
+                <a16:creationId xmlns:a16="http://schemas.microsoft.com/office/drawing/2014/main" id="{9803DFC2-6888-CE98-3846-42782B3B318E}"/>
               </a:ext>
             </a:extLst>
           </p:cNvPr>
@@ -7366,19 +7228,14 @@
             <p:ph type="title"/>
           </p:nvPr>
         </p:nvSpPr>
-        <p:spPr>
-          <a:xfrm>
-            <a:off x="349135" y="365125"/>
-            <a:ext cx="11004665" cy="1325563"/>
-          </a:xfrm>
-        </p:spPr>
+        <p:spPr/>
         <p:txBody>
           <a:bodyPr/>
           <a:lstStyle/>
           <a:p>
             <a:r>
               <a:rPr lang="en-NZ" dirty="0" err="1"/>
-              <a:t>testOkToMoveToAGoalWithSameShapeOrColor</a:t>
+              <a:t>testCompletingLevelOne</a:t>
             </a:r>
             <a:endParaRPr lang="en-NZ" dirty="0"/>
           </a:p>
@@ -7389,7 +7246,7 @@
           <p:cNvPr id="5" name="Content Placeholder 4">
             <a:extLst>
               <a:ext uri="{FF2B5EF4-FFF2-40B4-BE49-F238E27FC236}">
-                <a16:creationId xmlns:a16="http://schemas.microsoft.com/office/drawing/2014/main" id="{CA26119E-126F-510A-DF41-EC29EEBEB7F7}"/>
+                <a16:creationId xmlns:a16="http://schemas.microsoft.com/office/drawing/2014/main" id="{63731525-25F3-2786-385C-F1F56EA79E23}"/>
               </a:ext>
             </a:extLst>
           </p:cNvPr>
@@ -7408,15 +7265,75 @@
         </p:blipFill>
         <p:spPr>
           <a:xfrm>
-            <a:off x="2769313" y="1690688"/>
-            <a:ext cx="5506218" cy="2200582"/>
-          </a:xfrm>
+            <a:off x="838200" y="1543278"/>
+            <a:ext cx="5906324" cy="1676634"/>
+          </a:xfrm>
+        </p:spPr>
+      </p:pic>
+      <p:pic>
+        <p:nvPicPr>
+          <p:cNvPr id="7" name="Picture 6">
+            <a:extLst>
+              <a:ext uri="{FF2B5EF4-FFF2-40B4-BE49-F238E27FC236}">
+                <a16:creationId xmlns:a16="http://schemas.microsoft.com/office/drawing/2014/main" id="{A9F55F71-9047-690E-2FE3-7B53F26C4A91}"/>
+              </a:ext>
+            </a:extLst>
+          </p:cNvPr>
+          <p:cNvPicPr>
+            <a:picLocks noChangeAspect="1"/>
+          </p:cNvPicPr>
+          <p:nvPr/>
+        </p:nvPicPr>
+        <p:blipFill>
+          <a:blip r:embed="rId3"/>
+          <a:stretch>
+            <a:fillRect/>
+          </a:stretch>
+        </p:blipFill>
+        <p:spPr>
+          <a:xfrm>
+            <a:off x="838200" y="3429000"/>
+            <a:ext cx="2896004" cy="1114581"/>
+          </a:xfrm>
+          <a:prstGeom prst="rect">
+            <a:avLst/>
+          </a:prstGeom>
+        </p:spPr>
+      </p:pic>
+      <p:pic>
+        <p:nvPicPr>
+          <p:cNvPr id="9" name="Picture 8">
+            <a:extLst>
+              <a:ext uri="{FF2B5EF4-FFF2-40B4-BE49-F238E27FC236}">
+                <a16:creationId xmlns:a16="http://schemas.microsoft.com/office/drawing/2014/main" id="{89FFFAAB-2C9A-ED08-37CF-137F46F72C22}"/>
+              </a:ext>
+            </a:extLst>
+          </p:cNvPr>
+          <p:cNvPicPr>
+            <a:picLocks noChangeAspect="1"/>
+          </p:cNvPicPr>
+          <p:nvPr/>
+        </p:nvPicPr>
+        <p:blipFill>
+          <a:blip r:embed="rId4"/>
+          <a:stretch>
+            <a:fillRect/>
+          </a:stretch>
+        </p:blipFill>
+        <p:spPr>
+          <a:xfrm>
+            <a:off x="7080133" y="1543278"/>
+            <a:ext cx="4582164" cy="1943371"/>
+          </a:xfrm>
+          <a:prstGeom prst="rect">
+            <a:avLst/>
+          </a:prstGeom>
         </p:spPr>
       </p:pic>
     </p:spTree>
     <p:extLst>
       <p:ext uri="{BB962C8B-B14F-4D97-AF65-F5344CB8AC3E}">
-        <p14:creationId xmlns:p14="http://schemas.microsoft.com/office/powerpoint/2010/main" val="2423995907"/>
+        <p14:creationId xmlns:p14="http://schemas.microsoft.com/office/powerpoint/2010/main" val="1574754318"/>
       </p:ext>
     </p:extLst>
   </p:cSld>
@@ -7448,7 +7365,7 @@
           <p:cNvPr id="2" name="Title 1">
             <a:extLst>
               <a:ext uri="{FF2B5EF4-FFF2-40B4-BE49-F238E27FC236}">
-                <a16:creationId xmlns:a16="http://schemas.microsoft.com/office/drawing/2014/main" id="{2A5A7CD0-47CD-B9D4-B828-76AD87A74D3E}"/>
+                <a16:creationId xmlns:a16="http://schemas.microsoft.com/office/drawing/2014/main" id="{B6F90C34-DC7D-F2B7-9519-3252268A7758}"/>
               </a:ext>
             </a:extLst>
           </p:cNvPr>
@@ -7461,8 +7378,8 @@
         </p:nvSpPr>
         <p:spPr>
           <a:xfrm>
-            <a:off x="465513" y="365125"/>
-            <a:ext cx="10888287" cy="1325563"/>
+            <a:off x="349135" y="365125"/>
+            <a:ext cx="11004665" cy="1325563"/>
           </a:xfrm>
         </p:spPr>
         <p:txBody>
@@ -7471,7 +7388,7 @@
           <a:p>
             <a:r>
               <a:rPr lang="en-NZ" dirty="0" err="1"/>
-              <a:t>testNoErrorMessageWhenMovingToAGoalWithSameColorOrShape</a:t>
+              <a:t>testOkToMoveToAGoalWithSameShapeOrColor</a:t>
             </a:r>
             <a:endParaRPr lang="en-NZ" dirty="0"/>
           </a:p>
@@ -7482,7 +7399,7 @@
           <p:cNvPr id="5" name="Content Placeholder 4">
             <a:extLst>
               <a:ext uri="{FF2B5EF4-FFF2-40B4-BE49-F238E27FC236}">
-                <a16:creationId xmlns:a16="http://schemas.microsoft.com/office/drawing/2014/main" id="{F6B74BF6-175E-09D7-E47A-85ACA266B261}"/>
+                <a16:creationId xmlns:a16="http://schemas.microsoft.com/office/drawing/2014/main" id="{CA26119E-126F-510A-DF41-EC29EEBEB7F7}"/>
               </a:ext>
             </a:extLst>
           </p:cNvPr>
@@ -7501,45 +7418,15 @@
         </p:blipFill>
         <p:spPr>
           <a:xfrm>
-            <a:off x="465513" y="1690688"/>
-            <a:ext cx="4420217" cy="1400370"/>
-          </a:xfrm>
-        </p:spPr>
-      </p:pic>
-      <p:pic>
-        <p:nvPicPr>
-          <p:cNvPr id="7" name="Picture 6">
-            <a:extLst>
-              <a:ext uri="{FF2B5EF4-FFF2-40B4-BE49-F238E27FC236}">
-                <a16:creationId xmlns:a16="http://schemas.microsoft.com/office/drawing/2014/main" id="{7F378F64-8BF0-2DC3-B936-9AB02E65E47C}"/>
-              </a:ext>
-            </a:extLst>
-          </p:cNvPr>
-          <p:cNvPicPr>
-            <a:picLocks noChangeAspect="1"/>
-          </p:cNvPicPr>
-          <p:nvPr/>
-        </p:nvPicPr>
-        <p:blipFill>
-          <a:blip r:embed="rId3"/>
-          <a:stretch>
-            <a:fillRect/>
-          </a:stretch>
-        </p:blipFill>
-        <p:spPr>
-          <a:xfrm>
-            <a:off x="5561792" y="4222889"/>
-            <a:ext cx="5792008" cy="2152950"/>
-          </a:xfrm>
-          <a:prstGeom prst="rect">
-            <a:avLst/>
-          </a:prstGeom>
+            <a:off x="2769313" y="1690688"/>
+            <a:ext cx="5506218" cy="2200582"/>
+          </a:xfrm>
         </p:spPr>
       </p:pic>
     </p:spTree>
     <p:extLst>
       <p:ext uri="{BB962C8B-B14F-4D97-AF65-F5344CB8AC3E}">
-        <p14:creationId xmlns:p14="http://schemas.microsoft.com/office/powerpoint/2010/main" val="2080116358"/>
+        <p14:creationId xmlns:p14="http://schemas.microsoft.com/office/powerpoint/2010/main" val="2423995907"/>
       </p:ext>
     </p:extLst>
   </p:cSld>
@@ -7571,7 +7458,7 @@
           <p:cNvPr id="2" name="Title 1">
             <a:extLst>
               <a:ext uri="{FF2B5EF4-FFF2-40B4-BE49-F238E27FC236}">
-                <a16:creationId xmlns:a16="http://schemas.microsoft.com/office/drawing/2014/main" id="{D623CFAF-FB69-8C32-4D1C-CF81C5989624}"/>
+                <a16:creationId xmlns:a16="http://schemas.microsoft.com/office/drawing/2014/main" id="{2A5A7CD0-47CD-B9D4-B828-76AD87A74D3E}"/>
               </a:ext>
             </a:extLst>
           </p:cNvPr>
@@ -7582,14 +7469,19 @@
             <p:ph type="title"/>
           </p:nvPr>
         </p:nvSpPr>
-        <p:spPr/>
+        <p:spPr>
+          <a:xfrm>
+            <a:off x="465513" y="365125"/>
+            <a:ext cx="10888287" cy="1325563"/>
+          </a:xfrm>
+        </p:spPr>
         <p:txBody>
           <a:bodyPr/>
           <a:lstStyle/>
           <a:p>
             <a:r>
               <a:rPr lang="en-NZ" dirty="0" err="1"/>
-              <a:t>testNotOkToMoveToAGoalWithDifferentColorOrShape</a:t>
+              <a:t>testNoErrorMessageWhenMovingToAGoalWithSameColorOrShape</a:t>
             </a:r>
             <a:endParaRPr lang="en-NZ" dirty="0"/>
           </a:p>
@@ -7597,17 +7489,19 @@
       </p:sp>
       <p:pic>
         <p:nvPicPr>
-          <p:cNvPr id="4" name="Content Placeholder 4">
-            <a:extLst>
-              <a:ext uri="{FF2B5EF4-FFF2-40B4-BE49-F238E27FC236}">
-                <a16:creationId xmlns:a16="http://schemas.microsoft.com/office/drawing/2014/main" id="{9753F701-A5F2-29B9-7610-FB72E0AE8E50}"/>
+          <p:cNvPr id="5" name="Content Placeholder 4">
+            <a:extLst>
+              <a:ext uri="{FF2B5EF4-FFF2-40B4-BE49-F238E27FC236}">
+                <a16:creationId xmlns:a16="http://schemas.microsoft.com/office/drawing/2014/main" id="{F6B74BF6-175E-09D7-E47A-85ACA266B261}"/>
               </a:ext>
             </a:extLst>
           </p:cNvPr>
           <p:cNvPicPr>
-            <a:picLocks noChangeAspect="1"/>
+            <a:picLocks noGrp="1" noChangeAspect="1"/>
           </p:cNvPicPr>
-          <p:nvPr/>
+          <p:nvPr>
+            <p:ph idx="1"/>
+          </p:nvPr>
         </p:nvPicPr>
         <p:blipFill>
           <a:blip r:embed="rId2"/>
@@ -7620,17 +7514,14 @@
             <a:off x="465513" y="1690688"/>
             <a:ext cx="4420217" cy="1400370"/>
           </a:xfrm>
-          <a:prstGeom prst="rect">
-            <a:avLst/>
-          </a:prstGeom>
         </p:spPr>
       </p:pic>
       <p:pic>
         <p:nvPicPr>
-          <p:cNvPr id="5" name="Picture 4">
-            <a:extLst>
-              <a:ext uri="{FF2B5EF4-FFF2-40B4-BE49-F238E27FC236}">
-                <a16:creationId xmlns:a16="http://schemas.microsoft.com/office/drawing/2014/main" id="{2AC6623B-BC1C-5C06-A053-D0D1AC60DA97}"/>
+          <p:cNvPr id="7" name="Picture 6">
+            <a:extLst>
+              <a:ext uri="{FF2B5EF4-FFF2-40B4-BE49-F238E27FC236}">
+                <a16:creationId xmlns:a16="http://schemas.microsoft.com/office/drawing/2014/main" id="{7F378F64-8BF0-2DC3-B936-9AB02E65E47C}"/>
               </a:ext>
             </a:extLst>
           </p:cNvPr>
@@ -7658,7 +7549,7 @@
     </p:spTree>
     <p:extLst>
       <p:ext uri="{BB962C8B-B14F-4D97-AF65-F5344CB8AC3E}">
-        <p14:creationId xmlns:p14="http://schemas.microsoft.com/office/powerpoint/2010/main" val="2197261846"/>
+        <p14:creationId xmlns:p14="http://schemas.microsoft.com/office/powerpoint/2010/main" val="2080116358"/>
       </p:ext>
     </p:extLst>
   </p:cSld>
@@ -7690,7 +7581,7 @@
           <p:cNvPr id="2" name="Title 1">
             <a:extLst>
               <a:ext uri="{FF2B5EF4-FFF2-40B4-BE49-F238E27FC236}">
-                <a16:creationId xmlns:a16="http://schemas.microsoft.com/office/drawing/2014/main" id="{7D7CB648-6653-7AAC-99B7-DA171275249A}"/>
+                <a16:creationId xmlns:a16="http://schemas.microsoft.com/office/drawing/2014/main" id="{D623CFAF-FB69-8C32-4D1C-CF81C5989624}"/>
               </a:ext>
             </a:extLst>
           </p:cNvPr>
@@ -7708,7 +7599,7 @@
           <a:p>
             <a:r>
               <a:rPr lang="en-NZ" dirty="0" err="1"/>
-              <a:t>testGetsErrorMessageWhenMovingToAGoalWithDifferentColorOrShape</a:t>
+              <a:t>testNotOkToMoveToAGoalWithDifferentColorOrShape</a:t>
             </a:r>
             <a:endParaRPr lang="en-NZ" dirty="0"/>
           </a:p>
@@ -7716,19 +7607,17 @@
       </p:sp>
       <p:pic>
         <p:nvPicPr>
-          <p:cNvPr id="5" name="Content Placeholder 4">
-            <a:extLst>
-              <a:ext uri="{FF2B5EF4-FFF2-40B4-BE49-F238E27FC236}">
-                <a16:creationId xmlns:a16="http://schemas.microsoft.com/office/drawing/2014/main" id="{8BDD193D-E861-7B17-E1C2-D5AA253A3F6D}"/>
+          <p:cNvPr id="4" name="Content Placeholder 4">
+            <a:extLst>
+              <a:ext uri="{FF2B5EF4-FFF2-40B4-BE49-F238E27FC236}">
+                <a16:creationId xmlns:a16="http://schemas.microsoft.com/office/drawing/2014/main" id="{9753F701-A5F2-29B9-7610-FB72E0AE8E50}"/>
               </a:ext>
             </a:extLst>
           </p:cNvPr>
           <p:cNvPicPr>
-            <a:picLocks noGrp="1" noChangeAspect="1"/>
+            <a:picLocks noChangeAspect="1"/>
           </p:cNvPicPr>
-          <p:nvPr>
-            <p:ph idx="1"/>
-          </p:nvPr>
+          <p:nvPr/>
         </p:nvPicPr>
         <p:blipFill>
           <a:blip r:embed="rId2"/>
@@ -7738,17 +7627,20 @@
         </p:blipFill>
         <p:spPr>
           <a:xfrm>
-            <a:off x="838200" y="1825750"/>
-            <a:ext cx="4039164" cy="1724266"/>
-          </a:xfrm>
+            <a:off x="465513" y="1690688"/>
+            <a:ext cx="4420217" cy="1400370"/>
+          </a:xfrm>
+          <a:prstGeom prst="rect">
+            <a:avLst/>
+          </a:prstGeom>
         </p:spPr>
       </p:pic>
       <p:pic>
         <p:nvPicPr>
-          <p:cNvPr id="6" name="Picture 5">
-            <a:extLst>
-              <a:ext uri="{FF2B5EF4-FFF2-40B4-BE49-F238E27FC236}">
-                <a16:creationId xmlns:a16="http://schemas.microsoft.com/office/drawing/2014/main" id="{51146C75-4033-9E7C-DF72-BC889B49EB49}"/>
+          <p:cNvPr id="5" name="Picture 4">
+            <a:extLst>
+              <a:ext uri="{FF2B5EF4-FFF2-40B4-BE49-F238E27FC236}">
+                <a16:creationId xmlns:a16="http://schemas.microsoft.com/office/drawing/2014/main" id="{2AC6623B-BC1C-5C06-A053-D0D1AC60DA97}"/>
               </a:ext>
             </a:extLst>
           </p:cNvPr>
@@ -7776,7 +7668,7 @@
     </p:spTree>
     <p:extLst>
       <p:ext uri="{BB962C8B-B14F-4D97-AF65-F5344CB8AC3E}">
-        <p14:creationId xmlns:p14="http://schemas.microsoft.com/office/powerpoint/2010/main" val="1867848270"/>
+        <p14:creationId xmlns:p14="http://schemas.microsoft.com/office/powerpoint/2010/main" val="2197261846"/>
       </p:ext>
     </p:extLst>
   </p:cSld>
@@ -7808,7 +7700,7 @@
           <p:cNvPr id="2" name="Title 1">
             <a:extLst>
               <a:ext uri="{FF2B5EF4-FFF2-40B4-BE49-F238E27FC236}">
-                <a16:creationId xmlns:a16="http://schemas.microsoft.com/office/drawing/2014/main" id="{B77DDE1D-3A2E-E9C5-56A5-EB7C29B66E6E}"/>
+                <a16:creationId xmlns:a16="http://schemas.microsoft.com/office/drawing/2014/main" id="{7D7CB648-6653-7AAC-99B7-DA171275249A}"/>
               </a:ext>
             </a:extLst>
           </p:cNvPr>
@@ -7826,7 +7718,7 @@
           <a:p>
             <a:r>
               <a:rPr lang="en-NZ" dirty="0" err="1"/>
-              <a:t>testNotOkToMoveToAGoalAtADiagonalSquare</a:t>
+              <a:t>testGetsErrorMessageWhenMovingToAGoalWithDifferentColorOrShape</a:t>
             </a:r>
             <a:endParaRPr lang="en-NZ" dirty="0"/>
           </a:p>
@@ -7837,7 +7729,7 @@
           <p:cNvPr id="5" name="Content Placeholder 4">
             <a:extLst>
               <a:ext uri="{FF2B5EF4-FFF2-40B4-BE49-F238E27FC236}">
-                <a16:creationId xmlns:a16="http://schemas.microsoft.com/office/drawing/2014/main" id="{C3B25E07-5280-2FB7-CBB2-BCCF8316F53D}"/>
+                <a16:creationId xmlns:a16="http://schemas.microsoft.com/office/drawing/2014/main" id="{8BDD193D-E861-7B17-E1C2-D5AA253A3F6D}"/>
               </a:ext>
             </a:extLst>
           </p:cNvPr>
@@ -7856,17 +7748,17 @@
         </p:blipFill>
         <p:spPr>
           <a:xfrm>
-            <a:off x="838200" y="1690688"/>
-            <a:ext cx="5153744" cy="1076475"/>
+            <a:off x="838200" y="1825750"/>
+            <a:ext cx="4039164" cy="1724266"/>
           </a:xfrm>
         </p:spPr>
       </p:pic>
       <p:pic>
         <p:nvPicPr>
-          <p:cNvPr id="7" name="Picture 6">
-            <a:extLst>
-              <a:ext uri="{FF2B5EF4-FFF2-40B4-BE49-F238E27FC236}">
-                <a16:creationId xmlns:a16="http://schemas.microsoft.com/office/drawing/2014/main" id="{582D536F-1BB5-02FD-A330-D3CBDB64B95A}"/>
+          <p:cNvPr id="6" name="Picture 5">
+            <a:extLst>
+              <a:ext uri="{FF2B5EF4-FFF2-40B4-BE49-F238E27FC236}">
+                <a16:creationId xmlns:a16="http://schemas.microsoft.com/office/drawing/2014/main" id="{51146C75-4033-9E7C-DF72-BC889B49EB49}"/>
               </a:ext>
             </a:extLst>
           </p:cNvPr>
@@ -7883,38 +7775,8 @@
         </p:blipFill>
         <p:spPr>
           <a:xfrm>
-            <a:off x="838200" y="3256094"/>
-            <a:ext cx="5734850" cy="2257740"/>
-          </a:xfrm>
-          <a:prstGeom prst="rect">
-            <a:avLst/>
-          </a:prstGeom>
-        </p:spPr>
-      </p:pic>
-      <p:pic>
-        <p:nvPicPr>
-          <p:cNvPr id="9" name="Picture 8">
-            <a:extLst>
-              <a:ext uri="{FF2B5EF4-FFF2-40B4-BE49-F238E27FC236}">
-                <a16:creationId xmlns:a16="http://schemas.microsoft.com/office/drawing/2014/main" id="{71257281-74FB-A2FF-8AD3-537BAEFE57B8}"/>
-              </a:ext>
-            </a:extLst>
-          </p:cNvPr>
-          <p:cNvPicPr>
-            <a:picLocks noChangeAspect="1"/>
-          </p:cNvPicPr>
-          <p:nvPr/>
-        </p:nvPicPr>
-        <p:blipFill>
-          <a:blip r:embed="rId4"/>
-          <a:stretch>
-            <a:fillRect/>
-          </a:stretch>
-        </p:blipFill>
-        <p:spPr>
-          <a:xfrm>
-            <a:off x="6809873" y="1321724"/>
-            <a:ext cx="5131050" cy="5469361"/>
+            <a:off x="5561792" y="4222889"/>
+            <a:ext cx="5792008" cy="2152950"/>
           </a:xfrm>
           <a:prstGeom prst="rect">
             <a:avLst/>
@@ -7924,7 +7786,7 @@
     </p:spTree>
     <p:extLst>
       <p:ext uri="{BB962C8B-B14F-4D97-AF65-F5344CB8AC3E}">
-        <p14:creationId xmlns:p14="http://schemas.microsoft.com/office/powerpoint/2010/main" val="1456941973"/>
+        <p14:creationId xmlns:p14="http://schemas.microsoft.com/office/powerpoint/2010/main" val="1867848270"/>
       </p:ext>
     </p:extLst>
   </p:cSld>
@@ -7956,7 +7818,7 @@
           <p:cNvPr id="2" name="Title 1">
             <a:extLst>
               <a:ext uri="{FF2B5EF4-FFF2-40B4-BE49-F238E27FC236}">
-                <a16:creationId xmlns:a16="http://schemas.microsoft.com/office/drawing/2014/main" id="{E0BBACC2-F9EC-B5B0-E425-AE413A7EA85D}"/>
+                <a16:creationId xmlns:a16="http://schemas.microsoft.com/office/drawing/2014/main" id="{B77DDE1D-3A2E-E9C5-56A5-EB7C29B66E6E}"/>
               </a:ext>
             </a:extLst>
           </p:cNvPr>
@@ -7967,19 +7829,14 @@
             <p:ph type="title"/>
           </p:nvPr>
         </p:nvSpPr>
-        <p:spPr>
-          <a:xfrm>
-            <a:off x="374073" y="365125"/>
-            <a:ext cx="10979727" cy="1325563"/>
-          </a:xfrm>
-        </p:spPr>
+        <p:spPr/>
         <p:txBody>
           <a:bodyPr/>
           <a:lstStyle/>
           <a:p>
             <a:r>
               <a:rPr lang="en-NZ" dirty="0" err="1"/>
-              <a:t>testNotOkWhenMovingBackwardsToAGoalWithSameColorOrShape</a:t>
+              <a:t>testNotOkToMoveToAGoalAtADiagonalSquare</a:t>
             </a:r>
             <a:endParaRPr lang="en-NZ" dirty="0"/>
           </a:p>
@@ -7987,17 +7844,19 @@
       </p:sp>
       <p:pic>
         <p:nvPicPr>
-          <p:cNvPr id="4" name="Content Placeholder 4">
-            <a:extLst>
-              <a:ext uri="{FF2B5EF4-FFF2-40B4-BE49-F238E27FC236}">
-                <a16:creationId xmlns:a16="http://schemas.microsoft.com/office/drawing/2014/main" id="{9FFCBA2F-7C97-0B7B-1D38-B41F684775A0}"/>
+          <p:cNvPr id="5" name="Content Placeholder 4">
+            <a:extLst>
+              <a:ext uri="{FF2B5EF4-FFF2-40B4-BE49-F238E27FC236}">
+                <a16:creationId xmlns:a16="http://schemas.microsoft.com/office/drawing/2014/main" id="{C3B25E07-5280-2FB7-CBB2-BCCF8316F53D}"/>
               </a:ext>
             </a:extLst>
           </p:cNvPr>
           <p:cNvPicPr>
-            <a:picLocks noChangeAspect="1"/>
+            <a:picLocks noGrp="1" noChangeAspect="1"/>
           </p:cNvPicPr>
-          <p:nvPr/>
+          <p:nvPr>
+            <p:ph idx="1"/>
+          </p:nvPr>
         </p:nvPicPr>
         <p:blipFill>
           <a:blip r:embed="rId2"/>
@@ -8010,17 +7869,14 @@
             <a:off x="838200" y="1690688"/>
             <a:ext cx="5153744" cy="1076475"/>
           </a:xfrm>
-          <a:prstGeom prst="rect">
-            <a:avLst/>
-          </a:prstGeom>
         </p:spPr>
       </p:pic>
       <p:pic>
         <p:nvPicPr>
-          <p:cNvPr id="5" name="Picture 4">
-            <a:extLst>
-              <a:ext uri="{FF2B5EF4-FFF2-40B4-BE49-F238E27FC236}">
-                <a16:creationId xmlns:a16="http://schemas.microsoft.com/office/drawing/2014/main" id="{67F79E68-84D2-7764-CEE9-73DC6E49F87B}"/>
+          <p:cNvPr id="7" name="Picture 6">
+            <a:extLst>
+              <a:ext uri="{FF2B5EF4-FFF2-40B4-BE49-F238E27FC236}">
+                <a16:creationId xmlns:a16="http://schemas.microsoft.com/office/drawing/2014/main" id="{582D536F-1BB5-02FD-A330-D3CBDB64B95A}"/>
               </a:ext>
             </a:extLst>
           </p:cNvPr>
@@ -8047,10 +7903,10 @@
       </p:pic>
       <p:pic>
         <p:nvPicPr>
-          <p:cNvPr id="6" name="Picture 5">
-            <a:extLst>
-              <a:ext uri="{FF2B5EF4-FFF2-40B4-BE49-F238E27FC236}">
-                <a16:creationId xmlns:a16="http://schemas.microsoft.com/office/drawing/2014/main" id="{A5E476E7-454F-B170-AD0A-1F7B5AFA1109}"/>
+          <p:cNvPr id="9" name="Picture 8">
+            <a:extLst>
+              <a:ext uri="{FF2B5EF4-FFF2-40B4-BE49-F238E27FC236}">
+                <a16:creationId xmlns:a16="http://schemas.microsoft.com/office/drawing/2014/main" id="{71257281-74FB-A2FF-8AD3-537BAEFE57B8}"/>
               </a:ext>
             </a:extLst>
           </p:cNvPr>
@@ -8078,7 +7934,7 @@
     </p:spTree>
     <p:extLst>
       <p:ext uri="{BB962C8B-B14F-4D97-AF65-F5344CB8AC3E}">
-        <p14:creationId xmlns:p14="http://schemas.microsoft.com/office/powerpoint/2010/main" val="4190438080"/>
+        <p14:creationId xmlns:p14="http://schemas.microsoft.com/office/powerpoint/2010/main" val="1456941973"/>
       </p:ext>
     </p:extLst>
   </p:cSld>
@@ -8105,99 +7961,130 @@
           <a:chExt cx="0" cy="0"/>
         </a:xfrm>
       </p:grpSpPr>
-      <p:pic>
-        <p:nvPicPr>
-          <p:cNvPr id="5" name="Content Placeholder 4">
-            <a:extLst>
-              <a:ext uri="{FF2B5EF4-FFF2-40B4-BE49-F238E27FC236}">
-                <a16:creationId xmlns:a16="http://schemas.microsoft.com/office/drawing/2014/main" id="{F5F52D1E-7496-7FBB-A032-4CD7C5E16C22}"/>
-              </a:ext>
-            </a:extLst>
-          </p:cNvPr>
-          <p:cNvPicPr>
-            <a:picLocks noGrp="1" noChangeAspect="1"/>
-          </p:cNvPicPr>
+      <p:sp>
+        <p:nvSpPr>
+          <p:cNvPr id="2" name="Title 1">
+            <a:extLst>
+              <a:ext uri="{FF2B5EF4-FFF2-40B4-BE49-F238E27FC236}">
+                <a16:creationId xmlns:a16="http://schemas.microsoft.com/office/drawing/2014/main" id="{3A6A45EA-225A-BEB3-412F-7A1F6AEE2F59}"/>
+              </a:ext>
+            </a:extLst>
+          </p:cNvPr>
+          <p:cNvSpPr>
+            <a:spLocks noGrp="1"/>
+          </p:cNvSpPr>
+          <p:nvPr>
+            <p:ph type="title"/>
+          </p:nvPr>
+        </p:nvSpPr>
+        <p:spPr/>
+        <p:txBody>
+          <a:bodyPr/>
+          <a:lstStyle/>
+          <a:p>
+            <a:r>
+              <a:rPr lang="en-NZ" dirty="0" err="1"/>
+              <a:t>TestGameHoldsLevels</a:t>
+            </a:r>
+            <a:endParaRPr lang="en-NZ" dirty="0"/>
+          </a:p>
+        </p:txBody>
+      </p:sp>
+      <p:sp>
+        <p:nvSpPr>
+          <p:cNvPr id="3" name="Content Placeholder 2">
+            <a:extLst>
+              <a:ext uri="{FF2B5EF4-FFF2-40B4-BE49-F238E27FC236}">
+                <a16:creationId xmlns:a16="http://schemas.microsoft.com/office/drawing/2014/main" id="{ECE75D48-5CD1-7635-8DB3-2107FBC6069C}"/>
+              </a:ext>
+            </a:extLst>
+          </p:cNvPr>
+          <p:cNvSpPr>
+            <a:spLocks noGrp="1"/>
+          </p:cNvSpPr>
           <p:nvPr>
             <p:ph idx="1"/>
           </p:nvPr>
-        </p:nvPicPr>
-        <p:blipFill>
-          <a:blip r:embed="rId2"/>
-          <a:stretch>
-            <a:fillRect/>
-          </a:stretch>
-        </p:blipFill>
-        <p:spPr>
-          <a:xfrm>
-            <a:off x="731514" y="3792731"/>
-            <a:ext cx="4451180" cy="2158148"/>
-          </a:xfrm>
-        </p:spPr>
-      </p:pic>
-      <p:pic>
-        <p:nvPicPr>
-          <p:cNvPr id="6" name="Content Placeholder 4">
-            <a:extLst>
-              <a:ext uri="{FF2B5EF4-FFF2-40B4-BE49-F238E27FC236}">
-                <a16:creationId xmlns:a16="http://schemas.microsoft.com/office/drawing/2014/main" id="{09C1FC3B-2983-EF67-8501-3607ECD751C5}"/>
-              </a:ext>
-            </a:extLst>
-          </p:cNvPr>
-          <p:cNvPicPr>
-            <a:picLocks noChangeAspect="1"/>
-          </p:cNvPicPr>
-          <p:nvPr/>
-        </p:nvPicPr>
-        <p:blipFill>
-          <a:blip r:embed="rId3"/>
-          <a:stretch>
-            <a:fillRect/>
-          </a:stretch>
-        </p:blipFill>
-        <p:spPr>
-          <a:xfrm>
-            <a:off x="663632" y="1443806"/>
-            <a:ext cx="4839375" cy="2105319"/>
-          </a:xfrm>
-          <a:prstGeom prst="rect">
-            <a:avLst/>
-          </a:prstGeom>
-        </p:spPr>
-      </p:pic>
-      <p:pic>
-        <p:nvPicPr>
-          <p:cNvPr id="7" name="Picture 6">
-            <a:extLst>
-              <a:ext uri="{FF2B5EF4-FFF2-40B4-BE49-F238E27FC236}">
-                <a16:creationId xmlns:a16="http://schemas.microsoft.com/office/drawing/2014/main" id="{BB6E2359-4A57-4F44-5E68-EFF2DD66943E}"/>
-              </a:ext>
-            </a:extLst>
-          </p:cNvPr>
-          <p:cNvPicPr>
-            <a:picLocks noChangeAspect="1"/>
-          </p:cNvPicPr>
-          <p:nvPr/>
-        </p:nvPicPr>
-        <p:blipFill>
-          <a:blip r:embed="rId4"/>
-          <a:stretch>
-            <a:fillRect/>
-          </a:stretch>
-        </p:blipFill>
-        <p:spPr>
-          <a:xfrm>
-            <a:off x="6155618" y="1270852"/>
-            <a:ext cx="4906060" cy="3600953"/>
-          </a:xfrm>
-          <a:prstGeom prst="rect">
-            <a:avLst/>
-          </a:prstGeom>
-        </p:spPr>
-      </p:pic>
+        </p:nvSpPr>
+        <p:spPr/>
+        <p:txBody>
+          <a:bodyPr/>
+          <a:lstStyle/>
+          <a:p>
+            <a:pPr>
+              <a:buFont typeface="Wingdings" panose="05000000000000000000" pitchFamily="2" charset="2"/>
+              <a:buChar char="ü"/>
+            </a:pPr>
+            <a:r>
+              <a:rPr lang="en-NZ" dirty="0" err="1"/>
+              <a:t>testGetLevelWidth</a:t>
+            </a:r>
+            <a:r>
+              <a:rPr lang="en-NZ" dirty="0"/>
+              <a:t> </a:t>
+            </a:r>
+          </a:p>
+          <a:p>
+            <a:pPr>
+              <a:buFont typeface="Wingdings" panose="05000000000000000000" pitchFamily="2" charset="2"/>
+              <a:buChar char="ü"/>
+            </a:pPr>
+            <a:r>
+              <a:rPr lang="en-NZ" dirty="0" err="1"/>
+              <a:t>testGetLevelheight</a:t>
+            </a:r>
+            <a:endParaRPr lang="en-NZ" dirty="0"/>
+          </a:p>
+          <a:p>
+            <a:pPr>
+              <a:buFont typeface="Wingdings" panose="05000000000000000000" pitchFamily="2" charset="2"/>
+              <a:buChar char="ü"/>
+            </a:pPr>
+            <a:r>
+              <a:rPr lang="en-NZ" dirty="0" err="1"/>
+              <a:t>testGetLevelCountWithTwoLevels</a:t>
+            </a:r>
+            <a:endParaRPr lang="en-NZ" dirty="0"/>
+          </a:p>
+          <a:p>
+            <a:pPr>
+              <a:buFont typeface="Wingdings" panose="05000000000000000000" pitchFamily="2" charset="2"/>
+              <a:buChar char="ü"/>
+            </a:pPr>
+            <a:r>
+              <a:rPr lang="en-NZ" dirty="0" err="1"/>
+              <a:t>testMostRecentlyAddedLevelIsCurrentLevelbyCheckingSize</a:t>
+            </a:r>
+            <a:endParaRPr lang="en-NZ" dirty="0"/>
+          </a:p>
+          <a:p>
+            <a:pPr>
+              <a:buFont typeface="Wingdings" panose="05000000000000000000" pitchFamily="2" charset="2"/>
+              <a:buChar char="ü"/>
+            </a:pPr>
+            <a:r>
+              <a:rPr lang="en-NZ" dirty="0" err="1"/>
+              <a:t>testSettingLevelChangesCurrentLevelbyCheckingSize</a:t>
+            </a:r>
+            <a:endParaRPr lang="en-NZ" dirty="0"/>
+          </a:p>
+          <a:p>
+            <a:pPr>
+              <a:buFont typeface="Wingdings" panose="05000000000000000000" pitchFamily="2" charset="2"/>
+              <a:buChar char="ü"/>
+            </a:pPr>
+            <a:r>
+              <a:rPr lang="en-NZ" dirty="0" err="1"/>
+              <a:t>testSettingLeveltoToolargeNumberThrowsException</a:t>
+            </a:r>
+            <a:endParaRPr lang="en-NZ" dirty="0"/>
+          </a:p>
+        </p:txBody>
+      </p:sp>
     </p:spTree>
     <p:extLst>
       <p:ext uri="{BB962C8B-B14F-4D97-AF65-F5344CB8AC3E}">
-        <p14:creationId xmlns:p14="http://schemas.microsoft.com/office/powerpoint/2010/main" val="2942037434"/>
+        <p14:creationId xmlns:p14="http://schemas.microsoft.com/office/powerpoint/2010/main" val="611020165"/>
       </p:ext>
     </p:extLst>
   </p:cSld>
@@ -8229,7 +8116,7 @@
           <p:cNvPr id="2" name="Title 1">
             <a:extLst>
               <a:ext uri="{FF2B5EF4-FFF2-40B4-BE49-F238E27FC236}">
-                <a16:creationId xmlns:a16="http://schemas.microsoft.com/office/drawing/2014/main" id="{1D421CC2-631C-D624-91C1-E76D2C1510A2}"/>
+                <a16:creationId xmlns:a16="http://schemas.microsoft.com/office/drawing/2014/main" id="{E0BBACC2-F9EC-B5B0-E425-AE413A7EA85D}"/>
               </a:ext>
             </a:extLst>
           </p:cNvPr>
@@ -8242,45 +8129,35 @@
         </p:nvSpPr>
         <p:spPr>
           <a:xfrm>
-            <a:off x="211282" y="356813"/>
-            <a:ext cx="11769436" cy="1325563"/>
-          </a:xfrm>
-        </p:spPr>
-        <p:txBody>
-          <a:bodyPr>
-            <a:normAutofit fontScale="90000"/>
-          </a:bodyPr>
-          <a:lstStyle/>
-          <a:p>
-            <a:r>
-              <a:rPr lang="en-NZ" dirty="0"/>
-              <a:t>testCompleting1GoalIncreasesCompletedGoalCountBy1</a:t>
-            </a:r>
-            <a:br>
-              <a:rPr lang="en-NZ" dirty="0"/>
-            </a:br>
-            <a:r>
-              <a:rPr lang="en-NZ" dirty="0"/>
-              <a:t>testCompleting1GoalDecreaseGoalCountBy1</a:t>
-            </a:r>
+            <a:off x="374073" y="365125"/>
+            <a:ext cx="10979727" cy="1325563"/>
+          </a:xfrm>
+        </p:spPr>
+        <p:txBody>
+          <a:bodyPr/>
+          <a:lstStyle/>
+          <a:p>
+            <a:r>
+              <a:rPr lang="en-NZ" dirty="0" err="1"/>
+              <a:t>testNotOkWhenMovingBackwardsToAGoalWithSameColorOrShape</a:t>
+            </a:r>
+            <a:endParaRPr lang="en-NZ" dirty="0"/>
           </a:p>
         </p:txBody>
       </p:sp>
       <p:pic>
         <p:nvPicPr>
-          <p:cNvPr id="5" name="Content Placeholder 4">
-            <a:extLst>
-              <a:ext uri="{FF2B5EF4-FFF2-40B4-BE49-F238E27FC236}">
-                <a16:creationId xmlns:a16="http://schemas.microsoft.com/office/drawing/2014/main" id="{E065DC10-ACB7-D160-6537-C5A17CA29BA1}"/>
+          <p:cNvPr id="4" name="Content Placeholder 4">
+            <a:extLst>
+              <a:ext uri="{FF2B5EF4-FFF2-40B4-BE49-F238E27FC236}">
+                <a16:creationId xmlns:a16="http://schemas.microsoft.com/office/drawing/2014/main" id="{9FFCBA2F-7C97-0B7B-1D38-B41F684775A0}"/>
               </a:ext>
             </a:extLst>
           </p:cNvPr>
           <p:cNvPicPr>
-            <a:picLocks noGrp="1" noChangeAspect="1"/>
+            <a:picLocks noChangeAspect="1"/>
           </p:cNvPicPr>
-          <p:nvPr>
-            <p:ph idx="1"/>
-          </p:nvPr>
+          <p:nvPr/>
         </p:nvPicPr>
         <p:blipFill>
           <a:blip r:embed="rId2"/>
@@ -8290,17 +8167,20 @@
         </p:blipFill>
         <p:spPr>
           <a:xfrm>
-            <a:off x="595875" y="2051198"/>
-            <a:ext cx="3086531" cy="990738"/>
-          </a:xfrm>
+            <a:off x="838200" y="1690688"/>
+            <a:ext cx="5153744" cy="1076475"/>
+          </a:xfrm>
+          <a:prstGeom prst="rect">
+            <a:avLst/>
+          </a:prstGeom>
         </p:spPr>
       </p:pic>
       <p:pic>
         <p:nvPicPr>
-          <p:cNvPr id="7" name="Picture 6">
-            <a:extLst>
-              <a:ext uri="{FF2B5EF4-FFF2-40B4-BE49-F238E27FC236}">
-                <a16:creationId xmlns:a16="http://schemas.microsoft.com/office/drawing/2014/main" id="{DE95FBB1-6272-8477-426E-720E15BD0D12}"/>
+          <p:cNvPr id="5" name="Picture 4">
+            <a:extLst>
+              <a:ext uri="{FF2B5EF4-FFF2-40B4-BE49-F238E27FC236}">
+                <a16:creationId xmlns:a16="http://schemas.microsoft.com/office/drawing/2014/main" id="{67F79E68-84D2-7764-CEE9-73DC6E49F87B}"/>
               </a:ext>
             </a:extLst>
           </p:cNvPr>
@@ -8317,8 +8197,38 @@
         </p:blipFill>
         <p:spPr>
           <a:xfrm>
-            <a:off x="4108432" y="2051198"/>
-            <a:ext cx="4401164" cy="3439005"/>
+            <a:off x="838200" y="3256094"/>
+            <a:ext cx="5734850" cy="2257740"/>
+          </a:xfrm>
+          <a:prstGeom prst="rect">
+            <a:avLst/>
+          </a:prstGeom>
+        </p:spPr>
+      </p:pic>
+      <p:pic>
+        <p:nvPicPr>
+          <p:cNvPr id="6" name="Picture 5">
+            <a:extLst>
+              <a:ext uri="{FF2B5EF4-FFF2-40B4-BE49-F238E27FC236}">
+                <a16:creationId xmlns:a16="http://schemas.microsoft.com/office/drawing/2014/main" id="{A5E476E7-454F-B170-AD0A-1F7B5AFA1109}"/>
+              </a:ext>
+            </a:extLst>
+          </p:cNvPr>
+          <p:cNvPicPr>
+            <a:picLocks noChangeAspect="1"/>
+          </p:cNvPicPr>
+          <p:nvPr/>
+        </p:nvPicPr>
+        <p:blipFill>
+          <a:blip r:embed="rId4"/>
+          <a:stretch>
+            <a:fillRect/>
+          </a:stretch>
+        </p:blipFill>
+        <p:spPr>
+          <a:xfrm>
+            <a:off x="6809873" y="1321724"/>
+            <a:ext cx="5131050" cy="5469361"/>
           </a:xfrm>
           <a:prstGeom prst="rect">
             <a:avLst/>
@@ -8328,7 +8238,7 @@
     </p:spTree>
     <p:extLst>
       <p:ext uri="{BB962C8B-B14F-4D97-AF65-F5344CB8AC3E}">
-        <p14:creationId xmlns:p14="http://schemas.microsoft.com/office/powerpoint/2010/main" val="1330131508"/>
+        <p14:creationId xmlns:p14="http://schemas.microsoft.com/office/powerpoint/2010/main" val="4190438080"/>
       </p:ext>
     </p:extLst>
   </p:cSld>
@@ -8360,7 +8270,7 @@
           <p:cNvPr id="2" name="Title 1">
             <a:extLst>
               <a:ext uri="{FF2B5EF4-FFF2-40B4-BE49-F238E27FC236}">
-                <a16:creationId xmlns:a16="http://schemas.microsoft.com/office/drawing/2014/main" id="{E9A4817E-663C-1724-601D-9F898C720BE5}"/>
+                <a16:creationId xmlns:a16="http://schemas.microsoft.com/office/drawing/2014/main" id="{1D421CC2-631C-D624-91C1-E76D2C1510A2}"/>
               </a:ext>
             </a:extLst>
           </p:cNvPr>
@@ -8373,19 +8283,27 @@
         </p:nvSpPr>
         <p:spPr>
           <a:xfrm>
-            <a:off x="40178" y="322791"/>
-            <a:ext cx="12151822" cy="1325563"/>
-          </a:xfrm>
-        </p:spPr>
-        <p:txBody>
-          <a:bodyPr/>
-          <a:lstStyle/>
-          <a:p>
-            <a:r>
-              <a:rPr lang="en-NZ" dirty="0" err="1"/>
-              <a:t>testGoalWillBeRemovedFromSquareAfterCompletingTheGoal</a:t>
-            </a:r>
-            <a:endParaRPr lang="en-NZ" dirty="0"/>
+            <a:off x="211282" y="356813"/>
+            <a:ext cx="11769436" cy="1325563"/>
+          </a:xfrm>
+        </p:spPr>
+        <p:txBody>
+          <a:bodyPr>
+            <a:normAutofit fontScale="90000"/>
+          </a:bodyPr>
+          <a:lstStyle/>
+          <a:p>
+            <a:r>
+              <a:rPr lang="en-NZ" dirty="0"/>
+              <a:t>testCompleting1GoalIncreasesCompletedGoalCountBy1</a:t>
+            </a:r>
+            <a:br>
+              <a:rPr lang="en-NZ" dirty="0"/>
+            </a:br>
+            <a:r>
+              <a:rPr lang="en-NZ" dirty="0"/>
+              <a:t>testCompleting1GoalDecreaseGoalCountBy1</a:t>
+            </a:r>
           </a:p>
         </p:txBody>
       </p:sp>
@@ -8394,7 +8312,7 @@
           <p:cNvPr id="5" name="Content Placeholder 4">
             <a:extLst>
               <a:ext uri="{FF2B5EF4-FFF2-40B4-BE49-F238E27FC236}">
-                <a16:creationId xmlns:a16="http://schemas.microsoft.com/office/drawing/2014/main" id="{467874B4-2008-1EBD-F4F1-38F998F34D87}"/>
+                <a16:creationId xmlns:a16="http://schemas.microsoft.com/office/drawing/2014/main" id="{E065DC10-ACB7-D160-6537-C5A17CA29BA1}"/>
               </a:ext>
             </a:extLst>
           </p:cNvPr>
@@ -8413,15 +8331,45 @@
         </p:blipFill>
         <p:spPr>
           <a:xfrm>
-            <a:off x="2971364" y="1862633"/>
-            <a:ext cx="6249272" cy="4277322"/>
-          </a:xfrm>
+            <a:off x="595875" y="2051198"/>
+            <a:ext cx="3086531" cy="990738"/>
+          </a:xfrm>
+        </p:spPr>
+      </p:pic>
+      <p:pic>
+        <p:nvPicPr>
+          <p:cNvPr id="7" name="Picture 6">
+            <a:extLst>
+              <a:ext uri="{FF2B5EF4-FFF2-40B4-BE49-F238E27FC236}">
+                <a16:creationId xmlns:a16="http://schemas.microsoft.com/office/drawing/2014/main" id="{DE95FBB1-6272-8477-426E-720E15BD0D12}"/>
+              </a:ext>
+            </a:extLst>
+          </p:cNvPr>
+          <p:cNvPicPr>
+            <a:picLocks noChangeAspect="1"/>
+          </p:cNvPicPr>
+          <p:nvPr/>
+        </p:nvPicPr>
+        <p:blipFill>
+          <a:blip r:embed="rId3"/>
+          <a:stretch>
+            <a:fillRect/>
+          </a:stretch>
+        </p:blipFill>
+        <p:spPr>
+          <a:xfrm>
+            <a:off x="4108432" y="2051198"/>
+            <a:ext cx="4401164" cy="3439005"/>
+          </a:xfrm>
+          <a:prstGeom prst="rect">
+            <a:avLst/>
+          </a:prstGeom>
         </p:spPr>
       </p:pic>
     </p:spTree>
     <p:extLst>
       <p:ext uri="{BB962C8B-B14F-4D97-AF65-F5344CB8AC3E}">
-        <p14:creationId xmlns:p14="http://schemas.microsoft.com/office/powerpoint/2010/main" val="1865583193"/>
+        <p14:creationId xmlns:p14="http://schemas.microsoft.com/office/powerpoint/2010/main" val="1330131508"/>
       </p:ext>
     </p:extLst>
   </p:cSld>
@@ -8453,6 +8401,99 @@
           <p:cNvPr id="2" name="Title 1">
             <a:extLst>
               <a:ext uri="{FF2B5EF4-FFF2-40B4-BE49-F238E27FC236}">
+                <a16:creationId xmlns:a16="http://schemas.microsoft.com/office/drawing/2014/main" id="{E9A4817E-663C-1724-601D-9F898C720BE5}"/>
+              </a:ext>
+            </a:extLst>
+          </p:cNvPr>
+          <p:cNvSpPr>
+            <a:spLocks noGrp="1"/>
+          </p:cNvSpPr>
+          <p:nvPr>
+            <p:ph type="title"/>
+          </p:nvPr>
+        </p:nvSpPr>
+        <p:spPr>
+          <a:xfrm>
+            <a:off x="40178" y="322791"/>
+            <a:ext cx="12151822" cy="1325563"/>
+          </a:xfrm>
+        </p:spPr>
+        <p:txBody>
+          <a:bodyPr/>
+          <a:lstStyle/>
+          <a:p>
+            <a:r>
+              <a:rPr lang="en-NZ" dirty="0" err="1"/>
+              <a:t>testGoalWillBeRemovedFromSquareAfterCompletingTheGoal</a:t>
+            </a:r>
+            <a:endParaRPr lang="en-NZ" dirty="0"/>
+          </a:p>
+        </p:txBody>
+      </p:sp>
+      <p:pic>
+        <p:nvPicPr>
+          <p:cNvPr id="5" name="Content Placeholder 4">
+            <a:extLst>
+              <a:ext uri="{FF2B5EF4-FFF2-40B4-BE49-F238E27FC236}">
+                <a16:creationId xmlns:a16="http://schemas.microsoft.com/office/drawing/2014/main" id="{467874B4-2008-1EBD-F4F1-38F998F34D87}"/>
+              </a:ext>
+            </a:extLst>
+          </p:cNvPr>
+          <p:cNvPicPr>
+            <a:picLocks noGrp="1" noChangeAspect="1"/>
+          </p:cNvPicPr>
+          <p:nvPr>
+            <p:ph idx="1"/>
+          </p:nvPr>
+        </p:nvPicPr>
+        <p:blipFill>
+          <a:blip r:embed="rId2"/>
+          <a:stretch>
+            <a:fillRect/>
+          </a:stretch>
+        </p:blipFill>
+        <p:spPr>
+          <a:xfrm>
+            <a:off x="2971364" y="1862633"/>
+            <a:ext cx="6249272" cy="4277322"/>
+          </a:xfrm>
+        </p:spPr>
+      </p:pic>
+    </p:spTree>
+    <p:extLst>
+      <p:ext uri="{BB962C8B-B14F-4D97-AF65-F5344CB8AC3E}">
+        <p14:creationId xmlns:p14="http://schemas.microsoft.com/office/powerpoint/2010/main" val="1865583193"/>
+      </p:ext>
+    </p:extLst>
+  </p:cSld>
+  <p:clrMapOvr>
+    <a:masterClrMapping/>
+  </p:clrMapOvr>
+</p:sld>
+</file>
+
+<file path=ppt/slides/slide43.xml><?xml version="1.0" encoding="utf-8"?>
+<p:sld xmlns:a="http://schemas.openxmlformats.org/drawingml/2006/main" xmlns:r="http://schemas.openxmlformats.org/officeDocument/2006/relationships" xmlns:p="http://schemas.openxmlformats.org/presentationml/2006/main">
+  <p:cSld>
+    <p:spTree>
+      <p:nvGrpSpPr>
+        <p:cNvPr id="1" name=""/>
+        <p:cNvGrpSpPr/>
+        <p:nvPr/>
+      </p:nvGrpSpPr>
+      <p:grpSpPr>
+        <a:xfrm>
+          <a:off x="0" y="0"/>
+          <a:ext cx="0" cy="0"/>
+          <a:chOff x="0" y="0"/>
+          <a:chExt cx="0" cy="0"/>
+        </a:xfrm>
+      </p:grpSpPr>
+      <p:sp>
+        <p:nvSpPr>
+          <p:cNvPr id="2" name="Title 1">
+            <a:extLst>
+              <a:ext uri="{FF2B5EF4-FFF2-40B4-BE49-F238E27FC236}">
                 <a16:creationId xmlns:a16="http://schemas.microsoft.com/office/drawing/2014/main" id="{448C3BB4-5FD7-DA3C-EDE4-A825CCAEF811}"/>
               </a:ext>
             </a:extLst>
@@ -8549,7 +8590,7 @@
 </p:sld>
 </file>
 
-<file path=ppt/slides/slide43.xml><?xml version="1.0" encoding="utf-8"?>
+<file path=ppt/slides/slide44.xml><?xml version="1.0" encoding="utf-8"?>
 <p:sld xmlns:a="http://schemas.openxmlformats.org/drawingml/2006/main" xmlns:r="http://schemas.openxmlformats.org/officeDocument/2006/relationships" xmlns:p="http://schemas.openxmlformats.org/presentationml/2006/main">
   <p:cSld>
     <p:spTree>
@@ -8653,56 +8694,21 @@
           <a:chExt cx="0" cy="0"/>
         </a:xfrm>
       </p:grpSpPr>
-      <p:sp>
-        <p:nvSpPr>
-          <p:cNvPr id="2" name="Title 1">
-            <a:extLst>
-              <a:ext uri="{FF2B5EF4-FFF2-40B4-BE49-F238E27FC236}">
-                <a16:creationId xmlns:a16="http://schemas.microsoft.com/office/drawing/2014/main" id="{6BCAEB2B-4B57-1500-A976-41BE1BE8952F}"/>
-              </a:ext>
-            </a:extLst>
-          </p:cNvPr>
-          <p:cNvSpPr>
-            <a:spLocks noGrp="1"/>
-          </p:cNvSpPr>
-          <p:nvPr>
-            <p:ph type="title"/>
-          </p:nvPr>
-        </p:nvSpPr>
-        <p:spPr/>
-        <p:txBody>
-          <a:bodyPr/>
-          <a:lstStyle/>
-          <a:p>
-            <a:r>
-              <a:rPr lang="en-NZ" dirty="0" err="1"/>
-              <a:t>testGetLevelWidth</a:t>
-            </a:r>
-            <a:r>
-              <a:rPr lang="en-NZ" dirty="0"/>
-              <a:t> &amp; </a:t>
-            </a:r>
-            <a:r>
-              <a:rPr lang="en-NZ" dirty="0" err="1"/>
-              <a:t>testGetLevelHeight</a:t>
-            </a:r>
-            <a:endParaRPr lang="en-NZ" dirty="0"/>
-          </a:p>
-        </p:txBody>
-      </p:sp>
       <p:pic>
         <p:nvPicPr>
-          <p:cNvPr id="13" name="Picture 12">
-            <a:extLst>
-              <a:ext uri="{FF2B5EF4-FFF2-40B4-BE49-F238E27FC236}">
-                <a16:creationId xmlns:a16="http://schemas.microsoft.com/office/drawing/2014/main" id="{98D8EDE4-C056-B857-1817-A1EB1DD82D0E}"/>
+          <p:cNvPr id="5" name="Content Placeholder 4">
+            <a:extLst>
+              <a:ext uri="{FF2B5EF4-FFF2-40B4-BE49-F238E27FC236}">
+                <a16:creationId xmlns:a16="http://schemas.microsoft.com/office/drawing/2014/main" id="{F5F52D1E-7496-7FBB-A032-4CD7C5E16C22}"/>
               </a:ext>
             </a:extLst>
           </p:cNvPr>
           <p:cNvPicPr>
-            <a:picLocks noChangeAspect="1"/>
+            <a:picLocks noGrp="1" noChangeAspect="1"/>
           </p:cNvPicPr>
-          <p:nvPr/>
+          <p:nvPr>
+            <p:ph idx="1"/>
+          </p:nvPr>
         </p:nvPicPr>
         <p:blipFill>
           <a:blip r:embed="rId2"/>
@@ -8712,20 +8718,17 @@
         </p:blipFill>
         <p:spPr>
           <a:xfrm>
-            <a:off x="6008573" y="1690688"/>
-            <a:ext cx="4877481" cy="3343742"/>
-          </a:xfrm>
-          <a:prstGeom prst="rect">
-            <a:avLst/>
-          </a:prstGeom>
+            <a:off x="731514" y="3792731"/>
+            <a:ext cx="4451180" cy="2158148"/>
+          </a:xfrm>
         </p:spPr>
       </p:pic>
       <p:pic>
         <p:nvPicPr>
-          <p:cNvPr id="19" name="Picture 18">
-            <a:extLst>
-              <a:ext uri="{FF2B5EF4-FFF2-40B4-BE49-F238E27FC236}">
-                <a16:creationId xmlns:a16="http://schemas.microsoft.com/office/drawing/2014/main" id="{DD499D5E-C9E0-AA20-1135-5F1EFE022C63}"/>
+          <p:cNvPr id="6" name="Content Placeholder 4">
+            <a:extLst>
+              <a:ext uri="{FF2B5EF4-FFF2-40B4-BE49-F238E27FC236}">
+                <a16:creationId xmlns:a16="http://schemas.microsoft.com/office/drawing/2014/main" id="{09C1FC3B-2983-EF67-8501-3607ECD751C5}"/>
               </a:ext>
             </a:extLst>
           </p:cNvPr>
@@ -8742,8 +8745,8 @@
         </p:blipFill>
         <p:spPr>
           <a:xfrm>
-            <a:off x="838200" y="4269541"/>
-            <a:ext cx="2467319" cy="1286054"/>
+            <a:off x="663632" y="1443806"/>
+            <a:ext cx="4839375" cy="2105319"/>
           </a:xfrm>
           <a:prstGeom prst="rect">
             <a:avLst/>
@@ -8752,19 +8755,17 @@
       </p:pic>
       <p:pic>
         <p:nvPicPr>
-          <p:cNvPr id="23" name="Content Placeholder 22">
-            <a:extLst>
-              <a:ext uri="{FF2B5EF4-FFF2-40B4-BE49-F238E27FC236}">
-                <a16:creationId xmlns:a16="http://schemas.microsoft.com/office/drawing/2014/main" id="{1BF84777-38AD-95A5-4067-149DBA46AE7B}"/>
+          <p:cNvPr id="7" name="Picture 6">
+            <a:extLst>
+              <a:ext uri="{FF2B5EF4-FFF2-40B4-BE49-F238E27FC236}">
+                <a16:creationId xmlns:a16="http://schemas.microsoft.com/office/drawing/2014/main" id="{BB6E2359-4A57-4F44-5E68-EFF2DD66943E}"/>
               </a:ext>
             </a:extLst>
           </p:cNvPr>
           <p:cNvPicPr>
-            <a:picLocks noGrp="1" noChangeAspect="1"/>
+            <a:picLocks noChangeAspect="1"/>
           </p:cNvPicPr>
-          <p:nvPr>
-            <p:ph idx="1"/>
-          </p:nvPr>
+          <p:nvPr/>
         </p:nvPicPr>
         <p:blipFill>
           <a:blip r:embed="rId4"/>
@@ -8774,15 +8775,18 @@
         </p:blipFill>
         <p:spPr>
           <a:xfrm>
-            <a:off x="838200" y="1690688"/>
-            <a:ext cx="3210373" cy="2314898"/>
-          </a:xfrm>
+            <a:off x="6155618" y="1270852"/>
+            <a:ext cx="4906060" cy="3600953"/>
+          </a:xfrm>
+          <a:prstGeom prst="rect">
+            <a:avLst/>
+          </a:prstGeom>
         </p:spPr>
       </p:pic>
     </p:spTree>
     <p:extLst>
       <p:ext uri="{BB962C8B-B14F-4D97-AF65-F5344CB8AC3E}">
-        <p14:creationId xmlns:p14="http://schemas.microsoft.com/office/powerpoint/2010/main" val="3043803803"/>
+        <p14:creationId xmlns:p14="http://schemas.microsoft.com/office/powerpoint/2010/main" val="2942037434"/>
       </p:ext>
     </p:extLst>
   </p:cSld>
@@ -8814,7 +8818,7 @@
           <p:cNvPr id="2" name="Title 1">
             <a:extLst>
               <a:ext uri="{FF2B5EF4-FFF2-40B4-BE49-F238E27FC236}">
-                <a16:creationId xmlns:a16="http://schemas.microsoft.com/office/drawing/2014/main" id="{764A211D-D33F-CBED-933D-4489AF4DABEA}"/>
+                <a16:creationId xmlns:a16="http://schemas.microsoft.com/office/drawing/2014/main" id="{6BCAEB2B-4B57-1500-A976-41BE1BE8952F}"/>
               </a:ext>
             </a:extLst>
           </p:cNvPr>
@@ -8832,7 +8836,7 @@
           <a:p>
             <a:r>
               <a:rPr lang="en-NZ" dirty="0" err="1"/>
-              <a:t>testGetLevelCountWithOneLevel</a:t>
+              <a:t>testGetLevelWidth</a:t>
             </a:r>
             <a:r>
               <a:rPr lang="en-NZ" dirty="0"/>
@@ -8840,7 +8844,7 @@
             </a:r>
             <a:r>
               <a:rPr lang="en-NZ" dirty="0" err="1"/>
-              <a:t>testGetLevelCountWithTwoLevels</a:t>
+              <a:t>testGetLevelHeight</a:t>
             </a:r>
             <a:endParaRPr lang="en-NZ" dirty="0"/>
           </a:p>
@@ -8848,19 +8852,17 @@
       </p:sp>
       <p:pic>
         <p:nvPicPr>
-          <p:cNvPr id="5" name="Content Placeholder 4">
-            <a:extLst>
-              <a:ext uri="{FF2B5EF4-FFF2-40B4-BE49-F238E27FC236}">
-                <a16:creationId xmlns:a16="http://schemas.microsoft.com/office/drawing/2014/main" id="{590AC65C-2608-BB2A-8428-882800DA6027}"/>
+          <p:cNvPr id="13" name="Picture 12">
+            <a:extLst>
+              <a:ext uri="{FF2B5EF4-FFF2-40B4-BE49-F238E27FC236}">
+                <a16:creationId xmlns:a16="http://schemas.microsoft.com/office/drawing/2014/main" id="{98D8EDE4-C056-B857-1817-A1EB1DD82D0E}"/>
               </a:ext>
             </a:extLst>
           </p:cNvPr>
           <p:cNvPicPr>
-            <a:picLocks noGrp="1" noChangeAspect="1"/>
+            <a:picLocks noChangeAspect="1"/>
           </p:cNvPicPr>
-          <p:nvPr>
-            <p:ph idx="1"/>
-          </p:nvPr>
+          <p:nvPr/>
         </p:nvPicPr>
         <p:blipFill>
           <a:blip r:embed="rId2"/>
@@ -8870,17 +8872,20 @@
         </p:blipFill>
         <p:spPr>
           <a:xfrm>
-            <a:off x="838200" y="1819080"/>
-            <a:ext cx="4525006" cy="523948"/>
-          </a:xfrm>
+            <a:off x="6008573" y="1690688"/>
+            <a:ext cx="4877481" cy="3343742"/>
+          </a:xfrm>
+          <a:prstGeom prst="rect">
+            <a:avLst/>
+          </a:prstGeom>
         </p:spPr>
       </p:pic>
       <p:pic>
         <p:nvPicPr>
-          <p:cNvPr id="7" name="Picture 6">
-            <a:extLst>
-              <a:ext uri="{FF2B5EF4-FFF2-40B4-BE49-F238E27FC236}">
-                <a16:creationId xmlns:a16="http://schemas.microsoft.com/office/drawing/2014/main" id="{0DCB6067-85F1-031F-2B9A-402EE01C81DA}"/>
+          <p:cNvPr id="19" name="Picture 18">
+            <a:extLst>
+              <a:ext uri="{FF2B5EF4-FFF2-40B4-BE49-F238E27FC236}">
+                <a16:creationId xmlns:a16="http://schemas.microsoft.com/office/drawing/2014/main" id="{DD499D5E-C9E0-AA20-1135-5F1EFE022C63}"/>
               </a:ext>
             </a:extLst>
           </p:cNvPr>
@@ -8897,8 +8902,8 @@
         </p:blipFill>
         <p:spPr>
           <a:xfrm>
-            <a:off x="838200" y="2562104"/>
-            <a:ext cx="4991797" cy="1733792"/>
+            <a:off x="838200" y="4269541"/>
+            <a:ext cx="2467319" cy="1286054"/>
           </a:xfrm>
           <a:prstGeom prst="rect">
             <a:avLst/>
@@ -8907,17 +8912,19 @@
       </p:pic>
       <p:pic>
         <p:nvPicPr>
-          <p:cNvPr id="9" name="Picture 8">
-            <a:extLst>
-              <a:ext uri="{FF2B5EF4-FFF2-40B4-BE49-F238E27FC236}">
-                <a16:creationId xmlns:a16="http://schemas.microsoft.com/office/drawing/2014/main" id="{A32B03DB-0116-F171-F5F4-0F57EA86C91B}"/>
+          <p:cNvPr id="23" name="Content Placeholder 22">
+            <a:extLst>
+              <a:ext uri="{FF2B5EF4-FFF2-40B4-BE49-F238E27FC236}">
+                <a16:creationId xmlns:a16="http://schemas.microsoft.com/office/drawing/2014/main" id="{1BF84777-38AD-95A5-4067-149DBA46AE7B}"/>
               </a:ext>
             </a:extLst>
           </p:cNvPr>
           <p:cNvPicPr>
-            <a:picLocks noChangeAspect="1"/>
+            <a:picLocks noGrp="1" noChangeAspect="1"/>
           </p:cNvPicPr>
-          <p:nvPr/>
+          <p:nvPr>
+            <p:ph idx="1"/>
+          </p:nvPr>
         </p:nvPicPr>
         <p:blipFill>
           <a:blip r:embed="rId4"/>
@@ -8927,48 +8934,15 @@
         </p:blipFill>
         <p:spPr>
           <a:xfrm>
-            <a:off x="5471294" y="1819080"/>
-            <a:ext cx="2715004" cy="457264"/>
-          </a:xfrm>
-          <a:prstGeom prst="rect">
-            <a:avLst/>
-          </a:prstGeom>
-        </p:spPr>
-      </p:pic>
-      <p:pic>
-        <p:nvPicPr>
-          <p:cNvPr id="11" name="Picture 10">
-            <a:extLst>
-              <a:ext uri="{FF2B5EF4-FFF2-40B4-BE49-F238E27FC236}">
-                <a16:creationId xmlns:a16="http://schemas.microsoft.com/office/drawing/2014/main" id="{DEDBC896-3246-D027-8686-8FAEECDDBD7A}"/>
-              </a:ext>
-            </a:extLst>
-          </p:cNvPr>
-          <p:cNvPicPr>
-            <a:picLocks noChangeAspect="1"/>
-          </p:cNvPicPr>
-          <p:nvPr/>
-        </p:nvPicPr>
-        <p:blipFill>
-          <a:blip r:embed="rId5"/>
-          <a:stretch>
-            <a:fillRect/>
-          </a:stretch>
-        </p:blipFill>
-        <p:spPr>
-          <a:xfrm>
-            <a:off x="5937775" y="2574573"/>
-            <a:ext cx="2810267" cy="1066949"/>
-          </a:xfrm>
-          <a:prstGeom prst="rect">
-            <a:avLst/>
-          </a:prstGeom>
+            <a:off x="838200" y="1690688"/>
+            <a:ext cx="3210373" cy="2314898"/>
+          </a:xfrm>
         </p:spPr>
       </p:pic>
     </p:spTree>
     <p:extLst>
       <p:ext uri="{BB962C8B-B14F-4D97-AF65-F5344CB8AC3E}">
-        <p14:creationId xmlns:p14="http://schemas.microsoft.com/office/powerpoint/2010/main" val="2370813289"/>
+        <p14:creationId xmlns:p14="http://schemas.microsoft.com/office/powerpoint/2010/main" val="3043803803"/>
       </p:ext>
     </p:extLst>
   </p:cSld>
@@ -9000,7 +8974,7 @@
           <p:cNvPr id="2" name="Title 1">
             <a:extLst>
               <a:ext uri="{FF2B5EF4-FFF2-40B4-BE49-F238E27FC236}">
-                <a16:creationId xmlns:a16="http://schemas.microsoft.com/office/drawing/2014/main" id="{871C7227-2896-D1CF-855A-CA00A3FBA8BC}"/>
+                <a16:creationId xmlns:a16="http://schemas.microsoft.com/office/drawing/2014/main" id="{764A211D-D33F-CBED-933D-4489AF4DABEA}"/>
               </a:ext>
             </a:extLst>
           </p:cNvPr>
@@ -9011,19 +8985,22 @@
             <p:ph type="title"/>
           </p:nvPr>
         </p:nvSpPr>
-        <p:spPr>
-          <a:xfrm>
-            <a:off x="423949" y="274441"/>
-            <a:ext cx="10465723" cy="1325563"/>
-          </a:xfrm>
-        </p:spPr>
+        <p:spPr/>
         <p:txBody>
           <a:bodyPr/>
           <a:lstStyle/>
           <a:p>
             <a:r>
               <a:rPr lang="en-NZ" dirty="0" err="1"/>
-              <a:t>testMostRecentlyAddedLevelIsCurrentLevelbyCheckingSize</a:t>
+              <a:t>testGetLevelCountWithOneLevel</a:t>
+            </a:r>
+            <a:r>
+              <a:rPr lang="en-NZ" dirty="0"/>
+              <a:t> &amp; </a:t>
+            </a:r>
+            <a:r>
+              <a:rPr lang="en-NZ" dirty="0" err="1"/>
+              <a:t>testGetLevelCountWithTwoLevels</a:t>
             </a:r>
             <a:endParaRPr lang="en-NZ" dirty="0"/>
           </a:p>
@@ -9034,14 +9011,16 @@
           <p:cNvPr id="5" name="Content Placeholder 4">
             <a:extLst>
               <a:ext uri="{FF2B5EF4-FFF2-40B4-BE49-F238E27FC236}">
-                <a16:creationId xmlns:a16="http://schemas.microsoft.com/office/drawing/2014/main" id="{600A5EC7-1235-A25D-60B3-E6C82E2F229B}"/>
+                <a16:creationId xmlns:a16="http://schemas.microsoft.com/office/drawing/2014/main" id="{590AC65C-2608-BB2A-8428-882800DA6027}"/>
               </a:ext>
             </a:extLst>
           </p:cNvPr>
           <p:cNvPicPr>
-            <a:picLocks noChangeAspect="1"/>
+            <a:picLocks noGrp="1" noChangeAspect="1"/>
           </p:cNvPicPr>
-          <p:nvPr/>
+          <p:nvPr>
+            <p:ph idx="1"/>
+          </p:nvPr>
         </p:nvPicPr>
         <p:blipFill>
           <a:blip r:embed="rId2"/>
@@ -9054,17 +9033,14 @@
             <a:off x="838200" y="1819080"/>
             <a:ext cx="4525006" cy="523948"/>
           </a:xfrm>
-          <a:prstGeom prst="rect">
-            <a:avLst/>
-          </a:prstGeom>
         </p:spPr>
       </p:pic>
       <p:pic>
         <p:nvPicPr>
-          <p:cNvPr id="6" name="Picture 5">
-            <a:extLst>
-              <a:ext uri="{FF2B5EF4-FFF2-40B4-BE49-F238E27FC236}">
-                <a16:creationId xmlns:a16="http://schemas.microsoft.com/office/drawing/2014/main" id="{BE1D7A08-5E3B-71CE-9719-9FA3771779FF}"/>
+          <p:cNvPr id="7" name="Picture 6">
+            <a:extLst>
+              <a:ext uri="{FF2B5EF4-FFF2-40B4-BE49-F238E27FC236}">
+                <a16:creationId xmlns:a16="http://schemas.microsoft.com/office/drawing/2014/main" id="{0DCB6067-85F1-031F-2B9A-402EE01C81DA}"/>
               </a:ext>
             </a:extLst>
           </p:cNvPr>
@@ -9089,10 +9065,70 @@
           </a:prstGeom>
         </p:spPr>
       </p:pic>
+      <p:pic>
+        <p:nvPicPr>
+          <p:cNvPr id="9" name="Picture 8">
+            <a:extLst>
+              <a:ext uri="{FF2B5EF4-FFF2-40B4-BE49-F238E27FC236}">
+                <a16:creationId xmlns:a16="http://schemas.microsoft.com/office/drawing/2014/main" id="{A32B03DB-0116-F171-F5F4-0F57EA86C91B}"/>
+              </a:ext>
+            </a:extLst>
+          </p:cNvPr>
+          <p:cNvPicPr>
+            <a:picLocks noChangeAspect="1"/>
+          </p:cNvPicPr>
+          <p:nvPr/>
+        </p:nvPicPr>
+        <p:blipFill>
+          <a:blip r:embed="rId4"/>
+          <a:stretch>
+            <a:fillRect/>
+          </a:stretch>
+        </p:blipFill>
+        <p:spPr>
+          <a:xfrm>
+            <a:off x="5471294" y="1819080"/>
+            <a:ext cx="2715004" cy="457264"/>
+          </a:xfrm>
+          <a:prstGeom prst="rect">
+            <a:avLst/>
+          </a:prstGeom>
+        </p:spPr>
+      </p:pic>
+      <p:pic>
+        <p:nvPicPr>
+          <p:cNvPr id="11" name="Picture 10">
+            <a:extLst>
+              <a:ext uri="{FF2B5EF4-FFF2-40B4-BE49-F238E27FC236}">
+                <a16:creationId xmlns:a16="http://schemas.microsoft.com/office/drawing/2014/main" id="{DEDBC896-3246-D027-8686-8FAEECDDBD7A}"/>
+              </a:ext>
+            </a:extLst>
+          </p:cNvPr>
+          <p:cNvPicPr>
+            <a:picLocks noChangeAspect="1"/>
+          </p:cNvPicPr>
+          <p:nvPr/>
+        </p:nvPicPr>
+        <p:blipFill>
+          <a:blip r:embed="rId5"/>
+          <a:stretch>
+            <a:fillRect/>
+          </a:stretch>
+        </p:blipFill>
+        <p:spPr>
+          <a:xfrm>
+            <a:off x="5937775" y="2574573"/>
+            <a:ext cx="2810267" cy="1066949"/>
+          </a:xfrm>
+          <a:prstGeom prst="rect">
+            <a:avLst/>
+          </a:prstGeom>
+        </p:spPr>
+      </p:pic>
     </p:spTree>
     <p:extLst>
       <p:ext uri="{BB962C8B-B14F-4D97-AF65-F5344CB8AC3E}">
-        <p14:creationId xmlns:p14="http://schemas.microsoft.com/office/powerpoint/2010/main" val="190525116"/>
+        <p14:creationId xmlns:p14="http://schemas.microsoft.com/office/powerpoint/2010/main" val="2370813289"/>
       </p:ext>
     </p:extLst>
   </p:cSld>
@@ -9124,7 +9160,7 @@
           <p:cNvPr id="2" name="Title 1">
             <a:extLst>
               <a:ext uri="{FF2B5EF4-FFF2-40B4-BE49-F238E27FC236}">
-                <a16:creationId xmlns:a16="http://schemas.microsoft.com/office/drawing/2014/main" id="{A2C3D79F-1DC2-1CBA-D128-DD0A4BF02770}"/>
+                <a16:creationId xmlns:a16="http://schemas.microsoft.com/office/drawing/2014/main" id="{871C7227-2896-D1CF-855A-CA00A3FBA8BC}"/>
               </a:ext>
             </a:extLst>
           </p:cNvPr>
@@ -9137,8 +9173,8 @@
         </p:nvSpPr>
         <p:spPr>
           <a:xfrm>
-            <a:off x="177282" y="365125"/>
-            <a:ext cx="12014718" cy="1325563"/>
+            <a:off x="423949" y="274441"/>
+            <a:ext cx="10465723" cy="1325563"/>
           </a:xfrm>
         </p:spPr>
         <p:txBody>
@@ -9147,7 +9183,7 @@
           <a:p>
             <a:r>
               <a:rPr lang="en-NZ" dirty="0" err="1"/>
-              <a:t>testSettingLevelChangesCurrentLevelbyCheckingSize</a:t>
+              <a:t>testMostRecentlyAddedLevelIsCurrentLevelbyCheckingSize</a:t>
             </a:r>
             <a:endParaRPr lang="en-NZ" dirty="0"/>
           </a:p>
@@ -9155,19 +9191,17 @@
       </p:sp>
       <p:pic>
         <p:nvPicPr>
-          <p:cNvPr id="6" name="Content Placeholder 5">
-            <a:extLst>
-              <a:ext uri="{FF2B5EF4-FFF2-40B4-BE49-F238E27FC236}">
-                <a16:creationId xmlns:a16="http://schemas.microsoft.com/office/drawing/2014/main" id="{EB2BB17F-6DE4-969C-E1A3-115994563AA8}"/>
+          <p:cNvPr id="5" name="Content Placeholder 4">
+            <a:extLst>
+              <a:ext uri="{FF2B5EF4-FFF2-40B4-BE49-F238E27FC236}">
+                <a16:creationId xmlns:a16="http://schemas.microsoft.com/office/drawing/2014/main" id="{600A5EC7-1235-A25D-60B3-E6C82E2F229B}"/>
               </a:ext>
             </a:extLst>
           </p:cNvPr>
           <p:cNvPicPr>
-            <a:picLocks noGrp="1" noChangeAspect="1"/>
+            <a:picLocks noChangeAspect="1"/>
           </p:cNvPicPr>
-          <p:nvPr>
-            <p:ph idx="1"/>
-          </p:nvPr>
+          <p:nvPr/>
         </p:nvPicPr>
         <p:blipFill>
           <a:blip r:embed="rId2"/>
@@ -9177,17 +9211,20 @@
         </p:blipFill>
         <p:spPr>
           <a:xfrm>
-            <a:off x="638553" y="1627942"/>
-            <a:ext cx="5744377" cy="2219635"/>
-          </a:xfrm>
+            <a:off x="838200" y="1819080"/>
+            <a:ext cx="4525006" cy="523948"/>
+          </a:xfrm>
+          <a:prstGeom prst="rect">
+            <a:avLst/>
+          </a:prstGeom>
         </p:spPr>
       </p:pic>
       <p:pic>
         <p:nvPicPr>
-          <p:cNvPr id="8" name="Picture 7">
-            <a:extLst>
-              <a:ext uri="{FF2B5EF4-FFF2-40B4-BE49-F238E27FC236}">
-                <a16:creationId xmlns:a16="http://schemas.microsoft.com/office/drawing/2014/main" id="{771B57D6-4A52-F41F-894B-FC7364321035}"/>
+          <p:cNvPr id="6" name="Picture 5">
+            <a:extLst>
+              <a:ext uri="{FF2B5EF4-FFF2-40B4-BE49-F238E27FC236}">
+                <a16:creationId xmlns:a16="http://schemas.microsoft.com/office/drawing/2014/main" id="{BE1D7A08-5E3B-71CE-9719-9FA3771779FF}"/>
               </a:ext>
             </a:extLst>
           </p:cNvPr>
@@ -9204,8 +9241,8 @@
         </p:blipFill>
         <p:spPr>
           <a:xfrm>
-            <a:off x="6695019" y="1627942"/>
-            <a:ext cx="4858428" cy="4286848"/>
+            <a:off x="838200" y="2562104"/>
+            <a:ext cx="4991797" cy="1733792"/>
           </a:xfrm>
           <a:prstGeom prst="rect">
             <a:avLst/>
@@ -9215,7 +9252,7 @@
     </p:spTree>
     <p:extLst>
       <p:ext uri="{BB962C8B-B14F-4D97-AF65-F5344CB8AC3E}">
-        <p14:creationId xmlns:p14="http://schemas.microsoft.com/office/powerpoint/2010/main" val="618831073"/>
+        <p14:creationId xmlns:p14="http://schemas.microsoft.com/office/powerpoint/2010/main" val="190525116"/>
       </p:ext>
     </p:extLst>
   </p:cSld>
@@ -9247,7 +9284,7 @@
           <p:cNvPr id="2" name="Title 1">
             <a:extLst>
               <a:ext uri="{FF2B5EF4-FFF2-40B4-BE49-F238E27FC236}">
-                <a16:creationId xmlns:a16="http://schemas.microsoft.com/office/drawing/2014/main" id="{701D15D4-1FC5-C5E3-91FD-1FA818A387C3}"/>
+                <a16:creationId xmlns:a16="http://schemas.microsoft.com/office/drawing/2014/main" id="{A2C3D79F-1DC2-1CBA-D128-DD0A4BF02770}"/>
               </a:ext>
             </a:extLst>
           </p:cNvPr>
@@ -9260,8 +9297,8 @@
         </p:nvSpPr>
         <p:spPr>
           <a:xfrm>
-            <a:off x="156556" y="356812"/>
-            <a:ext cx="11878888" cy="1325563"/>
+            <a:off x="177282" y="365125"/>
+            <a:ext cx="12014718" cy="1325563"/>
           </a:xfrm>
         </p:spPr>
         <p:txBody>
@@ -9270,7 +9307,7 @@
           <a:p>
             <a:r>
               <a:rPr lang="en-NZ" dirty="0" err="1"/>
-              <a:t>testSettingLeveltoToolargeNumberThrowsException</a:t>
+              <a:t>testSettingLevelChangesCurrentLevelbyCheckingSize</a:t>
             </a:r>
             <a:endParaRPr lang="en-NZ" dirty="0"/>
           </a:p>
@@ -9278,10 +9315,10 @@
       </p:sp>
       <p:pic>
         <p:nvPicPr>
-          <p:cNvPr id="5" name="Content Placeholder 5">
-            <a:extLst>
-              <a:ext uri="{FF2B5EF4-FFF2-40B4-BE49-F238E27FC236}">
-                <a16:creationId xmlns:a16="http://schemas.microsoft.com/office/drawing/2014/main" id="{13DAF090-99A8-238A-9FD4-535FA2BD34B9}"/>
+          <p:cNvPr id="6" name="Content Placeholder 5">
+            <a:extLst>
+              <a:ext uri="{FF2B5EF4-FFF2-40B4-BE49-F238E27FC236}">
+                <a16:creationId xmlns:a16="http://schemas.microsoft.com/office/drawing/2014/main" id="{EB2BB17F-6DE4-969C-E1A3-115994563AA8}"/>
               </a:ext>
             </a:extLst>
           </p:cNvPr>
@@ -9300,15 +9337,45 @@
         </p:blipFill>
         <p:spPr>
           <a:xfrm>
-            <a:off x="3223811" y="2567280"/>
+            <a:off x="638553" y="1627942"/>
             <a:ext cx="5744377" cy="2219635"/>
           </a:xfrm>
+        </p:spPr>
+      </p:pic>
+      <p:pic>
+        <p:nvPicPr>
+          <p:cNvPr id="8" name="Picture 7">
+            <a:extLst>
+              <a:ext uri="{FF2B5EF4-FFF2-40B4-BE49-F238E27FC236}">
+                <a16:creationId xmlns:a16="http://schemas.microsoft.com/office/drawing/2014/main" id="{771B57D6-4A52-F41F-894B-FC7364321035}"/>
+              </a:ext>
+            </a:extLst>
+          </p:cNvPr>
+          <p:cNvPicPr>
+            <a:picLocks noChangeAspect="1"/>
+          </p:cNvPicPr>
+          <p:nvPr/>
+        </p:nvPicPr>
+        <p:blipFill>
+          <a:blip r:embed="rId3"/>
+          <a:stretch>
+            <a:fillRect/>
+          </a:stretch>
+        </p:blipFill>
+        <p:spPr>
+          <a:xfrm>
+            <a:off x="6695019" y="1627942"/>
+            <a:ext cx="4858428" cy="4286848"/>
+          </a:xfrm>
+          <a:prstGeom prst="rect">
+            <a:avLst/>
+          </a:prstGeom>
         </p:spPr>
       </p:pic>
     </p:spTree>
     <p:extLst>
       <p:ext uri="{BB962C8B-B14F-4D97-AF65-F5344CB8AC3E}">
-        <p14:creationId xmlns:p14="http://schemas.microsoft.com/office/powerpoint/2010/main" val="3797046698"/>
+        <p14:creationId xmlns:p14="http://schemas.microsoft.com/office/powerpoint/2010/main" val="618831073"/>
       </p:ext>
     </p:extLst>
   </p:cSld>
